--- a/Document/PPT/DDS_Debugging3.pptx
+++ b/Document/PPT/DDS_Debugging3.pptx
@@ -5,7 +5,7 @@
     <p:sldMasterId id="2147483648" r:id="rId1"/>
   </p:sldMasterIdLst>
   <p:notesMasterIdLst>
-    <p:notesMasterId r:id="rId10"/>
+    <p:notesMasterId r:id="rId13"/>
   </p:notesMasterIdLst>
   <p:sldIdLst>
     <p:sldId id="256" r:id="rId2"/>
@@ -16,6 +16,9 @@
     <p:sldId id="260" r:id="rId7"/>
     <p:sldId id="261" r:id="rId8"/>
     <p:sldId id="262" r:id="rId9"/>
+    <p:sldId id="264" r:id="rId10"/>
+    <p:sldId id="266" r:id="rId11"/>
+    <p:sldId id="267" r:id="rId12"/>
   </p:sldIdLst>
   <p:sldSz cx="12192000" cy="6858000"/>
   <p:notesSz cx="6858000" cy="9144000"/>
@@ -207,7 +210,7 @@
           <a:p>
             <a:fld id="{8ECD4658-FC5F-4C4A-9C84-93B50C1C7551}" type="datetimeFigureOut">
               <a:rPr kumimoji="1" lang="ko-Kore-KR" altLang="en-US" smtClean="0"/>
-              <a:t>11/27/2023</a:t>
+              <a:t>12/01/2023</a:t>
             </a:fld>
             <a:endParaRPr kumimoji="1" lang="ko-Kore-KR" altLang="en-US"/>
           </a:p>
@@ -4129,6 +4132,5476 @@
 </p:sld>
 </file>
 
+<file path=ppt/slides/slide10.xml><?xml version="1.0" encoding="utf-8"?>
+<p:sld xmlns:a="http://schemas.openxmlformats.org/drawingml/2006/main" xmlns:r="http://schemas.openxmlformats.org/officeDocument/2006/relationships" xmlns:p="http://schemas.openxmlformats.org/presentationml/2006/main">
+  <p:cSld>
+    <p:spTree>
+      <p:nvGrpSpPr>
+        <p:cNvPr id="1" name=""/>
+        <p:cNvGrpSpPr/>
+        <p:nvPr/>
+      </p:nvGrpSpPr>
+      <p:grpSpPr>
+        <a:xfrm>
+          <a:off x="0" y="0"/>
+          <a:ext cx="0" cy="0"/>
+          <a:chOff x="0" y="0"/>
+          <a:chExt cx="0" cy="0"/>
+        </a:xfrm>
+      </p:grpSpPr>
+      <p:sp>
+        <p:nvSpPr>
+          <p:cNvPr id="2" name="제목 1">
+            <a:extLst>
+              <a:ext uri="{FF2B5EF4-FFF2-40B4-BE49-F238E27FC236}">
+                <a16:creationId xmlns:a16="http://schemas.microsoft.com/office/drawing/2014/main" id="{EB79B579-5DB8-40E0-B7BC-F928588C2F35}"/>
+              </a:ext>
+            </a:extLst>
+          </p:cNvPr>
+          <p:cNvSpPr>
+            <a:spLocks noGrp="1"/>
+          </p:cNvSpPr>
+          <p:nvPr>
+            <p:ph type="title"/>
+          </p:nvPr>
+        </p:nvSpPr>
+        <p:spPr/>
+        <p:txBody>
+          <a:bodyPr/>
+          <a:lstStyle/>
+          <a:p>
+            <a:r>
+              <a:rPr lang="en-US" altLang="ko-KR" dirty="0"/>
+              <a:t>Pin</a:t>
+            </a:r>
+            <a:endParaRPr lang="ko-KR" altLang="en-US" dirty="0"/>
+          </a:p>
+        </p:txBody>
+      </p:sp>
+      <p:sp>
+        <p:nvSpPr>
+          <p:cNvPr id="4" name="날짜 개체 틀 3">
+            <a:extLst>
+              <a:ext uri="{FF2B5EF4-FFF2-40B4-BE49-F238E27FC236}">
+                <a16:creationId xmlns:a16="http://schemas.microsoft.com/office/drawing/2014/main" id="{720721E0-C118-42B2-9D52-5D3B11B85C14}"/>
+              </a:ext>
+            </a:extLst>
+          </p:cNvPr>
+          <p:cNvSpPr>
+            <a:spLocks noGrp="1"/>
+          </p:cNvSpPr>
+          <p:nvPr>
+            <p:ph type="dt" sz="half" idx="10"/>
+          </p:nvPr>
+        </p:nvSpPr>
+        <p:spPr/>
+        <p:txBody>
+          <a:bodyPr/>
+          <a:lstStyle/>
+          <a:p>
+            <a:r>
+              <a:rPr kumimoji="1" lang="en-US" altLang="ko-KR">
+                <a:ea typeface="Verdana" panose="020B0604030504040204" pitchFamily="34" charset="0"/>
+              </a:rPr>
+              <a:t>2023. 2. 1.</a:t>
+            </a:r>
+            <a:endParaRPr kumimoji="1" lang="ko-Kore-KR" altLang="en-US" dirty="0"/>
+          </a:p>
+        </p:txBody>
+      </p:sp>
+      <p:graphicFrame>
+        <p:nvGraphicFramePr>
+          <p:cNvPr id="5" name="표 5">
+            <a:extLst>
+              <a:ext uri="{FF2B5EF4-FFF2-40B4-BE49-F238E27FC236}">
+                <a16:creationId xmlns:a16="http://schemas.microsoft.com/office/drawing/2014/main" id="{8F163DE8-6A00-BA50-C39D-FDB7A4E26169}"/>
+              </a:ext>
+            </a:extLst>
+          </p:cNvPr>
+          <p:cNvGraphicFramePr>
+            <a:graphicFrameLocks noGrp="1"/>
+          </p:cNvGraphicFramePr>
+          <p:nvPr>
+            <p:extLst>
+              <p:ext uri="{D42A27DB-BD31-4B8C-83A1-F6EECF244321}">
+                <p14:modId xmlns:p14="http://schemas.microsoft.com/office/powerpoint/2010/main" val="2639548614"/>
+              </p:ext>
+            </p:extLst>
+          </p:nvPr>
+        </p:nvGraphicFramePr>
+        <p:xfrm>
+          <a:off x="219637" y="1434041"/>
+          <a:ext cx="4910628" cy="1280160"/>
+        </p:xfrm>
+        <a:graphic>
+          <a:graphicData uri="http://schemas.openxmlformats.org/drawingml/2006/table">
+            <a:tbl>
+              <a:tblPr firstRow="1" bandRow="1">
+                <a:tableStyleId>{5C22544A-7EE6-4342-B048-85BDC9FD1C3A}</a:tableStyleId>
+              </a:tblPr>
+              <a:tblGrid>
+                <a:gridCol w="818438">
+                  <a:extLst>
+                    <a:ext uri="{9D8B030D-6E8A-4147-A177-3AD203B41FA5}">
+                      <a16:colId xmlns:a16="http://schemas.microsoft.com/office/drawing/2014/main" val="2284201509"/>
+                    </a:ext>
+                  </a:extLst>
+                </a:gridCol>
+                <a:gridCol w="818438">
+                  <a:extLst>
+                    <a:ext uri="{9D8B030D-6E8A-4147-A177-3AD203B41FA5}">
+                      <a16:colId xmlns:a16="http://schemas.microsoft.com/office/drawing/2014/main" val="2468890648"/>
+                    </a:ext>
+                  </a:extLst>
+                </a:gridCol>
+                <a:gridCol w="818438">
+                  <a:extLst>
+                    <a:ext uri="{9D8B030D-6E8A-4147-A177-3AD203B41FA5}">
+                      <a16:colId xmlns:a16="http://schemas.microsoft.com/office/drawing/2014/main" val="3044952866"/>
+                    </a:ext>
+                  </a:extLst>
+                </a:gridCol>
+                <a:gridCol w="818438">
+                  <a:extLst>
+                    <a:ext uri="{9D8B030D-6E8A-4147-A177-3AD203B41FA5}">
+                      <a16:colId xmlns:a16="http://schemas.microsoft.com/office/drawing/2014/main" val="2621733164"/>
+                    </a:ext>
+                  </a:extLst>
+                </a:gridCol>
+                <a:gridCol w="818438">
+                  <a:extLst>
+                    <a:ext uri="{9D8B030D-6E8A-4147-A177-3AD203B41FA5}">
+                      <a16:colId xmlns:a16="http://schemas.microsoft.com/office/drawing/2014/main" val="2543685996"/>
+                    </a:ext>
+                  </a:extLst>
+                </a:gridCol>
+                <a:gridCol w="818438">
+                  <a:extLst>
+                    <a:ext uri="{9D8B030D-6E8A-4147-A177-3AD203B41FA5}">
+                      <a16:colId xmlns:a16="http://schemas.microsoft.com/office/drawing/2014/main" val="543965628"/>
+                    </a:ext>
+                  </a:extLst>
+                </a:gridCol>
+              </a:tblGrid>
+              <a:tr h="594729">
+                <a:tc>
+                  <a:txBody>
+                    <a:bodyPr/>
+                    <a:lstStyle/>
+                    <a:p>
+                      <a:pPr algn="ctr" latinLnBrk="1"/>
+                      <a:r>
+                        <a:rPr lang="en-US" altLang="ko-KR" b="0" dirty="0">
+                          <a:solidFill>
+                            <a:sysClr val="windowText" lastClr="000000"/>
+                          </a:solidFill>
+                        </a:rPr>
+                        <a:t>VCC</a:t>
+                      </a:r>
+                      <a:endParaRPr lang="ko-KR" altLang="en-US" b="0" dirty="0">
+                        <a:solidFill>
+                          <a:sysClr val="windowText" lastClr="000000"/>
+                        </a:solidFill>
+                      </a:endParaRPr>
+                    </a:p>
+                  </a:txBody>
+                  <a:tcPr>
+                    <a:lnL w="12700" cap="flat" cmpd="sng" algn="ctr">
+                      <a:solidFill>
+                        <a:schemeClr val="tx1"/>
+                      </a:solidFill>
+                      <a:prstDash val="solid"/>
+                      <a:round/>
+                      <a:headEnd type="none" w="med" len="med"/>
+                      <a:tailEnd type="none" w="med" len="med"/>
+                    </a:lnL>
+                    <a:lnR w="12700" cap="flat" cmpd="sng" algn="ctr">
+                      <a:solidFill>
+                        <a:schemeClr val="tx1"/>
+                      </a:solidFill>
+                      <a:prstDash val="solid"/>
+                      <a:round/>
+                      <a:headEnd type="none" w="med" len="med"/>
+                      <a:tailEnd type="none" w="med" len="med"/>
+                    </a:lnR>
+                    <a:lnT w="12700" cap="flat" cmpd="sng" algn="ctr">
+                      <a:solidFill>
+                        <a:schemeClr val="tx1"/>
+                      </a:solidFill>
+                      <a:prstDash val="solid"/>
+                      <a:round/>
+                      <a:headEnd type="none" w="med" len="med"/>
+                      <a:tailEnd type="none" w="med" len="med"/>
+                    </a:lnT>
+                    <a:lnB w="12700" cap="flat" cmpd="sng" algn="ctr">
+                      <a:solidFill>
+                        <a:schemeClr val="tx1"/>
+                      </a:solidFill>
+                      <a:prstDash val="solid"/>
+                      <a:round/>
+                      <a:headEnd type="none" w="med" len="med"/>
+                      <a:tailEnd type="none" w="med" len="med"/>
+                    </a:lnB>
+                    <a:lnTlToBr w="12700" cmpd="sng">
+                      <a:noFill/>
+                      <a:prstDash val="solid"/>
+                    </a:lnTlToBr>
+                    <a:lnBlToTr w="12700" cmpd="sng">
+                      <a:noFill/>
+                      <a:prstDash val="solid"/>
+                    </a:lnBlToTr>
+                    <a:noFill/>
+                  </a:tcPr>
+                </a:tc>
+                <a:tc>
+                  <a:txBody>
+                    <a:bodyPr/>
+                    <a:lstStyle/>
+                    <a:p>
+                      <a:pPr algn="ctr" latinLnBrk="1"/>
+                      <a:r>
+                        <a:rPr lang="en-US" altLang="ko-KR" b="0" dirty="0">
+                          <a:solidFill>
+                            <a:sysClr val="windowText" lastClr="000000"/>
+                          </a:solidFill>
+                        </a:rPr>
+                        <a:t>GND</a:t>
+                      </a:r>
+                      <a:endParaRPr lang="ko-KR" altLang="en-US" b="0" dirty="0">
+                        <a:solidFill>
+                          <a:sysClr val="windowText" lastClr="000000"/>
+                        </a:solidFill>
+                      </a:endParaRPr>
+                    </a:p>
+                  </a:txBody>
+                  <a:tcPr>
+                    <a:lnL w="12700" cap="flat" cmpd="sng" algn="ctr">
+                      <a:solidFill>
+                        <a:schemeClr val="tx1"/>
+                      </a:solidFill>
+                      <a:prstDash val="solid"/>
+                      <a:round/>
+                      <a:headEnd type="none" w="med" len="med"/>
+                      <a:tailEnd type="none" w="med" len="med"/>
+                    </a:lnL>
+                    <a:lnR w="12700" cap="flat" cmpd="sng" algn="ctr">
+                      <a:solidFill>
+                        <a:schemeClr val="tx1"/>
+                      </a:solidFill>
+                      <a:prstDash val="solid"/>
+                      <a:round/>
+                      <a:headEnd type="none" w="med" len="med"/>
+                      <a:tailEnd type="none" w="med" len="med"/>
+                    </a:lnR>
+                    <a:lnT w="12700" cap="flat" cmpd="sng" algn="ctr">
+                      <a:solidFill>
+                        <a:schemeClr val="tx1"/>
+                      </a:solidFill>
+                      <a:prstDash val="solid"/>
+                      <a:round/>
+                      <a:headEnd type="none" w="med" len="med"/>
+                      <a:tailEnd type="none" w="med" len="med"/>
+                    </a:lnT>
+                    <a:lnB w="12700" cap="flat" cmpd="sng" algn="ctr">
+                      <a:solidFill>
+                        <a:schemeClr val="tx1"/>
+                      </a:solidFill>
+                      <a:prstDash val="solid"/>
+                      <a:round/>
+                      <a:headEnd type="none" w="med" len="med"/>
+                      <a:tailEnd type="none" w="med" len="med"/>
+                    </a:lnB>
+                    <a:lnTlToBr w="12700" cmpd="sng">
+                      <a:noFill/>
+                      <a:prstDash val="solid"/>
+                    </a:lnTlToBr>
+                    <a:lnBlToTr w="12700" cmpd="sng">
+                      <a:noFill/>
+                      <a:prstDash val="solid"/>
+                    </a:lnBlToTr>
+                    <a:noFill/>
+                  </a:tcPr>
+                </a:tc>
+                <a:tc>
+                  <a:txBody>
+                    <a:bodyPr/>
+                    <a:lstStyle/>
+                    <a:p>
+                      <a:pPr algn="ctr" latinLnBrk="1"/>
+                      <a:r>
+                        <a:rPr lang="en-US" altLang="ko-KR" b="0" dirty="0">
+                          <a:solidFill>
+                            <a:sysClr val="windowText" lastClr="000000"/>
+                          </a:solidFill>
+                        </a:rPr>
+                        <a:t>ja_3</a:t>
+                      </a:r>
+                    </a:p>
+                    <a:p>
+                      <a:pPr algn="ctr" latinLnBrk="1"/>
+                      <a:r>
+                        <a:rPr lang="en-US" altLang="ko-KR" b="0">
+                          <a:solidFill>
+                            <a:sysClr val="windowText" lastClr="000000"/>
+                          </a:solidFill>
+                        </a:rPr>
+                        <a:t>CSB2</a:t>
+                      </a:r>
+                      <a:endParaRPr lang="ko-KR" altLang="en-US" b="0" dirty="0">
+                        <a:solidFill>
+                          <a:sysClr val="windowText" lastClr="000000"/>
+                        </a:solidFill>
+                      </a:endParaRPr>
+                    </a:p>
+                  </a:txBody>
+                  <a:tcPr>
+                    <a:lnL w="12700" cap="flat" cmpd="sng" algn="ctr">
+                      <a:solidFill>
+                        <a:schemeClr val="tx1"/>
+                      </a:solidFill>
+                      <a:prstDash val="solid"/>
+                      <a:round/>
+                      <a:headEnd type="none" w="med" len="med"/>
+                      <a:tailEnd type="none" w="med" len="med"/>
+                    </a:lnL>
+                    <a:lnR w="12700" cap="flat" cmpd="sng" algn="ctr">
+                      <a:solidFill>
+                        <a:schemeClr val="tx1"/>
+                      </a:solidFill>
+                      <a:prstDash val="solid"/>
+                      <a:round/>
+                      <a:headEnd type="none" w="med" len="med"/>
+                      <a:tailEnd type="none" w="med" len="med"/>
+                    </a:lnR>
+                    <a:lnT w="12700" cap="flat" cmpd="sng" algn="ctr">
+                      <a:solidFill>
+                        <a:schemeClr val="tx1"/>
+                      </a:solidFill>
+                      <a:prstDash val="solid"/>
+                      <a:round/>
+                      <a:headEnd type="none" w="med" len="med"/>
+                      <a:tailEnd type="none" w="med" len="med"/>
+                    </a:lnT>
+                    <a:lnB w="12700" cap="flat" cmpd="sng" algn="ctr">
+                      <a:solidFill>
+                        <a:schemeClr val="tx1"/>
+                      </a:solidFill>
+                      <a:prstDash val="solid"/>
+                      <a:round/>
+                      <a:headEnd type="none" w="med" len="med"/>
+                      <a:tailEnd type="none" w="med" len="med"/>
+                    </a:lnB>
+                    <a:lnTlToBr w="12700" cmpd="sng">
+                      <a:noFill/>
+                      <a:prstDash val="solid"/>
+                    </a:lnTlToBr>
+                    <a:lnBlToTr w="12700" cmpd="sng">
+                      <a:noFill/>
+                      <a:prstDash val="solid"/>
+                    </a:lnBlToTr>
+                    <a:solidFill>
+                      <a:srgbClr val="FF0000"/>
+                    </a:solidFill>
+                  </a:tcPr>
+                </a:tc>
+                <a:tc>
+                  <a:txBody>
+                    <a:bodyPr/>
+                    <a:lstStyle/>
+                    <a:p>
+                      <a:pPr algn="ctr" latinLnBrk="1"/>
+                      <a:r>
+                        <a:rPr lang="en-US" altLang="ko-KR" b="0" dirty="0">
+                          <a:solidFill>
+                            <a:sysClr val="windowText" lastClr="000000"/>
+                          </a:solidFill>
+                        </a:rPr>
+                        <a:t>ja_2</a:t>
+                      </a:r>
+                    </a:p>
+                    <a:p>
+                      <a:pPr algn="ctr" latinLnBrk="1"/>
+                      <a:r>
+                        <a:rPr lang="en-US" altLang="ko-KR" b="0">
+                          <a:solidFill>
+                            <a:sysClr val="windowText" lastClr="000000"/>
+                          </a:solidFill>
+                        </a:rPr>
+                        <a:t>T_SRT</a:t>
+                      </a:r>
+                      <a:endParaRPr lang="ko-KR" altLang="en-US" b="0" dirty="0">
+                        <a:solidFill>
+                          <a:sysClr val="windowText" lastClr="000000"/>
+                        </a:solidFill>
+                      </a:endParaRPr>
+                    </a:p>
+                  </a:txBody>
+                  <a:tcPr>
+                    <a:lnL w="12700" cap="flat" cmpd="sng" algn="ctr">
+                      <a:solidFill>
+                        <a:schemeClr val="tx1"/>
+                      </a:solidFill>
+                      <a:prstDash val="solid"/>
+                      <a:round/>
+                      <a:headEnd type="none" w="med" len="med"/>
+                      <a:tailEnd type="none" w="med" len="med"/>
+                    </a:lnL>
+                    <a:lnR w="12700" cap="flat" cmpd="sng" algn="ctr">
+                      <a:solidFill>
+                        <a:schemeClr val="tx1"/>
+                      </a:solidFill>
+                      <a:prstDash val="solid"/>
+                      <a:round/>
+                      <a:headEnd type="none" w="med" len="med"/>
+                      <a:tailEnd type="none" w="med" len="med"/>
+                    </a:lnR>
+                    <a:lnT w="12700" cap="flat" cmpd="sng" algn="ctr">
+                      <a:solidFill>
+                        <a:schemeClr val="tx1"/>
+                      </a:solidFill>
+                      <a:prstDash val="solid"/>
+                      <a:round/>
+                      <a:headEnd type="none" w="med" len="med"/>
+                      <a:tailEnd type="none" w="med" len="med"/>
+                    </a:lnT>
+                    <a:lnB w="12700" cap="flat" cmpd="sng" algn="ctr">
+                      <a:solidFill>
+                        <a:schemeClr val="tx1"/>
+                      </a:solidFill>
+                      <a:prstDash val="solid"/>
+                      <a:round/>
+                      <a:headEnd type="none" w="med" len="med"/>
+                      <a:tailEnd type="none" w="med" len="med"/>
+                    </a:lnB>
+                    <a:lnTlToBr w="12700" cmpd="sng">
+                      <a:noFill/>
+                      <a:prstDash val="solid"/>
+                    </a:lnTlToBr>
+                    <a:lnBlToTr w="12700" cmpd="sng">
+                      <a:noFill/>
+                      <a:prstDash val="solid"/>
+                    </a:lnBlToTr>
+                    <a:solidFill>
+                      <a:srgbClr val="FF0000"/>
+                    </a:solidFill>
+                  </a:tcPr>
+                </a:tc>
+                <a:tc>
+                  <a:txBody>
+                    <a:bodyPr/>
+                    <a:lstStyle/>
+                    <a:p>
+                      <a:pPr algn="ctr" latinLnBrk="1"/>
+                      <a:r>
+                        <a:rPr lang="en-US" altLang="ko-KR" b="0" dirty="0">
+                          <a:solidFill>
+                            <a:sysClr val="windowText" lastClr="000000"/>
+                          </a:solidFill>
+                        </a:rPr>
+                        <a:t>ja_1</a:t>
+                      </a:r>
+                    </a:p>
+                    <a:p>
+                      <a:pPr algn="ctr" latinLnBrk="1"/>
+                      <a:r>
+                        <a:rPr lang="en-US" altLang="ko-KR" b="0">
+                          <a:solidFill>
+                            <a:sysClr val="windowText" lastClr="000000"/>
+                          </a:solidFill>
+                        </a:rPr>
+                        <a:t>T_STP</a:t>
+                      </a:r>
+                      <a:endParaRPr lang="ko-KR" altLang="en-US" b="0" dirty="0">
+                        <a:solidFill>
+                          <a:sysClr val="windowText" lastClr="000000"/>
+                        </a:solidFill>
+                      </a:endParaRPr>
+                    </a:p>
+                  </a:txBody>
+                  <a:tcPr>
+                    <a:lnL w="12700" cap="flat" cmpd="sng" algn="ctr">
+                      <a:solidFill>
+                        <a:schemeClr val="tx1"/>
+                      </a:solidFill>
+                      <a:prstDash val="solid"/>
+                      <a:round/>
+                      <a:headEnd type="none" w="med" len="med"/>
+                      <a:tailEnd type="none" w="med" len="med"/>
+                    </a:lnL>
+                    <a:lnR w="12700" cap="flat" cmpd="sng" algn="ctr">
+                      <a:solidFill>
+                        <a:schemeClr val="tx1"/>
+                      </a:solidFill>
+                      <a:prstDash val="solid"/>
+                      <a:round/>
+                      <a:headEnd type="none" w="med" len="med"/>
+                      <a:tailEnd type="none" w="med" len="med"/>
+                    </a:lnR>
+                    <a:lnT w="12700" cap="flat" cmpd="sng" algn="ctr">
+                      <a:solidFill>
+                        <a:schemeClr val="tx1"/>
+                      </a:solidFill>
+                      <a:prstDash val="solid"/>
+                      <a:round/>
+                      <a:headEnd type="none" w="med" len="med"/>
+                      <a:tailEnd type="none" w="med" len="med"/>
+                    </a:lnT>
+                    <a:lnB w="12700" cap="flat" cmpd="sng" algn="ctr">
+                      <a:solidFill>
+                        <a:schemeClr val="tx1"/>
+                      </a:solidFill>
+                      <a:prstDash val="solid"/>
+                      <a:round/>
+                      <a:headEnd type="none" w="med" len="med"/>
+                      <a:tailEnd type="none" w="med" len="med"/>
+                    </a:lnB>
+                    <a:lnTlToBr w="12700" cmpd="sng">
+                      <a:noFill/>
+                      <a:prstDash val="solid"/>
+                    </a:lnTlToBr>
+                    <a:lnBlToTr w="12700" cmpd="sng">
+                      <a:noFill/>
+                      <a:prstDash val="solid"/>
+                    </a:lnBlToTr>
+                    <a:solidFill>
+                      <a:srgbClr val="FF0000"/>
+                    </a:solidFill>
+                  </a:tcPr>
+                </a:tc>
+                <a:tc>
+                  <a:txBody>
+                    <a:bodyPr/>
+                    <a:lstStyle/>
+                    <a:p>
+                      <a:pPr algn="ctr" latinLnBrk="1"/>
+                      <a:r>
+                        <a:rPr lang="en-US" altLang="ko-KR" b="0" dirty="0">
+                          <a:solidFill>
+                            <a:sysClr val="windowText" lastClr="000000"/>
+                          </a:solidFill>
+                        </a:rPr>
+                        <a:t>ja_0</a:t>
+                      </a:r>
+                    </a:p>
+                    <a:p>
+                      <a:pPr algn="ctr" latinLnBrk="1"/>
+                      <a:r>
+                        <a:rPr lang="en-US" altLang="ko-KR" b="0">
+                          <a:solidFill>
+                            <a:sysClr val="windowText" lastClr="000000"/>
+                          </a:solidFill>
+                        </a:rPr>
+                        <a:t>GPI</a:t>
+                      </a:r>
+                      <a:endParaRPr lang="ko-KR" altLang="en-US" b="0" dirty="0">
+                        <a:solidFill>
+                          <a:sysClr val="windowText" lastClr="000000"/>
+                        </a:solidFill>
+                      </a:endParaRPr>
+                    </a:p>
+                  </a:txBody>
+                  <a:tcPr>
+                    <a:lnL w="12700" cap="flat" cmpd="sng" algn="ctr">
+                      <a:solidFill>
+                        <a:schemeClr val="tx1"/>
+                      </a:solidFill>
+                      <a:prstDash val="solid"/>
+                      <a:round/>
+                      <a:headEnd type="none" w="med" len="med"/>
+                      <a:tailEnd type="none" w="med" len="med"/>
+                    </a:lnL>
+                    <a:lnR w="12700" cap="flat" cmpd="sng" algn="ctr">
+                      <a:solidFill>
+                        <a:schemeClr val="tx1"/>
+                      </a:solidFill>
+                      <a:prstDash val="solid"/>
+                      <a:round/>
+                      <a:headEnd type="none" w="med" len="med"/>
+                      <a:tailEnd type="none" w="med" len="med"/>
+                    </a:lnR>
+                    <a:lnT w="12700" cap="flat" cmpd="sng" algn="ctr">
+                      <a:solidFill>
+                        <a:schemeClr val="tx1"/>
+                      </a:solidFill>
+                      <a:prstDash val="solid"/>
+                      <a:round/>
+                      <a:headEnd type="none" w="med" len="med"/>
+                      <a:tailEnd type="none" w="med" len="med"/>
+                    </a:lnT>
+                    <a:lnB w="12700" cap="flat" cmpd="sng" algn="ctr">
+                      <a:solidFill>
+                        <a:schemeClr val="tx1"/>
+                      </a:solidFill>
+                      <a:prstDash val="solid"/>
+                      <a:round/>
+                      <a:headEnd type="none" w="med" len="med"/>
+                      <a:tailEnd type="none" w="med" len="med"/>
+                    </a:lnB>
+                    <a:lnTlToBr w="12700" cmpd="sng">
+                      <a:noFill/>
+                      <a:prstDash val="solid"/>
+                    </a:lnTlToBr>
+                    <a:lnBlToTr w="12700" cmpd="sng">
+                      <a:noFill/>
+                      <a:prstDash val="solid"/>
+                    </a:lnBlToTr>
+                    <a:solidFill>
+                      <a:srgbClr val="FF0000"/>
+                    </a:solidFill>
+                  </a:tcPr>
+                </a:tc>
+                <a:extLst>
+                  <a:ext uri="{0D108BD9-81ED-4DB2-BD59-A6C34878D82A}">
+                    <a16:rowId xmlns:a16="http://schemas.microsoft.com/office/drawing/2014/main" val="2013902506"/>
+                  </a:ext>
+                </a:extLst>
+              </a:tr>
+              <a:tr h="594729">
+                <a:tc>
+                  <a:txBody>
+                    <a:bodyPr/>
+                    <a:lstStyle/>
+                    <a:p>
+                      <a:pPr algn="ctr" latinLnBrk="1"/>
+                      <a:r>
+                        <a:rPr lang="en-US" altLang="ko-KR" b="0" dirty="0">
+                          <a:solidFill>
+                            <a:sysClr val="windowText" lastClr="000000"/>
+                          </a:solidFill>
+                        </a:rPr>
+                        <a:t>VCC</a:t>
+                      </a:r>
+                      <a:endParaRPr lang="ko-KR" altLang="en-US" b="0" dirty="0">
+                        <a:solidFill>
+                          <a:sysClr val="windowText" lastClr="000000"/>
+                        </a:solidFill>
+                      </a:endParaRPr>
+                    </a:p>
+                  </a:txBody>
+                  <a:tcPr>
+                    <a:lnL w="12700" cap="flat" cmpd="sng" algn="ctr">
+                      <a:solidFill>
+                        <a:schemeClr val="tx1"/>
+                      </a:solidFill>
+                      <a:prstDash val="solid"/>
+                      <a:round/>
+                      <a:headEnd type="none" w="med" len="med"/>
+                      <a:tailEnd type="none" w="med" len="med"/>
+                    </a:lnL>
+                    <a:lnR w="12700" cap="flat" cmpd="sng" algn="ctr">
+                      <a:solidFill>
+                        <a:schemeClr val="tx1"/>
+                      </a:solidFill>
+                      <a:prstDash val="solid"/>
+                      <a:round/>
+                      <a:headEnd type="none" w="med" len="med"/>
+                      <a:tailEnd type="none" w="med" len="med"/>
+                    </a:lnR>
+                    <a:lnT w="12700" cap="flat" cmpd="sng" algn="ctr">
+                      <a:solidFill>
+                        <a:schemeClr val="tx1"/>
+                      </a:solidFill>
+                      <a:prstDash val="solid"/>
+                      <a:round/>
+                      <a:headEnd type="none" w="med" len="med"/>
+                      <a:tailEnd type="none" w="med" len="med"/>
+                    </a:lnT>
+                    <a:lnB w="12700" cap="flat" cmpd="sng" algn="ctr">
+                      <a:solidFill>
+                        <a:schemeClr val="tx1"/>
+                      </a:solidFill>
+                      <a:prstDash val="solid"/>
+                      <a:round/>
+                      <a:headEnd type="none" w="med" len="med"/>
+                      <a:tailEnd type="none" w="med" len="med"/>
+                    </a:lnB>
+                    <a:lnTlToBr w="12700" cmpd="sng">
+                      <a:noFill/>
+                      <a:prstDash val="solid"/>
+                    </a:lnTlToBr>
+                    <a:lnBlToTr w="12700" cmpd="sng">
+                      <a:noFill/>
+                      <a:prstDash val="solid"/>
+                    </a:lnBlToTr>
+                    <a:noFill/>
+                  </a:tcPr>
+                </a:tc>
+                <a:tc>
+                  <a:txBody>
+                    <a:bodyPr/>
+                    <a:lstStyle/>
+                    <a:p>
+                      <a:pPr algn="ctr" latinLnBrk="1"/>
+                      <a:r>
+                        <a:rPr lang="en-US" altLang="ko-KR" b="0" dirty="0">
+                          <a:solidFill>
+                            <a:sysClr val="windowText" lastClr="000000"/>
+                          </a:solidFill>
+                        </a:rPr>
+                        <a:t>GND</a:t>
+                      </a:r>
+                      <a:endParaRPr lang="ko-KR" altLang="en-US" b="0" dirty="0">
+                        <a:solidFill>
+                          <a:sysClr val="windowText" lastClr="000000"/>
+                        </a:solidFill>
+                      </a:endParaRPr>
+                    </a:p>
+                  </a:txBody>
+                  <a:tcPr>
+                    <a:lnL w="12700" cap="flat" cmpd="sng" algn="ctr">
+                      <a:solidFill>
+                        <a:schemeClr val="tx1"/>
+                      </a:solidFill>
+                      <a:prstDash val="solid"/>
+                      <a:round/>
+                      <a:headEnd type="none" w="med" len="med"/>
+                      <a:tailEnd type="none" w="med" len="med"/>
+                    </a:lnL>
+                    <a:lnR w="12700" cap="flat" cmpd="sng" algn="ctr">
+                      <a:solidFill>
+                        <a:schemeClr val="tx1"/>
+                      </a:solidFill>
+                      <a:prstDash val="solid"/>
+                      <a:round/>
+                      <a:headEnd type="none" w="med" len="med"/>
+                      <a:tailEnd type="none" w="med" len="med"/>
+                    </a:lnR>
+                    <a:lnT w="12700" cap="flat" cmpd="sng" algn="ctr">
+                      <a:solidFill>
+                        <a:schemeClr val="tx1"/>
+                      </a:solidFill>
+                      <a:prstDash val="solid"/>
+                      <a:round/>
+                      <a:headEnd type="none" w="med" len="med"/>
+                      <a:tailEnd type="none" w="med" len="med"/>
+                    </a:lnT>
+                    <a:lnB w="12700" cap="flat" cmpd="sng" algn="ctr">
+                      <a:solidFill>
+                        <a:schemeClr val="tx1"/>
+                      </a:solidFill>
+                      <a:prstDash val="solid"/>
+                      <a:round/>
+                      <a:headEnd type="none" w="med" len="med"/>
+                      <a:tailEnd type="none" w="med" len="med"/>
+                    </a:lnB>
+                    <a:lnTlToBr w="12700" cmpd="sng">
+                      <a:noFill/>
+                      <a:prstDash val="solid"/>
+                    </a:lnTlToBr>
+                    <a:lnBlToTr w="12700" cmpd="sng">
+                      <a:noFill/>
+                      <a:prstDash val="solid"/>
+                    </a:lnBlToTr>
+                    <a:noFill/>
+                  </a:tcPr>
+                </a:tc>
+                <a:tc>
+                  <a:txBody>
+                    <a:bodyPr/>
+                    <a:lstStyle/>
+                    <a:p>
+                      <a:pPr algn="ctr" latinLnBrk="1"/>
+                      <a:r>
+                        <a:rPr lang="en-US" altLang="ko-KR" b="0" dirty="0">
+                          <a:solidFill>
+                            <a:sysClr val="windowText" lastClr="000000"/>
+                          </a:solidFill>
+                        </a:rPr>
+                        <a:t>ja_7</a:t>
+                      </a:r>
+                    </a:p>
+                    <a:p>
+                      <a:pPr algn="ctr" latinLnBrk="1"/>
+                      <a:r>
+                        <a:rPr lang="en-US" altLang="ko-KR" b="0">
+                          <a:solidFill>
+                            <a:sysClr val="windowText" lastClr="000000"/>
+                          </a:solidFill>
+                        </a:rPr>
+                        <a:t>SDIO1</a:t>
+                      </a:r>
+                      <a:endParaRPr lang="ko-KR" altLang="en-US" b="0" dirty="0">
+                        <a:solidFill>
+                          <a:sysClr val="windowText" lastClr="000000"/>
+                        </a:solidFill>
+                      </a:endParaRPr>
+                    </a:p>
+                  </a:txBody>
+                  <a:tcPr>
+                    <a:lnL w="12700" cap="flat" cmpd="sng" algn="ctr">
+                      <a:solidFill>
+                        <a:schemeClr val="tx1"/>
+                      </a:solidFill>
+                      <a:prstDash val="solid"/>
+                      <a:round/>
+                      <a:headEnd type="none" w="med" len="med"/>
+                      <a:tailEnd type="none" w="med" len="med"/>
+                    </a:lnL>
+                    <a:lnR w="12700" cap="flat" cmpd="sng" algn="ctr">
+                      <a:solidFill>
+                        <a:schemeClr val="tx1"/>
+                      </a:solidFill>
+                      <a:prstDash val="solid"/>
+                      <a:round/>
+                      <a:headEnd type="none" w="med" len="med"/>
+                      <a:tailEnd type="none" w="med" len="med"/>
+                    </a:lnR>
+                    <a:lnT w="12700" cap="flat" cmpd="sng" algn="ctr">
+                      <a:solidFill>
+                        <a:schemeClr val="tx1"/>
+                      </a:solidFill>
+                      <a:prstDash val="solid"/>
+                      <a:round/>
+                      <a:headEnd type="none" w="med" len="med"/>
+                      <a:tailEnd type="none" w="med" len="med"/>
+                    </a:lnT>
+                    <a:lnB w="12700" cap="flat" cmpd="sng" algn="ctr">
+                      <a:solidFill>
+                        <a:schemeClr val="tx1"/>
+                      </a:solidFill>
+                      <a:prstDash val="solid"/>
+                      <a:round/>
+                      <a:headEnd type="none" w="med" len="med"/>
+                      <a:tailEnd type="none" w="med" len="med"/>
+                    </a:lnB>
+                    <a:lnTlToBr w="12700" cmpd="sng">
+                      <a:noFill/>
+                      <a:prstDash val="solid"/>
+                    </a:lnTlToBr>
+                    <a:lnBlToTr w="12700" cmpd="sng">
+                      <a:noFill/>
+                      <a:prstDash val="solid"/>
+                    </a:lnBlToTr>
+                    <a:noFill/>
+                  </a:tcPr>
+                </a:tc>
+                <a:tc>
+                  <a:txBody>
+                    <a:bodyPr/>
+                    <a:lstStyle/>
+                    <a:p>
+                      <a:pPr algn="ctr" latinLnBrk="1"/>
+                      <a:r>
+                        <a:rPr lang="en-US" altLang="ko-KR" b="0" dirty="0">
+                          <a:solidFill>
+                            <a:sysClr val="windowText" lastClr="000000"/>
+                          </a:solidFill>
+                        </a:rPr>
+                        <a:t>ja_6</a:t>
+                      </a:r>
+                    </a:p>
+                    <a:p>
+                      <a:pPr algn="ctr" latinLnBrk="1"/>
+                      <a:r>
+                        <a:rPr lang="en-US" altLang="ko-KR" b="0">
+                          <a:solidFill>
+                            <a:sysClr val="windowText" lastClr="000000"/>
+                          </a:solidFill>
+                        </a:rPr>
+                        <a:t>SCK</a:t>
+                      </a:r>
+                      <a:endParaRPr lang="ko-KR" altLang="en-US" b="0" dirty="0">
+                        <a:solidFill>
+                          <a:sysClr val="windowText" lastClr="000000"/>
+                        </a:solidFill>
+                      </a:endParaRPr>
+                    </a:p>
+                  </a:txBody>
+                  <a:tcPr>
+                    <a:lnL w="12700" cap="flat" cmpd="sng" algn="ctr">
+                      <a:solidFill>
+                        <a:schemeClr val="tx1"/>
+                      </a:solidFill>
+                      <a:prstDash val="solid"/>
+                      <a:round/>
+                      <a:headEnd type="none" w="med" len="med"/>
+                      <a:tailEnd type="none" w="med" len="med"/>
+                    </a:lnL>
+                    <a:lnR w="12700" cap="flat" cmpd="sng" algn="ctr">
+                      <a:solidFill>
+                        <a:schemeClr val="tx1"/>
+                      </a:solidFill>
+                      <a:prstDash val="solid"/>
+                      <a:round/>
+                      <a:headEnd type="none" w="med" len="med"/>
+                      <a:tailEnd type="none" w="med" len="med"/>
+                    </a:lnR>
+                    <a:lnT w="12700" cap="flat" cmpd="sng" algn="ctr">
+                      <a:solidFill>
+                        <a:schemeClr val="tx1"/>
+                      </a:solidFill>
+                      <a:prstDash val="solid"/>
+                      <a:round/>
+                      <a:headEnd type="none" w="med" len="med"/>
+                      <a:tailEnd type="none" w="med" len="med"/>
+                    </a:lnT>
+                    <a:lnB w="12700" cap="flat" cmpd="sng" algn="ctr">
+                      <a:solidFill>
+                        <a:schemeClr val="tx1"/>
+                      </a:solidFill>
+                      <a:prstDash val="solid"/>
+                      <a:round/>
+                      <a:headEnd type="none" w="med" len="med"/>
+                      <a:tailEnd type="none" w="med" len="med"/>
+                    </a:lnB>
+                    <a:lnTlToBr w="12700" cmpd="sng">
+                      <a:noFill/>
+                      <a:prstDash val="solid"/>
+                    </a:lnTlToBr>
+                    <a:lnBlToTr w="12700" cmpd="sng">
+                      <a:noFill/>
+                      <a:prstDash val="solid"/>
+                    </a:lnBlToTr>
+                    <a:noFill/>
+                  </a:tcPr>
+                </a:tc>
+                <a:tc>
+                  <a:txBody>
+                    <a:bodyPr/>
+                    <a:lstStyle/>
+                    <a:p>
+                      <a:pPr algn="ctr" latinLnBrk="1"/>
+                      <a:r>
+                        <a:rPr lang="en-US" altLang="ko-KR" b="0" dirty="0">
+                          <a:solidFill>
+                            <a:sysClr val="windowText" lastClr="000000"/>
+                          </a:solidFill>
+                        </a:rPr>
+                        <a:t>ja_5</a:t>
+                      </a:r>
+                    </a:p>
+                    <a:p>
+                      <a:pPr algn="ctr" latinLnBrk="1"/>
+                      <a:r>
+                        <a:rPr lang="en-US" altLang="ko-KR" b="0" dirty="0">
+                          <a:solidFill>
+                            <a:sysClr val="windowText" lastClr="000000"/>
+                          </a:solidFill>
+                        </a:rPr>
+                        <a:t>CSB1</a:t>
+                      </a:r>
+                      <a:endParaRPr lang="ko-KR" altLang="en-US" b="0" dirty="0">
+                        <a:solidFill>
+                          <a:sysClr val="windowText" lastClr="000000"/>
+                        </a:solidFill>
+                      </a:endParaRPr>
+                    </a:p>
+                  </a:txBody>
+                  <a:tcPr>
+                    <a:lnL w="12700" cap="flat" cmpd="sng" algn="ctr">
+                      <a:solidFill>
+                        <a:schemeClr val="tx1"/>
+                      </a:solidFill>
+                      <a:prstDash val="solid"/>
+                      <a:round/>
+                      <a:headEnd type="none" w="med" len="med"/>
+                      <a:tailEnd type="none" w="med" len="med"/>
+                    </a:lnL>
+                    <a:lnR w="12700" cap="flat" cmpd="sng" algn="ctr">
+                      <a:solidFill>
+                        <a:schemeClr val="tx1"/>
+                      </a:solidFill>
+                      <a:prstDash val="solid"/>
+                      <a:round/>
+                      <a:headEnd type="none" w="med" len="med"/>
+                      <a:tailEnd type="none" w="med" len="med"/>
+                    </a:lnR>
+                    <a:lnT w="12700" cap="flat" cmpd="sng" algn="ctr">
+                      <a:solidFill>
+                        <a:schemeClr val="tx1"/>
+                      </a:solidFill>
+                      <a:prstDash val="solid"/>
+                      <a:round/>
+                      <a:headEnd type="none" w="med" len="med"/>
+                      <a:tailEnd type="none" w="med" len="med"/>
+                    </a:lnT>
+                    <a:lnB w="12700" cap="flat" cmpd="sng" algn="ctr">
+                      <a:solidFill>
+                        <a:schemeClr val="tx1"/>
+                      </a:solidFill>
+                      <a:prstDash val="solid"/>
+                      <a:round/>
+                      <a:headEnd type="none" w="med" len="med"/>
+                      <a:tailEnd type="none" w="med" len="med"/>
+                    </a:lnB>
+                    <a:lnTlToBr w="12700" cmpd="sng">
+                      <a:noFill/>
+                      <a:prstDash val="solid"/>
+                    </a:lnTlToBr>
+                    <a:lnBlToTr w="12700" cmpd="sng">
+                      <a:noFill/>
+                      <a:prstDash val="solid"/>
+                    </a:lnBlToTr>
+                    <a:noFill/>
+                  </a:tcPr>
+                </a:tc>
+                <a:tc>
+                  <a:txBody>
+                    <a:bodyPr/>
+                    <a:lstStyle/>
+                    <a:p>
+                      <a:pPr algn="ctr" latinLnBrk="1"/>
+                      <a:r>
+                        <a:rPr lang="en-US" altLang="ko-KR" b="0" dirty="0">
+                          <a:solidFill>
+                            <a:sysClr val="windowText" lastClr="000000"/>
+                          </a:solidFill>
+                        </a:rPr>
+                        <a:t>ja_4</a:t>
+                      </a:r>
+                    </a:p>
+                    <a:p>
+                      <a:pPr algn="ctr" latinLnBrk="1"/>
+                      <a:r>
+                        <a:rPr lang="en-US" altLang="ko-KR" b="0">
+                          <a:solidFill>
+                            <a:sysClr val="windowText" lastClr="000000"/>
+                          </a:solidFill>
+                        </a:rPr>
+                        <a:t>SDIO2</a:t>
+                      </a:r>
+                      <a:endParaRPr lang="ko-KR" altLang="en-US" b="0" dirty="0">
+                        <a:solidFill>
+                          <a:sysClr val="windowText" lastClr="000000"/>
+                        </a:solidFill>
+                      </a:endParaRPr>
+                    </a:p>
+                  </a:txBody>
+                  <a:tcPr>
+                    <a:lnL w="12700" cap="flat" cmpd="sng" algn="ctr">
+                      <a:solidFill>
+                        <a:schemeClr val="tx1"/>
+                      </a:solidFill>
+                      <a:prstDash val="solid"/>
+                      <a:round/>
+                      <a:headEnd type="none" w="med" len="med"/>
+                      <a:tailEnd type="none" w="med" len="med"/>
+                    </a:lnL>
+                    <a:lnR w="12700" cap="flat" cmpd="sng" algn="ctr">
+                      <a:solidFill>
+                        <a:schemeClr val="tx1"/>
+                      </a:solidFill>
+                      <a:prstDash val="solid"/>
+                      <a:round/>
+                      <a:headEnd type="none" w="med" len="med"/>
+                      <a:tailEnd type="none" w="med" len="med"/>
+                    </a:lnR>
+                    <a:lnT w="12700" cap="flat" cmpd="sng" algn="ctr">
+                      <a:solidFill>
+                        <a:schemeClr val="tx1"/>
+                      </a:solidFill>
+                      <a:prstDash val="solid"/>
+                      <a:round/>
+                      <a:headEnd type="none" w="med" len="med"/>
+                      <a:tailEnd type="none" w="med" len="med"/>
+                    </a:lnT>
+                    <a:lnB w="12700" cap="flat" cmpd="sng" algn="ctr">
+                      <a:solidFill>
+                        <a:schemeClr val="tx1"/>
+                      </a:solidFill>
+                      <a:prstDash val="solid"/>
+                      <a:round/>
+                      <a:headEnd type="none" w="med" len="med"/>
+                      <a:tailEnd type="none" w="med" len="med"/>
+                    </a:lnB>
+                    <a:lnTlToBr w="12700" cmpd="sng">
+                      <a:noFill/>
+                      <a:prstDash val="solid"/>
+                    </a:lnTlToBr>
+                    <a:lnBlToTr w="12700" cmpd="sng">
+                      <a:noFill/>
+                      <a:prstDash val="solid"/>
+                    </a:lnBlToTr>
+                    <a:solidFill>
+                      <a:srgbClr val="FF0000"/>
+                    </a:solidFill>
+                  </a:tcPr>
+                </a:tc>
+                <a:extLst>
+                  <a:ext uri="{0D108BD9-81ED-4DB2-BD59-A6C34878D82A}">
+                    <a16:rowId xmlns:a16="http://schemas.microsoft.com/office/drawing/2014/main" val="959394757"/>
+                  </a:ext>
+                </a:extLst>
+              </a:tr>
+            </a:tbl>
+          </a:graphicData>
+        </a:graphic>
+      </p:graphicFrame>
+      <p:graphicFrame>
+        <p:nvGraphicFramePr>
+          <p:cNvPr id="6" name="표 5">
+            <a:extLst>
+              <a:ext uri="{FF2B5EF4-FFF2-40B4-BE49-F238E27FC236}">
+                <a16:creationId xmlns:a16="http://schemas.microsoft.com/office/drawing/2014/main" id="{3CAAD3ED-7061-3CEE-05E7-5C765A6D76D1}"/>
+              </a:ext>
+            </a:extLst>
+          </p:cNvPr>
+          <p:cNvGraphicFramePr>
+            <a:graphicFrameLocks noGrp="1"/>
+          </p:cNvGraphicFramePr>
+          <p:nvPr>
+            <p:extLst>
+              <p:ext uri="{D42A27DB-BD31-4B8C-83A1-F6EECF244321}">
+                <p14:modId xmlns:p14="http://schemas.microsoft.com/office/powerpoint/2010/main" val="2874490346"/>
+              </p:ext>
+            </p:extLst>
+          </p:nvPr>
+        </p:nvGraphicFramePr>
+        <p:xfrm>
+          <a:off x="219637" y="4476070"/>
+          <a:ext cx="4910628" cy="1280160"/>
+        </p:xfrm>
+        <a:graphic>
+          <a:graphicData uri="http://schemas.openxmlformats.org/drawingml/2006/table">
+            <a:tbl>
+              <a:tblPr firstRow="1" bandRow="1">
+                <a:tableStyleId>{5C22544A-7EE6-4342-B048-85BDC9FD1C3A}</a:tableStyleId>
+              </a:tblPr>
+              <a:tblGrid>
+                <a:gridCol w="818438">
+                  <a:extLst>
+                    <a:ext uri="{9D8B030D-6E8A-4147-A177-3AD203B41FA5}">
+                      <a16:colId xmlns:a16="http://schemas.microsoft.com/office/drawing/2014/main" val="2284201509"/>
+                    </a:ext>
+                  </a:extLst>
+                </a:gridCol>
+                <a:gridCol w="818438">
+                  <a:extLst>
+                    <a:ext uri="{9D8B030D-6E8A-4147-A177-3AD203B41FA5}">
+                      <a16:colId xmlns:a16="http://schemas.microsoft.com/office/drawing/2014/main" val="2468890648"/>
+                    </a:ext>
+                  </a:extLst>
+                </a:gridCol>
+                <a:gridCol w="818438">
+                  <a:extLst>
+                    <a:ext uri="{9D8B030D-6E8A-4147-A177-3AD203B41FA5}">
+                      <a16:colId xmlns:a16="http://schemas.microsoft.com/office/drawing/2014/main" val="3044952866"/>
+                    </a:ext>
+                  </a:extLst>
+                </a:gridCol>
+                <a:gridCol w="818438">
+                  <a:extLst>
+                    <a:ext uri="{9D8B030D-6E8A-4147-A177-3AD203B41FA5}">
+                      <a16:colId xmlns:a16="http://schemas.microsoft.com/office/drawing/2014/main" val="2621733164"/>
+                    </a:ext>
+                  </a:extLst>
+                </a:gridCol>
+                <a:gridCol w="818438">
+                  <a:extLst>
+                    <a:ext uri="{9D8B030D-6E8A-4147-A177-3AD203B41FA5}">
+                      <a16:colId xmlns:a16="http://schemas.microsoft.com/office/drawing/2014/main" val="2543685996"/>
+                    </a:ext>
+                  </a:extLst>
+                </a:gridCol>
+                <a:gridCol w="818438">
+                  <a:extLst>
+                    <a:ext uri="{9D8B030D-6E8A-4147-A177-3AD203B41FA5}">
+                      <a16:colId xmlns:a16="http://schemas.microsoft.com/office/drawing/2014/main" val="543965628"/>
+                    </a:ext>
+                  </a:extLst>
+                </a:gridCol>
+              </a:tblGrid>
+              <a:tr h="594729">
+                <a:tc>
+                  <a:txBody>
+                    <a:bodyPr/>
+                    <a:lstStyle/>
+                    <a:p>
+                      <a:pPr algn="ctr" latinLnBrk="1"/>
+                      <a:r>
+                        <a:rPr lang="en-US" altLang="ko-KR" b="0" dirty="0">
+                          <a:solidFill>
+                            <a:sysClr val="windowText" lastClr="000000"/>
+                          </a:solidFill>
+                        </a:rPr>
+                        <a:t>VCC</a:t>
+                      </a:r>
+                      <a:endParaRPr lang="ko-KR" altLang="en-US" b="0" dirty="0">
+                        <a:solidFill>
+                          <a:sysClr val="windowText" lastClr="000000"/>
+                        </a:solidFill>
+                      </a:endParaRPr>
+                    </a:p>
+                  </a:txBody>
+                  <a:tcPr>
+                    <a:lnL w="12700" cap="flat" cmpd="sng" algn="ctr">
+                      <a:solidFill>
+                        <a:schemeClr val="tx1"/>
+                      </a:solidFill>
+                      <a:prstDash val="solid"/>
+                      <a:round/>
+                      <a:headEnd type="none" w="med" len="med"/>
+                      <a:tailEnd type="none" w="med" len="med"/>
+                    </a:lnL>
+                    <a:lnR w="12700" cap="flat" cmpd="sng" algn="ctr">
+                      <a:solidFill>
+                        <a:schemeClr val="tx1"/>
+                      </a:solidFill>
+                      <a:prstDash val="solid"/>
+                      <a:round/>
+                      <a:headEnd type="none" w="med" len="med"/>
+                      <a:tailEnd type="none" w="med" len="med"/>
+                    </a:lnR>
+                    <a:lnT w="12700" cap="flat" cmpd="sng" algn="ctr">
+                      <a:solidFill>
+                        <a:schemeClr val="tx1"/>
+                      </a:solidFill>
+                      <a:prstDash val="solid"/>
+                      <a:round/>
+                      <a:headEnd type="none" w="med" len="med"/>
+                      <a:tailEnd type="none" w="med" len="med"/>
+                    </a:lnT>
+                    <a:lnB w="12700" cap="flat" cmpd="sng" algn="ctr">
+                      <a:solidFill>
+                        <a:schemeClr val="tx1"/>
+                      </a:solidFill>
+                      <a:prstDash val="solid"/>
+                      <a:round/>
+                      <a:headEnd type="none" w="med" len="med"/>
+                      <a:tailEnd type="none" w="med" len="med"/>
+                    </a:lnB>
+                    <a:lnTlToBr w="12700" cmpd="sng">
+                      <a:noFill/>
+                      <a:prstDash val="solid"/>
+                    </a:lnTlToBr>
+                    <a:lnBlToTr w="12700" cmpd="sng">
+                      <a:noFill/>
+                      <a:prstDash val="solid"/>
+                    </a:lnBlToTr>
+                    <a:noFill/>
+                  </a:tcPr>
+                </a:tc>
+                <a:tc>
+                  <a:txBody>
+                    <a:bodyPr/>
+                    <a:lstStyle/>
+                    <a:p>
+                      <a:pPr algn="ctr" latinLnBrk="1"/>
+                      <a:r>
+                        <a:rPr lang="en-US" altLang="ko-KR" b="0" dirty="0">
+                          <a:solidFill>
+                            <a:sysClr val="windowText" lastClr="000000"/>
+                          </a:solidFill>
+                        </a:rPr>
+                        <a:t>GND</a:t>
+                      </a:r>
+                      <a:endParaRPr lang="ko-KR" altLang="en-US" b="0" dirty="0">
+                        <a:solidFill>
+                          <a:sysClr val="windowText" lastClr="000000"/>
+                        </a:solidFill>
+                      </a:endParaRPr>
+                    </a:p>
+                  </a:txBody>
+                  <a:tcPr>
+                    <a:lnL w="12700" cap="flat" cmpd="sng" algn="ctr">
+                      <a:solidFill>
+                        <a:schemeClr val="tx1"/>
+                      </a:solidFill>
+                      <a:prstDash val="solid"/>
+                      <a:round/>
+                      <a:headEnd type="none" w="med" len="med"/>
+                      <a:tailEnd type="none" w="med" len="med"/>
+                    </a:lnL>
+                    <a:lnR w="12700" cap="flat" cmpd="sng" algn="ctr">
+                      <a:solidFill>
+                        <a:schemeClr val="tx1"/>
+                      </a:solidFill>
+                      <a:prstDash val="solid"/>
+                      <a:round/>
+                      <a:headEnd type="none" w="med" len="med"/>
+                      <a:tailEnd type="none" w="med" len="med"/>
+                    </a:lnR>
+                    <a:lnT w="12700" cap="flat" cmpd="sng" algn="ctr">
+                      <a:solidFill>
+                        <a:schemeClr val="tx1"/>
+                      </a:solidFill>
+                      <a:prstDash val="solid"/>
+                      <a:round/>
+                      <a:headEnd type="none" w="med" len="med"/>
+                      <a:tailEnd type="none" w="med" len="med"/>
+                    </a:lnT>
+                    <a:lnB w="12700" cap="flat" cmpd="sng" algn="ctr">
+                      <a:solidFill>
+                        <a:schemeClr val="tx1"/>
+                      </a:solidFill>
+                      <a:prstDash val="solid"/>
+                      <a:round/>
+                      <a:headEnd type="none" w="med" len="med"/>
+                      <a:tailEnd type="none" w="med" len="med"/>
+                    </a:lnB>
+                    <a:lnTlToBr w="12700" cmpd="sng">
+                      <a:noFill/>
+                      <a:prstDash val="solid"/>
+                    </a:lnTlToBr>
+                    <a:lnBlToTr w="12700" cmpd="sng">
+                      <a:noFill/>
+                      <a:prstDash val="solid"/>
+                    </a:lnBlToTr>
+                    <a:noFill/>
+                  </a:tcPr>
+                </a:tc>
+                <a:tc>
+                  <a:txBody>
+                    <a:bodyPr/>
+                    <a:lstStyle/>
+                    <a:p>
+                      <a:pPr algn="ctr" latinLnBrk="1"/>
+                      <a:r>
+                        <a:rPr lang="en-US" altLang="ko-KR" b="0" dirty="0">
+                          <a:solidFill>
+                            <a:sysClr val="windowText" lastClr="000000"/>
+                          </a:solidFill>
+                        </a:rPr>
+                        <a:t>jb_3</a:t>
+                      </a:r>
+                    </a:p>
+                    <a:p>
+                      <a:pPr algn="ctr" latinLnBrk="1"/>
+                      <a:r>
+                        <a:rPr lang="en-US" altLang="ko-KR" b="0">
+                          <a:solidFill>
+                            <a:sysClr val="windowText" lastClr="000000"/>
+                          </a:solidFill>
+                        </a:rPr>
+                        <a:t>IOUP2</a:t>
+                      </a:r>
+                      <a:endParaRPr lang="ko-KR" altLang="en-US" b="0" dirty="0">
+                        <a:solidFill>
+                          <a:sysClr val="windowText" lastClr="000000"/>
+                        </a:solidFill>
+                      </a:endParaRPr>
+                    </a:p>
+                  </a:txBody>
+                  <a:tcPr>
+                    <a:lnL w="12700" cap="flat" cmpd="sng" algn="ctr">
+                      <a:solidFill>
+                        <a:schemeClr val="tx1"/>
+                      </a:solidFill>
+                      <a:prstDash val="solid"/>
+                      <a:round/>
+                      <a:headEnd type="none" w="med" len="med"/>
+                      <a:tailEnd type="none" w="med" len="med"/>
+                    </a:lnL>
+                    <a:lnR w="12700" cap="flat" cmpd="sng" algn="ctr">
+                      <a:solidFill>
+                        <a:schemeClr val="tx1"/>
+                      </a:solidFill>
+                      <a:prstDash val="solid"/>
+                      <a:round/>
+                      <a:headEnd type="none" w="med" len="med"/>
+                      <a:tailEnd type="none" w="med" len="med"/>
+                    </a:lnR>
+                    <a:lnT w="12700" cap="flat" cmpd="sng" algn="ctr">
+                      <a:solidFill>
+                        <a:schemeClr val="tx1"/>
+                      </a:solidFill>
+                      <a:prstDash val="solid"/>
+                      <a:round/>
+                      <a:headEnd type="none" w="med" len="med"/>
+                      <a:tailEnd type="none" w="med" len="med"/>
+                    </a:lnT>
+                    <a:lnB w="12700" cap="flat" cmpd="sng" algn="ctr">
+                      <a:solidFill>
+                        <a:schemeClr val="tx1"/>
+                      </a:solidFill>
+                      <a:prstDash val="solid"/>
+                      <a:round/>
+                      <a:headEnd type="none" w="med" len="med"/>
+                      <a:tailEnd type="none" w="med" len="med"/>
+                    </a:lnB>
+                    <a:lnTlToBr w="12700" cmpd="sng">
+                      <a:noFill/>
+                      <a:prstDash val="solid"/>
+                    </a:lnTlToBr>
+                    <a:lnBlToTr w="12700" cmpd="sng">
+                      <a:noFill/>
+                      <a:prstDash val="solid"/>
+                    </a:lnBlToTr>
+                    <a:solidFill>
+                      <a:srgbClr val="FF0000"/>
+                    </a:solidFill>
+                  </a:tcPr>
+                </a:tc>
+                <a:tc>
+                  <a:txBody>
+                    <a:bodyPr/>
+                    <a:lstStyle/>
+                    <a:p>
+                      <a:pPr algn="ctr" latinLnBrk="1"/>
+                      <a:r>
+                        <a:rPr lang="en-US" altLang="ko-KR" b="0" dirty="0">
+                          <a:solidFill>
+                            <a:sysClr val="windowText" lastClr="000000"/>
+                          </a:solidFill>
+                        </a:rPr>
+                        <a:t>jb_2</a:t>
+                      </a:r>
+                    </a:p>
+                    <a:p>
+                      <a:pPr algn="ctr" latinLnBrk="1"/>
+                      <a:r>
+                        <a:rPr lang="en-US" altLang="ko-KR" b="0" dirty="0">
+                          <a:solidFill>
+                            <a:sysClr val="windowText" lastClr="000000"/>
+                          </a:solidFill>
+                        </a:rPr>
+                        <a:t>P2[0]</a:t>
+                      </a:r>
+                      <a:endParaRPr lang="ko-KR" altLang="en-US" b="0" dirty="0">
+                        <a:solidFill>
+                          <a:sysClr val="windowText" lastClr="000000"/>
+                        </a:solidFill>
+                      </a:endParaRPr>
+                    </a:p>
+                  </a:txBody>
+                  <a:tcPr>
+                    <a:lnL w="12700" cap="flat" cmpd="sng" algn="ctr">
+                      <a:solidFill>
+                        <a:schemeClr val="tx1"/>
+                      </a:solidFill>
+                      <a:prstDash val="solid"/>
+                      <a:round/>
+                      <a:headEnd type="none" w="med" len="med"/>
+                      <a:tailEnd type="none" w="med" len="med"/>
+                    </a:lnL>
+                    <a:lnR w="12700" cap="flat" cmpd="sng" algn="ctr">
+                      <a:solidFill>
+                        <a:schemeClr val="tx1"/>
+                      </a:solidFill>
+                      <a:prstDash val="solid"/>
+                      <a:round/>
+                      <a:headEnd type="none" w="med" len="med"/>
+                      <a:tailEnd type="none" w="med" len="med"/>
+                    </a:lnR>
+                    <a:lnT w="12700" cap="flat" cmpd="sng" algn="ctr">
+                      <a:solidFill>
+                        <a:schemeClr val="tx1"/>
+                      </a:solidFill>
+                      <a:prstDash val="solid"/>
+                      <a:round/>
+                      <a:headEnd type="none" w="med" len="med"/>
+                      <a:tailEnd type="none" w="med" len="med"/>
+                    </a:lnT>
+                    <a:lnB w="12700" cap="flat" cmpd="sng" algn="ctr">
+                      <a:solidFill>
+                        <a:schemeClr val="tx1"/>
+                      </a:solidFill>
+                      <a:prstDash val="solid"/>
+                      <a:round/>
+                      <a:headEnd type="none" w="med" len="med"/>
+                      <a:tailEnd type="none" w="med" len="med"/>
+                    </a:lnB>
+                    <a:lnTlToBr w="12700" cmpd="sng">
+                      <a:noFill/>
+                      <a:prstDash val="solid"/>
+                    </a:lnTlToBr>
+                    <a:lnBlToTr w="12700" cmpd="sng">
+                      <a:noFill/>
+                      <a:prstDash val="solid"/>
+                    </a:lnBlToTr>
+                    <a:solidFill>
+                      <a:srgbClr val="FF0000"/>
+                    </a:solidFill>
+                  </a:tcPr>
+                </a:tc>
+                <a:tc>
+                  <a:txBody>
+                    <a:bodyPr/>
+                    <a:lstStyle/>
+                    <a:p>
+                      <a:pPr algn="ctr" latinLnBrk="1"/>
+                      <a:r>
+                        <a:rPr lang="en-US" altLang="ko-KR" b="0" dirty="0">
+                          <a:solidFill>
+                            <a:sysClr val="windowText" lastClr="000000"/>
+                          </a:solidFill>
+                        </a:rPr>
+                        <a:t>jb_1</a:t>
+                      </a:r>
+                    </a:p>
+                    <a:p>
+                      <a:pPr algn="ctr" latinLnBrk="1"/>
+                      <a:r>
+                        <a:rPr lang="en-US" altLang="ko-KR" b="0">
+                          <a:solidFill>
+                            <a:sysClr val="windowText" lastClr="000000"/>
+                          </a:solidFill>
+                        </a:rPr>
+                        <a:t>P2[1]</a:t>
+                      </a:r>
+                      <a:endParaRPr lang="ko-KR" altLang="en-US" b="0" dirty="0">
+                        <a:solidFill>
+                          <a:sysClr val="windowText" lastClr="000000"/>
+                        </a:solidFill>
+                      </a:endParaRPr>
+                    </a:p>
+                  </a:txBody>
+                  <a:tcPr>
+                    <a:lnL w="12700" cap="flat" cmpd="sng" algn="ctr">
+                      <a:solidFill>
+                        <a:schemeClr val="tx1"/>
+                      </a:solidFill>
+                      <a:prstDash val="solid"/>
+                      <a:round/>
+                      <a:headEnd type="none" w="med" len="med"/>
+                      <a:tailEnd type="none" w="med" len="med"/>
+                    </a:lnL>
+                    <a:lnR w="12700" cap="flat" cmpd="sng" algn="ctr">
+                      <a:solidFill>
+                        <a:schemeClr val="tx1"/>
+                      </a:solidFill>
+                      <a:prstDash val="solid"/>
+                      <a:round/>
+                      <a:headEnd type="none" w="med" len="med"/>
+                      <a:tailEnd type="none" w="med" len="med"/>
+                    </a:lnR>
+                    <a:lnT w="12700" cap="flat" cmpd="sng" algn="ctr">
+                      <a:solidFill>
+                        <a:schemeClr val="tx1"/>
+                      </a:solidFill>
+                      <a:prstDash val="solid"/>
+                      <a:round/>
+                      <a:headEnd type="none" w="med" len="med"/>
+                      <a:tailEnd type="none" w="med" len="med"/>
+                    </a:lnT>
+                    <a:lnB w="12700" cap="flat" cmpd="sng" algn="ctr">
+                      <a:solidFill>
+                        <a:schemeClr val="tx1"/>
+                      </a:solidFill>
+                      <a:prstDash val="solid"/>
+                      <a:round/>
+                      <a:headEnd type="none" w="med" len="med"/>
+                      <a:tailEnd type="none" w="med" len="med"/>
+                    </a:lnB>
+                    <a:lnTlToBr w="12700" cmpd="sng">
+                      <a:noFill/>
+                      <a:prstDash val="solid"/>
+                    </a:lnTlToBr>
+                    <a:lnBlToTr w="12700" cmpd="sng">
+                      <a:noFill/>
+                      <a:prstDash val="solid"/>
+                    </a:lnBlToTr>
+                    <a:solidFill>
+                      <a:srgbClr val="FF0000"/>
+                    </a:solidFill>
+                  </a:tcPr>
+                </a:tc>
+                <a:tc>
+                  <a:txBody>
+                    <a:bodyPr/>
+                    <a:lstStyle/>
+                    <a:p>
+                      <a:pPr algn="ctr" latinLnBrk="1"/>
+                      <a:r>
+                        <a:rPr lang="en-US" altLang="ko-KR" b="0" dirty="0">
+                          <a:solidFill>
+                            <a:sysClr val="windowText" lastClr="000000"/>
+                          </a:solidFill>
+                        </a:rPr>
+                        <a:t>jb_0</a:t>
+                      </a:r>
+                    </a:p>
+                    <a:p>
+                      <a:pPr algn="ctr" latinLnBrk="1"/>
+                      <a:r>
+                        <a:rPr lang="en-US" altLang="ko-KR" b="0">
+                          <a:solidFill>
+                            <a:sysClr val="windowText" lastClr="000000"/>
+                          </a:solidFill>
+                        </a:rPr>
+                        <a:t>P2[2]</a:t>
+                      </a:r>
+                      <a:endParaRPr lang="ko-KR" altLang="en-US" b="0" dirty="0">
+                        <a:solidFill>
+                          <a:sysClr val="windowText" lastClr="000000"/>
+                        </a:solidFill>
+                      </a:endParaRPr>
+                    </a:p>
+                  </a:txBody>
+                  <a:tcPr>
+                    <a:lnL w="12700" cap="flat" cmpd="sng" algn="ctr">
+                      <a:solidFill>
+                        <a:schemeClr val="tx1"/>
+                      </a:solidFill>
+                      <a:prstDash val="solid"/>
+                      <a:round/>
+                      <a:headEnd type="none" w="med" len="med"/>
+                      <a:tailEnd type="none" w="med" len="med"/>
+                    </a:lnL>
+                    <a:lnR w="12700" cap="flat" cmpd="sng" algn="ctr">
+                      <a:solidFill>
+                        <a:schemeClr val="tx1"/>
+                      </a:solidFill>
+                      <a:prstDash val="solid"/>
+                      <a:round/>
+                      <a:headEnd type="none" w="med" len="med"/>
+                      <a:tailEnd type="none" w="med" len="med"/>
+                    </a:lnR>
+                    <a:lnT w="12700" cap="flat" cmpd="sng" algn="ctr">
+                      <a:solidFill>
+                        <a:schemeClr val="tx1"/>
+                      </a:solidFill>
+                      <a:prstDash val="solid"/>
+                      <a:round/>
+                      <a:headEnd type="none" w="med" len="med"/>
+                      <a:tailEnd type="none" w="med" len="med"/>
+                    </a:lnT>
+                    <a:lnB w="12700" cap="flat" cmpd="sng" algn="ctr">
+                      <a:solidFill>
+                        <a:schemeClr val="tx1"/>
+                      </a:solidFill>
+                      <a:prstDash val="solid"/>
+                      <a:round/>
+                      <a:headEnd type="none" w="med" len="med"/>
+                      <a:tailEnd type="none" w="med" len="med"/>
+                    </a:lnB>
+                    <a:lnTlToBr w="12700" cmpd="sng">
+                      <a:noFill/>
+                      <a:prstDash val="solid"/>
+                    </a:lnTlToBr>
+                    <a:lnBlToTr w="12700" cmpd="sng">
+                      <a:noFill/>
+                      <a:prstDash val="solid"/>
+                    </a:lnBlToTr>
+                    <a:solidFill>
+                      <a:srgbClr val="FF0000"/>
+                    </a:solidFill>
+                  </a:tcPr>
+                </a:tc>
+                <a:extLst>
+                  <a:ext uri="{0D108BD9-81ED-4DB2-BD59-A6C34878D82A}">
+                    <a16:rowId xmlns:a16="http://schemas.microsoft.com/office/drawing/2014/main" val="2013902506"/>
+                  </a:ext>
+                </a:extLst>
+              </a:tr>
+              <a:tr h="594729">
+                <a:tc>
+                  <a:txBody>
+                    <a:bodyPr/>
+                    <a:lstStyle/>
+                    <a:p>
+                      <a:pPr algn="ctr" latinLnBrk="1"/>
+                      <a:r>
+                        <a:rPr lang="en-US" altLang="ko-KR" b="0" dirty="0">
+                          <a:solidFill>
+                            <a:sysClr val="windowText" lastClr="000000"/>
+                          </a:solidFill>
+                        </a:rPr>
+                        <a:t>VCC</a:t>
+                      </a:r>
+                      <a:endParaRPr lang="ko-KR" altLang="en-US" b="0" dirty="0">
+                        <a:solidFill>
+                          <a:sysClr val="windowText" lastClr="000000"/>
+                        </a:solidFill>
+                      </a:endParaRPr>
+                    </a:p>
+                  </a:txBody>
+                  <a:tcPr>
+                    <a:lnL w="12700" cap="flat" cmpd="sng" algn="ctr">
+                      <a:solidFill>
+                        <a:schemeClr val="tx1"/>
+                      </a:solidFill>
+                      <a:prstDash val="solid"/>
+                      <a:round/>
+                      <a:headEnd type="none" w="med" len="med"/>
+                      <a:tailEnd type="none" w="med" len="med"/>
+                    </a:lnL>
+                    <a:lnR w="12700" cap="flat" cmpd="sng" algn="ctr">
+                      <a:solidFill>
+                        <a:schemeClr val="tx1"/>
+                      </a:solidFill>
+                      <a:prstDash val="solid"/>
+                      <a:round/>
+                      <a:headEnd type="none" w="med" len="med"/>
+                      <a:tailEnd type="none" w="med" len="med"/>
+                    </a:lnR>
+                    <a:lnT w="12700" cap="flat" cmpd="sng" algn="ctr">
+                      <a:solidFill>
+                        <a:schemeClr val="tx1"/>
+                      </a:solidFill>
+                      <a:prstDash val="solid"/>
+                      <a:round/>
+                      <a:headEnd type="none" w="med" len="med"/>
+                      <a:tailEnd type="none" w="med" len="med"/>
+                    </a:lnT>
+                    <a:lnB w="12700" cap="flat" cmpd="sng" algn="ctr">
+                      <a:solidFill>
+                        <a:schemeClr val="tx1"/>
+                      </a:solidFill>
+                      <a:prstDash val="solid"/>
+                      <a:round/>
+                      <a:headEnd type="none" w="med" len="med"/>
+                      <a:tailEnd type="none" w="med" len="med"/>
+                    </a:lnB>
+                    <a:lnTlToBr w="12700" cmpd="sng">
+                      <a:noFill/>
+                      <a:prstDash val="solid"/>
+                    </a:lnTlToBr>
+                    <a:lnBlToTr w="12700" cmpd="sng">
+                      <a:noFill/>
+                      <a:prstDash val="solid"/>
+                    </a:lnBlToTr>
+                    <a:noFill/>
+                  </a:tcPr>
+                </a:tc>
+                <a:tc>
+                  <a:txBody>
+                    <a:bodyPr/>
+                    <a:lstStyle/>
+                    <a:p>
+                      <a:pPr algn="ctr" latinLnBrk="1"/>
+                      <a:r>
+                        <a:rPr lang="en-US" altLang="ko-KR" b="0" dirty="0">
+                          <a:solidFill>
+                            <a:sysClr val="windowText" lastClr="000000"/>
+                          </a:solidFill>
+                        </a:rPr>
+                        <a:t>GND</a:t>
+                      </a:r>
+                      <a:endParaRPr lang="ko-KR" altLang="en-US" b="0" dirty="0">
+                        <a:solidFill>
+                          <a:sysClr val="windowText" lastClr="000000"/>
+                        </a:solidFill>
+                      </a:endParaRPr>
+                    </a:p>
+                  </a:txBody>
+                  <a:tcPr>
+                    <a:lnL w="12700" cap="flat" cmpd="sng" algn="ctr">
+                      <a:solidFill>
+                        <a:schemeClr val="tx1"/>
+                      </a:solidFill>
+                      <a:prstDash val="solid"/>
+                      <a:round/>
+                      <a:headEnd type="none" w="med" len="med"/>
+                      <a:tailEnd type="none" w="med" len="med"/>
+                    </a:lnL>
+                    <a:lnR w="12700" cap="flat" cmpd="sng" algn="ctr">
+                      <a:solidFill>
+                        <a:schemeClr val="tx1"/>
+                      </a:solidFill>
+                      <a:prstDash val="solid"/>
+                      <a:round/>
+                      <a:headEnd type="none" w="med" len="med"/>
+                      <a:tailEnd type="none" w="med" len="med"/>
+                    </a:lnR>
+                    <a:lnT w="12700" cap="flat" cmpd="sng" algn="ctr">
+                      <a:solidFill>
+                        <a:schemeClr val="tx1"/>
+                      </a:solidFill>
+                      <a:prstDash val="solid"/>
+                      <a:round/>
+                      <a:headEnd type="none" w="med" len="med"/>
+                      <a:tailEnd type="none" w="med" len="med"/>
+                    </a:lnT>
+                    <a:lnB w="12700" cap="flat" cmpd="sng" algn="ctr">
+                      <a:solidFill>
+                        <a:schemeClr val="tx1"/>
+                      </a:solidFill>
+                      <a:prstDash val="solid"/>
+                      <a:round/>
+                      <a:headEnd type="none" w="med" len="med"/>
+                      <a:tailEnd type="none" w="med" len="med"/>
+                    </a:lnB>
+                    <a:lnTlToBr w="12700" cmpd="sng">
+                      <a:noFill/>
+                      <a:prstDash val="solid"/>
+                    </a:lnTlToBr>
+                    <a:lnBlToTr w="12700" cmpd="sng">
+                      <a:noFill/>
+                      <a:prstDash val="solid"/>
+                    </a:lnBlToTr>
+                    <a:noFill/>
+                  </a:tcPr>
+                </a:tc>
+                <a:tc>
+                  <a:txBody>
+                    <a:bodyPr/>
+                    <a:lstStyle/>
+                    <a:p>
+                      <a:pPr algn="ctr" latinLnBrk="1"/>
+                      <a:r>
+                        <a:rPr lang="en-US" altLang="ko-KR" b="0" dirty="0">
+                          <a:solidFill>
+                            <a:sysClr val="windowText" lastClr="000000"/>
+                          </a:solidFill>
+                        </a:rPr>
+                        <a:t>jb_7</a:t>
+                      </a:r>
+                    </a:p>
+                    <a:p>
+                      <a:pPr algn="ctr" latinLnBrk="1"/>
+                      <a:r>
+                        <a:rPr lang="en-US" altLang="ko-KR" b="0" dirty="0">
+                          <a:solidFill>
+                            <a:sysClr val="windowText" lastClr="000000"/>
+                          </a:solidFill>
+                        </a:rPr>
+                        <a:t>P1[2]</a:t>
+                      </a:r>
+                      <a:endParaRPr lang="ko-KR" altLang="en-US" b="0" dirty="0">
+                        <a:solidFill>
+                          <a:sysClr val="windowText" lastClr="000000"/>
+                        </a:solidFill>
+                      </a:endParaRPr>
+                    </a:p>
+                  </a:txBody>
+                  <a:tcPr>
+                    <a:lnL w="12700" cap="flat" cmpd="sng" algn="ctr">
+                      <a:solidFill>
+                        <a:schemeClr val="tx1"/>
+                      </a:solidFill>
+                      <a:prstDash val="solid"/>
+                      <a:round/>
+                      <a:headEnd type="none" w="med" len="med"/>
+                      <a:tailEnd type="none" w="med" len="med"/>
+                    </a:lnL>
+                    <a:lnR w="12700" cap="flat" cmpd="sng" algn="ctr">
+                      <a:solidFill>
+                        <a:schemeClr val="tx1"/>
+                      </a:solidFill>
+                      <a:prstDash val="solid"/>
+                      <a:round/>
+                      <a:headEnd type="none" w="med" len="med"/>
+                      <a:tailEnd type="none" w="med" len="med"/>
+                    </a:lnR>
+                    <a:lnT w="12700" cap="flat" cmpd="sng" algn="ctr">
+                      <a:solidFill>
+                        <a:schemeClr val="tx1"/>
+                      </a:solidFill>
+                      <a:prstDash val="solid"/>
+                      <a:round/>
+                      <a:headEnd type="none" w="med" len="med"/>
+                      <a:tailEnd type="none" w="med" len="med"/>
+                    </a:lnT>
+                    <a:lnB w="12700" cap="flat" cmpd="sng" algn="ctr">
+                      <a:solidFill>
+                        <a:schemeClr val="tx1"/>
+                      </a:solidFill>
+                      <a:prstDash val="solid"/>
+                      <a:round/>
+                      <a:headEnd type="none" w="med" len="med"/>
+                      <a:tailEnd type="none" w="med" len="med"/>
+                    </a:lnB>
+                    <a:lnTlToBr w="12700" cmpd="sng">
+                      <a:noFill/>
+                      <a:prstDash val="solid"/>
+                    </a:lnTlToBr>
+                    <a:lnBlToTr w="12700" cmpd="sng">
+                      <a:noFill/>
+                      <a:prstDash val="solid"/>
+                    </a:lnBlToTr>
+                    <a:noFill/>
+                  </a:tcPr>
+                </a:tc>
+                <a:tc>
+                  <a:txBody>
+                    <a:bodyPr/>
+                    <a:lstStyle/>
+                    <a:p>
+                      <a:pPr algn="ctr" latinLnBrk="1"/>
+                      <a:r>
+                        <a:rPr lang="en-US" altLang="ko-KR" b="0" dirty="0">
+                          <a:solidFill>
+                            <a:sysClr val="windowText" lastClr="000000"/>
+                          </a:solidFill>
+                        </a:rPr>
+                        <a:t>jb_6</a:t>
+                      </a:r>
+                    </a:p>
+                    <a:p>
+                      <a:pPr algn="ctr" latinLnBrk="1"/>
+                      <a:r>
+                        <a:rPr lang="en-US" altLang="ko-KR" b="0" dirty="0">
+                          <a:solidFill>
+                            <a:sysClr val="windowText" lastClr="000000"/>
+                          </a:solidFill>
+                        </a:rPr>
+                        <a:t>P1[1]</a:t>
+                      </a:r>
+                      <a:endParaRPr lang="ko-KR" altLang="en-US" b="0" dirty="0">
+                        <a:solidFill>
+                          <a:sysClr val="windowText" lastClr="000000"/>
+                        </a:solidFill>
+                      </a:endParaRPr>
+                    </a:p>
+                  </a:txBody>
+                  <a:tcPr>
+                    <a:lnL w="12700" cap="flat" cmpd="sng" algn="ctr">
+                      <a:solidFill>
+                        <a:schemeClr val="tx1"/>
+                      </a:solidFill>
+                      <a:prstDash val="solid"/>
+                      <a:round/>
+                      <a:headEnd type="none" w="med" len="med"/>
+                      <a:tailEnd type="none" w="med" len="med"/>
+                    </a:lnL>
+                    <a:lnR w="12700" cap="flat" cmpd="sng" algn="ctr">
+                      <a:solidFill>
+                        <a:schemeClr val="tx1"/>
+                      </a:solidFill>
+                      <a:prstDash val="solid"/>
+                      <a:round/>
+                      <a:headEnd type="none" w="med" len="med"/>
+                      <a:tailEnd type="none" w="med" len="med"/>
+                    </a:lnR>
+                    <a:lnT w="12700" cap="flat" cmpd="sng" algn="ctr">
+                      <a:solidFill>
+                        <a:schemeClr val="tx1"/>
+                      </a:solidFill>
+                      <a:prstDash val="solid"/>
+                      <a:round/>
+                      <a:headEnd type="none" w="med" len="med"/>
+                      <a:tailEnd type="none" w="med" len="med"/>
+                    </a:lnT>
+                    <a:lnB w="12700" cap="flat" cmpd="sng" algn="ctr">
+                      <a:solidFill>
+                        <a:schemeClr val="tx1"/>
+                      </a:solidFill>
+                      <a:prstDash val="solid"/>
+                      <a:round/>
+                      <a:headEnd type="none" w="med" len="med"/>
+                      <a:tailEnd type="none" w="med" len="med"/>
+                    </a:lnB>
+                    <a:lnTlToBr w="12700" cmpd="sng">
+                      <a:noFill/>
+                      <a:prstDash val="solid"/>
+                    </a:lnTlToBr>
+                    <a:lnBlToTr w="12700" cmpd="sng">
+                      <a:noFill/>
+                      <a:prstDash val="solid"/>
+                    </a:lnBlToTr>
+                    <a:noFill/>
+                  </a:tcPr>
+                </a:tc>
+                <a:tc>
+                  <a:txBody>
+                    <a:bodyPr/>
+                    <a:lstStyle/>
+                    <a:p>
+                      <a:pPr algn="ctr" latinLnBrk="1"/>
+                      <a:r>
+                        <a:rPr lang="en-US" altLang="ko-KR" b="0" dirty="0">
+                          <a:solidFill>
+                            <a:sysClr val="windowText" lastClr="000000"/>
+                          </a:solidFill>
+                        </a:rPr>
+                        <a:t>jb_5</a:t>
+                      </a:r>
+                    </a:p>
+                    <a:p>
+                      <a:pPr algn="ctr" latinLnBrk="1"/>
+                      <a:r>
+                        <a:rPr lang="en-US" altLang="ko-KR" b="0" dirty="0">
+                          <a:solidFill>
+                            <a:sysClr val="windowText" lastClr="000000"/>
+                          </a:solidFill>
+                        </a:rPr>
+                        <a:t>P1[0]</a:t>
+                      </a:r>
+                      <a:endParaRPr lang="ko-KR" altLang="en-US" b="0" dirty="0">
+                        <a:solidFill>
+                          <a:sysClr val="windowText" lastClr="000000"/>
+                        </a:solidFill>
+                      </a:endParaRPr>
+                    </a:p>
+                  </a:txBody>
+                  <a:tcPr>
+                    <a:lnL w="12700" cap="flat" cmpd="sng" algn="ctr">
+                      <a:solidFill>
+                        <a:schemeClr val="tx1"/>
+                      </a:solidFill>
+                      <a:prstDash val="solid"/>
+                      <a:round/>
+                      <a:headEnd type="none" w="med" len="med"/>
+                      <a:tailEnd type="none" w="med" len="med"/>
+                    </a:lnL>
+                    <a:lnR w="12700" cap="flat" cmpd="sng" algn="ctr">
+                      <a:solidFill>
+                        <a:schemeClr val="tx1"/>
+                      </a:solidFill>
+                      <a:prstDash val="solid"/>
+                      <a:round/>
+                      <a:headEnd type="none" w="med" len="med"/>
+                      <a:tailEnd type="none" w="med" len="med"/>
+                    </a:lnR>
+                    <a:lnT w="12700" cap="flat" cmpd="sng" algn="ctr">
+                      <a:solidFill>
+                        <a:schemeClr val="tx1"/>
+                      </a:solidFill>
+                      <a:prstDash val="solid"/>
+                      <a:round/>
+                      <a:headEnd type="none" w="med" len="med"/>
+                      <a:tailEnd type="none" w="med" len="med"/>
+                    </a:lnT>
+                    <a:lnB w="12700" cap="flat" cmpd="sng" algn="ctr">
+                      <a:solidFill>
+                        <a:schemeClr val="tx1"/>
+                      </a:solidFill>
+                      <a:prstDash val="solid"/>
+                      <a:round/>
+                      <a:headEnd type="none" w="med" len="med"/>
+                      <a:tailEnd type="none" w="med" len="med"/>
+                    </a:lnB>
+                    <a:lnTlToBr w="12700" cmpd="sng">
+                      <a:noFill/>
+                      <a:prstDash val="solid"/>
+                    </a:lnTlToBr>
+                    <a:lnBlToTr w="12700" cmpd="sng">
+                      <a:noFill/>
+                      <a:prstDash val="solid"/>
+                    </a:lnBlToTr>
+                    <a:noFill/>
+                  </a:tcPr>
+                </a:tc>
+                <a:tc>
+                  <a:txBody>
+                    <a:bodyPr/>
+                    <a:lstStyle/>
+                    <a:p>
+                      <a:pPr algn="ctr" latinLnBrk="1"/>
+                      <a:r>
+                        <a:rPr lang="en-US" altLang="ko-KR" b="0" dirty="0">
+                          <a:solidFill>
+                            <a:sysClr val="windowText" lastClr="000000"/>
+                          </a:solidFill>
+                        </a:rPr>
+                        <a:t>jb_4</a:t>
+                      </a:r>
+                    </a:p>
+                    <a:p>
+                      <a:pPr algn="ctr" latinLnBrk="1"/>
+                      <a:r>
+                        <a:rPr lang="en-US" altLang="ko-KR" b="0">
+                          <a:solidFill>
+                            <a:sysClr val="windowText" lastClr="000000"/>
+                          </a:solidFill>
+                        </a:rPr>
+                        <a:t>IOUP1</a:t>
+                      </a:r>
+                      <a:endParaRPr lang="ko-KR" altLang="en-US" b="0" dirty="0">
+                        <a:solidFill>
+                          <a:sysClr val="windowText" lastClr="000000"/>
+                        </a:solidFill>
+                      </a:endParaRPr>
+                    </a:p>
+                  </a:txBody>
+                  <a:tcPr>
+                    <a:lnL w="12700" cap="flat" cmpd="sng" algn="ctr">
+                      <a:solidFill>
+                        <a:schemeClr val="tx1"/>
+                      </a:solidFill>
+                      <a:prstDash val="solid"/>
+                      <a:round/>
+                      <a:headEnd type="none" w="med" len="med"/>
+                      <a:tailEnd type="none" w="med" len="med"/>
+                    </a:lnL>
+                    <a:lnR w="12700" cap="flat" cmpd="sng" algn="ctr">
+                      <a:solidFill>
+                        <a:schemeClr val="tx1"/>
+                      </a:solidFill>
+                      <a:prstDash val="solid"/>
+                      <a:round/>
+                      <a:headEnd type="none" w="med" len="med"/>
+                      <a:tailEnd type="none" w="med" len="med"/>
+                    </a:lnR>
+                    <a:lnT w="12700" cap="flat" cmpd="sng" algn="ctr">
+                      <a:solidFill>
+                        <a:schemeClr val="tx1"/>
+                      </a:solidFill>
+                      <a:prstDash val="solid"/>
+                      <a:round/>
+                      <a:headEnd type="none" w="med" len="med"/>
+                      <a:tailEnd type="none" w="med" len="med"/>
+                    </a:lnT>
+                    <a:lnB w="12700" cap="flat" cmpd="sng" algn="ctr">
+                      <a:solidFill>
+                        <a:schemeClr val="tx1"/>
+                      </a:solidFill>
+                      <a:prstDash val="solid"/>
+                      <a:round/>
+                      <a:headEnd type="none" w="med" len="med"/>
+                      <a:tailEnd type="none" w="med" len="med"/>
+                    </a:lnB>
+                    <a:lnTlToBr w="12700" cmpd="sng">
+                      <a:noFill/>
+                      <a:prstDash val="solid"/>
+                    </a:lnTlToBr>
+                    <a:lnBlToTr w="12700" cmpd="sng">
+                      <a:noFill/>
+                      <a:prstDash val="solid"/>
+                    </a:lnBlToTr>
+                    <a:noFill/>
+                  </a:tcPr>
+                </a:tc>
+                <a:extLst>
+                  <a:ext uri="{0D108BD9-81ED-4DB2-BD59-A6C34878D82A}">
+                    <a16:rowId xmlns:a16="http://schemas.microsoft.com/office/drawing/2014/main" val="959394757"/>
+                  </a:ext>
+                </a:extLst>
+              </a:tr>
+            </a:tbl>
+          </a:graphicData>
+        </a:graphic>
+      </p:graphicFrame>
+      <p:graphicFrame>
+        <p:nvGraphicFramePr>
+          <p:cNvPr id="8" name="표 8">
+            <a:extLst>
+              <a:ext uri="{FF2B5EF4-FFF2-40B4-BE49-F238E27FC236}">
+                <a16:creationId xmlns:a16="http://schemas.microsoft.com/office/drawing/2014/main" id="{B32E1F67-725A-430C-81CE-B9E429399585}"/>
+              </a:ext>
+            </a:extLst>
+          </p:cNvPr>
+          <p:cNvGraphicFramePr>
+            <a:graphicFrameLocks noGrp="1"/>
+          </p:cNvGraphicFramePr>
+          <p:nvPr/>
+        </p:nvGraphicFramePr>
+        <p:xfrm>
+          <a:off x="6470649" y="1403298"/>
+          <a:ext cx="2155267" cy="4778588"/>
+        </p:xfrm>
+        <a:graphic>
+          <a:graphicData uri="http://schemas.openxmlformats.org/drawingml/2006/table">
+            <a:tbl>
+              <a:tblPr firstRow="1" bandRow="1">
+                <a:tableStyleId>{5C22544A-7EE6-4342-B048-85BDC9FD1C3A}</a:tableStyleId>
+              </a:tblPr>
+              <a:tblGrid>
+                <a:gridCol w="629010">
+                  <a:extLst>
+                    <a:ext uri="{9D8B030D-6E8A-4147-A177-3AD203B41FA5}">
+                      <a16:colId xmlns:a16="http://schemas.microsoft.com/office/drawing/2014/main" val="4255852507"/>
+                    </a:ext>
+                  </a:extLst>
+                </a:gridCol>
+                <a:gridCol w="1526257">
+                  <a:extLst>
+                    <a:ext uri="{9D8B030D-6E8A-4147-A177-3AD203B41FA5}">
+                      <a16:colId xmlns:a16="http://schemas.microsoft.com/office/drawing/2014/main" val="2217060606"/>
+                    </a:ext>
+                  </a:extLst>
+                </a:gridCol>
+              </a:tblGrid>
+              <a:tr h="554567">
+                <a:tc>
+                  <a:txBody>
+                    <a:bodyPr/>
+                    <a:lstStyle/>
+                    <a:p>
+                      <a:pPr algn="ctr" latinLnBrk="1"/>
+                      <a:r>
+                        <a:rPr lang="en-US" altLang="ko-KR" b="0" dirty="0">
+                          <a:solidFill>
+                            <a:sysClr val="windowText" lastClr="000000"/>
+                          </a:solidFill>
+                        </a:rPr>
+                        <a:t>GND</a:t>
+                      </a:r>
+                      <a:endParaRPr lang="ko-KR" altLang="en-US" b="0" dirty="0">
+                        <a:solidFill>
+                          <a:sysClr val="windowText" lastClr="000000"/>
+                        </a:solidFill>
+                      </a:endParaRPr>
+                    </a:p>
+                  </a:txBody>
+                  <a:tcPr>
+                    <a:lnL w="12700" cap="flat" cmpd="sng" algn="ctr">
+                      <a:solidFill>
+                        <a:schemeClr val="tx1"/>
+                      </a:solidFill>
+                      <a:prstDash val="solid"/>
+                      <a:round/>
+                      <a:headEnd type="none" w="med" len="med"/>
+                      <a:tailEnd type="none" w="med" len="med"/>
+                    </a:lnL>
+                    <a:lnR w="12700" cap="flat" cmpd="sng" algn="ctr">
+                      <a:solidFill>
+                        <a:schemeClr val="tx1"/>
+                      </a:solidFill>
+                      <a:prstDash val="solid"/>
+                      <a:round/>
+                      <a:headEnd type="none" w="med" len="med"/>
+                      <a:tailEnd type="none" w="med" len="med"/>
+                    </a:lnR>
+                    <a:lnT w="12700" cap="flat" cmpd="sng" algn="ctr">
+                      <a:solidFill>
+                        <a:schemeClr val="tx1"/>
+                      </a:solidFill>
+                      <a:prstDash val="solid"/>
+                      <a:round/>
+                      <a:headEnd type="none" w="med" len="med"/>
+                      <a:tailEnd type="none" w="med" len="med"/>
+                    </a:lnT>
+                    <a:lnB w="12700" cap="flat" cmpd="sng" algn="ctr">
+                      <a:solidFill>
+                        <a:schemeClr val="tx1"/>
+                      </a:solidFill>
+                      <a:prstDash val="solid"/>
+                      <a:round/>
+                      <a:headEnd type="none" w="med" len="med"/>
+                      <a:tailEnd type="none" w="med" len="med"/>
+                    </a:lnB>
+                    <a:noFill/>
+                  </a:tcPr>
+                </a:tc>
+                <a:tc>
+                  <a:txBody>
+                    <a:bodyPr/>
+                    <a:lstStyle/>
+                    <a:p>
+                      <a:pPr algn="ctr" latinLnBrk="1"/>
+                      <a:r>
+                        <a:rPr lang="en-US" altLang="ko-KR" b="0" dirty="0">
+                          <a:solidFill>
+                            <a:sysClr val="windowText" lastClr="000000"/>
+                          </a:solidFill>
+                        </a:rPr>
+                        <a:t>PROF1[2]</a:t>
+                      </a:r>
+                    </a:p>
+                    <a:p>
+                      <a:pPr algn="ctr" latinLnBrk="1"/>
+                      <a:r>
+                        <a:rPr lang="en-US" altLang="ko-KR" b="0" dirty="0">
+                          <a:solidFill>
+                            <a:sysClr val="windowText" lastClr="000000"/>
+                          </a:solidFill>
+                        </a:rPr>
+                        <a:t>jb_7</a:t>
+                      </a:r>
+                      <a:endParaRPr lang="ko-KR" altLang="en-US" b="0" dirty="0">
+                        <a:solidFill>
+                          <a:sysClr val="windowText" lastClr="000000"/>
+                        </a:solidFill>
+                      </a:endParaRPr>
+                    </a:p>
+                  </a:txBody>
+                  <a:tcPr>
+                    <a:lnL w="12700" cap="flat" cmpd="sng" algn="ctr">
+                      <a:solidFill>
+                        <a:schemeClr val="tx1"/>
+                      </a:solidFill>
+                      <a:prstDash val="solid"/>
+                      <a:round/>
+                      <a:headEnd type="none" w="med" len="med"/>
+                      <a:tailEnd type="none" w="med" len="med"/>
+                    </a:lnL>
+                    <a:lnR w="12700" cap="flat" cmpd="sng" algn="ctr">
+                      <a:solidFill>
+                        <a:schemeClr val="tx1"/>
+                      </a:solidFill>
+                      <a:prstDash val="solid"/>
+                      <a:round/>
+                      <a:headEnd type="none" w="med" len="med"/>
+                      <a:tailEnd type="none" w="med" len="med"/>
+                    </a:lnR>
+                    <a:lnT w="12700" cap="flat" cmpd="sng" algn="ctr">
+                      <a:solidFill>
+                        <a:schemeClr val="tx1"/>
+                      </a:solidFill>
+                      <a:prstDash val="solid"/>
+                      <a:round/>
+                      <a:headEnd type="none" w="med" len="med"/>
+                      <a:tailEnd type="none" w="med" len="med"/>
+                    </a:lnT>
+                    <a:lnB w="12700" cap="flat" cmpd="sng" algn="ctr">
+                      <a:solidFill>
+                        <a:schemeClr val="tx1"/>
+                      </a:solidFill>
+                      <a:prstDash val="solid"/>
+                      <a:round/>
+                      <a:headEnd type="none" w="med" len="med"/>
+                      <a:tailEnd type="none" w="med" len="med"/>
+                    </a:lnB>
+                    <a:noFill/>
+                  </a:tcPr>
+                </a:tc>
+                <a:extLst>
+                  <a:ext uri="{0D108BD9-81ED-4DB2-BD59-A6C34878D82A}">
+                    <a16:rowId xmlns:a16="http://schemas.microsoft.com/office/drawing/2014/main" val="2224305377"/>
+                  </a:ext>
+                </a:extLst>
+              </a:tr>
+              <a:tr h="554567">
+                <a:tc>
+                  <a:txBody>
+                    <a:bodyPr/>
+                    <a:lstStyle/>
+                    <a:p>
+                      <a:pPr marL="0" marR="0" lvl="0" indent="0" algn="ctr" defTabSz="914400" rtl="0" eaLnBrk="1" fontAlgn="auto" latinLnBrk="1" hangingPunct="1">
+                        <a:lnSpc>
+                          <a:spcPct val="100000"/>
+                        </a:lnSpc>
+                        <a:spcBef>
+                          <a:spcPts val="0"/>
+                        </a:spcBef>
+                        <a:spcAft>
+                          <a:spcPts val="0"/>
+                        </a:spcAft>
+                        <a:buClrTx/>
+                        <a:buSzTx/>
+                        <a:buFontTx/>
+                        <a:buNone/>
+                        <a:tabLst/>
+                        <a:defRPr/>
+                      </a:pPr>
+                      <a:r>
+                        <a:rPr lang="en-US" altLang="ko-KR" b="0" dirty="0">
+                          <a:solidFill>
+                            <a:sysClr val="windowText" lastClr="000000"/>
+                          </a:solidFill>
+                        </a:rPr>
+                        <a:t>GND</a:t>
+                      </a:r>
+                      <a:endParaRPr lang="ko-KR" altLang="en-US" b="0" dirty="0">
+                        <a:solidFill>
+                          <a:sysClr val="windowText" lastClr="000000"/>
+                        </a:solidFill>
+                      </a:endParaRPr>
+                    </a:p>
+                  </a:txBody>
+                  <a:tcPr>
+                    <a:lnL w="12700" cap="flat" cmpd="sng" algn="ctr">
+                      <a:solidFill>
+                        <a:schemeClr val="tx1"/>
+                      </a:solidFill>
+                      <a:prstDash val="solid"/>
+                      <a:round/>
+                      <a:headEnd type="none" w="med" len="med"/>
+                      <a:tailEnd type="none" w="med" len="med"/>
+                    </a:lnL>
+                    <a:lnR w="12700" cap="flat" cmpd="sng" algn="ctr">
+                      <a:solidFill>
+                        <a:schemeClr val="tx1"/>
+                      </a:solidFill>
+                      <a:prstDash val="solid"/>
+                      <a:round/>
+                      <a:headEnd type="none" w="med" len="med"/>
+                      <a:tailEnd type="none" w="med" len="med"/>
+                    </a:lnR>
+                    <a:lnT w="12700" cap="flat" cmpd="sng" algn="ctr">
+                      <a:solidFill>
+                        <a:schemeClr val="tx1"/>
+                      </a:solidFill>
+                      <a:prstDash val="solid"/>
+                      <a:round/>
+                      <a:headEnd type="none" w="med" len="med"/>
+                      <a:tailEnd type="none" w="med" len="med"/>
+                    </a:lnT>
+                    <a:lnB w="12700" cap="flat" cmpd="sng" algn="ctr">
+                      <a:solidFill>
+                        <a:schemeClr val="tx1"/>
+                      </a:solidFill>
+                      <a:prstDash val="solid"/>
+                      <a:round/>
+                      <a:headEnd type="none" w="med" len="med"/>
+                      <a:tailEnd type="none" w="med" len="med"/>
+                    </a:lnB>
+                    <a:noFill/>
+                  </a:tcPr>
+                </a:tc>
+                <a:tc>
+                  <a:txBody>
+                    <a:bodyPr/>
+                    <a:lstStyle/>
+                    <a:p>
+                      <a:pPr algn="ctr" latinLnBrk="1"/>
+                      <a:r>
+                        <a:rPr lang="en-US" altLang="ko-KR" b="0" dirty="0">
+                          <a:solidFill>
+                            <a:sysClr val="windowText" lastClr="000000"/>
+                          </a:solidFill>
+                        </a:rPr>
+                        <a:t>PROF1[1]</a:t>
+                      </a:r>
+                    </a:p>
+                    <a:p>
+                      <a:pPr algn="ctr" latinLnBrk="1"/>
+                      <a:r>
+                        <a:rPr lang="en-US" altLang="ko-KR" b="0" dirty="0">
+                          <a:solidFill>
+                            <a:sysClr val="windowText" lastClr="000000"/>
+                          </a:solidFill>
+                        </a:rPr>
+                        <a:t>jb_6</a:t>
+                      </a:r>
+                      <a:endParaRPr lang="ko-KR" altLang="en-US" b="0" dirty="0">
+                        <a:solidFill>
+                          <a:sysClr val="windowText" lastClr="000000"/>
+                        </a:solidFill>
+                      </a:endParaRPr>
+                    </a:p>
+                  </a:txBody>
+                  <a:tcPr>
+                    <a:lnL w="12700" cap="flat" cmpd="sng" algn="ctr">
+                      <a:solidFill>
+                        <a:schemeClr val="tx1"/>
+                      </a:solidFill>
+                      <a:prstDash val="solid"/>
+                      <a:round/>
+                      <a:headEnd type="none" w="med" len="med"/>
+                      <a:tailEnd type="none" w="med" len="med"/>
+                    </a:lnL>
+                    <a:lnR w="12700" cap="flat" cmpd="sng" algn="ctr">
+                      <a:solidFill>
+                        <a:schemeClr val="tx1"/>
+                      </a:solidFill>
+                      <a:prstDash val="solid"/>
+                      <a:round/>
+                      <a:headEnd type="none" w="med" len="med"/>
+                      <a:tailEnd type="none" w="med" len="med"/>
+                    </a:lnR>
+                    <a:lnT w="12700" cap="flat" cmpd="sng" algn="ctr">
+                      <a:solidFill>
+                        <a:schemeClr val="tx1"/>
+                      </a:solidFill>
+                      <a:prstDash val="solid"/>
+                      <a:round/>
+                      <a:headEnd type="none" w="med" len="med"/>
+                      <a:tailEnd type="none" w="med" len="med"/>
+                    </a:lnT>
+                    <a:lnB w="12700" cap="flat" cmpd="sng" algn="ctr">
+                      <a:solidFill>
+                        <a:schemeClr val="tx1"/>
+                      </a:solidFill>
+                      <a:prstDash val="solid"/>
+                      <a:round/>
+                      <a:headEnd type="none" w="med" len="med"/>
+                      <a:tailEnd type="none" w="med" len="med"/>
+                    </a:lnB>
+                    <a:noFill/>
+                  </a:tcPr>
+                </a:tc>
+                <a:extLst>
+                  <a:ext uri="{0D108BD9-81ED-4DB2-BD59-A6C34878D82A}">
+                    <a16:rowId xmlns:a16="http://schemas.microsoft.com/office/drawing/2014/main" val="2060843491"/>
+                  </a:ext>
+                </a:extLst>
+              </a:tr>
+              <a:tr h="554567">
+                <a:tc>
+                  <a:txBody>
+                    <a:bodyPr/>
+                    <a:lstStyle/>
+                    <a:p>
+                      <a:pPr marL="0" marR="0" lvl="0" indent="0" algn="ctr" defTabSz="914400" rtl="0" eaLnBrk="1" fontAlgn="auto" latinLnBrk="1" hangingPunct="1">
+                        <a:lnSpc>
+                          <a:spcPct val="100000"/>
+                        </a:lnSpc>
+                        <a:spcBef>
+                          <a:spcPts val="0"/>
+                        </a:spcBef>
+                        <a:spcAft>
+                          <a:spcPts val="0"/>
+                        </a:spcAft>
+                        <a:buClrTx/>
+                        <a:buSzTx/>
+                        <a:buFontTx/>
+                        <a:buNone/>
+                        <a:tabLst/>
+                        <a:defRPr/>
+                      </a:pPr>
+                      <a:r>
+                        <a:rPr lang="en-US" altLang="ko-KR" b="0" dirty="0">
+                          <a:solidFill>
+                            <a:sysClr val="windowText" lastClr="000000"/>
+                          </a:solidFill>
+                        </a:rPr>
+                        <a:t>GND</a:t>
+                      </a:r>
+                      <a:endParaRPr lang="ko-KR" altLang="en-US" b="0" dirty="0">
+                        <a:solidFill>
+                          <a:sysClr val="windowText" lastClr="000000"/>
+                        </a:solidFill>
+                      </a:endParaRPr>
+                    </a:p>
+                  </a:txBody>
+                  <a:tcPr>
+                    <a:lnL w="12700" cap="flat" cmpd="sng" algn="ctr">
+                      <a:solidFill>
+                        <a:schemeClr val="tx1"/>
+                      </a:solidFill>
+                      <a:prstDash val="solid"/>
+                      <a:round/>
+                      <a:headEnd type="none" w="med" len="med"/>
+                      <a:tailEnd type="none" w="med" len="med"/>
+                    </a:lnL>
+                    <a:lnR w="12700" cap="flat" cmpd="sng" algn="ctr">
+                      <a:solidFill>
+                        <a:schemeClr val="tx1"/>
+                      </a:solidFill>
+                      <a:prstDash val="solid"/>
+                      <a:round/>
+                      <a:headEnd type="none" w="med" len="med"/>
+                      <a:tailEnd type="none" w="med" len="med"/>
+                    </a:lnR>
+                    <a:lnT w="12700" cap="flat" cmpd="sng" algn="ctr">
+                      <a:solidFill>
+                        <a:schemeClr val="tx1"/>
+                      </a:solidFill>
+                      <a:prstDash val="solid"/>
+                      <a:round/>
+                      <a:headEnd type="none" w="med" len="med"/>
+                      <a:tailEnd type="none" w="med" len="med"/>
+                    </a:lnT>
+                    <a:lnB w="12700" cap="flat" cmpd="sng" algn="ctr">
+                      <a:solidFill>
+                        <a:schemeClr val="tx1"/>
+                      </a:solidFill>
+                      <a:prstDash val="solid"/>
+                      <a:round/>
+                      <a:headEnd type="none" w="med" len="med"/>
+                      <a:tailEnd type="none" w="med" len="med"/>
+                    </a:lnB>
+                    <a:noFill/>
+                  </a:tcPr>
+                </a:tc>
+                <a:tc>
+                  <a:txBody>
+                    <a:bodyPr/>
+                    <a:lstStyle/>
+                    <a:p>
+                      <a:pPr marL="0" marR="0" lvl="0" indent="0" algn="ctr" defTabSz="914400" rtl="0" eaLnBrk="1" fontAlgn="auto" latinLnBrk="1" hangingPunct="1">
+                        <a:lnSpc>
+                          <a:spcPct val="100000"/>
+                        </a:lnSpc>
+                        <a:spcBef>
+                          <a:spcPts val="0"/>
+                        </a:spcBef>
+                        <a:spcAft>
+                          <a:spcPts val="0"/>
+                        </a:spcAft>
+                        <a:buClrTx/>
+                        <a:buSzTx/>
+                        <a:buFontTx/>
+                        <a:buNone/>
+                        <a:tabLst/>
+                        <a:defRPr/>
+                      </a:pPr>
+                      <a:r>
+                        <a:rPr lang="en-US" altLang="ko-KR" b="0" dirty="0">
+                          <a:solidFill>
+                            <a:sysClr val="windowText" lastClr="000000"/>
+                          </a:solidFill>
+                        </a:rPr>
+                        <a:t>PROF1[0]</a:t>
+                      </a:r>
+                    </a:p>
+                    <a:p>
+                      <a:pPr marL="0" marR="0" lvl="0" indent="0" algn="ctr" defTabSz="914400" rtl="0" eaLnBrk="1" fontAlgn="auto" latinLnBrk="1" hangingPunct="1">
+                        <a:lnSpc>
+                          <a:spcPct val="100000"/>
+                        </a:lnSpc>
+                        <a:spcBef>
+                          <a:spcPts val="0"/>
+                        </a:spcBef>
+                        <a:spcAft>
+                          <a:spcPts val="0"/>
+                        </a:spcAft>
+                        <a:buClrTx/>
+                        <a:buSzTx/>
+                        <a:buFontTx/>
+                        <a:buNone/>
+                        <a:tabLst/>
+                        <a:defRPr/>
+                      </a:pPr>
+                      <a:r>
+                        <a:rPr lang="en-US" altLang="ko-KR" b="0" dirty="0">
+                          <a:solidFill>
+                            <a:sysClr val="windowText" lastClr="000000"/>
+                          </a:solidFill>
+                        </a:rPr>
+                        <a:t>jb_5</a:t>
+                      </a:r>
+                      <a:endParaRPr lang="ko-KR" altLang="en-US" b="0" dirty="0">
+                        <a:solidFill>
+                          <a:sysClr val="windowText" lastClr="000000"/>
+                        </a:solidFill>
+                      </a:endParaRPr>
+                    </a:p>
+                  </a:txBody>
+                  <a:tcPr>
+                    <a:lnL w="12700" cap="flat" cmpd="sng" algn="ctr">
+                      <a:solidFill>
+                        <a:schemeClr val="tx1"/>
+                      </a:solidFill>
+                      <a:prstDash val="solid"/>
+                      <a:round/>
+                      <a:headEnd type="none" w="med" len="med"/>
+                      <a:tailEnd type="none" w="med" len="med"/>
+                    </a:lnL>
+                    <a:lnR w="12700" cap="flat" cmpd="sng" algn="ctr">
+                      <a:solidFill>
+                        <a:schemeClr val="tx1"/>
+                      </a:solidFill>
+                      <a:prstDash val="solid"/>
+                      <a:round/>
+                      <a:headEnd type="none" w="med" len="med"/>
+                      <a:tailEnd type="none" w="med" len="med"/>
+                    </a:lnR>
+                    <a:lnT w="12700" cap="flat" cmpd="sng" algn="ctr">
+                      <a:solidFill>
+                        <a:schemeClr val="tx1"/>
+                      </a:solidFill>
+                      <a:prstDash val="solid"/>
+                      <a:round/>
+                      <a:headEnd type="none" w="med" len="med"/>
+                      <a:tailEnd type="none" w="med" len="med"/>
+                    </a:lnT>
+                    <a:lnB w="12700" cap="flat" cmpd="sng" algn="ctr">
+                      <a:solidFill>
+                        <a:schemeClr val="tx1"/>
+                      </a:solidFill>
+                      <a:prstDash val="solid"/>
+                      <a:round/>
+                      <a:headEnd type="none" w="med" len="med"/>
+                      <a:tailEnd type="none" w="med" len="med"/>
+                    </a:lnB>
+                    <a:noFill/>
+                  </a:tcPr>
+                </a:tc>
+                <a:extLst>
+                  <a:ext uri="{0D108BD9-81ED-4DB2-BD59-A6C34878D82A}">
+                    <a16:rowId xmlns:a16="http://schemas.microsoft.com/office/drawing/2014/main" val="2406639719"/>
+                  </a:ext>
+                </a:extLst>
+              </a:tr>
+              <a:tr h="554567">
+                <a:tc>
+                  <a:txBody>
+                    <a:bodyPr/>
+                    <a:lstStyle/>
+                    <a:p>
+                      <a:pPr marL="0" marR="0" lvl="0" indent="0" algn="ctr" defTabSz="914400" rtl="0" eaLnBrk="1" fontAlgn="auto" latinLnBrk="1" hangingPunct="1">
+                        <a:lnSpc>
+                          <a:spcPct val="100000"/>
+                        </a:lnSpc>
+                        <a:spcBef>
+                          <a:spcPts val="0"/>
+                        </a:spcBef>
+                        <a:spcAft>
+                          <a:spcPts val="0"/>
+                        </a:spcAft>
+                        <a:buClrTx/>
+                        <a:buSzTx/>
+                        <a:buFontTx/>
+                        <a:buNone/>
+                        <a:tabLst/>
+                        <a:defRPr/>
+                      </a:pPr>
+                      <a:r>
+                        <a:rPr lang="en-US" altLang="ko-KR" b="0" dirty="0">
+                          <a:solidFill>
+                            <a:sysClr val="windowText" lastClr="000000"/>
+                          </a:solidFill>
+                        </a:rPr>
+                        <a:t>GND</a:t>
+                      </a:r>
+                      <a:endParaRPr lang="ko-KR" altLang="en-US" b="0" dirty="0">
+                        <a:solidFill>
+                          <a:sysClr val="windowText" lastClr="000000"/>
+                        </a:solidFill>
+                      </a:endParaRPr>
+                    </a:p>
+                  </a:txBody>
+                  <a:tcPr>
+                    <a:lnL w="12700" cap="flat" cmpd="sng" algn="ctr">
+                      <a:solidFill>
+                        <a:schemeClr val="tx1"/>
+                      </a:solidFill>
+                      <a:prstDash val="solid"/>
+                      <a:round/>
+                      <a:headEnd type="none" w="med" len="med"/>
+                      <a:tailEnd type="none" w="med" len="med"/>
+                    </a:lnL>
+                    <a:lnR w="12700" cap="flat" cmpd="sng" algn="ctr">
+                      <a:solidFill>
+                        <a:schemeClr val="tx1"/>
+                      </a:solidFill>
+                      <a:prstDash val="solid"/>
+                      <a:round/>
+                      <a:headEnd type="none" w="med" len="med"/>
+                      <a:tailEnd type="none" w="med" len="med"/>
+                    </a:lnR>
+                    <a:lnT w="12700" cap="flat" cmpd="sng" algn="ctr">
+                      <a:solidFill>
+                        <a:schemeClr val="tx1"/>
+                      </a:solidFill>
+                      <a:prstDash val="solid"/>
+                      <a:round/>
+                      <a:headEnd type="none" w="med" len="med"/>
+                      <a:tailEnd type="none" w="med" len="med"/>
+                    </a:lnT>
+                    <a:lnB w="12700" cap="flat" cmpd="sng" algn="ctr">
+                      <a:solidFill>
+                        <a:schemeClr val="tx1"/>
+                      </a:solidFill>
+                      <a:prstDash val="solid"/>
+                      <a:round/>
+                      <a:headEnd type="none" w="med" len="med"/>
+                      <a:tailEnd type="none" w="med" len="med"/>
+                    </a:lnB>
+                    <a:noFill/>
+                  </a:tcPr>
+                </a:tc>
+                <a:tc>
+                  <a:txBody>
+                    <a:bodyPr/>
+                    <a:lstStyle/>
+                    <a:p>
+                      <a:pPr algn="ctr" latinLnBrk="1"/>
+                      <a:r>
+                        <a:rPr lang="en-US" altLang="ko-KR" b="0" dirty="0">
+                          <a:solidFill>
+                            <a:sysClr val="windowText" lastClr="000000"/>
+                          </a:solidFill>
+                        </a:rPr>
+                        <a:t>IO_UPDATE1</a:t>
+                      </a:r>
+                    </a:p>
+                    <a:p>
+                      <a:pPr algn="ctr" latinLnBrk="1"/>
+                      <a:r>
+                        <a:rPr lang="en-US" altLang="ko-KR" b="0" dirty="0">
+                          <a:solidFill>
+                            <a:sysClr val="windowText" lastClr="000000"/>
+                          </a:solidFill>
+                        </a:rPr>
+                        <a:t>ja_7</a:t>
+                      </a:r>
+                      <a:endParaRPr lang="ko-KR" altLang="en-US" b="0" dirty="0">
+                        <a:solidFill>
+                          <a:sysClr val="windowText" lastClr="000000"/>
+                        </a:solidFill>
+                      </a:endParaRPr>
+                    </a:p>
+                  </a:txBody>
+                  <a:tcPr>
+                    <a:lnL w="12700" cap="flat" cmpd="sng" algn="ctr">
+                      <a:solidFill>
+                        <a:schemeClr val="tx1"/>
+                      </a:solidFill>
+                      <a:prstDash val="solid"/>
+                      <a:round/>
+                      <a:headEnd type="none" w="med" len="med"/>
+                      <a:tailEnd type="none" w="med" len="med"/>
+                    </a:lnL>
+                    <a:lnR w="12700" cap="flat" cmpd="sng" algn="ctr">
+                      <a:solidFill>
+                        <a:schemeClr val="tx1"/>
+                      </a:solidFill>
+                      <a:prstDash val="solid"/>
+                      <a:round/>
+                      <a:headEnd type="none" w="med" len="med"/>
+                      <a:tailEnd type="none" w="med" len="med"/>
+                    </a:lnR>
+                    <a:lnT w="12700" cap="flat" cmpd="sng" algn="ctr">
+                      <a:solidFill>
+                        <a:schemeClr val="tx1"/>
+                      </a:solidFill>
+                      <a:prstDash val="solid"/>
+                      <a:round/>
+                      <a:headEnd type="none" w="med" len="med"/>
+                      <a:tailEnd type="none" w="med" len="med"/>
+                    </a:lnT>
+                    <a:lnB w="12700" cap="flat" cmpd="sng" algn="ctr">
+                      <a:solidFill>
+                        <a:schemeClr val="tx1"/>
+                      </a:solidFill>
+                      <a:prstDash val="solid"/>
+                      <a:round/>
+                      <a:headEnd type="none" w="med" len="med"/>
+                      <a:tailEnd type="none" w="med" len="med"/>
+                    </a:lnB>
+                    <a:noFill/>
+                  </a:tcPr>
+                </a:tc>
+                <a:extLst>
+                  <a:ext uri="{0D108BD9-81ED-4DB2-BD59-A6C34878D82A}">
+                    <a16:rowId xmlns:a16="http://schemas.microsoft.com/office/drawing/2014/main" val="3026871745"/>
+                  </a:ext>
+                </a:extLst>
+              </a:tr>
+              <a:tr h="554567">
+                <a:tc>
+                  <a:txBody>
+                    <a:bodyPr/>
+                    <a:lstStyle/>
+                    <a:p>
+                      <a:pPr marL="0" marR="0" lvl="0" indent="0" algn="ctr" defTabSz="914400" rtl="0" eaLnBrk="1" fontAlgn="auto" latinLnBrk="1" hangingPunct="1">
+                        <a:lnSpc>
+                          <a:spcPct val="100000"/>
+                        </a:lnSpc>
+                        <a:spcBef>
+                          <a:spcPts val="0"/>
+                        </a:spcBef>
+                        <a:spcAft>
+                          <a:spcPts val="0"/>
+                        </a:spcAft>
+                        <a:buClrTx/>
+                        <a:buSzTx/>
+                        <a:buFontTx/>
+                        <a:buNone/>
+                        <a:tabLst/>
+                        <a:defRPr/>
+                      </a:pPr>
+                      <a:r>
+                        <a:rPr lang="en-US" altLang="ko-KR" b="0" dirty="0">
+                          <a:solidFill>
+                            <a:sysClr val="windowText" lastClr="000000"/>
+                          </a:solidFill>
+                        </a:rPr>
+                        <a:t>GND</a:t>
+                      </a:r>
+                      <a:endParaRPr lang="ko-KR" altLang="en-US" b="0" dirty="0">
+                        <a:solidFill>
+                          <a:sysClr val="windowText" lastClr="000000"/>
+                        </a:solidFill>
+                      </a:endParaRPr>
+                    </a:p>
+                  </a:txBody>
+                  <a:tcPr>
+                    <a:lnL w="12700" cap="flat" cmpd="sng" algn="ctr">
+                      <a:solidFill>
+                        <a:schemeClr val="tx1"/>
+                      </a:solidFill>
+                      <a:prstDash val="solid"/>
+                      <a:round/>
+                      <a:headEnd type="none" w="med" len="med"/>
+                      <a:tailEnd type="none" w="med" len="med"/>
+                    </a:lnL>
+                    <a:lnR w="12700" cap="flat" cmpd="sng" algn="ctr">
+                      <a:solidFill>
+                        <a:schemeClr val="tx1"/>
+                      </a:solidFill>
+                      <a:prstDash val="solid"/>
+                      <a:round/>
+                      <a:headEnd type="none" w="med" len="med"/>
+                      <a:tailEnd type="none" w="med" len="med"/>
+                    </a:lnR>
+                    <a:lnT w="12700" cap="flat" cmpd="sng" algn="ctr">
+                      <a:solidFill>
+                        <a:schemeClr val="tx1"/>
+                      </a:solidFill>
+                      <a:prstDash val="solid"/>
+                      <a:round/>
+                      <a:headEnd type="none" w="med" len="med"/>
+                      <a:tailEnd type="none" w="med" len="med"/>
+                    </a:lnT>
+                    <a:lnB w="12700" cap="flat" cmpd="sng" algn="ctr">
+                      <a:solidFill>
+                        <a:schemeClr val="tx1"/>
+                      </a:solidFill>
+                      <a:prstDash val="solid"/>
+                      <a:round/>
+                      <a:headEnd type="none" w="med" len="med"/>
+                      <a:tailEnd type="none" w="med" len="med"/>
+                    </a:lnB>
+                    <a:solidFill>
+                      <a:srgbClr val="FF0000"/>
+                    </a:solidFill>
+                  </a:tcPr>
+                </a:tc>
+                <a:tc>
+                  <a:txBody>
+                    <a:bodyPr/>
+                    <a:lstStyle/>
+                    <a:p>
+                      <a:pPr marL="0" marR="0" lvl="0" indent="0" algn="ctr" defTabSz="914400" rtl="0" eaLnBrk="1" fontAlgn="auto" latinLnBrk="1" hangingPunct="1">
+                        <a:lnSpc>
+                          <a:spcPct val="100000"/>
+                        </a:lnSpc>
+                        <a:spcBef>
+                          <a:spcPts val="0"/>
+                        </a:spcBef>
+                        <a:spcAft>
+                          <a:spcPts val="0"/>
+                        </a:spcAft>
+                        <a:buClrTx/>
+                        <a:buSzTx/>
+                        <a:buFontTx/>
+                        <a:buNone/>
+                        <a:tabLst/>
+                        <a:defRPr/>
+                      </a:pPr>
+                      <a:r>
+                        <a:rPr lang="en-US" altLang="ko-KR" b="0" dirty="0">
+                          <a:solidFill>
+                            <a:sysClr val="windowText" lastClr="000000"/>
+                          </a:solidFill>
+                        </a:rPr>
+                        <a:t>IO_UPDATE2</a:t>
+                      </a:r>
+                      <a:endParaRPr lang="ko-KR" altLang="en-US" b="0" dirty="0">
+                        <a:solidFill>
+                          <a:sysClr val="windowText" lastClr="000000"/>
+                        </a:solidFill>
+                      </a:endParaRPr>
+                    </a:p>
+                  </a:txBody>
+                  <a:tcPr>
+                    <a:lnL w="12700" cap="flat" cmpd="sng" algn="ctr">
+                      <a:solidFill>
+                        <a:schemeClr val="tx1"/>
+                      </a:solidFill>
+                      <a:prstDash val="solid"/>
+                      <a:round/>
+                      <a:headEnd type="none" w="med" len="med"/>
+                      <a:tailEnd type="none" w="med" len="med"/>
+                    </a:lnL>
+                    <a:lnR w="12700" cap="flat" cmpd="sng" algn="ctr">
+                      <a:solidFill>
+                        <a:schemeClr val="tx1"/>
+                      </a:solidFill>
+                      <a:prstDash val="solid"/>
+                      <a:round/>
+                      <a:headEnd type="none" w="med" len="med"/>
+                      <a:tailEnd type="none" w="med" len="med"/>
+                    </a:lnR>
+                    <a:lnT w="12700" cap="flat" cmpd="sng" algn="ctr">
+                      <a:solidFill>
+                        <a:schemeClr val="tx1"/>
+                      </a:solidFill>
+                      <a:prstDash val="solid"/>
+                      <a:round/>
+                      <a:headEnd type="none" w="med" len="med"/>
+                      <a:tailEnd type="none" w="med" len="med"/>
+                    </a:lnT>
+                    <a:lnB w="12700" cap="flat" cmpd="sng" algn="ctr">
+                      <a:solidFill>
+                        <a:schemeClr val="tx1"/>
+                      </a:solidFill>
+                      <a:prstDash val="solid"/>
+                      <a:round/>
+                      <a:headEnd type="none" w="med" len="med"/>
+                      <a:tailEnd type="none" w="med" len="med"/>
+                    </a:lnB>
+                    <a:solidFill>
+                      <a:srgbClr val="FF0000"/>
+                    </a:solidFill>
+                  </a:tcPr>
+                </a:tc>
+                <a:extLst>
+                  <a:ext uri="{0D108BD9-81ED-4DB2-BD59-A6C34878D82A}">
+                    <a16:rowId xmlns:a16="http://schemas.microsoft.com/office/drawing/2014/main" val="2156735826"/>
+                  </a:ext>
+                </a:extLst>
+              </a:tr>
+              <a:tr h="554567">
+                <a:tc>
+                  <a:txBody>
+                    <a:bodyPr/>
+                    <a:lstStyle/>
+                    <a:p>
+                      <a:pPr marL="0" marR="0" lvl="0" indent="0" algn="ctr" defTabSz="914400" rtl="0" eaLnBrk="1" fontAlgn="auto" latinLnBrk="1" hangingPunct="1">
+                        <a:lnSpc>
+                          <a:spcPct val="100000"/>
+                        </a:lnSpc>
+                        <a:spcBef>
+                          <a:spcPts val="0"/>
+                        </a:spcBef>
+                        <a:spcAft>
+                          <a:spcPts val="0"/>
+                        </a:spcAft>
+                        <a:buClrTx/>
+                        <a:buSzTx/>
+                        <a:buFontTx/>
+                        <a:buNone/>
+                        <a:tabLst/>
+                        <a:defRPr/>
+                      </a:pPr>
+                      <a:r>
+                        <a:rPr lang="en-US" altLang="ko-KR" b="0" dirty="0">
+                          <a:solidFill>
+                            <a:sysClr val="windowText" lastClr="000000"/>
+                          </a:solidFill>
+                        </a:rPr>
+                        <a:t>GND</a:t>
+                      </a:r>
+                      <a:endParaRPr lang="ko-KR" altLang="en-US" b="0" dirty="0">
+                        <a:solidFill>
+                          <a:sysClr val="windowText" lastClr="000000"/>
+                        </a:solidFill>
+                      </a:endParaRPr>
+                    </a:p>
+                  </a:txBody>
+                  <a:tcPr>
+                    <a:lnL w="12700" cap="flat" cmpd="sng" algn="ctr">
+                      <a:solidFill>
+                        <a:schemeClr val="tx1"/>
+                      </a:solidFill>
+                      <a:prstDash val="solid"/>
+                      <a:round/>
+                      <a:headEnd type="none" w="med" len="med"/>
+                      <a:tailEnd type="none" w="med" len="med"/>
+                    </a:lnL>
+                    <a:lnR w="12700" cap="flat" cmpd="sng" algn="ctr">
+                      <a:solidFill>
+                        <a:schemeClr val="tx1"/>
+                      </a:solidFill>
+                      <a:prstDash val="solid"/>
+                      <a:round/>
+                      <a:headEnd type="none" w="med" len="med"/>
+                      <a:tailEnd type="none" w="med" len="med"/>
+                    </a:lnR>
+                    <a:lnT w="12700" cap="flat" cmpd="sng" algn="ctr">
+                      <a:solidFill>
+                        <a:schemeClr val="tx1"/>
+                      </a:solidFill>
+                      <a:prstDash val="solid"/>
+                      <a:round/>
+                      <a:headEnd type="none" w="med" len="med"/>
+                      <a:tailEnd type="none" w="med" len="med"/>
+                    </a:lnT>
+                    <a:lnB w="12700" cap="flat" cmpd="sng" algn="ctr">
+                      <a:solidFill>
+                        <a:schemeClr val="tx1"/>
+                      </a:solidFill>
+                      <a:prstDash val="solid"/>
+                      <a:round/>
+                      <a:headEnd type="none" w="med" len="med"/>
+                      <a:tailEnd type="none" w="med" len="med"/>
+                    </a:lnB>
+                    <a:solidFill>
+                      <a:srgbClr val="FF0000"/>
+                    </a:solidFill>
+                  </a:tcPr>
+                </a:tc>
+                <a:tc>
+                  <a:txBody>
+                    <a:bodyPr/>
+                    <a:lstStyle/>
+                    <a:p>
+                      <a:pPr marL="0" marR="0" lvl="0" indent="0" algn="ctr" defTabSz="914400" rtl="0" eaLnBrk="1" fontAlgn="auto" latinLnBrk="1" hangingPunct="1">
+                        <a:lnSpc>
+                          <a:spcPct val="100000"/>
+                        </a:lnSpc>
+                        <a:spcBef>
+                          <a:spcPts val="0"/>
+                        </a:spcBef>
+                        <a:spcAft>
+                          <a:spcPts val="0"/>
+                        </a:spcAft>
+                        <a:buClrTx/>
+                        <a:buSzTx/>
+                        <a:buFontTx/>
+                        <a:buNone/>
+                        <a:tabLst/>
+                        <a:defRPr/>
+                      </a:pPr>
+                      <a:r>
+                        <a:rPr lang="en-US" altLang="ko-KR" b="0" dirty="0">
+                          <a:solidFill>
+                            <a:sysClr val="windowText" lastClr="000000"/>
+                          </a:solidFill>
+                        </a:rPr>
+                        <a:t>PROF2[0]</a:t>
+                      </a:r>
+                      <a:endParaRPr lang="ko-KR" altLang="en-US" b="0" dirty="0">
+                        <a:solidFill>
+                          <a:sysClr val="windowText" lastClr="000000"/>
+                        </a:solidFill>
+                      </a:endParaRPr>
+                    </a:p>
+                  </a:txBody>
+                  <a:tcPr>
+                    <a:lnL w="12700" cap="flat" cmpd="sng" algn="ctr">
+                      <a:solidFill>
+                        <a:schemeClr val="tx1"/>
+                      </a:solidFill>
+                      <a:prstDash val="solid"/>
+                      <a:round/>
+                      <a:headEnd type="none" w="med" len="med"/>
+                      <a:tailEnd type="none" w="med" len="med"/>
+                    </a:lnL>
+                    <a:lnR w="12700" cap="flat" cmpd="sng" algn="ctr">
+                      <a:solidFill>
+                        <a:schemeClr val="tx1"/>
+                      </a:solidFill>
+                      <a:prstDash val="solid"/>
+                      <a:round/>
+                      <a:headEnd type="none" w="med" len="med"/>
+                      <a:tailEnd type="none" w="med" len="med"/>
+                    </a:lnR>
+                    <a:lnT w="12700" cap="flat" cmpd="sng" algn="ctr">
+                      <a:solidFill>
+                        <a:schemeClr val="tx1"/>
+                      </a:solidFill>
+                      <a:prstDash val="solid"/>
+                      <a:round/>
+                      <a:headEnd type="none" w="med" len="med"/>
+                      <a:tailEnd type="none" w="med" len="med"/>
+                    </a:lnT>
+                    <a:lnB w="12700" cap="flat" cmpd="sng" algn="ctr">
+                      <a:solidFill>
+                        <a:schemeClr val="tx1"/>
+                      </a:solidFill>
+                      <a:prstDash val="solid"/>
+                      <a:round/>
+                      <a:headEnd type="none" w="med" len="med"/>
+                      <a:tailEnd type="none" w="med" len="med"/>
+                    </a:lnB>
+                    <a:solidFill>
+                      <a:srgbClr val="FF0000"/>
+                    </a:solidFill>
+                  </a:tcPr>
+                </a:tc>
+                <a:extLst>
+                  <a:ext uri="{0D108BD9-81ED-4DB2-BD59-A6C34878D82A}">
+                    <a16:rowId xmlns:a16="http://schemas.microsoft.com/office/drawing/2014/main" val="3505843952"/>
+                  </a:ext>
+                </a:extLst>
+              </a:tr>
+              <a:tr h="554567">
+                <a:tc>
+                  <a:txBody>
+                    <a:bodyPr/>
+                    <a:lstStyle/>
+                    <a:p>
+                      <a:pPr marL="0" marR="0" lvl="0" indent="0" algn="ctr" defTabSz="914400" rtl="0" eaLnBrk="1" fontAlgn="auto" latinLnBrk="1" hangingPunct="1">
+                        <a:lnSpc>
+                          <a:spcPct val="100000"/>
+                        </a:lnSpc>
+                        <a:spcBef>
+                          <a:spcPts val="0"/>
+                        </a:spcBef>
+                        <a:spcAft>
+                          <a:spcPts val="0"/>
+                        </a:spcAft>
+                        <a:buClrTx/>
+                        <a:buSzTx/>
+                        <a:buFontTx/>
+                        <a:buNone/>
+                        <a:tabLst/>
+                        <a:defRPr/>
+                      </a:pPr>
+                      <a:r>
+                        <a:rPr lang="en-US" altLang="ko-KR" b="0" dirty="0">
+                          <a:solidFill>
+                            <a:sysClr val="windowText" lastClr="000000"/>
+                          </a:solidFill>
+                        </a:rPr>
+                        <a:t>GND</a:t>
+                      </a:r>
+                      <a:endParaRPr lang="ko-KR" altLang="en-US" b="0" dirty="0">
+                        <a:solidFill>
+                          <a:sysClr val="windowText" lastClr="000000"/>
+                        </a:solidFill>
+                      </a:endParaRPr>
+                    </a:p>
+                  </a:txBody>
+                  <a:tcPr>
+                    <a:lnL w="12700" cap="flat" cmpd="sng" algn="ctr">
+                      <a:solidFill>
+                        <a:schemeClr val="tx1"/>
+                      </a:solidFill>
+                      <a:prstDash val="solid"/>
+                      <a:round/>
+                      <a:headEnd type="none" w="med" len="med"/>
+                      <a:tailEnd type="none" w="med" len="med"/>
+                    </a:lnL>
+                    <a:lnR w="12700" cap="flat" cmpd="sng" algn="ctr">
+                      <a:solidFill>
+                        <a:schemeClr val="tx1"/>
+                      </a:solidFill>
+                      <a:prstDash val="solid"/>
+                      <a:round/>
+                      <a:headEnd type="none" w="med" len="med"/>
+                      <a:tailEnd type="none" w="med" len="med"/>
+                    </a:lnR>
+                    <a:lnT w="12700" cap="flat" cmpd="sng" algn="ctr">
+                      <a:solidFill>
+                        <a:schemeClr val="tx1"/>
+                      </a:solidFill>
+                      <a:prstDash val="solid"/>
+                      <a:round/>
+                      <a:headEnd type="none" w="med" len="med"/>
+                      <a:tailEnd type="none" w="med" len="med"/>
+                    </a:lnT>
+                    <a:lnB w="12700" cap="flat" cmpd="sng" algn="ctr">
+                      <a:solidFill>
+                        <a:schemeClr val="tx1"/>
+                      </a:solidFill>
+                      <a:prstDash val="solid"/>
+                      <a:round/>
+                      <a:headEnd type="none" w="med" len="med"/>
+                      <a:tailEnd type="none" w="med" len="med"/>
+                    </a:lnB>
+                    <a:solidFill>
+                      <a:srgbClr val="FF0000"/>
+                    </a:solidFill>
+                  </a:tcPr>
+                </a:tc>
+                <a:tc>
+                  <a:txBody>
+                    <a:bodyPr/>
+                    <a:lstStyle/>
+                    <a:p>
+                      <a:pPr marL="0" marR="0" lvl="0" indent="0" algn="ctr" defTabSz="914400" rtl="0" eaLnBrk="1" fontAlgn="auto" latinLnBrk="1" hangingPunct="1">
+                        <a:lnSpc>
+                          <a:spcPct val="100000"/>
+                        </a:lnSpc>
+                        <a:spcBef>
+                          <a:spcPts val="0"/>
+                        </a:spcBef>
+                        <a:spcAft>
+                          <a:spcPts val="0"/>
+                        </a:spcAft>
+                        <a:buClrTx/>
+                        <a:buSzTx/>
+                        <a:buFontTx/>
+                        <a:buNone/>
+                        <a:tabLst/>
+                        <a:defRPr/>
+                      </a:pPr>
+                      <a:r>
+                        <a:rPr lang="en-US" altLang="ko-KR" b="0" dirty="0">
+                          <a:solidFill>
+                            <a:sysClr val="windowText" lastClr="000000"/>
+                          </a:solidFill>
+                        </a:rPr>
+                        <a:t>PROF2[1]</a:t>
+                      </a:r>
+                      <a:endParaRPr lang="ko-KR" altLang="en-US" b="0" dirty="0">
+                        <a:solidFill>
+                          <a:sysClr val="windowText" lastClr="000000"/>
+                        </a:solidFill>
+                      </a:endParaRPr>
+                    </a:p>
+                  </a:txBody>
+                  <a:tcPr>
+                    <a:lnL w="12700" cap="flat" cmpd="sng" algn="ctr">
+                      <a:solidFill>
+                        <a:schemeClr val="tx1"/>
+                      </a:solidFill>
+                      <a:prstDash val="solid"/>
+                      <a:round/>
+                      <a:headEnd type="none" w="med" len="med"/>
+                      <a:tailEnd type="none" w="med" len="med"/>
+                    </a:lnL>
+                    <a:lnR w="12700" cap="flat" cmpd="sng" algn="ctr">
+                      <a:solidFill>
+                        <a:schemeClr val="tx1"/>
+                      </a:solidFill>
+                      <a:prstDash val="solid"/>
+                      <a:round/>
+                      <a:headEnd type="none" w="med" len="med"/>
+                      <a:tailEnd type="none" w="med" len="med"/>
+                    </a:lnR>
+                    <a:lnT w="12700" cap="flat" cmpd="sng" algn="ctr">
+                      <a:solidFill>
+                        <a:schemeClr val="tx1"/>
+                      </a:solidFill>
+                      <a:prstDash val="solid"/>
+                      <a:round/>
+                      <a:headEnd type="none" w="med" len="med"/>
+                      <a:tailEnd type="none" w="med" len="med"/>
+                    </a:lnT>
+                    <a:lnB w="12700" cap="flat" cmpd="sng" algn="ctr">
+                      <a:solidFill>
+                        <a:schemeClr val="tx1"/>
+                      </a:solidFill>
+                      <a:prstDash val="solid"/>
+                      <a:round/>
+                      <a:headEnd type="none" w="med" len="med"/>
+                      <a:tailEnd type="none" w="med" len="med"/>
+                    </a:lnB>
+                    <a:solidFill>
+                      <a:srgbClr val="FF0000"/>
+                    </a:solidFill>
+                  </a:tcPr>
+                </a:tc>
+                <a:extLst>
+                  <a:ext uri="{0D108BD9-81ED-4DB2-BD59-A6C34878D82A}">
+                    <a16:rowId xmlns:a16="http://schemas.microsoft.com/office/drawing/2014/main" val="2992854651"/>
+                  </a:ext>
+                </a:extLst>
+              </a:tr>
+              <a:tr h="554567">
+                <a:tc>
+                  <a:txBody>
+                    <a:bodyPr/>
+                    <a:lstStyle/>
+                    <a:p>
+                      <a:pPr marL="0" marR="0" lvl="0" indent="0" algn="ctr" defTabSz="914400" rtl="0" eaLnBrk="1" fontAlgn="auto" latinLnBrk="1" hangingPunct="1">
+                        <a:lnSpc>
+                          <a:spcPct val="100000"/>
+                        </a:lnSpc>
+                        <a:spcBef>
+                          <a:spcPts val="0"/>
+                        </a:spcBef>
+                        <a:spcAft>
+                          <a:spcPts val="0"/>
+                        </a:spcAft>
+                        <a:buClrTx/>
+                        <a:buSzTx/>
+                        <a:buFontTx/>
+                        <a:buNone/>
+                        <a:tabLst/>
+                        <a:defRPr/>
+                      </a:pPr>
+                      <a:r>
+                        <a:rPr lang="en-US" altLang="ko-KR" b="0" dirty="0">
+                          <a:solidFill>
+                            <a:sysClr val="windowText" lastClr="000000"/>
+                          </a:solidFill>
+                        </a:rPr>
+                        <a:t>GND</a:t>
+                      </a:r>
+                      <a:endParaRPr lang="ko-KR" altLang="en-US" b="0" dirty="0">
+                        <a:solidFill>
+                          <a:sysClr val="windowText" lastClr="000000"/>
+                        </a:solidFill>
+                      </a:endParaRPr>
+                    </a:p>
+                  </a:txBody>
+                  <a:tcPr>
+                    <a:lnL w="12700" cap="flat" cmpd="sng" algn="ctr">
+                      <a:solidFill>
+                        <a:schemeClr val="tx1"/>
+                      </a:solidFill>
+                      <a:prstDash val="solid"/>
+                      <a:round/>
+                      <a:headEnd type="none" w="med" len="med"/>
+                      <a:tailEnd type="none" w="med" len="med"/>
+                    </a:lnL>
+                    <a:lnR w="12700" cap="flat" cmpd="sng" algn="ctr">
+                      <a:solidFill>
+                        <a:schemeClr val="tx1"/>
+                      </a:solidFill>
+                      <a:prstDash val="solid"/>
+                      <a:round/>
+                      <a:headEnd type="none" w="med" len="med"/>
+                      <a:tailEnd type="none" w="med" len="med"/>
+                    </a:lnR>
+                    <a:lnT w="12700" cap="flat" cmpd="sng" algn="ctr">
+                      <a:solidFill>
+                        <a:schemeClr val="tx1"/>
+                      </a:solidFill>
+                      <a:prstDash val="solid"/>
+                      <a:round/>
+                      <a:headEnd type="none" w="med" len="med"/>
+                      <a:tailEnd type="none" w="med" len="med"/>
+                    </a:lnT>
+                    <a:lnB w="12700" cap="flat" cmpd="sng" algn="ctr">
+                      <a:solidFill>
+                        <a:schemeClr val="tx1"/>
+                      </a:solidFill>
+                      <a:prstDash val="solid"/>
+                      <a:round/>
+                      <a:headEnd type="none" w="med" len="med"/>
+                      <a:tailEnd type="none" w="med" len="med"/>
+                    </a:lnB>
+                    <a:solidFill>
+                      <a:srgbClr val="FF0000"/>
+                    </a:solidFill>
+                  </a:tcPr>
+                </a:tc>
+                <a:tc>
+                  <a:txBody>
+                    <a:bodyPr/>
+                    <a:lstStyle/>
+                    <a:p>
+                      <a:pPr marL="0" marR="0" lvl="0" indent="0" algn="ctr" defTabSz="914400" rtl="0" eaLnBrk="1" fontAlgn="auto" latinLnBrk="1" hangingPunct="1">
+                        <a:lnSpc>
+                          <a:spcPct val="100000"/>
+                        </a:lnSpc>
+                        <a:spcBef>
+                          <a:spcPts val="0"/>
+                        </a:spcBef>
+                        <a:spcAft>
+                          <a:spcPts val="0"/>
+                        </a:spcAft>
+                        <a:buClrTx/>
+                        <a:buSzTx/>
+                        <a:buFontTx/>
+                        <a:buNone/>
+                        <a:tabLst/>
+                        <a:defRPr/>
+                      </a:pPr>
+                      <a:r>
+                        <a:rPr lang="en-US" altLang="ko-KR" b="0" dirty="0">
+                          <a:solidFill>
+                            <a:sysClr val="windowText" lastClr="000000"/>
+                          </a:solidFill>
+                        </a:rPr>
+                        <a:t>PROF2[2]</a:t>
+                      </a:r>
+                      <a:endParaRPr lang="ko-KR" altLang="en-US" b="0" dirty="0">
+                        <a:solidFill>
+                          <a:sysClr val="windowText" lastClr="000000"/>
+                        </a:solidFill>
+                      </a:endParaRPr>
+                    </a:p>
+                  </a:txBody>
+                  <a:tcPr>
+                    <a:lnL w="12700" cap="flat" cmpd="sng" algn="ctr">
+                      <a:solidFill>
+                        <a:schemeClr val="tx1"/>
+                      </a:solidFill>
+                      <a:prstDash val="solid"/>
+                      <a:round/>
+                      <a:headEnd type="none" w="med" len="med"/>
+                      <a:tailEnd type="none" w="med" len="med"/>
+                    </a:lnL>
+                    <a:lnR w="12700" cap="flat" cmpd="sng" algn="ctr">
+                      <a:solidFill>
+                        <a:schemeClr val="tx1"/>
+                      </a:solidFill>
+                      <a:prstDash val="solid"/>
+                      <a:round/>
+                      <a:headEnd type="none" w="med" len="med"/>
+                      <a:tailEnd type="none" w="med" len="med"/>
+                    </a:lnR>
+                    <a:lnT w="12700" cap="flat" cmpd="sng" algn="ctr">
+                      <a:solidFill>
+                        <a:schemeClr val="tx1"/>
+                      </a:solidFill>
+                      <a:prstDash val="solid"/>
+                      <a:round/>
+                      <a:headEnd type="none" w="med" len="med"/>
+                      <a:tailEnd type="none" w="med" len="med"/>
+                    </a:lnT>
+                    <a:lnB w="12700" cap="flat" cmpd="sng" algn="ctr">
+                      <a:solidFill>
+                        <a:schemeClr val="tx1"/>
+                      </a:solidFill>
+                      <a:prstDash val="solid"/>
+                      <a:round/>
+                      <a:headEnd type="none" w="med" len="med"/>
+                      <a:tailEnd type="none" w="med" len="med"/>
+                    </a:lnB>
+                    <a:solidFill>
+                      <a:srgbClr val="FF0000"/>
+                    </a:solidFill>
+                  </a:tcPr>
+                </a:tc>
+                <a:extLst>
+                  <a:ext uri="{0D108BD9-81ED-4DB2-BD59-A6C34878D82A}">
+                    <a16:rowId xmlns:a16="http://schemas.microsoft.com/office/drawing/2014/main" val="3980003040"/>
+                  </a:ext>
+                </a:extLst>
+              </a:tr>
+            </a:tbl>
+          </a:graphicData>
+        </a:graphic>
+      </p:graphicFrame>
+      <p:graphicFrame>
+        <p:nvGraphicFramePr>
+          <p:cNvPr id="9" name="표 8">
+            <a:extLst>
+              <a:ext uri="{FF2B5EF4-FFF2-40B4-BE49-F238E27FC236}">
+                <a16:creationId xmlns:a16="http://schemas.microsoft.com/office/drawing/2014/main" id="{E931D91A-6550-BDAB-4D9D-2CFBB4919684}"/>
+              </a:ext>
+            </a:extLst>
+          </p:cNvPr>
+          <p:cNvGraphicFramePr>
+            <a:graphicFrameLocks noGrp="1"/>
+          </p:cNvGraphicFramePr>
+          <p:nvPr/>
+        </p:nvGraphicFramePr>
+        <p:xfrm>
+          <a:off x="9156097" y="1403298"/>
+          <a:ext cx="2155267" cy="4693075"/>
+        </p:xfrm>
+        <a:graphic>
+          <a:graphicData uri="http://schemas.openxmlformats.org/drawingml/2006/table">
+            <a:tbl>
+              <a:tblPr firstRow="1" bandRow="1">
+                <a:tableStyleId>{5C22544A-7EE6-4342-B048-85BDC9FD1C3A}</a:tableStyleId>
+              </a:tblPr>
+              <a:tblGrid>
+                <a:gridCol w="629010">
+                  <a:extLst>
+                    <a:ext uri="{9D8B030D-6E8A-4147-A177-3AD203B41FA5}">
+                      <a16:colId xmlns:a16="http://schemas.microsoft.com/office/drawing/2014/main" val="4255852507"/>
+                    </a:ext>
+                  </a:extLst>
+                </a:gridCol>
+                <a:gridCol w="1526257">
+                  <a:extLst>
+                    <a:ext uri="{9D8B030D-6E8A-4147-A177-3AD203B41FA5}">
+                      <a16:colId xmlns:a16="http://schemas.microsoft.com/office/drawing/2014/main" val="2217060606"/>
+                    </a:ext>
+                  </a:extLst>
+                </a:gridCol>
+              </a:tblGrid>
+              <a:tr h="554567">
+                <a:tc>
+                  <a:txBody>
+                    <a:bodyPr/>
+                    <a:lstStyle/>
+                    <a:p>
+                      <a:pPr algn="ctr" latinLnBrk="1"/>
+                      <a:r>
+                        <a:rPr lang="en-US" altLang="ko-KR" b="0" dirty="0">
+                          <a:solidFill>
+                            <a:sysClr val="windowText" lastClr="000000"/>
+                          </a:solidFill>
+                        </a:rPr>
+                        <a:t>GND</a:t>
+                      </a:r>
+                      <a:endParaRPr lang="ko-KR" altLang="en-US" b="0" dirty="0">
+                        <a:solidFill>
+                          <a:sysClr val="windowText" lastClr="000000"/>
+                        </a:solidFill>
+                      </a:endParaRPr>
+                    </a:p>
+                  </a:txBody>
+                  <a:tcPr>
+                    <a:lnL w="12700" cap="flat" cmpd="sng" algn="ctr">
+                      <a:solidFill>
+                        <a:schemeClr val="tx1"/>
+                      </a:solidFill>
+                      <a:prstDash val="solid"/>
+                      <a:round/>
+                      <a:headEnd type="none" w="med" len="med"/>
+                      <a:tailEnd type="none" w="med" len="med"/>
+                    </a:lnL>
+                    <a:lnR w="12700" cap="flat" cmpd="sng" algn="ctr">
+                      <a:solidFill>
+                        <a:schemeClr val="tx1"/>
+                      </a:solidFill>
+                      <a:prstDash val="solid"/>
+                      <a:round/>
+                      <a:headEnd type="none" w="med" len="med"/>
+                      <a:tailEnd type="none" w="med" len="med"/>
+                    </a:lnR>
+                    <a:lnT w="12700" cap="flat" cmpd="sng" algn="ctr">
+                      <a:solidFill>
+                        <a:schemeClr val="tx1"/>
+                      </a:solidFill>
+                      <a:prstDash val="solid"/>
+                      <a:round/>
+                      <a:headEnd type="none" w="med" len="med"/>
+                      <a:tailEnd type="none" w="med" len="med"/>
+                    </a:lnT>
+                    <a:lnB w="12700" cap="flat" cmpd="sng" algn="ctr">
+                      <a:solidFill>
+                        <a:schemeClr val="tx1"/>
+                      </a:solidFill>
+                      <a:prstDash val="solid"/>
+                      <a:round/>
+                      <a:headEnd type="none" w="med" len="med"/>
+                      <a:tailEnd type="none" w="med" len="med"/>
+                    </a:lnB>
+                    <a:solidFill>
+                      <a:srgbClr val="FF0000"/>
+                    </a:solidFill>
+                  </a:tcPr>
+                </a:tc>
+                <a:tc>
+                  <a:txBody>
+                    <a:bodyPr/>
+                    <a:lstStyle/>
+                    <a:p>
+                      <a:pPr algn="ctr" latinLnBrk="1"/>
+                      <a:r>
+                        <a:rPr lang="en-US" altLang="ko-KR" b="0" dirty="0">
+                          <a:solidFill>
+                            <a:sysClr val="windowText" lastClr="000000"/>
+                          </a:solidFill>
+                        </a:rPr>
+                        <a:t>RESET1</a:t>
+                      </a:r>
+                      <a:endParaRPr lang="ko-KR" altLang="en-US" b="0" dirty="0">
+                        <a:solidFill>
+                          <a:sysClr val="windowText" lastClr="000000"/>
+                        </a:solidFill>
+                      </a:endParaRPr>
+                    </a:p>
+                  </a:txBody>
+                  <a:tcPr>
+                    <a:lnL w="12700" cap="flat" cmpd="sng" algn="ctr">
+                      <a:solidFill>
+                        <a:schemeClr val="tx1"/>
+                      </a:solidFill>
+                      <a:prstDash val="solid"/>
+                      <a:round/>
+                      <a:headEnd type="none" w="med" len="med"/>
+                      <a:tailEnd type="none" w="med" len="med"/>
+                    </a:lnL>
+                    <a:lnR w="12700" cap="flat" cmpd="sng" algn="ctr">
+                      <a:solidFill>
+                        <a:schemeClr val="tx1"/>
+                      </a:solidFill>
+                      <a:prstDash val="solid"/>
+                      <a:round/>
+                      <a:headEnd type="none" w="med" len="med"/>
+                      <a:tailEnd type="none" w="med" len="med"/>
+                    </a:lnR>
+                    <a:lnT w="12700" cap="flat" cmpd="sng" algn="ctr">
+                      <a:solidFill>
+                        <a:schemeClr val="tx1"/>
+                      </a:solidFill>
+                      <a:prstDash val="solid"/>
+                      <a:round/>
+                      <a:headEnd type="none" w="med" len="med"/>
+                      <a:tailEnd type="none" w="med" len="med"/>
+                    </a:lnT>
+                    <a:lnB w="12700" cap="flat" cmpd="sng" algn="ctr">
+                      <a:solidFill>
+                        <a:schemeClr val="tx1"/>
+                      </a:solidFill>
+                      <a:prstDash val="solid"/>
+                      <a:round/>
+                      <a:headEnd type="none" w="med" len="med"/>
+                      <a:tailEnd type="none" w="med" len="med"/>
+                    </a:lnB>
+                    <a:solidFill>
+                      <a:srgbClr val="FF0000"/>
+                    </a:solidFill>
+                  </a:tcPr>
+                </a:tc>
+                <a:extLst>
+                  <a:ext uri="{0D108BD9-81ED-4DB2-BD59-A6C34878D82A}">
+                    <a16:rowId xmlns:a16="http://schemas.microsoft.com/office/drawing/2014/main" val="2224305377"/>
+                  </a:ext>
+                </a:extLst>
+              </a:tr>
+              <a:tr h="554567">
+                <a:tc>
+                  <a:txBody>
+                    <a:bodyPr/>
+                    <a:lstStyle/>
+                    <a:p>
+                      <a:pPr marL="0" marR="0" lvl="0" indent="0" algn="ctr" defTabSz="914400" rtl="0" eaLnBrk="1" fontAlgn="auto" latinLnBrk="1" hangingPunct="1">
+                        <a:lnSpc>
+                          <a:spcPct val="100000"/>
+                        </a:lnSpc>
+                        <a:spcBef>
+                          <a:spcPts val="0"/>
+                        </a:spcBef>
+                        <a:spcAft>
+                          <a:spcPts val="0"/>
+                        </a:spcAft>
+                        <a:buClrTx/>
+                        <a:buSzTx/>
+                        <a:buFontTx/>
+                        <a:buNone/>
+                        <a:tabLst/>
+                        <a:defRPr/>
+                      </a:pPr>
+                      <a:r>
+                        <a:rPr lang="en-US" altLang="ko-KR" b="0" dirty="0">
+                          <a:solidFill>
+                            <a:sysClr val="windowText" lastClr="000000"/>
+                          </a:solidFill>
+                        </a:rPr>
+                        <a:t>GND</a:t>
+                      </a:r>
+                      <a:endParaRPr lang="ko-KR" altLang="en-US" b="0" dirty="0">
+                        <a:solidFill>
+                          <a:sysClr val="windowText" lastClr="000000"/>
+                        </a:solidFill>
+                      </a:endParaRPr>
+                    </a:p>
+                  </a:txBody>
+                  <a:tcPr>
+                    <a:lnL w="12700" cap="flat" cmpd="sng" algn="ctr">
+                      <a:solidFill>
+                        <a:schemeClr val="tx1"/>
+                      </a:solidFill>
+                      <a:prstDash val="solid"/>
+                      <a:round/>
+                      <a:headEnd type="none" w="med" len="med"/>
+                      <a:tailEnd type="none" w="med" len="med"/>
+                    </a:lnL>
+                    <a:lnR w="12700" cap="flat" cmpd="sng" algn="ctr">
+                      <a:solidFill>
+                        <a:schemeClr val="tx1"/>
+                      </a:solidFill>
+                      <a:prstDash val="solid"/>
+                      <a:round/>
+                      <a:headEnd type="none" w="med" len="med"/>
+                      <a:tailEnd type="none" w="med" len="med"/>
+                    </a:lnR>
+                    <a:lnT w="12700" cap="flat" cmpd="sng" algn="ctr">
+                      <a:solidFill>
+                        <a:schemeClr val="tx1"/>
+                      </a:solidFill>
+                      <a:prstDash val="solid"/>
+                      <a:round/>
+                      <a:headEnd type="none" w="med" len="med"/>
+                      <a:tailEnd type="none" w="med" len="med"/>
+                    </a:lnT>
+                    <a:lnB w="12700" cap="flat" cmpd="sng" algn="ctr">
+                      <a:solidFill>
+                        <a:schemeClr val="tx1"/>
+                      </a:solidFill>
+                      <a:prstDash val="solid"/>
+                      <a:round/>
+                      <a:headEnd type="none" w="med" len="med"/>
+                      <a:tailEnd type="none" w="med" len="med"/>
+                    </a:lnB>
+                    <a:noFill/>
+                  </a:tcPr>
+                </a:tc>
+                <a:tc>
+                  <a:txBody>
+                    <a:bodyPr/>
+                    <a:lstStyle/>
+                    <a:p>
+                      <a:pPr algn="ctr" latinLnBrk="1"/>
+                      <a:r>
+                        <a:rPr lang="en-US" altLang="ko-KR" b="0" dirty="0">
+                          <a:solidFill>
+                            <a:sysClr val="windowText" lastClr="000000"/>
+                          </a:solidFill>
+                        </a:rPr>
+                        <a:t>SDIO1</a:t>
+                      </a:r>
+                    </a:p>
+                    <a:p>
+                      <a:pPr algn="ctr" latinLnBrk="1"/>
+                      <a:r>
+                        <a:rPr lang="en-US" altLang="ko-KR" b="0" dirty="0">
+                          <a:solidFill>
+                            <a:sysClr val="windowText" lastClr="000000"/>
+                          </a:solidFill>
+                        </a:rPr>
+                        <a:t>ja_6</a:t>
+                      </a:r>
+                      <a:endParaRPr lang="ko-KR" altLang="en-US" b="0" dirty="0">
+                        <a:solidFill>
+                          <a:sysClr val="windowText" lastClr="000000"/>
+                        </a:solidFill>
+                      </a:endParaRPr>
+                    </a:p>
+                  </a:txBody>
+                  <a:tcPr>
+                    <a:lnL w="12700" cap="flat" cmpd="sng" algn="ctr">
+                      <a:solidFill>
+                        <a:schemeClr val="tx1"/>
+                      </a:solidFill>
+                      <a:prstDash val="solid"/>
+                      <a:round/>
+                      <a:headEnd type="none" w="med" len="med"/>
+                      <a:tailEnd type="none" w="med" len="med"/>
+                    </a:lnL>
+                    <a:lnR w="12700" cap="flat" cmpd="sng" algn="ctr">
+                      <a:solidFill>
+                        <a:schemeClr val="tx1"/>
+                      </a:solidFill>
+                      <a:prstDash val="solid"/>
+                      <a:round/>
+                      <a:headEnd type="none" w="med" len="med"/>
+                      <a:tailEnd type="none" w="med" len="med"/>
+                    </a:lnR>
+                    <a:lnT w="12700" cap="flat" cmpd="sng" algn="ctr">
+                      <a:solidFill>
+                        <a:schemeClr val="tx1"/>
+                      </a:solidFill>
+                      <a:prstDash val="solid"/>
+                      <a:round/>
+                      <a:headEnd type="none" w="med" len="med"/>
+                      <a:tailEnd type="none" w="med" len="med"/>
+                    </a:lnT>
+                    <a:lnB w="12700" cap="flat" cmpd="sng" algn="ctr">
+                      <a:solidFill>
+                        <a:schemeClr val="tx1"/>
+                      </a:solidFill>
+                      <a:prstDash val="solid"/>
+                      <a:round/>
+                      <a:headEnd type="none" w="med" len="med"/>
+                      <a:tailEnd type="none" w="med" len="med"/>
+                    </a:lnB>
+                    <a:noFill/>
+                  </a:tcPr>
+                </a:tc>
+                <a:extLst>
+                  <a:ext uri="{0D108BD9-81ED-4DB2-BD59-A6C34878D82A}">
+                    <a16:rowId xmlns:a16="http://schemas.microsoft.com/office/drawing/2014/main" val="2060843491"/>
+                  </a:ext>
+                </a:extLst>
+              </a:tr>
+              <a:tr h="554567">
+                <a:tc>
+                  <a:txBody>
+                    <a:bodyPr/>
+                    <a:lstStyle/>
+                    <a:p>
+                      <a:pPr marL="0" marR="0" lvl="0" indent="0" algn="ctr" defTabSz="914400" rtl="0" eaLnBrk="1" fontAlgn="auto" latinLnBrk="1" hangingPunct="1">
+                        <a:lnSpc>
+                          <a:spcPct val="100000"/>
+                        </a:lnSpc>
+                        <a:spcBef>
+                          <a:spcPts val="0"/>
+                        </a:spcBef>
+                        <a:spcAft>
+                          <a:spcPts val="0"/>
+                        </a:spcAft>
+                        <a:buClrTx/>
+                        <a:buSzTx/>
+                        <a:buFontTx/>
+                        <a:buNone/>
+                        <a:tabLst/>
+                        <a:defRPr/>
+                      </a:pPr>
+                      <a:r>
+                        <a:rPr lang="en-US" altLang="ko-KR" b="0" dirty="0">
+                          <a:solidFill>
+                            <a:sysClr val="windowText" lastClr="000000"/>
+                          </a:solidFill>
+                        </a:rPr>
+                        <a:t>GND</a:t>
+                      </a:r>
+                      <a:endParaRPr lang="ko-KR" altLang="en-US" b="0" dirty="0">
+                        <a:solidFill>
+                          <a:sysClr val="windowText" lastClr="000000"/>
+                        </a:solidFill>
+                      </a:endParaRPr>
+                    </a:p>
+                  </a:txBody>
+                  <a:tcPr>
+                    <a:lnL w="12700" cap="flat" cmpd="sng" algn="ctr">
+                      <a:solidFill>
+                        <a:schemeClr val="tx1"/>
+                      </a:solidFill>
+                      <a:prstDash val="solid"/>
+                      <a:round/>
+                      <a:headEnd type="none" w="med" len="med"/>
+                      <a:tailEnd type="none" w="med" len="med"/>
+                    </a:lnL>
+                    <a:lnR w="12700" cap="flat" cmpd="sng" algn="ctr">
+                      <a:solidFill>
+                        <a:schemeClr val="tx1"/>
+                      </a:solidFill>
+                      <a:prstDash val="solid"/>
+                      <a:round/>
+                      <a:headEnd type="none" w="med" len="med"/>
+                      <a:tailEnd type="none" w="med" len="med"/>
+                    </a:lnR>
+                    <a:lnT w="12700" cap="flat" cmpd="sng" algn="ctr">
+                      <a:solidFill>
+                        <a:schemeClr val="tx1"/>
+                      </a:solidFill>
+                      <a:prstDash val="solid"/>
+                      <a:round/>
+                      <a:headEnd type="none" w="med" len="med"/>
+                      <a:tailEnd type="none" w="med" len="med"/>
+                    </a:lnT>
+                    <a:lnB w="12700" cap="flat" cmpd="sng" algn="ctr">
+                      <a:solidFill>
+                        <a:schemeClr val="tx1"/>
+                      </a:solidFill>
+                      <a:prstDash val="solid"/>
+                      <a:round/>
+                      <a:headEnd type="none" w="med" len="med"/>
+                      <a:tailEnd type="none" w="med" len="med"/>
+                    </a:lnB>
+                    <a:noFill/>
+                  </a:tcPr>
+                </a:tc>
+                <a:tc>
+                  <a:txBody>
+                    <a:bodyPr/>
+                    <a:lstStyle/>
+                    <a:p>
+                      <a:pPr marL="0" marR="0" lvl="0" indent="0" algn="ctr" defTabSz="914400" rtl="0" eaLnBrk="1" fontAlgn="auto" latinLnBrk="1" hangingPunct="1">
+                        <a:lnSpc>
+                          <a:spcPct val="100000"/>
+                        </a:lnSpc>
+                        <a:spcBef>
+                          <a:spcPts val="0"/>
+                        </a:spcBef>
+                        <a:spcAft>
+                          <a:spcPts val="0"/>
+                        </a:spcAft>
+                        <a:buClrTx/>
+                        <a:buSzTx/>
+                        <a:buFontTx/>
+                        <a:buNone/>
+                        <a:tabLst/>
+                        <a:defRPr/>
+                      </a:pPr>
+                      <a:r>
+                        <a:rPr lang="en-US" altLang="ko-KR" b="0" dirty="0">
+                          <a:solidFill>
+                            <a:sysClr val="windowText" lastClr="000000"/>
+                          </a:solidFill>
+                        </a:rPr>
+                        <a:t>SCLK1</a:t>
+                      </a:r>
+                    </a:p>
+                    <a:p>
+                      <a:pPr marL="0" marR="0" lvl="0" indent="0" algn="ctr" defTabSz="914400" rtl="0" eaLnBrk="1" fontAlgn="auto" latinLnBrk="1" hangingPunct="1">
+                        <a:lnSpc>
+                          <a:spcPct val="100000"/>
+                        </a:lnSpc>
+                        <a:spcBef>
+                          <a:spcPts val="0"/>
+                        </a:spcBef>
+                        <a:spcAft>
+                          <a:spcPts val="0"/>
+                        </a:spcAft>
+                        <a:buClrTx/>
+                        <a:buSzTx/>
+                        <a:buFontTx/>
+                        <a:buNone/>
+                        <a:tabLst/>
+                        <a:defRPr/>
+                      </a:pPr>
+                      <a:r>
+                        <a:rPr lang="en-US" altLang="ko-KR" b="0" dirty="0">
+                          <a:solidFill>
+                            <a:sysClr val="windowText" lastClr="000000"/>
+                          </a:solidFill>
+                        </a:rPr>
+                        <a:t>ja_3</a:t>
+                      </a:r>
+                      <a:endParaRPr lang="ko-KR" altLang="en-US" b="0" dirty="0">
+                        <a:solidFill>
+                          <a:sysClr val="windowText" lastClr="000000"/>
+                        </a:solidFill>
+                      </a:endParaRPr>
+                    </a:p>
+                  </a:txBody>
+                  <a:tcPr>
+                    <a:lnL w="12700" cap="flat" cmpd="sng" algn="ctr">
+                      <a:solidFill>
+                        <a:schemeClr val="tx1"/>
+                      </a:solidFill>
+                      <a:prstDash val="solid"/>
+                      <a:round/>
+                      <a:headEnd type="none" w="med" len="med"/>
+                      <a:tailEnd type="none" w="med" len="med"/>
+                    </a:lnL>
+                    <a:lnR w="12700" cap="flat" cmpd="sng" algn="ctr">
+                      <a:solidFill>
+                        <a:schemeClr val="tx1"/>
+                      </a:solidFill>
+                      <a:prstDash val="solid"/>
+                      <a:round/>
+                      <a:headEnd type="none" w="med" len="med"/>
+                      <a:tailEnd type="none" w="med" len="med"/>
+                    </a:lnR>
+                    <a:lnT w="12700" cap="flat" cmpd="sng" algn="ctr">
+                      <a:solidFill>
+                        <a:schemeClr val="tx1"/>
+                      </a:solidFill>
+                      <a:prstDash val="solid"/>
+                      <a:round/>
+                      <a:headEnd type="none" w="med" len="med"/>
+                      <a:tailEnd type="none" w="med" len="med"/>
+                    </a:lnT>
+                    <a:lnB w="12700" cap="flat" cmpd="sng" algn="ctr">
+                      <a:solidFill>
+                        <a:schemeClr val="tx1"/>
+                      </a:solidFill>
+                      <a:prstDash val="solid"/>
+                      <a:round/>
+                      <a:headEnd type="none" w="med" len="med"/>
+                      <a:tailEnd type="none" w="med" len="med"/>
+                    </a:lnB>
+                    <a:noFill/>
+                  </a:tcPr>
+                </a:tc>
+                <a:extLst>
+                  <a:ext uri="{0D108BD9-81ED-4DB2-BD59-A6C34878D82A}">
+                    <a16:rowId xmlns:a16="http://schemas.microsoft.com/office/drawing/2014/main" val="2406639719"/>
+                  </a:ext>
+                </a:extLst>
+              </a:tr>
+              <a:tr h="554567">
+                <a:tc>
+                  <a:txBody>
+                    <a:bodyPr/>
+                    <a:lstStyle/>
+                    <a:p>
+                      <a:pPr marL="0" marR="0" lvl="0" indent="0" algn="ctr" defTabSz="914400" rtl="0" eaLnBrk="1" fontAlgn="auto" latinLnBrk="1" hangingPunct="1">
+                        <a:lnSpc>
+                          <a:spcPct val="100000"/>
+                        </a:lnSpc>
+                        <a:spcBef>
+                          <a:spcPts val="0"/>
+                        </a:spcBef>
+                        <a:spcAft>
+                          <a:spcPts val="0"/>
+                        </a:spcAft>
+                        <a:buClrTx/>
+                        <a:buSzTx/>
+                        <a:buFontTx/>
+                        <a:buNone/>
+                        <a:tabLst/>
+                        <a:defRPr/>
+                      </a:pPr>
+                      <a:r>
+                        <a:rPr lang="en-US" altLang="ko-KR" b="0" dirty="0">
+                          <a:solidFill>
+                            <a:sysClr val="windowText" lastClr="000000"/>
+                          </a:solidFill>
+                        </a:rPr>
+                        <a:t>GND</a:t>
+                      </a:r>
+                      <a:endParaRPr lang="ko-KR" altLang="en-US" b="0" dirty="0">
+                        <a:solidFill>
+                          <a:sysClr val="windowText" lastClr="000000"/>
+                        </a:solidFill>
+                      </a:endParaRPr>
+                    </a:p>
+                  </a:txBody>
+                  <a:tcPr>
+                    <a:lnL w="12700" cap="flat" cmpd="sng" algn="ctr">
+                      <a:solidFill>
+                        <a:schemeClr val="tx1"/>
+                      </a:solidFill>
+                      <a:prstDash val="solid"/>
+                      <a:round/>
+                      <a:headEnd type="none" w="med" len="med"/>
+                      <a:tailEnd type="none" w="med" len="med"/>
+                    </a:lnL>
+                    <a:lnR w="12700" cap="flat" cmpd="sng" algn="ctr">
+                      <a:solidFill>
+                        <a:schemeClr val="tx1"/>
+                      </a:solidFill>
+                      <a:prstDash val="solid"/>
+                      <a:round/>
+                      <a:headEnd type="none" w="med" len="med"/>
+                      <a:tailEnd type="none" w="med" len="med"/>
+                    </a:lnR>
+                    <a:lnT w="12700" cap="flat" cmpd="sng" algn="ctr">
+                      <a:solidFill>
+                        <a:schemeClr val="tx1"/>
+                      </a:solidFill>
+                      <a:prstDash val="solid"/>
+                      <a:round/>
+                      <a:headEnd type="none" w="med" len="med"/>
+                      <a:tailEnd type="none" w="med" len="med"/>
+                    </a:lnT>
+                    <a:lnB w="12700" cap="flat" cmpd="sng" algn="ctr">
+                      <a:solidFill>
+                        <a:schemeClr val="tx1"/>
+                      </a:solidFill>
+                      <a:prstDash val="solid"/>
+                      <a:round/>
+                      <a:headEnd type="none" w="med" len="med"/>
+                      <a:tailEnd type="none" w="med" len="med"/>
+                    </a:lnB>
+                    <a:noFill/>
+                  </a:tcPr>
+                </a:tc>
+                <a:tc>
+                  <a:txBody>
+                    <a:bodyPr/>
+                    <a:lstStyle/>
+                    <a:p>
+                      <a:pPr algn="ctr" latinLnBrk="1"/>
+                      <a:r>
+                        <a:rPr lang="en-US" altLang="ko-KR" b="0" dirty="0">
+                          <a:solidFill>
+                            <a:sysClr val="windowText" lastClr="000000"/>
+                          </a:solidFill>
+                        </a:rPr>
+                        <a:t>CSB1</a:t>
+                      </a:r>
+                    </a:p>
+                    <a:p>
+                      <a:pPr algn="ctr" latinLnBrk="1"/>
+                      <a:r>
+                        <a:rPr lang="en-US" altLang="ko-KR" b="0" dirty="0">
+                          <a:solidFill>
+                            <a:sysClr val="windowText" lastClr="000000"/>
+                          </a:solidFill>
+                        </a:rPr>
+                        <a:t>ja_5</a:t>
+                      </a:r>
+                      <a:endParaRPr lang="ko-KR" altLang="en-US" b="0" dirty="0">
+                        <a:solidFill>
+                          <a:sysClr val="windowText" lastClr="000000"/>
+                        </a:solidFill>
+                      </a:endParaRPr>
+                    </a:p>
+                  </a:txBody>
+                  <a:tcPr>
+                    <a:lnL w="12700" cap="flat" cmpd="sng" algn="ctr">
+                      <a:solidFill>
+                        <a:schemeClr val="tx1"/>
+                      </a:solidFill>
+                      <a:prstDash val="solid"/>
+                      <a:round/>
+                      <a:headEnd type="none" w="med" len="med"/>
+                      <a:tailEnd type="none" w="med" len="med"/>
+                    </a:lnL>
+                    <a:lnR w="12700" cap="flat" cmpd="sng" algn="ctr">
+                      <a:solidFill>
+                        <a:schemeClr val="tx1"/>
+                      </a:solidFill>
+                      <a:prstDash val="solid"/>
+                      <a:round/>
+                      <a:headEnd type="none" w="med" len="med"/>
+                      <a:tailEnd type="none" w="med" len="med"/>
+                    </a:lnR>
+                    <a:lnT w="12700" cap="flat" cmpd="sng" algn="ctr">
+                      <a:solidFill>
+                        <a:schemeClr val="tx1"/>
+                      </a:solidFill>
+                      <a:prstDash val="solid"/>
+                      <a:round/>
+                      <a:headEnd type="none" w="med" len="med"/>
+                      <a:tailEnd type="none" w="med" len="med"/>
+                    </a:lnT>
+                    <a:lnB w="12700" cap="flat" cmpd="sng" algn="ctr">
+                      <a:solidFill>
+                        <a:schemeClr val="tx1"/>
+                      </a:solidFill>
+                      <a:prstDash val="solid"/>
+                      <a:round/>
+                      <a:headEnd type="none" w="med" len="med"/>
+                      <a:tailEnd type="none" w="med" len="med"/>
+                    </a:lnB>
+                    <a:noFill/>
+                  </a:tcPr>
+                </a:tc>
+                <a:extLst>
+                  <a:ext uri="{0D108BD9-81ED-4DB2-BD59-A6C34878D82A}">
+                    <a16:rowId xmlns:a16="http://schemas.microsoft.com/office/drawing/2014/main" val="3026871745"/>
+                  </a:ext>
+                </a:extLst>
+              </a:tr>
+              <a:tr h="554567">
+                <a:tc>
+                  <a:txBody>
+                    <a:bodyPr/>
+                    <a:lstStyle/>
+                    <a:p>
+                      <a:pPr marL="0" marR="0" lvl="0" indent="0" algn="ctr" defTabSz="914400" rtl="0" eaLnBrk="1" fontAlgn="auto" latinLnBrk="1" hangingPunct="1">
+                        <a:lnSpc>
+                          <a:spcPct val="100000"/>
+                        </a:lnSpc>
+                        <a:spcBef>
+                          <a:spcPts val="0"/>
+                        </a:spcBef>
+                        <a:spcAft>
+                          <a:spcPts val="0"/>
+                        </a:spcAft>
+                        <a:buClrTx/>
+                        <a:buSzTx/>
+                        <a:buFontTx/>
+                        <a:buNone/>
+                        <a:tabLst/>
+                        <a:defRPr/>
+                      </a:pPr>
+                      <a:r>
+                        <a:rPr lang="en-US" altLang="ko-KR" b="0" dirty="0">
+                          <a:solidFill>
+                            <a:sysClr val="windowText" lastClr="000000"/>
+                          </a:solidFill>
+                        </a:rPr>
+                        <a:t>GND</a:t>
+                      </a:r>
+                      <a:endParaRPr lang="ko-KR" altLang="en-US" b="0" dirty="0">
+                        <a:solidFill>
+                          <a:sysClr val="windowText" lastClr="000000"/>
+                        </a:solidFill>
+                      </a:endParaRPr>
+                    </a:p>
+                  </a:txBody>
+                  <a:tcPr>
+                    <a:lnL w="12700" cap="flat" cmpd="sng" algn="ctr">
+                      <a:solidFill>
+                        <a:schemeClr val="tx1"/>
+                      </a:solidFill>
+                      <a:prstDash val="solid"/>
+                      <a:round/>
+                      <a:headEnd type="none" w="med" len="med"/>
+                      <a:tailEnd type="none" w="med" len="med"/>
+                    </a:lnL>
+                    <a:lnR w="12700" cap="flat" cmpd="sng" algn="ctr">
+                      <a:solidFill>
+                        <a:schemeClr val="tx1"/>
+                      </a:solidFill>
+                      <a:prstDash val="solid"/>
+                      <a:round/>
+                      <a:headEnd type="none" w="med" len="med"/>
+                      <a:tailEnd type="none" w="med" len="med"/>
+                    </a:lnR>
+                    <a:lnT w="12700" cap="flat" cmpd="sng" algn="ctr">
+                      <a:solidFill>
+                        <a:schemeClr val="tx1"/>
+                      </a:solidFill>
+                      <a:prstDash val="solid"/>
+                      <a:round/>
+                      <a:headEnd type="none" w="med" len="med"/>
+                      <a:tailEnd type="none" w="med" len="med"/>
+                    </a:lnT>
+                    <a:lnB w="12700" cap="flat" cmpd="sng" algn="ctr">
+                      <a:solidFill>
+                        <a:schemeClr val="tx1"/>
+                      </a:solidFill>
+                      <a:prstDash val="solid"/>
+                      <a:round/>
+                      <a:headEnd type="none" w="med" len="med"/>
+                      <a:tailEnd type="none" w="med" len="med"/>
+                    </a:lnB>
+                    <a:solidFill>
+                      <a:srgbClr val="FF0000"/>
+                    </a:solidFill>
+                  </a:tcPr>
+                </a:tc>
+                <a:tc>
+                  <a:txBody>
+                    <a:bodyPr/>
+                    <a:lstStyle/>
+                    <a:p>
+                      <a:pPr marL="0" marR="0" lvl="0" indent="0" algn="ctr" defTabSz="914400" rtl="0" eaLnBrk="1" fontAlgn="auto" latinLnBrk="1" hangingPunct="1">
+                        <a:lnSpc>
+                          <a:spcPct val="100000"/>
+                        </a:lnSpc>
+                        <a:spcBef>
+                          <a:spcPts val="0"/>
+                        </a:spcBef>
+                        <a:spcAft>
+                          <a:spcPts val="0"/>
+                        </a:spcAft>
+                        <a:buClrTx/>
+                        <a:buSzTx/>
+                        <a:buFontTx/>
+                        <a:buNone/>
+                        <a:tabLst/>
+                        <a:defRPr/>
+                      </a:pPr>
+                      <a:r>
+                        <a:rPr lang="en-US" altLang="ko-KR" b="0" dirty="0">
+                          <a:solidFill>
+                            <a:sysClr val="windowText" lastClr="000000"/>
+                          </a:solidFill>
+                        </a:rPr>
+                        <a:t>CSB2</a:t>
+                      </a:r>
+                      <a:endParaRPr lang="ko-KR" altLang="en-US" b="0" dirty="0">
+                        <a:solidFill>
+                          <a:sysClr val="windowText" lastClr="000000"/>
+                        </a:solidFill>
+                      </a:endParaRPr>
+                    </a:p>
+                  </a:txBody>
+                  <a:tcPr>
+                    <a:lnL w="12700" cap="flat" cmpd="sng" algn="ctr">
+                      <a:solidFill>
+                        <a:schemeClr val="tx1"/>
+                      </a:solidFill>
+                      <a:prstDash val="solid"/>
+                      <a:round/>
+                      <a:headEnd type="none" w="med" len="med"/>
+                      <a:tailEnd type="none" w="med" len="med"/>
+                    </a:lnL>
+                    <a:lnR w="12700" cap="flat" cmpd="sng" algn="ctr">
+                      <a:solidFill>
+                        <a:schemeClr val="tx1"/>
+                      </a:solidFill>
+                      <a:prstDash val="solid"/>
+                      <a:round/>
+                      <a:headEnd type="none" w="med" len="med"/>
+                      <a:tailEnd type="none" w="med" len="med"/>
+                    </a:lnR>
+                    <a:lnT w="12700" cap="flat" cmpd="sng" algn="ctr">
+                      <a:solidFill>
+                        <a:schemeClr val="tx1"/>
+                      </a:solidFill>
+                      <a:prstDash val="solid"/>
+                      <a:round/>
+                      <a:headEnd type="none" w="med" len="med"/>
+                      <a:tailEnd type="none" w="med" len="med"/>
+                    </a:lnT>
+                    <a:lnB w="12700" cap="flat" cmpd="sng" algn="ctr">
+                      <a:solidFill>
+                        <a:schemeClr val="tx1"/>
+                      </a:solidFill>
+                      <a:prstDash val="solid"/>
+                      <a:round/>
+                      <a:headEnd type="none" w="med" len="med"/>
+                      <a:tailEnd type="none" w="med" len="med"/>
+                    </a:lnB>
+                    <a:solidFill>
+                      <a:srgbClr val="FF0000"/>
+                    </a:solidFill>
+                  </a:tcPr>
+                </a:tc>
+                <a:extLst>
+                  <a:ext uri="{0D108BD9-81ED-4DB2-BD59-A6C34878D82A}">
+                    <a16:rowId xmlns:a16="http://schemas.microsoft.com/office/drawing/2014/main" val="2156735826"/>
+                  </a:ext>
+                </a:extLst>
+              </a:tr>
+              <a:tr h="554567">
+                <a:tc>
+                  <a:txBody>
+                    <a:bodyPr/>
+                    <a:lstStyle/>
+                    <a:p>
+                      <a:pPr marL="0" marR="0" lvl="0" indent="0" algn="ctr" defTabSz="914400" rtl="0" eaLnBrk="1" fontAlgn="auto" latinLnBrk="1" hangingPunct="1">
+                        <a:lnSpc>
+                          <a:spcPct val="100000"/>
+                        </a:lnSpc>
+                        <a:spcBef>
+                          <a:spcPts val="0"/>
+                        </a:spcBef>
+                        <a:spcAft>
+                          <a:spcPts val="0"/>
+                        </a:spcAft>
+                        <a:buClrTx/>
+                        <a:buSzTx/>
+                        <a:buFontTx/>
+                        <a:buNone/>
+                        <a:tabLst/>
+                        <a:defRPr/>
+                      </a:pPr>
+                      <a:r>
+                        <a:rPr lang="en-US" altLang="ko-KR" b="0" dirty="0">
+                          <a:solidFill>
+                            <a:sysClr val="windowText" lastClr="000000"/>
+                          </a:solidFill>
+                        </a:rPr>
+                        <a:t>GND</a:t>
+                      </a:r>
+                      <a:endParaRPr lang="ko-KR" altLang="en-US" b="0" dirty="0">
+                        <a:solidFill>
+                          <a:sysClr val="windowText" lastClr="000000"/>
+                        </a:solidFill>
+                      </a:endParaRPr>
+                    </a:p>
+                  </a:txBody>
+                  <a:tcPr>
+                    <a:lnL w="12700" cap="flat" cmpd="sng" algn="ctr">
+                      <a:solidFill>
+                        <a:schemeClr val="tx1"/>
+                      </a:solidFill>
+                      <a:prstDash val="solid"/>
+                      <a:round/>
+                      <a:headEnd type="none" w="med" len="med"/>
+                      <a:tailEnd type="none" w="med" len="med"/>
+                    </a:lnL>
+                    <a:lnR w="12700" cap="flat" cmpd="sng" algn="ctr">
+                      <a:solidFill>
+                        <a:schemeClr val="tx1"/>
+                      </a:solidFill>
+                      <a:prstDash val="solid"/>
+                      <a:round/>
+                      <a:headEnd type="none" w="med" len="med"/>
+                      <a:tailEnd type="none" w="med" len="med"/>
+                    </a:lnR>
+                    <a:lnT w="12700" cap="flat" cmpd="sng" algn="ctr">
+                      <a:solidFill>
+                        <a:schemeClr val="tx1"/>
+                      </a:solidFill>
+                      <a:prstDash val="solid"/>
+                      <a:round/>
+                      <a:headEnd type="none" w="med" len="med"/>
+                      <a:tailEnd type="none" w="med" len="med"/>
+                    </a:lnT>
+                    <a:lnB w="12700" cap="flat" cmpd="sng" algn="ctr">
+                      <a:solidFill>
+                        <a:schemeClr val="tx1"/>
+                      </a:solidFill>
+                      <a:prstDash val="solid"/>
+                      <a:round/>
+                      <a:headEnd type="none" w="med" len="med"/>
+                      <a:tailEnd type="none" w="med" len="med"/>
+                    </a:lnB>
+                    <a:solidFill>
+                      <a:srgbClr val="FF0000"/>
+                    </a:solidFill>
+                  </a:tcPr>
+                </a:tc>
+                <a:tc>
+                  <a:txBody>
+                    <a:bodyPr/>
+                    <a:lstStyle/>
+                    <a:p>
+                      <a:pPr marL="0" marR="0" lvl="0" indent="0" algn="ctr" defTabSz="914400" rtl="0" eaLnBrk="1" fontAlgn="auto" latinLnBrk="1" hangingPunct="1">
+                        <a:lnSpc>
+                          <a:spcPct val="100000"/>
+                        </a:lnSpc>
+                        <a:spcBef>
+                          <a:spcPts val="0"/>
+                        </a:spcBef>
+                        <a:spcAft>
+                          <a:spcPts val="0"/>
+                        </a:spcAft>
+                        <a:buClrTx/>
+                        <a:buSzTx/>
+                        <a:buFontTx/>
+                        <a:buNone/>
+                        <a:tabLst/>
+                        <a:defRPr/>
+                      </a:pPr>
+                      <a:r>
+                        <a:rPr lang="en-US" altLang="ko-KR" b="0" dirty="0">
+                          <a:solidFill>
+                            <a:sysClr val="windowText" lastClr="000000"/>
+                          </a:solidFill>
+                        </a:rPr>
+                        <a:t>SCLK2</a:t>
+                      </a:r>
+                      <a:endParaRPr lang="ko-KR" altLang="en-US" b="0" dirty="0">
+                        <a:solidFill>
+                          <a:sysClr val="windowText" lastClr="000000"/>
+                        </a:solidFill>
+                      </a:endParaRPr>
+                    </a:p>
+                  </a:txBody>
+                  <a:tcPr>
+                    <a:lnL w="12700" cap="flat" cmpd="sng" algn="ctr">
+                      <a:solidFill>
+                        <a:schemeClr val="tx1"/>
+                      </a:solidFill>
+                      <a:prstDash val="solid"/>
+                      <a:round/>
+                      <a:headEnd type="none" w="med" len="med"/>
+                      <a:tailEnd type="none" w="med" len="med"/>
+                    </a:lnL>
+                    <a:lnR w="12700" cap="flat" cmpd="sng" algn="ctr">
+                      <a:solidFill>
+                        <a:schemeClr val="tx1"/>
+                      </a:solidFill>
+                      <a:prstDash val="solid"/>
+                      <a:round/>
+                      <a:headEnd type="none" w="med" len="med"/>
+                      <a:tailEnd type="none" w="med" len="med"/>
+                    </a:lnR>
+                    <a:lnT w="12700" cap="flat" cmpd="sng" algn="ctr">
+                      <a:solidFill>
+                        <a:schemeClr val="tx1"/>
+                      </a:solidFill>
+                      <a:prstDash val="solid"/>
+                      <a:round/>
+                      <a:headEnd type="none" w="med" len="med"/>
+                      <a:tailEnd type="none" w="med" len="med"/>
+                    </a:lnT>
+                    <a:lnB w="12700" cap="flat" cmpd="sng" algn="ctr">
+                      <a:solidFill>
+                        <a:schemeClr val="tx1"/>
+                      </a:solidFill>
+                      <a:prstDash val="solid"/>
+                      <a:round/>
+                      <a:headEnd type="none" w="med" len="med"/>
+                      <a:tailEnd type="none" w="med" len="med"/>
+                    </a:lnB>
+                    <a:solidFill>
+                      <a:srgbClr val="FF0000"/>
+                    </a:solidFill>
+                  </a:tcPr>
+                </a:tc>
+                <a:extLst>
+                  <a:ext uri="{0D108BD9-81ED-4DB2-BD59-A6C34878D82A}">
+                    <a16:rowId xmlns:a16="http://schemas.microsoft.com/office/drawing/2014/main" val="3505843952"/>
+                  </a:ext>
+                </a:extLst>
+              </a:tr>
+              <a:tr h="554567">
+                <a:tc>
+                  <a:txBody>
+                    <a:bodyPr/>
+                    <a:lstStyle/>
+                    <a:p>
+                      <a:pPr marL="0" marR="0" lvl="0" indent="0" algn="ctr" defTabSz="914400" rtl="0" eaLnBrk="1" fontAlgn="auto" latinLnBrk="1" hangingPunct="1">
+                        <a:lnSpc>
+                          <a:spcPct val="100000"/>
+                        </a:lnSpc>
+                        <a:spcBef>
+                          <a:spcPts val="0"/>
+                        </a:spcBef>
+                        <a:spcAft>
+                          <a:spcPts val="0"/>
+                        </a:spcAft>
+                        <a:buClrTx/>
+                        <a:buSzTx/>
+                        <a:buFontTx/>
+                        <a:buNone/>
+                        <a:tabLst/>
+                        <a:defRPr/>
+                      </a:pPr>
+                      <a:r>
+                        <a:rPr lang="en-US" altLang="ko-KR" b="0" dirty="0">
+                          <a:solidFill>
+                            <a:sysClr val="windowText" lastClr="000000"/>
+                          </a:solidFill>
+                        </a:rPr>
+                        <a:t>GND</a:t>
+                      </a:r>
+                      <a:endParaRPr lang="ko-KR" altLang="en-US" b="0" dirty="0">
+                        <a:solidFill>
+                          <a:sysClr val="windowText" lastClr="000000"/>
+                        </a:solidFill>
+                      </a:endParaRPr>
+                    </a:p>
+                  </a:txBody>
+                  <a:tcPr>
+                    <a:lnL w="12700" cap="flat" cmpd="sng" algn="ctr">
+                      <a:solidFill>
+                        <a:schemeClr val="tx1"/>
+                      </a:solidFill>
+                      <a:prstDash val="solid"/>
+                      <a:round/>
+                      <a:headEnd type="none" w="med" len="med"/>
+                      <a:tailEnd type="none" w="med" len="med"/>
+                    </a:lnL>
+                    <a:lnR w="12700" cap="flat" cmpd="sng" algn="ctr">
+                      <a:solidFill>
+                        <a:schemeClr val="tx1"/>
+                      </a:solidFill>
+                      <a:prstDash val="solid"/>
+                      <a:round/>
+                      <a:headEnd type="none" w="med" len="med"/>
+                      <a:tailEnd type="none" w="med" len="med"/>
+                    </a:lnR>
+                    <a:lnT w="12700" cap="flat" cmpd="sng" algn="ctr">
+                      <a:solidFill>
+                        <a:schemeClr val="tx1"/>
+                      </a:solidFill>
+                      <a:prstDash val="solid"/>
+                      <a:round/>
+                      <a:headEnd type="none" w="med" len="med"/>
+                      <a:tailEnd type="none" w="med" len="med"/>
+                    </a:lnT>
+                    <a:lnB w="12700" cap="flat" cmpd="sng" algn="ctr">
+                      <a:solidFill>
+                        <a:schemeClr val="tx1"/>
+                      </a:solidFill>
+                      <a:prstDash val="solid"/>
+                      <a:round/>
+                      <a:headEnd type="none" w="med" len="med"/>
+                      <a:tailEnd type="none" w="med" len="med"/>
+                    </a:lnB>
+                    <a:solidFill>
+                      <a:srgbClr val="FF0000"/>
+                    </a:solidFill>
+                  </a:tcPr>
+                </a:tc>
+                <a:tc>
+                  <a:txBody>
+                    <a:bodyPr/>
+                    <a:lstStyle/>
+                    <a:p>
+                      <a:pPr marL="0" marR="0" lvl="0" indent="0" algn="ctr" defTabSz="914400" rtl="0" eaLnBrk="1" fontAlgn="auto" latinLnBrk="1" hangingPunct="1">
+                        <a:lnSpc>
+                          <a:spcPct val="100000"/>
+                        </a:lnSpc>
+                        <a:spcBef>
+                          <a:spcPts val="0"/>
+                        </a:spcBef>
+                        <a:spcAft>
+                          <a:spcPts val="0"/>
+                        </a:spcAft>
+                        <a:buClrTx/>
+                        <a:buSzTx/>
+                        <a:buFontTx/>
+                        <a:buNone/>
+                        <a:tabLst/>
+                        <a:defRPr/>
+                      </a:pPr>
+                      <a:r>
+                        <a:rPr lang="en-US" altLang="ko-KR" b="0" dirty="0">
+                          <a:solidFill>
+                            <a:sysClr val="windowText" lastClr="000000"/>
+                          </a:solidFill>
+                        </a:rPr>
+                        <a:t>SDIO2</a:t>
+                      </a:r>
+                      <a:endParaRPr lang="ko-KR" altLang="en-US" b="0" dirty="0">
+                        <a:solidFill>
+                          <a:sysClr val="windowText" lastClr="000000"/>
+                        </a:solidFill>
+                      </a:endParaRPr>
+                    </a:p>
+                  </a:txBody>
+                  <a:tcPr>
+                    <a:lnL w="12700" cap="flat" cmpd="sng" algn="ctr">
+                      <a:solidFill>
+                        <a:schemeClr val="tx1"/>
+                      </a:solidFill>
+                      <a:prstDash val="solid"/>
+                      <a:round/>
+                      <a:headEnd type="none" w="med" len="med"/>
+                      <a:tailEnd type="none" w="med" len="med"/>
+                    </a:lnL>
+                    <a:lnR w="12700" cap="flat" cmpd="sng" algn="ctr">
+                      <a:solidFill>
+                        <a:schemeClr val="tx1"/>
+                      </a:solidFill>
+                      <a:prstDash val="solid"/>
+                      <a:round/>
+                      <a:headEnd type="none" w="med" len="med"/>
+                      <a:tailEnd type="none" w="med" len="med"/>
+                    </a:lnR>
+                    <a:lnT w="12700" cap="flat" cmpd="sng" algn="ctr">
+                      <a:solidFill>
+                        <a:schemeClr val="tx1"/>
+                      </a:solidFill>
+                      <a:prstDash val="solid"/>
+                      <a:round/>
+                      <a:headEnd type="none" w="med" len="med"/>
+                      <a:tailEnd type="none" w="med" len="med"/>
+                    </a:lnT>
+                    <a:lnB w="12700" cap="flat" cmpd="sng" algn="ctr">
+                      <a:solidFill>
+                        <a:schemeClr val="tx1"/>
+                      </a:solidFill>
+                      <a:prstDash val="solid"/>
+                      <a:round/>
+                      <a:headEnd type="none" w="med" len="med"/>
+                      <a:tailEnd type="none" w="med" len="med"/>
+                    </a:lnB>
+                    <a:solidFill>
+                      <a:srgbClr val="FF0000"/>
+                    </a:solidFill>
+                  </a:tcPr>
+                </a:tc>
+                <a:extLst>
+                  <a:ext uri="{0D108BD9-81ED-4DB2-BD59-A6C34878D82A}">
+                    <a16:rowId xmlns:a16="http://schemas.microsoft.com/office/drawing/2014/main" val="2992854651"/>
+                  </a:ext>
+                </a:extLst>
+              </a:tr>
+              <a:tr h="554567">
+                <a:tc>
+                  <a:txBody>
+                    <a:bodyPr/>
+                    <a:lstStyle/>
+                    <a:p>
+                      <a:pPr marL="0" marR="0" lvl="0" indent="0" algn="ctr" defTabSz="914400" rtl="0" eaLnBrk="1" fontAlgn="auto" latinLnBrk="1" hangingPunct="1">
+                        <a:lnSpc>
+                          <a:spcPct val="100000"/>
+                        </a:lnSpc>
+                        <a:spcBef>
+                          <a:spcPts val="0"/>
+                        </a:spcBef>
+                        <a:spcAft>
+                          <a:spcPts val="0"/>
+                        </a:spcAft>
+                        <a:buClrTx/>
+                        <a:buSzTx/>
+                        <a:buFontTx/>
+                        <a:buNone/>
+                        <a:tabLst/>
+                        <a:defRPr/>
+                      </a:pPr>
+                      <a:r>
+                        <a:rPr lang="en-US" altLang="ko-KR" b="0" dirty="0">
+                          <a:solidFill>
+                            <a:sysClr val="windowText" lastClr="000000"/>
+                          </a:solidFill>
+                        </a:rPr>
+                        <a:t>GND</a:t>
+                      </a:r>
+                      <a:endParaRPr lang="ko-KR" altLang="en-US" b="0" dirty="0">
+                        <a:solidFill>
+                          <a:sysClr val="windowText" lastClr="000000"/>
+                        </a:solidFill>
+                      </a:endParaRPr>
+                    </a:p>
+                  </a:txBody>
+                  <a:tcPr>
+                    <a:lnL w="12700" cap="flat" cmpd="sng" algn="ctr">
+                      <a:solidFill>
+                        <a:schemeClr val="tx1"/>
+                      </a:solidFill>
+                      <a:prstDash val="solid"/>
+                      <a:round/>
+                      <a:headEnd type="none" w="med" len="med"/>
+                      <a:tailEnd type="none" w="med" len="med"/>
+                    </a:lnL>
+                    <a:lnR w="12700" cap="flat" cmpd="sng" algn="ctr">
+                      <a:solidFill>
+                        <a:schemeClr val="tx1"/>
+                      </a:solidFill>
+                      <a:prstDash val="solid"/>
+                      <a:round/>
+                      <a:headEnd type="none" w="med" len="med"/>
+                      <a:tailEnd type="none" w="med" len="med"/>
+                    </a:lnR>
+                    <a:lnT w="12700" cap="flat" cmpd="sng" algn="ctr">
+                      <a:solidFill>
+                        <a:schemeClr val="tx1"/>
+                      </a:solidFill>
+                      <a:prstDash val="solid"/>
+                      <a:round/>
+                      <a:headEnd type="none" w="med" len="med"/>
+                      <a:tailEnd type="none" w="med" len="med"/>
+                    </a:lnT>
+                    <a:lnB w="12700" cap="flat" cmpd="sng" algn="ctr">
+                      <a:solidFill>
+                        <a:schemeClr val="tx1"/>
+                      </a:solidFill>
+                      <a:prstDash val="solid"/>
+                      <a:round/>
+                      <a:headEnd type="none" w="med" len="med"/>
+                      <a:tailEnd type="none" w="med" len="med"/>
+                    </a:lnB>
+                    <a:solidFill>
+                      <a:srgbClr val="FF0000"/>
+                    </a:solidFill>
+                  </a:tcPr>
+                </a:tc>
+                <a:tc>
+                  <a:txBody>
+                    <a:bodyPr/>
+                    <a:lstStyle/>
+                    <a:p>
+                      <a:pPr marL="0" marR="0" lvl="0" indent="0" algn="ctr" defTabSz="914400" rtl="0" eaLnBrk="1" fontAlgn="auto" latinLnBrk="1" hangingPunct="1">
+                        <a:lnSpc>
+                          <a:spcPct val="100000"/>
+                        </a:lnSpc>
+                        <a:spcBef>
+                          <a:spcPts val="0"/>
+                        </a:spcBef>
+                        <a:spcAft>
+                          <a:spcPts val="0"/>
+                        </a:spcAft>
+                        <a:buClrTx/>
+                        <a:buSzTx/>
+                        <a:buFontTx/>
+                        <a:buNone/>
+                        <a:tabLst/>
+                        <a:defRPr/>
+                      </a:pPr>
+                      <a:r>
+                        <a:rPr lang="en-US" altLang="ko-KR" b="0" dirty="0">
+                          <a:solidFill>
+                            <a:sysClr val="windowText" lastClr="000000"/>
+                          </a:solidFill>
+                        </a:rPr>
+                        <a:t>RESET2</a:t>
+                      </a:r>
+                      <a:endParaRPr lang="ko-KR" altLang="en-US" b="0" dirty="0">
+                        <a:solidFill>
+                          <a:sysClr val="windowText" lastClr="000000"/>
+                        </a:solidFill>
+                      </a:endParaRPr>
+                    </a:p>
+                  </a:txBody>
+                  <a:tcPr>
+                    <a:lnL w="12700" cap="flat" cmpd="sng" algn="ctr">
+                      <a:solidFill>
+                        <a:schemeClr val="tx1"/>
+                      </a:solidFill>
+                      <a:prstDash val="solid"/>
+                      <a:round/>
+                      <a:headEnd type="none" w="med" len="med"/>
+                      <a:tailEnd type="none" w="med" len="med"/>
+                    </a:lnL>
+                    <a:lnR w="12700" cap="flat" cmpd="sng" algn="ctr">
+                      <a:solidFill>
+                        <a:schemeClr val="tx1"/>
+                      </a:solidFill>
+                      <a:prstDash val="solid"/>
+                      <a:round/>
+                      <a:headEnd type="none" w="med" len="med"/>
+                      <a:tailEnd type="none" w="med" len="med"/>
+                    </a:lnR>
+                    <a:lnT w="12700" cap="flat" cmpd="sng" algn="ctr">
+                      <a:solidFill>
+                        <a:schemeClr val="tx1"/>
+                      </a:solidFill>
+                      <a:prstDash val="solid"/>
+                      <a:round/>
+                      <a:headEnd type="none" w="med" len="med"/>
+                      <a:tailEnd type="none" w="med" len="med"/>
+                    </a:lnT>
+                    <a:lnB w="12700" cap="flat" cmpd="sng" algn="ctr">
+                      <a:solidFill>
+                        <a:schemeClr val="tx1"/>
+                      </a:solidFill>
+                      <a:prstDash val="solid"/>
+                      <a:round/>
+                      <a:headEnd type="none" w="med" len="med"/>
+                      <a:tailEnd type="none" w="med" len="med"/>
+                    </a:lnB>
+                    <a:solidFill>
+                      <a:srgbClr val="FF0000"/>
+                    </a:solidFill>
+                  </a:tcPr>
+                </a:tc>
+                <a:extLst>
+                  <a:ext uri="{0D108BD9-81ED-4DB2-BD59-A6C34878D82A}">
+                    <a16:rowId xmlns:a16="http://schemas.microsoft.com/office/drawing/2014/main" val="3980003040"/>
+                  </a:ext>
+                </a:extLst>
+              </a:tr>
+            </a:tbl>
+          </a:graphicData>
+        </a:graphic>
+      </p:graphicFrame>
+    </p:spTree>
+    <p:extLst>
+      <p:ext uri="{BB962C8B-B14F-4D97-AF65-F5344CB8AC3E}">
+        <p14:creationId xmlns:p14="http://schemas.microsoft.com/office/powerpoint/2010/main" val="301173246"/>
+      </p:ext>
+    </p:extLst>
+  </p:cSld>
+  <p:clrMapOvr>
+    <a:masterClrMapping/>
+  </p:clrMapOvr>
+</p:sld>
+</file>
+
+<file path=ppt/slides/slide11.xml><?xml version="1.0" encoding="utf-8"?>
+<p:sld xmlns:a="http://schemas.openxmlformats.org/drawingml/2006/main" xmlns:r="http://schemas.openxmlformats.org/officeDocument/2006/relationships" xmlns:p="http://schemas.openxmlformats.org/presentationml/2006/main">
+  <p:cSld>
+    <p:spTree>
+      <p:nvGrpSpPr>
+        <p:cNvPr id="1" name=""/>
+        <p:cNvGrpSpPr/>
+        <p:nvPr/>
+      </p:nvGrpSpPr>
+      <p:grpSpPr>
+        <a:xfrm>
+          <a:off x="0" y="0"/>
+          <a:ext cx="0" cy="0"/>
+          <a:chOff x="0" y="0"/>
+          <a:chExt cx="0" cy="0"/>
+        </a:xfrm>
+      </p:grpSpPr>
+      <p:sp>
+        <p:nvSpPr>
+          <p:cNvPr id="2" name="제목 1">
+            <a:extLst>
+              <a:ext uri="{FF2B5EF4-FFF2-40B4-BE49-F238E27FC236}">
+                <a16:creationId xmlns:a16="http://schemas.microsoft.com/office/drawing/2014/main" id="{691AFE62-9ED7-6007-B443-8D6750461453}"/>
+              </a:ext>
+            </a:extLst>
+          </p:cNvPr>
+          <p:cNvSpPr>
+            <a:spLocks noGrp="1"/>
+          </p:cNvSpPr>
+          <p:nvPr>
+            <p:ph type="title"/>
+          </p:nvPr>
+        </p:nvSpPr>
+        <p:spPr/>
+        <p:txBody>
+          <a:bodyPr/>
+          <a:lstStyle/>
+          <a:p>
+            <a:r>
+              <a:rPr lang="en-US" altLang="ko-KR"/>
+              <a:t>Trigger</a:t>
+            </a:r>
+            <a:r>
+              <a:rPr lang="ko-KR" altLang="en-US"/>
+              <a:t> </a:t>
+            </a:r>
+            <a:r>
+              <a:rPr lang="en-US" altLang="ko-KR"/>
+              <a:t>mode</a:t>
+            </a:r>
+            <a:endParaRPr lang="ko-KR" altLang="en-US"/>
+          </a:p>
+        </p:txBody>
+      </p:sp>
+      <p:sp>
+        <p:nvSpPr>
+          <p:cNvPr id="4" name="날짜 개체 틀 3">
+            <a:extLst>
+              <a:ext uri="{FF2B5EF4-FFF2-40B4-BE49-F238E27FC236}">
+                <a16:creationId xmlns:a16="http://schemas.microsoft.com/office/drawing/2014/main" id="{B9F72D60-97B4-7D4B-BCE4-F31452027B1F}"/>
+              </a:ext>
+            </a:extLst>
+          </p:cNvPr>
+          <p:cNvSpPr>
+            <a:spLocks noGrp="1"/>
+          </p:cNvSpPr>
+          <p:nvPr>
+            <p:ph type="dt" sz="half" idx="10"/>
+          </p:nvPr>
+        </p:nvSpPr>
+        <p:spPr/>
+        <p:txBody>
+          <a:bodyPr/>
+          <a:lstStyle/>
+          <a:p>
+            <a:r>
+              <a:rPr kumimoji="1" lang="en-US" altLang="ko-KR">
+                <a:ea typeface="Verdana" panose="020B0604030504040204" pitchFamily="34" charset="0"/>
+              </a:rPr>
+              <a:t>2023. 11. 03.</a:t>
+            </a:r>
+            <a:endParaRPr kumimoji="1" lang="ko-Kore-KR" altLang="en-US" dirty="0"/>
+          </a:p>
+        </p:txBody>
+      </p:sp>
+      <p:sp>
+        <p:nvSpPr>
+          <p:cNvPr id="5" name="직사각형 4">
+            <a:extLst>
+              <a:ext uri="{FF2B5EF4-FFF2-40B4-BE49-F238E27FC236}">
+                <a16:creationId xmlns:a16="http://schemas.microsoft.com/office/drawing/2014/main" id="{2B34DA4B-FEA8-E09B-10A7-C4D85A248C72}"/>
+              </a:ext>
+            </a:extLst>
+          </p:cNvPr>
+          <p:cNvSpPr/>
+          <p:nvPr/>
+        </p:nvSpPr>
+        <p:spPr>
+          <a:xfrm>
+            <a:off x="4780349" y="2525321"/>
+            <a:ext cx="1191473" cy="2291645"/>
+          </a:xfrm>
+          <a:prstGeom prst="rect">
+            <a:avLst/>
+          </a:prstGeom>
+          <a:solidFill>
+            <a:schemeClr val="tx2"/>
+          </a:solidFill>
+          <a:ln>
+            <a:noFill/>
+          </a:ln>
+        </p:spPr>
+        <p:style>
+          <a:lnRef idx="2">
+            <a:schemeClr val="accent1">
+              <a:shade val="15000"/>
+            </a:schemeClr>
+          </a:lnRef>
+          <a:fillRef idx="1">
+            <a:schemeClr val="accent1"/>
+          </a:fillRef>
+          <a:effectRef idx="0">
+            <a:schemeClr val="accent1"/>
+          </a:effectRef>
+          <a:fontRef idx="minor">
+            <a:schemeClr val="lt1"/>
+          </a:fontRef>
+        </p:style>
+        <p:txBody>
+          <a:bodyPr rtlCol="0" anchor="ctr"/>
+          <a:lstStyle/>
+          <a:p>
+            <a:pPr algn="ctr"/>
+            <a:r>
+              <a:rPr lang="en-US" altLang="ko-KR"/>
+              <a:t>BRAM</a:t>
+            </a:r>
+            <a:endParaRPr lang="ko-KR" altLang="en-US"/>
+          </a:p>
+        </p:txBody>
+      </p:sp>
+      <p:sp>
+        <p:nvSpPr>
+          <p:cNvPr id="6" name="직사각형 5">
+            <a:extLst>
+              <a:ext uri="{FF2B5EF4-FFF2-40B4-BE49-F238E27FC236}">
+                <a16:creationId xmlns:a16="http://schemas.microsoft.com/office/drawing/2014/main" id="{D2300DB0-0252-FF4A-3E32-251B2703168F}"/>
+              </a:ext>
+            </a:extLst>
+          </p:cNvPr>
+          <p:cNvSpPr/>
+          <p:nvPr/>
+        </p:nvSpPr>
+        <p:spPr>
+          <a:xfrm>
+            <a:off x="6996040" y="2525321"/>
+            <a:ext cx="1191473" cy="2291645"/>
+          </a:xfrm>
+          <a:prstGeom prst="rect">
+            <a:avLst/>
+          </a:prstGeom>
+          <a:solidFill>
+            <a:schemeClr val="tx2"/>
+          </a:solidFill>
+          <a:ln>
+            <a:noFill/>
+          </a:ln>
+        </p:spPr>
+        <p:style>
+          <a:lnRef idx="2">
+            <a:schemeClr val="accent1">
+              <a:shade val="15000"/>
+            </a:schemeClr>
+          </a:lnRef>
+          <a:fillRef idx="1">
+            <a:schemeClr val="accent1"/>
+          </a:fillRef>
+          <a:effectRef idx="0">
+            <a:schemeClr val="accent1"/>
+          </a:effectRef>
+          <a:fontRef idx="minor">
+            <a:schemeClr val="lt1"/>
+          </a:fontRef>
+        </p:style>
+        <p:txBody>
+          <a:bodyPr rtlCol="0" anchor="ctr"/>
+          <a:lstStyle/>
+          <a:p>
+            <a:pPr algn="ctr"/>
+            <a:r>
+              <a:rPr lang="en-US" altLang="ko-KR"/>
+              <a:t>FIFO</a:t>
+            </a:r>
+            <a:endParaRPr lang="ko-KR" altLang="en-US"/>
+          </a:p>
+        </p:txBody>
+      </p:sp>
+      <p:sp>
+        <p:nvSpPr>
+          <p:cNvPr id="7" name="타원 6">
+            <a:extLst>
+              <a:ext uri="{FF2B5EF4-FFF2-40B4-BE49-F238E27FC236}">
+                <a16:creationId xmlns:a16="http://schemas.microsoft.com/office/drawing/2014/main" id="{80920FF8-6260-3A74-FFB0-EEA773669EDA}"/>
+              </a:ext>
+            </a:extLst>
+          </p:cNvPr>
+          <p:cNvSpPr/>
+          <p:nvPr/>
+        </p:nvSpPr>
+        <p:spPr>
+          <a:xfrm>
+            <a:off x="1742270" y="1667622"/>
+            <a:ext cx="1706486" cy="1706486"/>
+          </a:xfrm>
+          <a:prstGeom prst="ellipse">
+            <a:avLst/>
+          </a:prstGeom>
+        </p:spPr>
+        <p:style>
+          <a:lnRef idx="2">
+            <a:schemeClr val="accent1">
+              <a:shade val="15000"/>
+            </a:schemeClr>
+          </a:lnRef>
+          <a:fillRef idx="1">
+            <a:schemeClr val="accent1"/>
+          </a:fillRef>
+          <a:effectRef idx="0">
+            <a:schemeClr val="accent1"/>
+          </a:effectRef>
+          <a:fontRef idx="minor">
+            <a:schemeClr val="lt1"/>
+          </a:fontRef>
+        </p:style>
+        <p:txBody>
+          <a:bodyPr rtlCol="0" anchor="ctr"/>
+          <a:lstStyle/>
+          <a:p>
+            <a:pPr algn="ctr"/>
+            <a:r>
+              <a:rPr lang="en-US" altLang="ko-KR"/>
+              <a:t>Trigger data write</a:t>
+            </a:r>
+          </a:p>
+          <a:p>
+            <a:pPr algn="ctr"/>
+            <a:r>
+              <a:rPr lang="en-US" altLang="ko-KR"/>
+              <a:t>command</a:t>
+            </a:r>
+            <a:endParaRPr lang="ko-KR" altLang="en-US"/>
+          </a:p>
+        </p:txBody>
+      </p:sp>
+      <p:sp>
+        <p:nvSpPr>
+          <p:cNvPr id="8" name="화살표: 오른쪽 7">
+            <a:extLst>
+              <a:ext uri="{FF2B5EF4-FFF2-40B4-BE49-F238E27FC236}">
+                <a16:creationId xmlns:a16="http://schemas.microsoft.com/office/drawing/2014/main" id="{94297511-FEEB-7CCA-E76B-494DD8CCFA6C}"/>
+              </a:ext>
+            </a:extLst>
+          </p:cNvPr>
+          <p:cNvSpPr/>
+          <p:nvPr/>
+        </p:nvSpPr>
+        <p:spPr>
+          <a:xfrm>
+            <a:off x="3556000" y="2815307"/>
+            <a:ext cx="970845" cy="496711"/>
+          </a:xfrm>
+          <a:prstGeom prst="rightArrow">
+            <a:avLst/>
+          </a:prstGeom>
+        </p:spPr>
+        <p:style>
+          <a:lnRef idx="2">
+            <a:schemeClr val="accent1">
+              <a:shade val="15000"/>
+            </a:schemeClr>
+          </a:lnRef>
+          <a:fillRef idx="1">
+            <a:schemeClr val="accent1"/>
+          </a:fillRef>
+          <a:effectRef idx="0">
+            <a:schemeClr val="accent1"/>
+          </a:effectRef>
+          <a:fontRef idx="minor">
+            <a:schemeClr val="lt1"/>
+          </a:fontRef>
+        </p:style>
+        <p:txBody>
+          <a:bodyPr rtlCol="0" anchor="ctr"/>
+          <a:lstStyle/>
+          <a:p>
+            <a:pPr algn="ctr"/>
+            <a:endParaRPr lang="ko-KR" altLang="en-US"/>
+          </a:p>
+        </p:txBody>
+      </p:sp>
+      <p:sp>
+        <p:nvSpPr>
+          <p:cNvPr id="10" name="타원 9">
+            <a:extLst>
+              <a:ext uri="{FF2B5EF4-FFF2-40B4-BE49-F238E27FC236}">
+                <a16:creationId xmlns:a16="http://schemas.microsoft.com/office/drawing/2014/main" id="{494F7EE0-DCEE-AB1C-DBA5-998028CB5EB7}"/>
+              </a:ext>
+            </a:extLst>
+          </p:cNvPr>
+          <p:cNvSpPr/>
+          <p:nvPr/>
+        </p:nvSpPr>
+        <p:spPr>
+          <a:xfrm>
+            <a:off x="8153753" y="1407638"/>
+            <a:ext cx="1261305" cy="1261305"/>
+          </a:xfrm>
+          <a:prstGeom prst="ellipse">
+            <a:avLst/>
+          </a:prstGeom>
+        </p:spPr>
+        <p:style>
+          <a:lnRef idx="2">
+            <a:schemeClr val="accent1">
+              <a:shade val="15000"/>
+            </a:schemeClr>
+          </a:lnRef>
+          <a:fillRef idx="1">
+            <a:schemeClr val="accent1"/>
+          </a:fillRef>
+          <a:effectRef idx="0">
+            <a:schemeClr val="accent1"/>
+          </a:effectRef>
+          <a:fontRef idx="minor">
+            <a:schemeClr val="lt1"/>
+          </a:fontRef>
+        </p:style>
+        <p:txBody>
+          <a:bodyPr rtlCol="0" anchor="ctr"/>
+          <a:lstStyle/>
+          <a:p>
+            <a:pPr algn="ctr"/>
+            <a:r>
+              <a:rPr lang="en-US" altLang="ko-KR"/>
+              <a:t>Trigger start</a:t>
+            </a:r>
+            <a:endParaRPr lang="ko-KR" altLang="en-US"/>
+          </a:p>
+        </p:txBody>
+      </p:sp>
+      <p:sp>
+        <p:nvSpPr>
+          <p:cNvPr id="11" name="화살표: 오른쪽 10">
+            <a:extLst>
+              <a:ext uri="{FF2B5EF4-FFF2-40B4-BE49-F238E27FC236}">
+                <a16:creationId xmlns:a16="http://schemas.microsoft.com/office/drawing/2014/main" id="{949B86DF-97FB-D65B-665A-C75B9488649F}"/>
+              </a:ext>
+            </a:extLst>
+          </p:cNvPr>
+          <p:cNvSpPr/>
+          <p:nvPr/>
+        </p:nvSpPr>
+        <p:spPr>
+          <a:xfrm>
+            <a:off x="5998508" y="2815307"/>
+            <a:ext cx="970845" cy="496711"/>
+          </a:xfrm>
+          <a:prstGeom prst="rightArrow">
+            <a:avLst/>
+          </a:prstGeom>
+        </p:spPr>
+        <p:style>
+          <a:lnRef idx="2">
+            <a:schemeClr val="accent1">
+              <a:shade val="15000"/>
+            </a:schemeClr>
+          </a:lnRef>
+          <a:fillRef idx="1">
+            <a:schemeClr val="accent1"/>
+          </a:fillRef>
+          <a:effectRef idx="0">
+            <a:schemeClr val="accent1"/>
+          </a:effectRef>
+          <a:fontRef idx="minor">
+            <a:schemeClr val="lt1"/>
+          </a:fontRef>
+        </p:style>
+        <p:txBody>
+          <a:bodyPr rtlCol="0" anchor="ctr"/>
+          <a:lstStyle/>
+          <a:p>
+            <a:pPr algn="ctr"/>
+            <a:endParaRPr lang="ko-KR" altLang="en-US"/>
+          </a:p>
+        </p:txBody>
+      </p:sp>
+      <p:sp>
+        <p:nvSpPr>
+          <p:cNvPr id="12" name="타원 11">
+            <a:extLst>
+              <a:ext uri="{FF2B5EF4-FFF2-40B4-BE49-F238E27FC236}">
+                <a16:creationId xmlns:a16="http://schemas.microsoft.com/office/drawing/2014/main" id="{FCCFB920-18A9-D831-A695-1B7A3A903862}"/>
+              </a:ext>
+            </a:extLst>
+          </p:cNvPr>
+          <p:cNvSpPr/>
+          <p:nvPr/>
+        </p:nvSpPr>
+        <p:spPr>
+          <a:xfrm>
+            <a:off x="5630687" y="845125"/>
+            <a:ext cx="1706486" cy="1706486"/>
+          </a:xfrm>
+          <a:prstGeom prst="ellipse">
+            <a:avLst/>
+          </a:prstGeom>
+        </p:spPr>
+        <p:style>
+          <a:lnRef idx="2">
+            <a:schemeClr val="accent1">
+              <a:shade val="15000"/>
+            </a:schemeClr>
+          </a:lnRef>
+          <a:fillRef idx="1">
+            <a:schemeClr val="accent1"/>
+          </a:fillRef>
+          <a:effectRef idx="0">
+            <a:schemeClr val="accent1"/>
+          </a:effectRef>
+          <a:fontRef idx="minor">
+            <a:schemeClr val="lt1"/>
+          </a:fontRef>
+        </p:style>
+        <p:txBody>
+          <a:bodyPr rtlCol="0" anchor="ctr"/>
+          <a:lstStyle/>
+          <a:p>
+            <a:pPr algn="ctr"/>
+            <a:r>
+              <a:rPr lang="en-US" altLang="ko-KR"/>
+              <a:t>Trigger ready</a:t>
+            </a:r>
+          </a:p>
+          <a:p>
+            <a:pPr algn="ctr"/>
+            <a:r>
+              <a:rPr lang="en-US" altLang="ko-KR"/>
+              <a:t>command</a:t>
+            </a:r>
+            <a:endParaRPr lang="ko-KR" altLang="en-US"/>
+          </a:p>
+        </p:txBody>
+      </p:sp>
+      <p:sp>
+        <p:nvSpPr>
+          <p:cNvPr id="13" name="화살표: 오른쪽 12">
+            <a:extLst>
+              <a:ext uri="{FF2B5EF4-FFF2-40B4-BE49-F238E27FC236}">
+                <a16:creationId xmlns:a16="http://schemas.microsoft.com/office/drawing/2014/main" id="{54604964-47E6-E0E3-F9C8-83DBB9226B38}"/>
+              </a:ext>
+            </a:extLst>
+          </p:cNvPr>
+          <p:cNvSpPr/>
+          <p:nvPr/>
+        </p:nvSpPr>
+        <p:spPr>
+          <a:xfrm>
+            <a:off x="8240886" y="2815307"/>
+            <a:ext cx="970845" cy="496711"/>
+          </a:xfrm>
+          <a:prstGeom prst="rightArrow">
+            <a:avLst/>
+          </a:prstGeom>
+        </p:spPr>
+        <p:style>
+          <a:lnRef idx="2">
+            <a:schemeClr val="accent1">
+              <a:shade val="15000"/>
+            </a:schemeClr>
+          </a:lnRef>
+          <a:fillRef idx="1">
+            <a:schemeClr val="accent1"/>
+          </a:fillRef>
+          <a:effectRef idx="0">
+            <a:schemeClr val="accent1"/>
+          </a:effectRef>
+          <a:fontRef idx="minor">
+            <a:schemeClr val="lt1"/>
+          </a:fontRef>
+        </p:style>
+        <p:txBody>
+          <a:bodyPr rtlCol="0" anchor="ctr"/>
+          <a:lstStyle/>
+          <a:p>
+            <a:pPr algn="ctr"/>
+            <a:endParaRPr lang="ko-KR" altLang="en-US"/>
+          </a:p>
+        </p:txBody>
+      </p:sp>
+      <p:sp>
+        <p:nvSpPr>
+          <p:cNvPr id="14" name="타원 13">
+            <a:extLst>
+              <a:ext uri="{FF2B5EF4-FFF2-40B4-BE49-F238E27FC236}">
+                <a16:creationId xmlns:a16="http://schemas.microsoft.com/office/drawing/2014/main" id="{07D30E7C-DDCD-D2E6-D474-C094122EEAAE}"/>
+              </a:ext>
+            </a:extLst>
+          </p:cNvPr>
+          <p:cNvSpPr/>
+          <p:nvPr/>
+        </p:nvSpPr>
+        <p:spPr>
+          <a:xfrm>
+            <a:off x="5630687" y="4849408"/>
+            <a:ext cx="1706486" cy="1706486"/>
+          </a:xfrm>
+          <a:prstGeom prst="ellipse">
+            <a:avLst/>
+          </a:prstGeom>
+        </p:spPr>
+        <p:style>
+          <a:lnRef idx="2">
+            <a:schemeClr val="accent1">
+              <a:shade val="15000"/>
+            </a:schemeClr>
+          </a:lnRef>
+          <a:fillRef idx="1">
+            <a:schemeClr val="accent1"/>
+          </a:fillRef>
+          <a:effectRef idx="0">
+            <a:schemeClr val="accent1"/>
+          </a:effectRef>
+          <a:fontRef idx="minor">
+            <a:schemeClr val="lt1"/>
+          </a:fontRef>
+        </p:style>
+        <p:txBody>
+          <a:bodyPr rtlCol="0" anchor="ctr"/>
+          <a:lstStyle/>
+          <a:p>
+            <a:pPr algn="ctr"/>
+            <a:r>
+              <a:rPr lang="en-US" altLang="ko-KR"/>
+              <a:t>Trigger stop</a:t>
+            </a:r>
+            <a:endParaRPr lang="ko-KR" altLang="en-US"/>
+          </a:p>
+        </p:txBody>
+      </p:sp>
+      <p:sp>
+        <p:nvSpPr>
+          <p:cNvPr id="15" name="화살표: 오른쪽 14">
+            <a:extLst>
+              <a:ext uri="{FF2B5EF4-FFF2-40B4-BE49-F238E27FC236}">
+                <a16:creationId xmlns:a16="http://schemas.microsoft.com/office/drawing/2014/main" id="{E0FBD437-F430-7E5C-8179-BB20B4273CEF}"/>
+              </a:ext>
+            </a:extLst>
+          </p:cNvPr>
+          <p:cNvSpPr/>
+          <p:nvPr/>
+        </p:nvSpPr>
+        <p:spPr>
+          <a:xfrm>
+            <a:off x="5998508" y="4111824"/>
+            <a:ext cx="970845" cy="496711"/>
+          </a:xfrm>
+          <a:prstGeom prst="rightArrow">
+            <a:avLst/>
+          </a:prstGeom>
+        </p:spPr>
+        <p:style>
+          <a:lnRef idx="2">
+            <a:schemeClr val="accent1">
+              <a:shade val="15000"/>
+            </a:schemeClr>
+          </a:lnRef>
+          <a:fillRef idx="1">
+            <a:schemeClr val="accent1"/>
+          </a:fillRef>
+          <a:effectRef idx="0">
+            <a:schemeClr val="accent1"/>
+          </a:effectRef>
+          <a:fontRef idx="minor">
+            <a:schemeClr val="lt1"/>
+          </a:fontRef>
+        </p:style>
+        <p:txBody>
+          <a:bodyPr rtlCol="0" anchor="ctr"/>
+          <a:lstStyle/>
+          <a:p>
+            <a:pPr algn="ctr"/>
+            <a:endParaRPr lang="ko-KR" altLang="en-US"/>
+          </a:p>
+        </p:txBody>
+      </p:sp>
+      <p:sp>
+        <p:nvSpPr>
+          <p:cNvPr id="16" name="타원 15">
+            <a:extLst>
+              <a:ext uri="{FF2B5EF4-FFF2-40B4-BE49-F238E27FC236}">
+                <a16:creationId xmlns:a16="http://schemas.microsoft.com/office/drawing/2014/main" id="{04627DB0-E90C-2321-D530-18713294C8BD}"/>
+              </a:ext>
+            </a:extLst>
+          </p:cNvPr>
+          <p:cNvSpPr/>
+          <p:nvPr/>
+        </p:nvSpPr>
+        <p:spPr>
+          <a:xfrm>
+            <a:off x="1708511" y="3506936"/>
+            <a:ext cx="1706486" cy="1706486"/>
+          </a:xfrm>
+          <a:prstGeom prst="ellipse">
+            <a:avLst/>
+          </a:prstGeom>
+        </p:spPr>
+        <p:style>
+          <a:lnRef idx="2">
+            <a:schemeClr val="accent1">
+              <a:shade val="15000"/>
+            </a:schemeClr>
+          </a:lnRef>
+          <a:fillRef idx="1">
+            <a:schemeClr val="accent1"/>
+          </a:fillRef>
+          <a:effectRef idx="0">
+            <a:schemeClr val="accent1"/>
+          </a:effectRef>
+          <a:fontRef idx="minor">
+            <a:schemeClr val="lt1"/>
+          </a:fontRef>
+        </p:style>
+        <p:txBody>
+          <a:bodyPr rtlCol="0" anchor="ctr"/>
+          <a:lstStyle/>
+          <a:p>
+            <a:pPr algn="ctr"/>
+            <a:r>
+              <a:rPr lang="en-US" altLang="ko-KR"/>
+              <a:t>Trigger data clear</a:t>
+            </a:r>
+          </a:p>
+          <a:p>
+            <a:pPr algn="ctr"/>
+            <a:r>
+              <a:rPr lang="en-US" altLang="ko-KR"/>
+              <a:t>command</a:t>
+            </a:r>
+            <a:endParaRPr lang="ko-KR" altLang="en-US"/>
+          </a:p>
+        </p:txBody>
+      </p:sp>
+    </p:spTree>
+    <p:extLst>
+      <p:ext uri="{BB962C8B-B14F-4D97-AF65-F5344CB8AC3E}">
+        <p14:creationId xmlns:p14="http://schemas.microsoft.com/office/powerpoint/2010/main" val="3845268243"/>
+      </p:ext>
+    </p:extLst>
+  </p:cSld>
+  <p:clrMapOvr>
+    <a:masterClrMapping/>
+  </p:clrMapOvr>
+</p:sld>
+</file>
+
 <file path=ppt/slides/slide2.xml><?xml version="1.0" encoding="utf-8"?>
 <p:sld xmlns:a="http://schemas.openxmlformats.org/drawingml/2006/main" xmlns:r="http://schemas.openxmlformats.org/officeDocument/2006/relationships" xmlns:p="http://schemas.openxmlformats.org/presentationml/2006/main">
   <p:cSld>
@@ -6521,7 +11994,7 @@
           <a:p>
             <a:r>
               <a:rPr lang="en-US" altLang="ko-KR"/>
-              <a:t>Ground Loop Problem2</a:t>
+              <a:t>Ground Problem</a:t>
             </a:r>
             <a:endParaRPr lang="ko-KR" altLang="en-US"/>
           </a:p>
@@ -8162,8 +13635,8 @@
         </p:nvSpPr>
         <p:spPr>
           <a:xfrm>
-            <a:off x="5842000" y="4108450"/>
-            <a:ext cx="2942280" cy="646331"/>
+            <a:off x="5848769" y="4108450"/>
+            <a:ext cx="2554610" cy="369332"/>
           </a:xfrm>
           <a:prstGeom prst="rect">
             <a:avLst/>
@@ -8184,12 +13657,6 @@
               <a:rPr lang="en-US" altLang="ko-KR" b="1"/>
               <a:t>I</a:t>
             </a:r>
-          </a:p>
-          <a:p>
-            <a:r>
-              <a:rPr lang="en-US" altLang="ko-KR"/>
-              <a:t>-&gt; seems to be not a problem</a:t>
-            </a:r>
             <a:endParaRPr lang="ko-KR" altLang="en-US" b="1"/>
           </a:p>
         </p:txBody>
@@ -8346,8 +13813,8 @@
         </p:nvSpPr>
         <p:spPr>
           <a:xfrm>
-            <a:off x="9039804" y="1630075"/>
-            <a:ext cx="2519792" cy="646331"/>
+            <a:off x="9004542" y="1300833"/>
+            <a:ext cx="2590324" cy="923330"/>
           </a:xfrm>
           <a:prstGeom prst="rect">
             <a:avLst/>
@@ -8363,14 +13830,21 @@
             <a:pPr algn="ctr"/>
             <a:r>
               <a:rPr lang="en-US" altLang="ko-KR"/>
-              <a:t>2. Human walks makes </a:t>
+              <a:t>2. Mechanical Impact</a:t>
             </a:r>
           </a:p>
           <a:p>
             <a:pPr algn="ctr"/>
             <a:r>
               <a:rPr lang="en-US" altLang="ko-KR"/>
-              <a:t>induced voltage ~ 10V[1]</a:t>
+              <a:t>(Human walks makes </a:t>
+            </a:r>
+          </a:p>
+          <a:p>
+            <a:pPr algn="ctr"/>
+            <a:r>
+              <a:rPr lang="en-US" altLang="ko-KR"/>
+              <a:t>induced voltage ~ 10V[1])</a:t>
             </a:r>
           </a:p>
         </p:txBody>
@@ -9540,6 +15014,49 @@
           </p:txBody>
         </p:sp>
       </p:grpSp>
+      <p:cxnSp>
+        <p:nvCxnSpPr>
+          <p:cNvPr id="3" name="직선 연결선 2">
+            <a:extLst>
+              <a:ext uri="{FF2B5EF4-FFF2-40B4-BE49-F238E27FC236}">
+                <a16:creationId xmlns:a16="http://schemas.microsoft.com/office/drawing/2014/main" id="{36996376-CE70-A74D-CA17-E7362298203E}"/>
+              </a:ext>
+            </a:extLst>
+          </p:cNvPr>
+          <p:cNvCxnSpPr>
+            <a:cxnSpLocks/>
+          </p:cNvCxnSpPr>
+          <p:nvPr/>
+        </p:nvCxnSpPr>
+        <p:spPr>
+          <a:xfrm flipH="1">
+            <a:off x="3638030" y="3284983"/>
+            <a:ext cx="2122311" cy="0"/>
+          </a:xfrm>
+          <a:prstGeom prst="line">
+            <a:avLst/>
+          </a:prstGeom>
+          <a:ln w="28575">
+            <a:solidFill>
+              <a:schemeClr val="accent3"/>
+            </a:solidFill>
+          </a:ln>
+        </p:spPr>
+        <p:style>
+          <a:lnRef idx="1">
+            <a:schemeClr val="accent1"/>
+          </a:lnRef>
+          <a:fillRef idx="0">
+            <a:schemeClr val="accent1"/>
+          </a:fillRef>
+          <a:effectRef idx="0">
+            <a:schemeClr val="accent1"/>
+          </a:effectRef>
+          <a:fontRef idx="minor">
+            <a:schemeClr val="tx1"/>
+          </a:fontRef>
+        </p:style>
+      </p:cxnSp>
     </p:spTree>
     <p:extLst>
       <p:ext uri="{BB962C8B-B14F-4D97-AF65-F5344CB8AC3E}">
@@ -12819,6 +18336,122 @@
           </a:fontRef>
         </p:style>
       </p:cxnSp>
+      <p:cxnSp>
+        <p:nvCxnSpPr>
+          <p:cNvPr id="3" name="직선 연결선 2">
+            <a:extLst>
+              <a:ext uri="{FF2B5EF4-FFF2-40B4-BE49-F238E27FC236}">
+                <a16:creationId xmlns:a16="http://schemas.microsoft.com/office/drawing/2014/main" id="{B6297BDC-B494-0E9D-7D53-1D1C90C5EAF8}"/>
+              </a:ext>
+            </a:extLst>
+          </p:cNvPr>
+          <p:cNvCxnSpPr>
+            <a:cxnSpLocks/>
+            <a:endCxn id="11" idx="3"/>
+          </p:cNvCxnSpPr>
+          <p:nvPr/>
+        </p:nvCxnSpPr>
+        <p:spPr>
+          <a:xfrm flipH="1" flipV="1">
+            <a:off x="3556818" y="3945052"/>
+            <a:ext cx="8980" cy="753888"/>
+          </a:xfrm>
+          <a:prstGeom prst="line">
+            <a:avLst/>
+          </a:prstGeom>
+          <a:ln w="28575">
+            <a:solidFill>
+              <a:schemeClr val="tx2"/>
+            </a:solidFill>
+          </a:ln>
+        </p:spPr>
+        <p:style>
+          <a:lnRef idx="1">
+            <a:schemeClr val="accent1"/>
+          </a:lnRef>
+          <a:fillRef idx="0">
+            <a:schemeClr val="accent1"/>
+          </a:fillRef>
+          <a:effectRef idx="0">
+            <a:schemeClr val="accent1"/>
+          </a:effectRef>
+          <a:fontRef idx="minor">
+            <a:schemeClr val="tx1"/>
+          </a:fontRef>
+        </p:style>
+      </p:cxnSp>
+      <p:sp>
+        <p:nvSpPr>
+          <p:cNvPr id="21" name="TextBox 20">
+            <a:extLst>
+              <a:ext uri="{FF2B5EF4-FFF2-40B4-BE49-F238E27FC236}">
+                <a16:creationId xmlns:a16="http://schemas.microsoft.com/office/drawing/2014/main" id="{A3C4AD7B-F6D6-880A-8961-FDF57351F7CA}"/>
+              </a:ext>
+            </a:extLst>
+          </p:cNvPr>
+          <p:cNvSpPr txBox="1"/>
+          <p:nvPr/>
+        </p:nvSpPr>
+        <p:spPr>
+          <a:xfrm>
+            <a:off x="508356" y="4304309"/>
+            <a:ext cx="1759521" cy="369332"/>
+          </a:xfrm>
+          <a:prstGeom prst="rect">
+            <a:avLst/>
+          </a:prstGeom>
+          <a:noFill/>
+        </p:spPr>
+        <p:txBody>
+          <a:bodyPr wrap="none" rtlCol="0">
+            <a:spAutoFit/>
+          </a:bodyPr>
+          <a:lstStyle/>
+          <a:p>
+            <a:r>
+              <a:rPr lang="en-US" altLang="ko-KR"/>
+              <a:t>Not Connected ?</a:t>
+            </a:r>
+            <a:endParaRPr lang="ko-KR" altLang="en-US"/>
+          </a:p>
+        </p:txBody>
+      </p:sp>
+      <p:sp>
+        <p:nvSpPr>
+          <p:cNvPr id="22" name="TextBox 21">
+            <a:extLst>
+              <a:ext uri="{FF2B5EF4-FFF2-40B4-BE49-F238E27FC236}">
+                <a16:creationId xmlns:a16="http://schemas.microsoft.com/office/drawing/2014/main" id="{FF2043E5-9B73-1C61-C9F3-251396BE6038}"/>
+              </a:ext>
+            </a:extLst>
+          </p:cNvPr>
+          <p:cNvSpPr txBox="1"/>
+          <p:nvPr/>
+        </p:nvSpPr>
+        <p:spPr>
+          <a:xfrm>
+            <a:off x="3645114" y="5270739"/>
+            <a:ext cx="1661160" cy="369332"/>
+          </a:xfrm>
+          <a:prstGeom prst="rect">
+            <a:avLst/>
+          </a:prstGeom>
+          <a:noFill/>
+        </p:spPr>
+        <p:txBody>
+          <a:bodyPr wrap="none" rtlCol="0">
+            <a:spAutoFit/>
+          </a:bodyPr>
+          <a:lstStyle/>
+          <a:p>
+            <a:r>
+              <a:rPr lang="en-US" altLang="ko-KR"/>
+              <a:t>Almost floating</a:t>
+            </a:r>
+            <a:endParaRPr lang="ko-KR" altLang="en-US"/>
+          </a:p>
+        </p:txBody>
+      </p:sp>
     </p:spTree>
     <p:extLst>
       <p:ext uri="{BB962C8B-B14F-4D97-AF65-F5344CB8AC3E}">
@@ -17363,8 +22996,8 @@
         </p:nvSpPr>
         <p:spPr>
           <a:xfrm>
-            <a:off x="6944054" y="1211005"/>
-            <a:ext cx="292068" cy="369332"/>
+            <a:off x="6263683" y="1211005"/>
+            <a:ext cx="2244525" cy="369332"/>
           </a:xfrm>
           <a:prstGeom prst="rect">
             <a:avLst/>
@@ -17377,6 +23010,11 @@
           </a:bodyPr>
           <a:lstStyle/>
           <a:p>
+            <a:pPr algn="ctr"/>
+            <a:r>
+              <a:rPr lang="ko-KR" altLang="en-US"/>
+              <a:t>파워 공급은 어떻게</a:t>
+            </a:r>
             <a:r>
               <a:rPr lang="en-US" altLang="ko-KR"/>
               <a:t>?</a:t>
@@ -17385,68 +23023,12 @@
           </a:p>
         </p:txBody>
       </p:sp>
-      <p:sp>
-        <p:nvSpPr>
-          <p:cNvPr id="91" name="직사각형 90">
-            <a:extLst>
-              <a:ext uri="{FF2B5EF4-FFF2-40B4-BE49-F238E27FC236}">
-                <a16:creationId xmlns:a16="http://schemas.microsoft.com/office/drawing/2014/main" id="{67A6D9DB-1C3E-9423-CC91-C8C6B019921B}"/>
-              </a:ext>
-            </a:extLst>
-          </p:cNvPr>
-          <p:cNvSpPr/>
-          <p:nvPr/>
-        </p:nvSpPr>
-        <p:spPr>
-          <a:xfrm>
-            <a:off x="288573" y="5516638"/>
-            <a:ext cx="3177116" cy="261925"/>
-          </a:xfrm>
-          <a:prstGeom prst="rect">
-            <a:avLst/>
-          </a:prstGeom>
-          <a:solidFill>
-            <a:schemeClr val="tx2"/>
-          </a:solidFill>
-          <a:ln>
-            <a:noFill/>
-          </a:ln>
-        </p:spPr>
-        <p:style>
-          <a:lnRef idx="2">
-            <a:schemeClr val="accent1">
-              <a:shade val="15000"/>
-            </a:schemeClr>
-          </a:lnRef>
-          <a:fillRef idx="1">
-            <a:schemeClr val="accent1"/>
-          </a:fillRef>
-          <a:effectRef idx="0">
-            <a:schemeClr val="accent1"/>
-          </a:effectRef>
-          <a:fontRef idx="minor">
-            <a:schemeClr val="lt1"/>
-          </a:fontRef>
-        </p:style>
-        <p:txBody>
-          <a:bodyPr rtlCol="0" anchor="ctr"/>
-          <a:lstStyle/>
-          <a:p>
-            <a:pPr algn="ctr"/>
-            <a:r>
-              <a:rPr lang="en-US" altLang="ko-KR"/>
-              <a:t>Multitap</a:t>
-            </a:r>
-            <a:endParaRPr lang="ko-KR" altLang="en-US"/>
-          </a:p>
-        </p:txBody>
-      </p:sp>
       <p:grpSp>
         <p:nvGrpSpPr>
-          <p:cNvPr id="92" name="그룹 91">
-            <a:extLst>
-              <a:ext uri="{FF2B5EF4-FFF2-40B4-BE49-F238E27FC236}">
-                <a16:creationId xmlns:a16="http://schemas.microsoft.com/office/drawing/2014/main" id="{92EF3370-5F36-2FB0-90A9-A451A14AAAD4}"/>
+          <p:cNvPr id="109" name="그룹 108">
+            <a:extLst>
+              <a:ext uri="{FF2B5EF4-FFF2-40B4-BE49-F238E27FC236}">
+                <a16:creationId xmlns:a16="http://schemas.microsoft.com/office/drawing/2014/main" id="{10EDC18A-A528-DB2A-12C5-EA6D5F0CE360}"/>
               </a:ext>
             </a:extLst>
           </p:cNvPr>
@@ -17455,436 +23037,7 @@
         </p:nvGrpSpPr>
         <p:grpSpPr>
           <a:xfrm>
-            <a:off x="2809998" y="4825293"/>
-            <a:ext cx="582585" cy="570174"/>
-            <a:chOff x="2355994" y="4825293"/>
-            <a:chExt cx="582585" cy="570174"/>
-          </a:xfrm>
-        </p:grpSpPr>
-        <p:cxnSp>
-          <p:nvCxnSpPr>
-            <p:cNvPr id="93" name="직선 연결선 92">
-              <a:extLst>
-                <a:ext uri="{FF2B5EF4-FFF2-40B4-BE49-F238E27FC236}">
-                  <a16:creationId xmlns:a16="http://schemas.microsoft.com/office/drawing/2014/main" id="{C0B6FA83-C399-89DC-01D4-6B4458733FE2}"/>
-                </a:ext>
-              </a:extLst>
-            </p:cNvPr>
-            <p:cNvCxnSpPr>
-              <a:cxnSpLocks/>
-            </p:cNvCxnSpPr>
-            <p:nvPr/>
-          </p:nvCxnSpPr>
-          <p:spPr>
-            <a:xfrm flipH="1">
-              <a:off x="2483930" y="5275057"/>
-              <a:ext cx="454649" cy="0"/>
-            </a:xfrm>
-            <a:prstGeom prst="line">
-              <a:avLst/>
-            </a:prstGeom>
-            <a:ln w="28575">
-              <a:solidFill>
-                <a:schemeClr val="accent3"/>
-              </a:solidFill>
-            </a:ln>
-          </p:spPr>
-          <p:style>
-            <a:lnRef idx="1">
-              <a:schemeClr val="accent1"/>
-            </a:lnRef>
-            <a:fillRef idx="0">
-              <a:schemeClr val="accent1"/>
-            </a:fillRef>
-            <a:effectRef idx="0">
-              <a:schemeClr val="accent1"/>
-            </a:effectRef>
-            <a:fontRef idx="minor">
-              <a:schemeClr val="tx1"/>
-            </a:fontRef>
-          </p:style>
-        </p:cxnSp>
-        <p:cxnSp>
-          <p:nvCxnSpPr>
-            <p:cNvPr id="94" name="직선 연결선 93">
-              <a:extLst>
-                <a:ext uri="{FF2B5EF4-FFF2-40B4-BE49-F238E27FC236}">
-                  <a16:creationId xmlns:a16="http://schemas.microsoft.com/office/drawing/2014/main" id="{5CD1177C-3807-1110-708C-B28B5F8B4495}"/>
-                </a:ext>
-              </a:extLst>
-            </p:cNvPr>
-            <p:cNvCxnSpPr>
-              <a:cxnSpLocks/>
-            </p:cNvCxnSpPr>
-            <p:nvPr/>
-          </p:nvCxnSpPr>
-          <p:spPr>
-            <a:xfrm flipV="1">
-              <a:off x="2703921" y="4825293"/>
-              <a:ext cx="0" cy="457704"/>
-            </a:xfrm>
-            <a:prstGeom prst="line">
-              <a:avLst/>
-            </a:prstGeom>
-            <a:ln w="28575">
-              <a:solidFill>
-                <a:schemeClr val="accent3"/>
-              </a:solidFill>
-            </a:ln>
-          </p:spPr>
-          <p:style>
-            <a:lnRef idx="1">
-              <a:schemeClr val="accent1"/>
-            </a:lnRef>
-            <a:fillRef idx="0">
-              <a:schemeClr val="accent1"/>
-            </a:fillRef>
-            <a:effectRef idx="0">
-              <a:schemeClr val="accent1"/>
-            </a:effectRef>
-            <a:fontRef idx="minor">
-              <a:schemeClr val="tx1"/>
-            </a:fontRef>
-          </p:style>
-        </p:cxnSp>
-        <p:cxnSp>
-          <p:nvCxnSpPr>
-            <p:cNvPr id="95" name="직선 연결선 94">
-              <a:extLst>
-                <a:ext uri="{FF2B5EF4-FFF2-40B4-BE49-F238E27FC236}">
-                  <a16:creationId xmlns:a16="http://schemas.microsoft.com/office/drawing/2014/main" id="{AFFADFAD-896D-9C90-03C7-09F245A06767}"/>
-                </a:ext>
-              </a:extLst>
-            </p:cNvPr>
-            <p:cNvCxnSpPr>
-              <a:cxnSpLocks/>
-            </p:cNvCxnSpPr>
-            <p:nvPr/>
-          </p:nvCxnSpPr>
-          <p:spPr>
-            <a:xfrm flipV="1">
-              <a:off x="2355994" y="5272879"/>
-              <a:ext cx="141696" cy="122588"/>
-            </a:xfrm>
-            <a:prstGeom prst="line">
-              <a:avLst/>
-            </a:prstGeom>
-            <a:ln w="28575">
-              <a:solidFill>
-                <a:schemeClr val="accent3"/>
-              </a:solidFill>
-            </a:ln>
-          </p:spPr>
-          <p:style>
-            <a:lnRef idx="1">
-              <a:schemeClr val="accent1"/>
-            </a:lnRef>
-            <a:fillRef idx="0">
-              <a:schemeClr val="accent1"/>
-            </a:fillRef>
-            <a:effectRef idx="0">
-              <a:schemeClr val="accent1"/>
-            </a:effectRef>
-            <a:fontRef idx="minor">
-              <a:schemeClr val="tx1"/>
-            </a:fontRef>
-          </p:style>
-        </p:cxnSp>
-        <p:cxnSp>
-          <p:nvCxnSpPr>
-            <p:cNvPr id="96" name="직선 연결선 95">
-              <a:extLst>
-                <a:ext uri="{FF2B5EF4-FFF2-40B4-BE49-F238E27FC236}">
-                  <a16:creationId xmlns:a16="http://schemas.microsoft.com/office/drawing/2014/main" id="{E1C5AE34-BF07-129B-B81B-495D7CF918FA}"/>
-                </a:ext>
-              </a:extLst>
-            </p:cNvPr>
-            <p:cNvCxnSpPr>
-              <a:cxnSpLocks/>
-            </p:cNvCxnSpPr>
-            <p:nvPr/>
-          </p:nvCxnSpPr>
-          <p:spPr>
-            <a:xfrm flipV="1">
-              <a:off x="2559504" y="5272879"/>
-              <a:ext cx="141696" cy="122588"/>
-            </a:xfrm>
-            <a:prstGeom prst="line">
-              <a:avLst/>
-            </a:prstGeom>
-            <a:ln w="28575">
-              <a:solidFill>
-                <a:schemeClr val="accent3"/>
-              </a:solidFill>
-            </a:ln>
-          </p:spPr>
-          <p:style>
-            <a:lnRef idx="1">
-              <a:schemeClr val="accent1"/>
-            </a:lnRef>
-            <a:fillRef idx="0">
-              <a:schemeClr val="accent1"/>
-            </a:fillRef>
-            <a:effectRef idx="0">
-              <a:schemeClr val="accent1"/>
-            </a:effectRef>
-            <a:fontRef idx="minor">
-              <a:schemeClr val="tx1"/>
-            </a:fontRef>
-          </p:style>
-        </p:cxnSp>
-        <p:cxnSp>
-          <p:nvCxnSpPr>
-            <p:cNvPr id="97" name="직선 연결선 96">
-              <a:extLst>
-                <a:ext uri="{FF2B5EF4-FFF2-40B4-BE49-F238E27FC236}">
-                  <a16:creationId xmlns:a16="http://schemas.microsoft.com/office/drawing/2014/main" id="{6FA11470-E8D9-AA76-1EA2-A04A424F5FD1}"/>
-                </a:ext>
-              </a:extLst>
-            </p:cNvPr>
-            <p:cNvCxnSpPr>
-              <a:cxnSpLocks/>
-            </p:cNvCxnSpPr>
-            <p:nvPr/>
-          </p:nvCxnSpPr>
-          <p:spPr>
-            <a:xfrm flipV="1">
-              <a:off x="2789213" y="5272879"/>
-              <a:ext cx="141696" cy="122588"/>
-            </a:xfrm>
-            <a:prstGeom prst="line">
-              <a:avLst/>
-            </a:prstGeom>
-            <a:ln w="28575">
-              <a:solidFill>
-                <a:schemeClr val="accent3"/>
-              </a:solidFill>
-            </a:ln>
-          </p:spPr>
-          <p:style>
-            <a:lnRef idx="1">
-              <a:schemeClr val="accent1"/>
-            </a:lnRef>
-            <a:fillRef idx="0">
-              <a:schemeClr val="accent1"/>
-            </a:fillRef>
-            <a:effectRef idx="0">
-              <a:schemeClr val="accent1"/>
-            </a:effectRef>
-            <a:fontRef idx="minor">
-              <a:schemeClr val="tx1"/>
-            </a:fontRef>
-          </p:style>
-        </p:cxnSp>
-      </p:grpSp>
-      <p:grpSp>
-        <p:nvGrpSpPr>
-          <p:cNvPr id="104" name="그룹 103">
-            <a:extLst>
-              <a:ext uri="{FF2B5EF4-FFF2-40B4-BE49-F238E27FC236}">
-                <a16:creationId xmlns:a16="http://schemas.microsoft.com/office/drawing/2014/main" id="{35BD57E2-C0DD-61C3-2451-C178F83A32FC}"/>
-              </a:ext>
-            </a:extLst>
-          </p:cNvPr>
-          <p:cNvGrpSpPr/>
-          <p:nvPr/>
-        </p:nvGrpSpPr>
-        <p:grpSpPr>
-          <a:xfrm>
-            <a:off x="176477" y="5776641"/>
-            <a:ext cx="454649" cy="621214"/>
-            <a:chOff x="2263939" y="4825293"/>
-            <a:chExt cx="454649" cy="621214"/>
-          </a:xfrm>
-        </p:grpSpPr>
-        <p:cxnSp>
-          <p:nvCxnSpPr>
-            <p:cNvPr id="105" name="직선 연결선 104">
-              <a:extLst>
-                <a:ext uri="{FF2B5EF4-FFF2-40B4-BE49-F238E27FC236}">
-                  <a16:creationId xmlns:a16="http://schemas.microsoft.com/office/drawing/2014/main" id="{3D7DBC52-5098-B437-247E-72ED7256B37E}"/>
-                </a:ext>
-              </a:extLst>
-            </p:cNvPr>
-            <p:cNvCxnSpPr>
-              <a:cxnSpLocks/>
-            </p:cNvCxnSpPr>
-            <p:nvPr/>
-          </p:nvCxnSpPr>
-          <p:spPr>
-            <a:xfrm flipH="1">
-              <a:off x="2263939" y="5275057"/>
-              <a:ext cx="454649" cy="0"/>
-            </a:xfrm>
-            <a:prstGeom prst="line">
-              <a:avLst/>
-            </a:prstGeom>
-            <a:ln w="28575">
-              <a:solidFill>
-                <a:schemeClr val="accent3"/>
-              </a:solidFill>
-            </a:ln>
-          </p:spPr>
-          <p:style>
-            <a:lnRef idx="1">
-              <a:schemeClr val="accent1"/>
-            </a:lnRef>
-            <a:fillRef idx="0">
-              <a:schemeClr val="accent1"/>
-            </a:fillRef>
-            <a:effectRef idx="0">
-              <a:schemeClr val="accent1"/>
-            </a:effectRef>
-            <a:fontRef idx="minor">
-              <a:schemeClr val="tx1"/>
-            </a:fontRef>
-          </p:style>
-        </p:cxnSp>
-        <p:cxnSp>
-          <p:nvCxnSpPr>
-            <p:cNvPr id="106" name="직선 연결선 105">
-              <a:extLst>
-                <a:ext uri="{FF2B5EF4-FFF2-40B4-BE49-F238E27FC236}">
-                  <a16:creationId xmlns:a16="http://schemas.microsoft.com/office/drawing/2014/main" id="{E936CF17-2BE7-139C-6503-D4ACBE505EEE}"/>
-                </a:ext>
-              </a:extLst>
-            </p:cNvPr>
-            <p:cNvCxnSpPr>
-              <a:cxnSpLocks/>
-            </p:cNvCxnSpPr>
-            <p:nvPr/>
-          </p:nvCxnSpPr>
-          <p:spPr>
-            <a:xfrm flipV="1">
-              <a:off x="2483930" y="4825293"/>
-              <a:ext cx="0" cy="457704"/>
-            </a:xfrm>
-            <a:prstGeom prst="line">
-              <a:avLst/>
-            </a:prstGeom>
-            <a:ln w="28575">
-              <a:solidFill>
-                <a:schemeClr val="accent3"/>
-              </a:solidFill>
-            </a:ln>
-          </p:spPr>
-          <p:style>
-            <a:lnRef idx="1">
-              <a:schemeClr val="accent1"/>
-            </a:lnRef>
-            <a:fillRef idx="0">
-              <a:schemeClr val="accent1"/>
-            </a:fillRef>
-            <a:effectRef idx="0">
-              <a:schemeClr val="accent1"/>
-            </a:effectRef>
-            <a:fontRef idx="minor">
-              <a:schemeClr val="tx1"/>
-            </a:fontRef>
-          </p:style>
-        </p:cxnSp>
-        <p:cxnSp>
-          <p:nvCxnSpPr>
-            <p:cNvPr id="107" name="직선 연결선 106">
-              <a:extLst>
-                <a:ext uri="{FF2B5EF4-FFF2-40B4-BE49-F238E27FC236}">
-                  <a16:creationId xmlns:a16="http://schemas.microsoft.com/office/drawing/2014/main" id="{5281D8C0-B0AA-EEDD-37CA-2CA0F89495F7}"/>
-                </a:ext>
-              </a:extLst>
-            </p:cNvPr>
-            <p:cNvCxnSpPr>
-              <a:cxnSpLocks/>
-            </p:cNvCxnSpPr>
-            <p:nvPr/>
-          </p:nvCxnSpPr>
-          <p:spPr>
-            <a:xfrm flipH="1">
-              <a:off x="2334705" y="5357607"/>
-              <a:ext cx="298450" cy="0"/>
-            </a:xfrm>
-            <a:prstGeom prst="line">
-              <a:avLst/>
-            </a:prstGeom>
-            <a:ln w="28575">
-              <a:solidFill>
-                <a:schemeClr val="accent3"/>
-              </a:solidFill>
-            </a:ln>
-          </p:spPr>
-          <p:style>
-            <a:lnRef idx="1">
-              <a:schemeClr val="accent1"/>
-            </a:lnRef>
-            <a:fillRef idx="0">
-              <a:schemeClr val="accent1"/>
-            </a:fillRef>
-            <a:effectRef idx="0">
-              <a:schemeClr val="accent1"/>
-            </a:effectRef>
-            <a:fontRef idx="minor">
-              <a:schemeClr val="tx1"/>
-            </a:fontRef>
-          </p:style>
-        </p:cxnSp>
-        <p:cxnSp>
-          <p:nvCxnSpPr>
-            <p:cNvPr id="108" name="직선 연결선 107">
-              <a:extLst>
-                <a:ext uri="{FF2B5EF4-FFF2-40B4-BE49-F238E27FC236}">
-                  <a16:creationId xmlns:a16="http://schemas.microsoft.com/office/drawing/2014/main" id="{F2C8C415-C330-8B53-8001-CA0C9ED8BB8C}"/>
-                </a:ext>
-              </a:extLst>
-            </p:cNvPr>
-            <p:cNvCxnSpPr>
-              <a:cxnSpLocks/>
-            </p:cNvCxnSpPr>
-            <p:nvPr/>
-          </p:nvCxnSpPr>
-          <p:spPr>
-            <a:xfrm flipH="1">
-              <a:off x="2418625" y="5446507"/>
-              <a:ext cx="130610" cy="0"/>
-            </a:xfrm>
-            <a:prstGeom prst="line">
-              <a:avLst/>
-            </a:prstGeom>
-            <a:ln w="28575">
-              <a:solidFill>
-                <a:schemeClr val="accent3"/>
-              </a:solidFill>
-            </a:ln>
-          </p:spPr>
-          <p:style>
-            <a:lnRef idx="1">
-              <a:schemeClr val="accent1"/>
-            </a:lnRef>
-            <a:fillRef idx="0">
-              <a:schemeClr val="accent1"/>
-            </a:fillRef>
-            <a:effectRef idx="0">
-              <a:schemeClr val="accent1"/>
-            </a:effectRef>
-            <a:fontRef idx="minor">
-              <a:schemeClr val="tx1"/>
-            </a:fontRef>
-          </p:style>
-        </p:cxnSp>
-      </p:grpSp>
-      <p:grpSp>
-        <p:nvGrpSpPr>
-          <p:cNvPr id="109" name="그룹 108">
-            <a:extLst>
-              <a:ext uri="{FF2B5EF4-FFF2-40B4-BE49-F238E27FC236}">
-                <a16:creationId xmlns:a16="http://schemas.microsoft.com/office/drawing/2014/main" id="{10EDC18A-A528-DB2A-12C5-EA6D5F0CE360}"/>
-              </a:ext>
-            </a:extLst>
-          </p:cNvPr>
-          <p:cNvGrpSpPr/>
-          <p:nvPr/>
-        </p:nvGrpSpPr>
-        <p:grpSpPr>
-          <a:xfrm>
-            <a:off x="254400" y="4825293"/>
+            <a:off x="42799" y="5938819"/>
             <a:ext cx="582585" cy="570174"/>
             <a:chOff x="2355994" y="4825293"/>
             <a:chExt cx="582585" cy="570174"/>
@@ -18120,7 +23273,7 @@
         </p:nvSpPr>
         <p:spPr>
           <a:xfrm>
-            <a:off x="6681195" y="5854574"/>
+            <a:off x="6555045" y="5880435"/>
             <a:ext cx="1661802" cy="369332"/>
           </a:xfrm>
           <a:prstGeom prst="rect">
@@ -18386,6 +23539,142 @@
     <p:extLst>
       <p:ext uri="{BB962C8B-B14F-4D97-AF65-F5344CB8AC3E}">
         <p14:creationId xmlns:p14="http://schemas.microsoft.com/office/powerpoint/2010/main" val="3795358287"/>
+      </p:ext>
+    </p:extLst>
+  </p:cSld>
+  <p:clrMapOvr>
+    <a:masterClrMapping/>
+  </p:clrMapOvr>
+</p:sld>
+</file>
+
+<file path=ppt/slides/slide9.xml><?xml version="1.0" encoding="utf-8"?>
+<p:sld xmlns:a="http://schemas.openxmlformats.org/drawingml/2006/main" xmlns:r="http://schemas.openxmlformats.org/officeDocument/2006/relationships" xmlns:p="http://schemas.openxmlformats.org/presentationml/2006/main">
+  <p:cSld>
+    <p:spTree>
+      <p:nvGrpSpPr>
+        <p:cNvPr id="1" name=""/>
+        <p:cNvGrpSpPr/>
+        <p:nvPr/>
+      </p:nvGrpSpPr>
+      <p:grpSpPr>
+        <a:xfrm>
+          <a:off x="0" y="0"/>
+          <a:ext cx="0" cy="0"/>
+          <a:chOff x="0" y="0"/>
+          <a:chExt cx="0" cy="0"/>
+        </a:xfrm>
+      </p:grpSpPr>
+      <p:sp>
+        <p:nvSpPr>
+          <p:cNvPr id="2" name="제목 1">
+            <a:extLst>
+              <a:ext uri="{FF2B5EF4-FFF2-40B4-BE49-F238E27FC236}">
+                <a16:creationId xmlns:a16="http://schemas.microsoft.com/office/drawing/2014/main" id="{EE399D47-102D-AE4C-1D6B-639CEDA34CD9}"/>
+              </a:ext>
+            </a:extLst>
+          </p:cNvPr>
+          <p:cNvSpPr>
+            <a:spLocks noGrp="1"/>
+          </p:cNvSpPr>
+          <p:nvPr>
+            <p:ph type="title"/>
+          </p:nvPr>
+        </p:nvSpPr>
+        <p:spPr/>
+        <p:txBody>
+          <a:bodyPr/>
+          <a:lstStyle/>
+          <a:p>
+            <a:r>
+              <a:rPr lang="en-US" altLang="ko-KR"/>
+              <a:t>6.25MHz</a:t>
+            </a:r>
+            <a:r>
+              <a:rPr lang="ko-KR" altLang="en-US"/>
+              <a:t> </a:t>
+            </a:r>
+            <a:r>
+              <a:rPr lang="en-US" altLang="ko-KR"/>
+              <a:t>SPI</a:t>
+            </a:r>
+            <a:r>
+              <a:rPr lang="ko-KR" altLang="en-US"/>
+              <a:t> </a:t>
+            </a:r>
+            <a:r>
+              <a:rPr lang="en-US" altLang="ko-KR"/>
+              <a:t>Simulation</a:t>
+            </a:r>
+            <a:endParaRPr lang="ko-KR" altLang="en-US"/>
+          </a:p>
+        </p:txBody>
+      </p:sp>
+      <p:sp>
+        <p:nvSpPr>
+          <p:cNvPr id="4" name="날짜 개체 틀 3">
+            <a:extLst>
+              <a:ext uri="{FF2B5EF4-FFF2-40B4-BE49-F238E27FC236}">
+                <a16:creationId xmlns:a16="http://schemas.microsoft.com/office/drawing/2014/main" id="{44497BD0-D934-9649-ABFF-897467E65404}"/>
+              </a:ext>
+            </a:extLst>
+          </p:cNvPr>
+          <p:cNvSpPr>
+            <a:spLocks noGrp="1"/>
+          </p:cNvSpPr>
+          <p:nvPr>
+            <p:ph type="dt" sz="half" idx="10"/>
+          </p:nvPr>
+        </p:nvSpPr>
+        <p:spPr/>
+        <p:txBody>
+          <a:bodyPr/>
+          <a:lstStyle/>
+          <a:p>
+            <a:r>
+              <a:rPr kumimoji="1" lang="en-US" altLang="ko-KR">
+                <a:ea typeface="Verdana" panose="020B0604030504040204" pitchFamily="34" charset="0"/>
+              </a:rPr>
+              <a:t>2023. 11. 03.</a:t>
+            </a:r>
+            <a:endParaRPr kumimoji="1" lang="ko-Kore-KR" altLang="en-US" dirty="0"/>
+          </a:p>
+        </p:txBody>
+      </p:sp>
+      <p:pic>
+        <p:nvPicPr>
+          <p:cNvPr id="6" name="그림 5">
+            <a:extLst>
+              <a:ext uri="{FF2B5EF4-FFF2-40B4-BE49-F238E27FC236}">
+                <a16:creationId xmlns:a16="http://schemas.microsoft.com/office/drawing/2014/main" id="{D8016C0F-47E7-643C-6FBA-C65DDEC3AF71}"/>
+              </a:ext>
+            </a:extLst>
+          </p:cNvPr>
+          <p:cNvPicPr>
+            <a:picLocks noChangeAspect="1"/>
+          </p:cNvPicPr>
+          <p:nvPr/>
+        </p:nvPicPr>
+        <p:blipFill>
+          <a:blip r:embed="rId2"/>
+          <a:stretch>
+            <a:fillRect/>
+          </a:stretch>
+        </p:blipFill>
+        <p:spPr>
+          <a:xfrm>
+            <a:off x="85344" y="1238087"/>
+            <a:ext cx="7078133" cy="3883528"/>
+          </a:xfrm>
+          <a:prstGeom prst="rect">
+            <a:avLst/>
+          </a:prstGeom>
+        </p:spPr>
+      </p:pic>
+    </p:spTree>
+    <p:extLst>
+      <p:ext uri="{BB962C8B-B14F-4D97-AF65-F5344CB8AC3E}">
+        <p14:creationId xmlns:p14="http://schemas.microsoft.com/office/powerpoint/2010/main" val="3299715876"/>
       </p:ext>
     </p:extLst>
   </p:cSld>

--- a/Document/PPT/DDS_Debugging3.pptx
+++ b/Document/PPT/DDS_Debugging3.pptx
@@ -5,7 +5,7 @@
     <p:sldMasterId id="2147483648" r:id="rId1"/>
   </p:sldMasterIdLst>
   <p:notesMasterIdLst>
-    <p:notesMasterId r:id="rId14"/>
+    <p:notesMasterId r:id="rId15"/>
   </p:notesMasterIdLst>
   <p:sldIdLst>
     <p:sldId id="256" r:id="rId2"/>
@@ -20,6 +20,7 @@
     <p:sldId id="264" r:id="rId11"/>
     <p:sldId id="266" r:id="rId12"/>
     <p:sldId id="267" r:id="rId13"/>
+    <p:sldId id="269" r:id="rId14"/>
   </p:sldIdLst>
   <p:sldSz cx="12192000" cy="6858000"/>
   <p:notesSz cx="6858000" cy="9144000"/>
@@ -211,7 +212,7 @@
           <a:p>
             <a:fld id="{8ECD4658-FC5F-4C4A-9C84-93B50C1C7551}" type="datetimeFigureOut">
               <a:rPr kumimoji="1" lang="ko-Kore-KR" altLang="en-US" smtClean="0"/>
-              <a:t>12/03/2023</a:t>
+              <a:t>12/06/2023</a:t>
             </a:fld>
             <a:endParaRPr kumimoji="1" lang="ko-Kore-KR" altLang="en-US"/>
           </a:p>
@@ -4248,7 +4249,7 @@
         </p:blipFill>
         <p:spPr>
           <a:xfrm>
-            <a:off x="85344" y="1238087"/>
+            <a:off x="1276322" y="1706576"/>
             <a:ext cx="7078133" cy="3883528"/>
           </a:xfrm>
           <a:prstGeom prst="rect">
@@ -4361,7 +4362,7 @@
           <p:nvPr>
             <p:extLst>
               <p:ext uri="{D42A27DB-BD31-4B8C-83A1-F6EECF244321}">
-                <p14:modId xmlns:p14="http://schemas.microsoft.com/office/powerpoint/2010/main" val="2639548614"/>
+                <p14:modId xmlns:p14="http://schemas.microsoft.com/office/powerpoint/2010/main" val="3550973626"/>
               </p:ext>
             </p:extLst>
           </p:nvPr>
@@ -4664,7 +4665,7 @@
                             <a:sysClr val="windowText" lastClr="000000"/>
                           </a:solidFill>
                         </a:rPr>
-                        <a:t>T_SRT</a:t>
+                        <a:t>T_STR</a:t>
                       </a:r>
                       <a:endParaRPr lang="ko-KR" altLang="en-US" b="0" dirty="0">
                         <a:solidFill>
@@ -9739,6 +9740,4538 @@
 </p:sld>
 </file>
 
+<file path=ppt/slides/slide13.xml><?xml version="1.0" encoding="utf-8"?>
+<p:sld xmlns:a="http://schemas.openxmlformats.org/drawingml/2006/main" xmlns:r="http://schemas.openxmlformats.org/officeDocument/2006/relationships" xmlns:p="http://schemas.openxmlformats.org/presentationml/2006/main">
+  <p:cSld>
+    <p:spTree>
+      <p:nvGrpSpPr>
+        <p:cNvPr id="1" name=""/>
+        <p:cNvGrpSpPr/>
+        <p:nvPr/>
+      </p:nvGrpSpPr>
+      <p:grpSpPr>
+        <a:xfrm>
+          <a:off x="0" y="0"/>
+          <a:ext cx="0" cy="0"/>
+          <a:chOff x="0" y="0"/>
+          <a:chExt cx="0" cy="0"/>
+        </a:xfrm>
+      </p:grpSpPr>
+      <p:sp>
+        <p:nvSpPr>
+          <p:cNvPr id="2" name="제목 1">
+            <a:extLst>
+              <a:ext uri="{FF2B5EF4-FFF2-40B4-BE49-F238E27FC236}">
+                <a16:creationId xmlns:a16="http://schemas.microsoft.com/office/drawing/2014/main" id="{2D7B55EC-79E5-E84E-44A5-8F2ED63F28AF}"/>
+              </a:ext>
+            </a:extLst>
+          </p:cNvPr>
+          <p:cNvSpPr>
+            <a:spLocks noGrp="1"/>
+          </p:cNvSpPr>
+          <p:nvPr>
+            <p:ph type="title"/>
+          </p:nvPr>
+        </p:nvSpPr>
+        <p:spPr/>
+        <p:txBody>
+          <a:bodyPr/>
+          <a:lstStyle/>
+          <a:p>
+            <a:r>
+              <a:rPr lang="en-US" altLang="ko-KR"/>
+              <a:t>Trigger</a:t>
+            </a:r>
+            <a:r>
+              <a:rPr lang="ko-KR" altLang="en-US"/>
+              <a:t> </a:t>
+            </a:r>
+            <a:r>
+              <a:rPr lang="en-US" altLang="ko-KR"/>
+              <a:t>Mode</a:t>
+            </a:r>
+            <a:endParaRPr lang="ko-KR" altLang="en-US"/>
+          </a:p>
+        </p:txBody>
+      </p:sp>
+      <p:sp>
+        <p:nvSpPr>
+          <p:cNvPr id="4" name="날짜 개체 틀 3">
+            <a:extLst>
+              <a:ext uri="{FF2B5EF4-FFF2-40B4-BE49-F238E27FC236}">
+                <a16:creationId xmlns:a16="http://schemas.microsoft.com/office/drawing/2014/main" id="{60684B86-6961-F3A7-3B89-EC9E2BA3AA6C}"/>
+              </a:ext>
+            </a:extLst>
+          </p:cNvPr>
+          <p:cNvSpPr>
+            <a:spLocks noGrp="1"/>
+          </p:cNvSpPr>
+          <p:nvPr>
+            <p:ph type="dt" sz="half" idx="10"/>
+          </p:nvPr>
+        </p:nvSpPr>
+        <p:spPr/>
+        <p:txBody>
+          <a:bodyPr/>
+          <a:lstStyle/>
+          <a:p>
+            <a:r>
+              <a:rPr kumimoji="1" lang="en-US" altLang="ko-KR">
+                <a:ea typeface="Verdana" panose="020B0604030504040204" pitchFamily="34" charset="0"/>
+              </a:rPr>
+              <a:t>2023. 11. 03.</a:t>
+            </a:r>
+            <a:endParaRPr kumimoji="1" lang="ko-Kore-KR" altLang="en-US" dirty="0"/>
+          </a:p>
+        </p:txBody>
+      </p:sp>
+      <p:cxnSp>
+        <p:nvCxnSpPr>
+          <p:cNvPr id="6" name="직선 화살표 연결선 5">
+            <a:extLst>
+              <a:ext uri="{FF2B5EF4-FFF2-40B4-BE49-F238E27FC236}">
+                <a16:creationId xmlns:a16="http://schemas.microsoft.com/office/drawing/2014/main" id="{FBBA33B9-FD5D-68D6-00A3-9E82C99C0091}"/>
+              </a:ext>
+            </a:extLst>
+          </p:cNvPr>
+          <p:cNvCxnSpPr/>
+          <p:nvPr/>
+        </p:nvCxnSpPr>
+        <p:spPr>
+          <a:xfrm>
+            <a:off x="219638" y="2342444"/>
+            <a:ext cx="11571606" cy="0"/>
+          </a:xfrm>
+          <a:prstGeom prst="straightConnector1">
+            <a:avLst/>
+          </a:prstGeom>
+          <a:ln>
+            <a:tailEnd type="triangle"/>
+          </a:ln>
+        </p:spPr>
+        <p:style>
+          <a:lnRef idx="1">
+            <a:schemeClr val="dk1"/>
+          </a:lnRef>
+          <a:fillRef idx="0">
+            <a:schemeClr val="dk1"/>
+          </a:fillRef>
+          <a:effectRef idx="0">
+            <a:schemeClr val="dk1"/>
+          </a:effectRef>
+          <a:fontRef idx="minor">
+            <a:schemeClr val="tx1"/>
+          </a:fontRef>
+        </p:style>
+      </p:cxnSp>
+      <p:cxnSp>
+        <p:nvCxnSpPr>
+          <p:cNvPr id="7" name="직선 화살표 연결선 6">
+            <a:extLst>
+              <a:ext uri="{FF2B5EF4-FFF2-40B4-BE49-F238E27FC236}">
+                <a16:creationId xmlns:a16="http://schemas.microsoft.com/office/drawing/2014/main" id="{66A8549A-7965-1E48-6FF0-E291FCBED563}"/>
+              </a:ext>
+            </a:extLst>
+          </p:cNvPr>
+          <p:cNvCxnSpPr/>
+          <p:nvPr/>
+        </p:nvCxnSpPr>
+        <p:spPr>
+          <a:xfrm>
+            <a:off x="219638" y="3584222"/>
+            <a:ext cx="11571606" cy="0"/>
+          </a:xfrm>
+          <a:prstGeom prst="straightConnector1">
+            <a:avLst/>
+          </a:prstGeom>
+          <a:ln>
+            <a:tailEnd type="triangle"/>
+          </a:ln>
+        </p:spPr>
+        <p:style>
+          <a:lnRef idx="1">
+            <a:schemeClr val="dk1"/>
+          </a:lnRef>
+          <a:fillRef idx="0">
+            <a:schemeClr val="dk1"/>
+          </a:fillRef>
+          <a:effectRef idx="0">
+            <a:schemeClr val="dk1"/>
+          </a:effectRef>
+          <a:fontRef idx="minor">
+            <a:schemeClr val="tx1"/>
+          </a:fontRef>
+        </p:style>
+      </p:cxnSp>
+      <p:cxnSp>
+        <p:nvCxnSpPr>
+          <p:cNvPr id="8" name="직선 화살표 연결선 7">
+            <a:extLst>
+              <a:ext uri="{FF2B5EF4-FFF2-40B4-BE49-F238E27FC236}">
+                <a16:creationId xmlns:a16="http://schemas.microsoft.com/office/drawing/2014/main" id="{C5DA73AF-0742-97AB-4FD2-27B542BEA7E6}"/>
+              </a:ext>
+            </a:extLst>
+          </p:cNvPr>
+          <p:cNvCxnSpPr/>
+          <p:nvPr/>
+        </p:nvCxnSpPr>
+        <p:spPr>
+          <a:xfrm>
+            <a:off x="219638" y="4916311"/>
+            <a:ext cx="11571606" cy="0"/>
+          </a:xfrm>
+          <a:prstGeom prst="straightConnector1">
+            <a:avLst/>
+          </a:prstGeom>
+          <a:ln>
+            <a:tailEnd type="triangle"/>
+          </a:ln>
+        </p:spPr>
+        <p:style>
+          <a:lnRef idx="1">
+            <a:schemeClr val="dk1"/>
+          </a:lnRef>
+          <a:fillRef idx="0">
+            <a:schemeClr val="dk1"/>
+          </a:fillRef>
+          <a:effectRef idx="0">
+            <a:schemeClr val="dk1"/>
+          </a:effectRef>
+          <a:fontRef idx="minor">
+            <a:schemeClr val="tx1"/>
+          </a:fontRef>
+        </p:style>
+      </p:cxnSp>
+      <p:cxnSp>
+        <p:nvCxnSpPr>
+          <p:cNvPr id="9" name="직선 화살표 연결선 8">
+            <a:extLst>
+              <a:ext uri="{FF2B5EF4-FFF2-40B4-BE49-F238E27FC236}">
+                <a16:creationId xmlns:a16="http://schemas.microsoft.com/office/drawing/2014/main" id="{5A2AFCDA-7B0D-F2DD-F81D-A13178AF706E}"/>
+              </a:ext>
+            </a:extLst>
+          </p:cNvPr>
+          <p:cNvCxnSpPr/>
+          <p:nvPr/>
+        </p:nvCxnSpPr>
+        <p:spPr>
+          <a:xfrm>
+            <a:off x="219638" y="6073422"/>
+            <a:ext cx="11571606" cy="0"/>
+          </a:xfrm>
+          <a:prstGeom prst="straightConnector1">
+            <a:avLst/>
+          </a:prstGeom>
+          <a:ln>
+            <a:tailEnd type="triangle"/>
+          </a:ln>
+        </p:spPr>
+        <p:style>
+          <a:lnRef idx="1">
+            <a:schemeClr val="dk1"/>
+          </a:lnRef>
+          <a:fillRef idx="0">
+            <a:schemeClr val="dk1"/>
+          </a:fillRef>
+          <a:effectRef idx="0">
+            <a:schemeClr val="dk1"/>
+          </a:effectRef>
+          <a:fontRef idx="minor">
+            <a:schemeClr val="tx1"/>
+          </a:fontRef>
+        </p:style>
+      </p:cxnSp>
+      <p:cxnSp>
+        <p:nvCxnSpPr>
+          <p:cNvPr id="31" name="직선 연결선 30">
+            <a:extLst>
+              <a:ext uri="{FF2B5EF4-FFF2-40B4-BE49-F238E27FC236}">
+                <a16:creationId xmlns:a16="http://schemas.microsoft.com/office/drawing/2014/main" id="{DC5BD9A6-198B-5C32-F63E-BBDB18F04D67}"/>
+              </a:ext>
+            </a:extLst>
+          </p:cNvPr>
+          <p:cNvCxnSpPr/>
+          <p:nvPr/>
+        </p:nvCxnSpPr>
+        <p:spPr>
+          <a:xfrm>
+            <a:off x="902969" y="1428750"/>
+            <a:ext cx="0" cy="4997450"/>
+          </a:xfrm>
+          <a:prstGeom prst="line">
+            <a:avLst/>
+          </a:prstGeom>
+          <a:ln>
+            <a:solidFill>
+              <a:srgbClr val="FF0000"/>
+            </a:solidFill>
+            <a:prstDash val="lgDash"/>
+          </a:ln>
+        </p:spPr>
+        <p:style>
+          <a:lnRef idx="1">
+            <a:schemeClr val="accent1"/>
+          </a:lnRef>
+          <a:fillRef idx="0">
+            <a:schemeClr val="accent1"/>
+          </a:fillRef>
+          <a:effectRef idx="0">
+            <a:schemeClr val="accent1"/>
+          </a:effectRef>
+          <a:fontRef idx="minor">
+            <a:schemeClr val="tx1"/>
+          </a:fontRef>
+        </p:style>
+      </p:cxnSp>
+      <p:cxnSp>
+        <p:nvCxnSpPr>
+          <p:cNvPr id="32" name="직선 연결선 31">
+            <a:extLst>
+              <a:ext uri="{FF2B5EF4-FFF2-40B4-BE49-F238E27FC236}">
+                <a16:creationId xmlns:a16="http://schemas.microsoft.com/office/drawing/2014/main" id="{288D9749-96DA-365F-E7DE-F65A108E2DAB}"/>
+              </a:ext>
+            </a:extLst>
+          </p:cNvPr>
+          <p:cNvCxnSpPr/>
+          <p:nvPr/>
+        </p:nvCxnSpPr>
+        <p:spPr>
+          <a:xfrm>
+            <a:off x="3569969" y="1428750"/>
+            <a:ext cx="0" cy="4997450"/>
+          </a:xfrm>
+          <a:prstGeom prst="line">
+            <a:avLst/>
+          </a:prstGeom>
+          <a:ln>
+            <a:solidFill>
+              <a:srgbClr val="FF0000"/>
+            </a:solidFill>
+            <a:prstDash val="lgDash"/>
+          </a:ln>
+        </p:spPr>
+        <p:style>
+          <a:lnRef idx="1">
+            <a:schemeClr val="accent1"/>
+          </a:lnRef>
+          <a:fillRef idx="0">
+            <a:schemeClr val="accent1"/>
+          </a:fillRef>
+          <a:effectRef idx="0">
+            <a:schemeClr val="accent1"/>
+          </a:effectRef>
+          <a:fontRef idx="minor">
+            <a:schemeClr val="tx1"/>
+          </a:fontRef>
+        </p:style>
+      </p:cxnSp>
+      <p:cxnSp>
+        <p:nvCxnSpPr>
+          <p:cNvPr id="33" name="직선 연결선 32">
+            <a:extLst>
+              <a:ext uri="{FF2B5EF4-FFF2-40B4-BE49-F238E27FC236}">
+                <a16:creationId xmlns:a16="http://schemas.microsoft.com/office/drawing/2014/main" id="{1ABCB409-8801-2E6E-6E12-6C33E65CB2F8}"/>
+              </a:ext>
+            </a:extLst>
+          </p:cNvPr>
+          <p:cNvCxnSpPr/>
+          <p:nvPr/>
+        </p:nvCxnSpPr>
+        <p:spPr>
+          <a:xfrm>
+            <a:off x="5808062" y="1428750"/>
+            <a:ext cx="0" cy="4997450"/>
+          </a:xfrm>
+          <a:prstGeom prst="line">
+            <a:avLst/>
+          </a:prstGeom>
+          <a:ln>
+            <a:solidFill>
+              <a:schemeClr val="accent5"/>
+            </a:solidFill>
+            <a:prstDash val="lgDash"/>
+          </a:ln>
+        </p:spPr>
+        <p:style>
+          <a:lnRef idx="1">
+            <a:schemeClr val="accent1"/>
+          </a:lnRef>
+          <a:fillRef idx="0">
+            <a:schemeClr val="accent1"/>
+          </a:fillRef>
+          <a:effectRef idx="0">
+            <a:schemeClr val="accent1"/>
+          </a:effectRef>
+          <a:fontRef idx="minor">
+            <a:schemeClr val="tx1"/>
+          </a:fontRef>
+        </p:style>
+      </p:cxnSp>
+      <p:cxnSp>
+        <p:nvCxnSpPr>
+          <p:cNvPr id="34" name="직선 연결선 33">
+            <a:extLst>
+              <a:ext uri="{FF2B5EF4-FFF2-40B4-BE49-F238E27FC236}">
+                <a16:creationId xmlns:a16="http://schemas.microsoft.com/office/drawing/2014/main" id="{091C9B0A-E8A8-FEA9-9FB9-6DC201A4097D}"/>
+              </a:ext>
+            </a:extLst>
+          </p:cNvPr>
+          <p:cNvCxnSpPr/>
+          <p:nvPr/>
+        </p:nvCxnSpPr>
+        <p:spPr>
+          <a:xfrm>
+            <a:off x="8487762" y="1428750"/>
+            <a:ext cx="0" cy="4997450"/>
+          </a:xfrm>
+          <a:prstGeom prst="line">
+            <a:avLst/>
+          </a:prstGeom>
+          <a:ln>
+            <a:solidFill>
+              <a:srgbClr val="FF0000"/>
+            </a:solidFill>
+            <a:prstDash val="lgDash"/>
+          </a:ln>
+        </p:spPr>
+        <p:style>
+          <a:lnRef idx="1">
+            <a:schemeClr val="accent1"/>
+          </a:lnRef>
+          <a:fillRef idx="0">
+            <a:schemeClr val="accent1"/>
+          </a:fillRef>
+          <a:effectRef idx="0">
+            <a:schemeClr val="accent1"/>
+          </a:effectRef>
+          <a:fontRef idx="minor">
+            <a:schemeClr val="tx1"/>
+          </a:fontRef>
+        </p:style>
+      </p:cxnSp>
+      <p:cxnSp>
+        <p:nvCxnSpPr>
+          <p:cNvPr id="35" name="직선 연결선 34">
+            <a:extLst>
+              <a:ext uri="{FF2B5EF4-FFF2-40B4-BE49-F238E27FC236}">
+                <a16:creationId xmlns:a16="http://schemas.microsoft.com/office/drawing/2014/main" id="{C666542A-138E-BAE5-3EB8-4FA28E15DBC6}"/>
+              </a:ext>
+            </a:extLst>
+          </p:cNvPr>
+          <p:cNvCxnSpPr/>
+          <p:nvPr/>
+        </p:nvCxnSpPr>
+        <p:spPr>
+          <a:xfrm>
+            <a:off x="2386963" y="1428750"/>
+            <a:ext cx="0" cy="4997450"/>
+          </a:xfrm>
+          <a:prstGeom prst="line">
+            <a:avLst/>
+          </a:prstGeom>
+          <a:ln>
+            <a:solidFill>
+              <a:schemeClr val="accent5"/>
+            </a:solidFill>
+            <a:prstDash val="lgDash"/>
+          </a:ln>
+        </p:spPr>
+        <p:style>
+          <a:lnRef idx="1">
+            <a:schemeClr val="accent1"/>
+          </a:lnRef>
+          <a:fillRef idx="0">
+            <a:schemeClr val="accent1"/>
+          </a:fillRef>
+          <a:effectRef idx="0">
+            <a:schemeClr val="accent1"/>
+          </a:effectRef>
+          <a:fontRef idx="minor">
+            <a:schemeClr val="tx1"/>
+          </a:fontRef>
+        </p:style>
+      </p:cxnSp>
+      <p:cxnSp>
+        <p:nvCxnSpPr>
+          <p:cNvPr id="36" name="직선 연결선 35">
+            <a:extLst>
+              <a:ext uri="{FF2B5EF4-FFF2-40B4-BE49-F238E27FC236}">
+                <a16:creationId xmlns:a16="http://schemas.microsoft.com/office/drawing/2014/main" id="{A5F525F7-3627-90D2-C1AA-C7272542281B}"/>
+              </a:ext>
+            </a:extLst>
+          </p:cNvPr>
+          <p:cNvCxnSpPr/>
+          <p:nvPr/>
+        </p:nvCxnSpPr>
+        <p:spPr>
+          <a:xfrm>
+            <a:off x="10738555" y="1428750"/>
+            <a:ext cx="0" cy="4997450"/>
+          </a:xfrm>
+          <a:prstGeom prst="line">
+            <a:avLst/>
+          </a:prstGeom>
+          <a:ln>
+            <a:solidFill>
+              <a:schemeClr val="accent5"/>
+            </a:solidFill>
+            <a:prstDash val="lgDash"/>
+          </a:ln>
+        </p:spPr>
+        <p:style>
+          <a:lnRef idx="1">
+            <a:schemeClr val="accent1"/>
+          </a:lnRef>
+          <a:fillRef idx="0">
+            <a:schemeClr val="accent1"/>
+          </a:fillRef>
+          <a:effectRef idx="0">
+            <a:schemeClr val="accent1"/>
+          </a:effectRef>
+          <a:fontRef idx="minor">
+            <a:schemeClr val="tx1"/>
+          </a:fontRef>
+        </p:style>
+      </p:cxnSp>
+      <p:sp>
+        <p:nvSpPr>
+          <p:cNvPr id="37" name="TextBox 36">
+            <a:extLst>
+              <a:ext uri="{FF2B5EF4-FFF2-40B4-BE49-F238E27FC236}">
+                <a16:creationId xmlns:a16="http://schemas.microsoft.com/office/drawing/2014/main" id="{0F64834D-0ECF-1218-98FA-13FFA706B7F3}"/>
+              </a:ext>
+            </a:extLst>
+          </p:cNvPr>
+          <p:cNvSpPr txBox="1"/>
+          <p:nvPr/>
+        </p:nvSpPr>
+        <p:spPr>
+          <a:xfrm>
+            <a:off x="140333" y="2046366"/>
+            <a:ext cx="632289" cy="369332"/>
+          </a:xfrm>
+          <a:prstGeom prst="rect">
+            <a:avLst/>
+          </a:prstGeom>
+          <a:noFill/>
+        </p:spPr>
+        <p:txBody>
+          <a:bodyPr wrap="none" rtlCol="0">
+            <a:spAutoFit/>
+          </a:bodyPr>
+          <a:lstStyle/>
+          <a:p>
+            <a:r>
+              <a:rPr lang="en-US" altLang="ko-KR"/>
+              <a:t>Start</a:t>
+            </a:r>
+            <a:endParaRPr lang="ko-KR" altLang="en-US"/>
+          </a:p>
+        </p:txBody>
+      </p:sp>
+      <p:sp>
+        <p:nvSpPr>
+          <p:cNvPr id="38" name="TextBox 37">
+            <a:extLst>
+              <a:ext uri="{FF2B5EF4-FFF2-40B4-BE49-F238E27FC236}">
+                <a16:creationId xmlns:a16="http://schemas.microsoft.com/office/drawing/2014/main" id="{82E6E281-7D94-F0D1-D454-EB8C700963EB}"/>
+              </a:ext>
+            </a:extLst>
+          </p:cNvPr>
+          <p:cNvSpPr txBox="1"/>
+          <p:nvPr/>
+        </p:nvSpPr>
+        <p:spPr>
+          <a:xfrm>
+            <a:off x="140333" y="3247249"/>
+            <a:ext cx="608821" cy="369332"/>
+          </a:xfrm>
+          <a:prstGeom prst="rect">
+            <a:avLst/>
+          </a:prstGeom>
+          <a:noFill/>
+        </p:spPr>
+        <p:txBody>
+          <a:bodyPr wrap="none" rtlCol="0">
+            <a:spAutoFit/>
+          </a:bodyPr>
+          <a:lstStyle/>
+          <a:p>
+            <a:r>
+              <a:rPr lang="en-US" altLang="ko-KR"/>
+              <a:t>Stop</a:t>
+            </a:r>
+            <a:endParaRPr lang="ko-KR" altLang="en-US"/>
+          </a:p>
+        </p:txBody>
+      </p:sp>
+      <p:sp>
+        <p:nvSpPr>
+          <p:cNvPr id="39" name="TextBox 38">
+            <a:extLst>
+              <a:ext uri="{FF2B5EF4-FFF2-40B4-BE49-F238E27FC236}">
+                <a16:creationId xmlns:a16="http://schemas.microsoft.com/office/drawing/2014/main" id="{1C042352-67C2-0B18-6B8B-B17E2FDC212B}"/>
+              </a:ext>
+            </a:extLst>
+          </p:cNvPr>
+          <p:cNvSpPr txBox="1"/>
+          <p:nvPr/>
+        </p:nvSpPr>
+        <p:spPr>
+          <a:xfrm>
+            <a:off x="140333" y="4589025"/>
+            <a:ext cx="796500" cy="369332"/>
+          </a:xfrm>
+          <a:prstGeom prst="rect">
+            <a:avLst/>
+          </a:prstGeom>
+          <a:noFill/>
+        </p:spPr>
+        <p:txBody>
+          <a:bodyPr wrap="none" rtlCol="0">
+            <a:spAutoFit/>
+          </a:bodyPr>
+          <a:lstStyle/>
+          <a:p>
+            <a:r>
+              <a:rPr lang="en-US" altLang="ko-KR"/>
+              <a:t>profile</a:t>
+            </a:r>
+            <a:endParaRPr lang="ko-KR" altLang="en-US"/>
+          </a:p>
+        </p:txBody>
+      </p:sp>
+      <p:sp>
+        <p:nvSpPr>
+          <p:cNvPr id="40" name="TextBox 39">
+            <a:extLst>
+              <a:ext uri="{FF2B5EF4-FFF2-40B4-BE49-F238E27FC236}">
+                <a16:creationId xmlns:a16="http://schemas.microsoft.com/office/drawing/2014/main" id="{E6BA9E15-531C-F0F5-C18D-B8FCB61BCA23}"/>
+              </a:ext>
+            </a:extLst>
+          </p:cNvPr>
+          <p:cNvSpPr txBox="1"/>
+          <p:nvPr/>
+        </p:nvSpPr>
+        <p:spPr>
+          <a:xfrm>
+            <a:off x="-57606" y="5433052"/>
+            <a:ext cx="1192378" cy="369332"/>
+          </a:xfrm>
+          <a:prstGeom prst="rect">
+            <a:avLst/>
+          </a:prstGeom>
+          <a:noFill/>
+        </p:spPr>
+        <p:txBody>
+          <a:bodyPr wrap="none" rtlCol="0">
+            <a:spAutoFit/>
+          </a:bodyPr>
+          <a:lstStyle/>
+          <a:p>
+            <a:r>
+              <a:rPr lang="en-US" altLang="ko-KR"/>
+              <a:t>timestamp</a:t>
+            </a:r>
+            <a:endParaRPr lang="ko-KR" altLang="en-US"/>
+          </a:p>
+        </p:txBody>
+      </p:sp>
+      <p:sp>
+        <p:nvSpPr>
+          <p:cNvPr id="48" name="사다리꼴 47">
+            <a:extLst>
+              <a:ext uri="{FF2B5EF4-FFF2-40B4-BE49-F238E27FC236}">
+                <a16:creationId xmlns:a16="http://schemas.microsoft.com/office/drawing/2014/main" id="{544B343D-6A2F-536C-6F96-F3807C7269E5}"/>
+              </a:ext>
+            </a:extLst>
+          </p:cNvPr>
+          <p:cNvSpPr/>
+          <p:nvPr/>
+        </p:nvSpPr>
+        <p:spPr>
+          <a:xfrm>
+            <a:off x="902970" y="5747738"/>
+            <a:ext cx="385616" cy="325684"/>
+          </a:xfrm>
+          <a:prstGeom prst="trapezoid">
+            <a:avLst>
+              <a:gd name="adj" fmla="val 35236"/>
+            </a:avLst>
+          </a:prstGeom>
+          <a:noFill/>
+          <a:ln>
+            <a:solidFill>
+              <a:schemeClr val="tx1"/>
+            </a:solidFill>
+          </a:ln>
+        </p:spPr>
+        <p:style>
+          <a:lnRef idx="2">
+            <a:schemeClr val="accent1">
+              <a:shade val="15000"/>
+            </a:schemeClr>
+          </a:lnRef>
+          <a:fillRef idx="1">
+            <a:schemeClr val="accent1"/>
+          </a:fillRef>
+          <a:effectRef idx="0">
+            <a:schemeClr val="accent1"/>
+          </a:effectRef>
+          <a:fontRef idx="minor">
+            <a:schemeClr val="lt1"/>
+          </a:fontRef>
+        </p:style>
+        <p:txBody>
+          <a:bodyPr rtlCol="0" anchor="ctr"/>
+          <a:lstStyle/>
+          <a:p>
+            <a:pPr algn="ctr"/>
+            <a:endParaRPr lang="ko-KR" altLang="en-US">
+              <a:solidFill>
+                <a:schemeClr val="tx1"/>
+              </a:solidFill>
+            </a:endParaRPr>
+          </a:p>
+        </p:txBody>
+      </p:sp>
+      <p:sp>
+        <p:nvSpPr>
+          <p:cNvPr id="49" name="사다리꼴 48">
+            <a:extLst>
+              <a:ext uri="{FF2B5EF4-FFF2-40B4-BE49-F238E27FC236}">
+                <a16:creationId xmlns:a16="http://schemas.microsoft.com/office/drawing/2014/main" id="{62A6CD8B-7866-B07E-940C-9D1EE270D293}"/>
+              </a:ext>
+            </a:extLst>
+          </p:cNvPr>
+          <p:cNvSpPr/>
+          <p:nvPr/>
+        </p:nvSpPr>
+        <p:spPr>
+          <a:xfrm rot="10800000">
+            <a:off x="902970" y="6073422"/>
+            <a:ext cx="385616" cy="325684"/>
+          </a:xfrm>
+          <a:prstGeom prst="trapezoid">
+            <a:avLst>
+              <a:gd name="adj" fmla="val 35236"/>
+            </a:avLst>
+          </a:prstGeom>
+          <a:noFill/>
+          <a:ln>
+            <a:solidFill>
+              <a:schemeClr val="tx1"/>
+            </a:solidFill>
+          </a:ln>
+        </p:spPr>
+        <p:style>
+          <a:lnRef idx="2">
+            <a:schemeClr val="accent1">
+              <a:shade val="15000"/>
+            </a:schemeClr>
+          </a:lnRef>
+          <a:fillRef idx="1">
+            <a:schemeClr val="accent1"/>
+          </a:fillRef>
+          <a:effectRef idx="0">
+            <a:schemeClr val="accent1"/>
+          </a:effectRef>
+          <a:fontRef idx="minor">
+            <a:schemeClr val="lt1"/>
+          </a:fontRef>
+        </p:style>
+        <p:txBody>
+          <a:bodyPr rtlCol="0" anchor="ctr"/>
+          <a:lstStyle/>
+          <a:p>
+            <a:pPr algn="ctr"/>
+            <a:endParaRPr lang="ko-KR" altLang="en-US">
+              <a:solidFill>
+                <a:schemeClr val="tx1"/>
+              </a:solidFill>
+            </a:endParaRPr>
+          </a:p>
+        </p:txBody>
+      </p:sp>
+      <p:sp>
+        <p:nvSpPr>
+          <p:cNvPr id="63" name="사다리꼴 62">
+            <a:extLst>
+              <a:ext uri="{FF2B5EF4-FFF2-40B4-BE49-F238E27FC236}">
+                <a16:creationId xmlns:a16="http://schemas.microsoft.com/office/drawing/2014/main" id="{8E4A4C86-E842-5FCD-5541-149F0D921448}"/>
+              </a:ext>
+            </a:extLst>
+          </p:cNvPr>
+          <p:cNvSpPr/>
+          <p:nvPr/>
+        </p:nvSpPr>
+        <p:spPr>
+          <a:xfrm>
+            <a:off x="1298344" y="5747738"/>
+            <a:ext cx="385616" cy="325684"/>
+          </a:xfrm>
+          <a:prstGeom prst="trapezoid">
+            <a:avLst>
+              <a:gd name="adj" fmla="val 35236"/>
+            </a:avLst>
+          </a:prstGeom>
+          <a:noFill/>
+          <a:ln>
+            <a:solidFill>
+              <a:schemeClr val="tx1"/>
+            </a:solidFill>
+          </a:ln>
+        </p:spPr>
+        <p:style>
+          <a:lnRef idx="2">
+            <a:schemeClr val="accent1">
+              <a:shade val="15000"/>
+            </a:schemeClr>
+          </a:lnRef>
+          <a:fillRef idx="1">
+            <a:schemeClr val="accent1"/>
+          </a:fillRef>
+          <a:effectRef idx="0">
+            <a:schemeClr val="accent1"/>
+          </a:effectRef>
+          <a:fontRef idx="minor">
+            <a:schemeClr val="lt1"/>
+          </a:fontRef>
+        </p:style>
+        <p:txBody>
+          <a:bodyPr rtlCol="0" anchor="ctr"/>
+          <a:lstStyle/>
+          <a:p>
+            <a:pPr algn="ctr"/>
+            <a:endParaRPr lang="ko-KR" altLang="en-US">
+              <a:solidFill>
+                <a:schemeClr val="tx1"/>
+              </a:solidFill>
+            </a:endParaRPr>
+          </a:p>
+        </p:txBody>
+      </p:sp>
+      <p:sp>
+        <p:nvSpPr>
+          <p:cNvPr id="64" name="사다리꼴 63">
+            <a:extLst>
+              <a:ext uri="{FF2B5EF4-FFF2-40B4-BE49-F238E27FC236}">
+                <a16:creationId xmlns:a16="http://schemas.microsoft.com/office/drawing/2014/main" id="{8FE42F89-145C-76BA-2B41-E213F5D30FB7}"/>
+              </a:ext>
+            </a:extLst>
+          </p:cNvPr>
+          <p:cNvSpPr/>
+          <p:nvPr/>
+        </p:nvSpPr>
+        <p:spPr>
+          <a:xfrm rot="10800000">
+            <a:off x="1298344" y="6073422"/>
+            <a:ext cx="385616" cy="325684"/>
+          </a:xfrm>
+          <a:prstGeom prst="trapezoid">
+            <a:avLst>
+              <a:gd name="adj" fmla="val 35236"/>
+            </a:avLst>
+          </a:prstGeom>
+          <a:noFill/>
+          <a:ln>
+            <a:solidFill>
+              <a:schemeClr val="tx1"/>
+            </a:solidFill>
+          </a:ln>
+        </p:spPr>
+        <p:style>
+          <a:lnRef idx="2">
+            <a:schemeClr val="accent1">
+              <a:shade val="15000"/>
+            </a:schemeClr>
+          </a:lnRef>
+          <a:fillRef idx="1">
+            <a:schemeClr val="accent1"/>
+          </a:fillRef>
+          <a:effectRef idx="0">
+            <a:schemeClr val="accent1"/>
+          </a:effectRef>
+          <a:fontRef idx="minor">
+            <a:schemeClr val="lt1"/>
+          </a:fontRef>
+        </p:style>
+        <p:txBody>
+          <a:bodyPr rtlCol="0" anchor="ctr"/>
+          <a:lstStyle/>
+          <a:p>
+            <a:pPr algn="ctr"/>
+            <a:endParaRPr lang="ko-KR" altLang="en-US">
+              <a:solidFill>
+                <a:schemeClr val="tx1"/>
+              </a:solidFill>
+            </a:endParaRPr>
+          </a:p>
+        </p:txBody>
+      </p:sp>
+      <p:sp>
+        <p:nvSpPr>
+          <p:cNvPr id="66" name="사다리꼴 65">
+            <a:extLst>
+              <a:ext uri="{FF2B5EF4-FFF2-40B4-BE49-F238E27FC236}">
+                <a16:creationId xmlns:a16="http://schemas.microsoft.com/office/drawing/2014/main" id="{B6802950-B758-3EC1-885A-1F4E7A1BEDF1}"/>
+              </a:ext>
+            </a:extLst>
+          </p:cNvPr>
+          <p:cNvSpPr/>
+          <p:nvPr/>
+        </p:nvSpPr>
+        <p:spPr>
+          <a:xfrm>
+            <a:off x="1683961" y="5747738"/>
+            <a:ext cx="385616" cy="325684"/>
+          </a:xfrm>
+          <a:prstGeom prst="trapezoid">
+            <a:avLst>
+              <a:gd name="adj" fmla="val 35236"/>
+            </a:avLst>
+          </a:prstGeom>
+          <a:noFill/>
+          <a:ln>
+            <a:solidFill>
+              <a:schemeClr val="tx1"/>
+            </a:solidFill>
+          </a:ln>
+        </p:spPr>
+        <p:style>
+          <a:lnRef idx="2">
+            <a:schemeClr val="accent1">
+              <a:shade val="15000"/>
+            </a:schemeClr>
+          </a:lnRef>
+          <a:fillRef idx="1">
+            <a:schemeClr val="accent1"/>
+          </a:fillRef>
+          <a:effectRef idx="0">
+            <a:schemeClr val="accent1"/>
+          </a:effectRef>
+          <a:fontRef idx="minor">
+            <a:schemeClr val="lt1"/>
+          </a:fontRef>
+        </p:style>
+        <p:txBody>
+          <a:bodyPr rtlCol="0" anchor="ctr"/>
+          <a:lstStyle/>
+          <a:p>
+            <a:pPr algn="ctr"/>
+            <a:endParaRPr lang="ko-KR" altLang="en-US">
+              <a:solidFill>
+                <a:schemeClr val="tx1"/>
+              </a:solidFill>
+            </a:endParaRPr>
+          </a:p>
+        </p:txBody>
+      </p:sp>
+      <p:sp>
+        <p:nvSpPr>
+          <p:cNvPr id="67" name="사다리꼴 66">
+            <a:extLst>
+              <a:ext uri="{FF2B5EF4-FFF2-40B4-BE49-F238E27FC236}">
+                <a16:creationId xmlns:a16="http://schemas.microsoft.com/office/drawing/2014/main" id="{01B649FE-4358-4133-B60E-1AB5AD1E743E}"/>
+              </a:ext>
+            </a:extLst>
+          </p:cNvPr>
+          <p:cNvSpPr/>
+          <p:nvPr/>
+        </p:nvSpPr>
+        <p:spPr>
+          <a:xfrm rot="10800000">
+            <a:off x="1683961" y="6073422"/>
+            <a:ext cx="385616" cy="325684"/>
+          </a:xfrm>
+          <a:prstGeom prst="trapezoid">
+            <a:avLst>
+              <a:gd name="adj" fmla="val 35236"/>
+            </a:avLst>
+          </a:prstGeom>
+          <a:noFill/>
+          <a:ln>
+            <a:solidFill>
+              <a:schemeClr val="tx1"/>
+            </a:solidFill>
+          </a:ln>
+        </p:spPr>
+        <p:style>
+          <a:lnRef idx="2">
+            <a:schemeClr val="accent1">
+              <a:shade val="15000"/>
+            </a:schemeClr>
+          </a:lnRef>
+          <a:fillRef idx="1">
+            <a:schemeClr val="accent1"/>
+          </a:fillRef>
+          <a:effectRef idx="0">
+            <a:schemeClr val="accent1"/>
+          </a:effectRef>
+          <a:fontRef idx="minor">
+            <a:schemeClr val="lt1"/>
+          </a:fontRef>
+        </p:style>
+        <p:txBody>
+          <a:bodyPr rtlCol="0" anchor="ctr"/>
+          <a:lstStyle/>
+          <a:p>
+            <a:pPr algn="ctr"/>
+            <a:endParaRPr lang="ko-KR" altLang="en-US">
+              <a:solidFill>
+                <a:schemeClr val="tx1"/>
+              </a:solidFill>
+            </a:endParaRPr>
+          </a:p>
+        </p:txBody>
+      </p:sp>
+      <p:sp>
+        <p:nvSpPr>
+          <p:cNvPr id="69" name="사다리꼴 68">
+            <a:extLst>
+              <a:ext uri="{FF2B5EF4-FFF2-40B4-BE49-F238E27FC236}">
+                <a16:creationId xmlns:a16="http://schemas.microsoft.com/office/drawing/2014/main" id="{352735C7-1860-3A23-FCB0-E56D6392DBD8}"/>
+              </a:ext>
+            </a:extLst>
+          </p:cNvPr>
+          <p:cNvSpPr/>
+          <p:nvPr/>
+        </p:nvSpPr>
+        <p:spPr>
+          <a:xfrm>
+            <a:off x="2058956" y="5747738"/>
+            <a:ext cx="328009" cy="325684"/>
+          </a:xfrm>
+          <a:prstGeom prst="trapezoid">
+            <a:avLst>
+              <a:gd name="adj" fmla="val 35236"/>
+            </a:avLst>
+          </a:prstGeom>
+          <a:noFill/>
+          <a:ln>
+            <a:solidFill>
+              <a:schemeClr val="tx1"/>
+            </a:solidFill>
+          </a:ln>
+        </p:spPr>
+        <p:style>
+          <a:lnRef idx="2">
+            <a:schemeClr val="accent1">
+              <a:shade val="15000"/>
+            </a:schemeClr>
+          </a:lnRef>
+          <a:fillRef idx="1">
+            <a:schemeClr val="accent1"/>
+          </a:fillRef>
+          <a:effectRef idx="0">
+            <a:schemeClr val="accent1"/>
+          </a:effectRef>
+          <a:fontRef idx="minor">
+            <a:schemeClr val="lt1"/>
+          </a:fontRef>
+        </p:style>
+        <p:txBody>
+          <a:bodyPr rtlCol="0" anchor="ctr"/>
+          <a:lstStyle/>
+          <a:p>
+            <a:pPr algn="ctr"/>
+            <a:endParaRPr lang="ko-KR" altLang="en-US">
+              <a:solidFill>
+                <a:schemeClr val="tx1"/>
+              </a:solidFill>
+            </a:endParaRPr>
+          </a:p>
+        </p:txBody>
+      </p:sp>
+      <p:sp>
+        <p:nvSpPr>
+          <p:cNvPr id="70" name="사다리꼴 69">
+            <a:extLst>
+              <a:ext uri="{FF2B5EF4-FFF2-40B4-BE49-F238E27FC236}">
+                <a16:creationId xmlns:a16="http://schemas.microsoft.com/office/drawing/2014/main" id="{43524AC6-D4EB-C992-206E-EF7E03B8D6B7}"/>
+              </a:ext>
+            </a:extLst>
+          </p:cNvPr>
+          <p:cNvSpPr/>
+          <p:nvPr/>
+        </p:nvSpPr>
+        <p:spPr>
+          <a:xfrm rot="10800000">
+            <a:off x="2058956" y="6073422"/>
+            <a:ext cx="328009" cy="325684"/>
+          </a:xfrm>
+          <a:prstGeom prst="trapezoid">
+            <a:avLst>
+              <a:gd name="adj" fmla="val 35236"/>
+            </a:avLst>
+          </a:prstGeom>
+          <a:noFill/>
+          <a:ln>
+            <a:solidFill>
+              <a:schemeClr val="tx1"/>
+            </a:solidFill>
+          </a:ln>
+        </p:spPr>
+        <p:style>
+          <a:lnRef idx="2">
+            <a:schemeClr val="accent1">
+              <a:shade val="15000"/>
+            </a:schemeClr>
+          </a:lnRef>
+          <a:fillRef idx="1">
+            <a:schemeClr val="accent1"/>
+          </a:fillRef>
+          <a:effectRef idx="0">
+            <a:schemeClr val="accent1"/>
+          </a:effectRef>
+          <a:fontRef idx="minor">
+            <a:schemeClr val="lt1"/>
+          </a:fontRef>
+        </p:style>
+        <p:txBody>
+          <a:bodyPr rtlCol="0" anchor="ctr"/>
+          <a:lstStyle/>
+          <a:p>
+            <a:pPr algn="ctr"/>
+            <a:endParaRPr lang="ko-KR" altLang="en-US">
+              <a:solidFill>
+                <a:schemeClr val="tx1"/>
+              </a:solidFill>
+            </a:endParaRPr>
+          </a:p>
+        </p:txBody>
+      </p:sp>
+      <p:sp>
+        <p:nvSpPr>
+          <p:cNvPr id="72" name="사다리꼴 71">
+            <a:extLst>
+              <a:ext uri="{FF2B5EF4-FFF2-40B4-BE49-F238E27FC236}">
+                <a16:creationId xmlns:a16="http://schemas.microsoft.com/office/drawing/2014/main" id="{9B476C14-BD98-8B7B-8B52-35172B493006}"/>
+              </a:ext>
+            </a:extLst>
+          </p:cNvPr>
+          <p:cNvSpPr/>
+          <p:nvPr/>
+        </p:nvSpPr>
+        <p:spPr>
+          <a:xfrm>
+            <a:off x="3582669" y="5747738"/>
+            <a:ext cx="385616" cy="325684"/>
+          </a:xfrm>
+          <a:prstGeom prst="trapezoid">
+            <a:avLst>
+              <a:gd name="adj" fmla="val 35236"/>
+            </a:avLst>
+          </a:prstGeom>
+          <a:noFill/>
+          <a:ln>
+            <a:solidFill>
+              <a:schemeClr val="tx1"/>
+            </a:solidFill>
+          </a:ln>
+        </p:spPr>
+        <p:style>
+          <a:lnRef idx="2">
+            <a:schemeClr val="accent1">
+              <a:shade val="15000"/>
+            </a:schemeClr>
+          </a:lnRef>
+          <a:fillRef idx="1">
+            <a:schemeClr val="accent1"/>
+          </a:fillRef>
+          <a:effectRef idx="0">
+            <a:schemeClr val="accent1"/>
+          </a:effectRef>
+          <a:fontRef idx="minor">
+            <a:schemeClr val="lt1"/>
+          </a:fontRef>
+        </p:style>
+        <p:txBody>
+          <a:bodyPr rtlCol="0" anchor="ctr"/>
+          <a:lstStyle/>
+          <a:p>
+            <a:pPr algn="ctr"/>
+            <a:endParaRPr lang="ko-KR" altLang="en-US">
+              <a:solidFill>
+                <a:schemeClr val="tx1"/>
+              </a:solidFill>
+            </a:endParaRPr>
+          </a:p>
+        </p:txBody>
+      </p:sp>
+      <p:sp>
+        <p:nvSpPr>
+          <p:cNvPr id="73" name="사다리꼴 72">
+            <a:extLst>
+              <a:ext uri="{FF2B5EF4-FFF2-40B4-BE49-F238E27FC236}">
+                <a16:creationId xmlns:a16="http://schemas.microsoft.com/office/drawing/2014/main" id="{C4587BBC-C193-99B0-089C-E56371D304BE}"/>
+              </a:ext>
+            </a:extLst>
+          </p:cNvPr>
+          <p:cNvSpPr/>
+          <p:nvPr/>
+        </p:nvSpPr>
+        <p:spPr>
+          <a:xfrm rot="10800000">
+            <a:off x="3582669" y="6073422"/>
+            <a:ext cx="385616" cy="325684"/>
+          </a:xfrm>
+          <a:prstGeom prst="trapezoid">
+            <a:avLst>
+              <a:gd name="adj" fmla="val 35236"/>
+            </a:avLst>
+          </a:prstGeom>
+          <a:noFill/>
+          <a:ln>
+            <a:solidFill>
+              <a:schemeClr val="tx1"/>
+            </a:solidFill>
+          </a:ln>
+        </p:spPr>
+        <p:style>
+          <a:lnRef idx="2">
+            <a:schemeClr val="accent1">
+              <a:shade val="15000"/>
+            </a:schemeClr>
+          </a:lnRef>
+          <a:fillRef idx="1">
+            <a:schemeClr val="accent1"/>
+          </a:fillRef>
+          <a:effectRef idx="0">
+            <a:schemeClr val="accent1"/>
+          </a:effectRef>
+          <a:fontRef idx="minor">
+            <a:schemeClr val="lt1"/>
+          </a:fontRef>
+        </p:style>
+        <p:txBody>
+          <a:bodyPr rtlCol="0" anchor="ctr"/>
+          <a:lstStyle/>
+          <a:p>
+            <a:pPr algn="ctr"/>
+            <a:endParaRPr lang="ko-KR" altLang="en-US">
+              <a:solidFill>
+                <a:schemeClr val="tx1"/>
+              </a:solidFill>
+            </a:endParaRPr>
+          </a:p>
+        </p:txBody>
+      </p:sp>
+      <p:sp>
+        <p:nvSpPr>
+          <p:cNvPr id="75" name="사다리꼴 74">
+            <a:extLst>
+              <a:ext uri="{FF2B5EF4-FFF2-40B4-BE49-F238E27FC236}">
+                <a16:creationId xmlns:a16="http://schemas.microsoft.com/office/drawing/2014/main" id="{4524ED4A-CA52-0105-EDF9-684189D4A8CD}"/>
+              </a:ext>
+            </a:extLst>
+          </p:cNvPr>
+          <p:cNvSpPr/>
+          <p:nvPr/>
+        </p:nvSpPr>
+        <p:spPr>
+          <a:xfrm>
+            <a:off x="3978043" y="5747738"/>
+            <a:ext cx="385616" cy="325684"/>
+          </a:xfrm>
+          <a:prstGeom prst="trapezoid">
+            <a:avLst>
+              <a:gd name="adj" fmla="val 35236"/>
+            </a:avLst>
+          </a:prstGeom>
+          <a:noFill/>
+          <a:ln>
+            <a:solidFill>
+              <a:schemeClr val="tx1"/>
+            </a:solidFill>
+          </a:ln>
+        </p:spPr>
+        <p:style>
+          <a:lnRef idx="2">
+            <a:schemeClr val="accent1">
+              <a:shade val="15000"/>
+            </a:schemeClr>
+          </a:lnRef>
+          <a:fillRef idx="1">
+            <a:schemeClr val="accent1"/>
+          </a:fillRef>
+          <a:effectRef idx="0">
+            <a:schemeClr val="accent1"/>
+          </a:effectRef>
+          <a:fontRef idx="minor">
+            <a:schemeClr val="lt1"/>
+          </a:fontRef>
+        </p:style>
+        <p:txBody>
+          <a:bodyPr rtlCol="0" anchor="ctr"/>
+          <a:lstStyle/>
+          <a:p>
+            <a:pPr algn="ctr"/>
+            <a:endParaRPr lang="ko-KR" altLang="en-US">
+              <a:solidFill>
+                <a:schemeClr val="tx1"/>
+              </a:solidFill>
+            </a:endParaRPr>
+          </a:p>
+        </p:txBody>
+      </p:sp>
+      <p:sp>
+        <p:nvSpPr>
+          <p:cNvPr id="76" name="사다리꼴 75">
+            <a:extLst>
+              <a:ext uri="{FF2B5EF4-FFF2-40B4-BE49-F238E27FC236}">
+                <a16:creationId xmlns:a16="http://schemas.microsoft.com/office/drawing/2014/main" id="{6C260D49-D4E6-71EF-C28E-078FCDEBB157}"/>
+              </a:ext>
+            </a:extLst>
+          </p:cNvPr>
+          <p:cNvSpPr/>
+          <p:nvPr/>
+        </p:nvSpPr>
+        <p:spPr>
+          <a:xfrm rot="10800000">
+            <a:off x="3978043" y="6073422"/>
+            <a:ext cx="385616" cy="325684"/>
+          </a:xfrm>
+          <a:prstGeom prst="trapezoid">
+            <a:avLst>
+              <a:gd name="adj" fmla="val 35236"/>
+            </a:avLst>
+          </a:prstGeom>
+          <a:noFill/>
+          <a:ln>
+            <a:solidFill>
+              <a:schemeClr val="tx1"/>
+            </a:solidFill>
+          </a:ln>
+        </p:spPr>
+        <p:style>
+          <a:lnRef idx="2">
+            <a:schemeClr val="accent1">
+              <a:shade val="15000"/>
+            </a:schemeClr>
+          </a:lnRef>
+          <a:fillRef idx="1">
+            <a:schemeClr val="accent1"/>
+          </a:fillRef>
+          <a:effectRef idx="0">
+            <a:schemeClr val="accent1"/>
+          </a:effectRef>
+          <a:fontRef idx="minor">
+            <a:schemeClr val="lt1"/>
+          </a:fontRef>
+        </p:style>
+        <p:txBody>
+          <a:bodyPr rtlCol="0" anchor="ctr"/>
+          <a:lstStyle/>
+          <a:p>
+            <a:pPr algn="ctr"/>
+            <a:endParaRPr lang="ko-KR" altLang="en-US">
+              <a:solidFill>
+                <a:schemeClr val="tx1"/>
+              </a:solidFill>
+            </a:endParaRPr>
+          </a:p>
+        </p:txBody>
+      </p:sp>
+      <p:sp>
+        <p:nvSpPr>
+          <p:cNvPr id="78" name="사다리꼴 77">
+            <a:extLst>
+              <a:ext uri="{FF2B5EF4-FFF2-40B4-BE49-F238E27FC236}">
+                <a16:creationId xmlns:a16="http://schemas.microsoft.com/office/drawing/2014/main" id="{7579A69E-C45A-B702-28F2-15D66F9ECC26}"/>
+              </a:ext>
+            </a:extLst>
+          </p:cNvPr>
+          <p:cNvSpPr/>
+          <p:nvPr/>
+        </p:nvSpPr>
+        <p:spPr>
+          <a:xfrm>
+            <a:off x="4363660" y="5747738"/>
+            <a:ext cx="385616" cy="325684"/>
+          </a:xfrm>
+          <a:prstGeom prst="trapezoid">
+            <a:avLst>
+              <a:gd name="adj" fmla="val 35236"/>
+            </a:avLst>
+          </a:prstGeom>
+          <a:noFill/>
+          <a:ln>
+            <a:solidFill>
+              <a:schemeClr val="tx1"/>
+            </a:solidFill>
+          </a:ln>
+        </p:spPr>
+        <p:style>
+          <a:lnRef idx="2">
+            <a:schemeClr val="accent1">
+              <a:shade val="15000"/>
+            </a:schemeClr>
+          </a:lnRef>
+          <a:fillRef idx="1">
+            <a:schemeClr val="accent1"/>
+          </a:fillRef>
+          <a:effectRef idx="0">
+            <a:schemeClr val="accent1"/>
+          </a:effectRef>
+          <a:fontRef idx="minor">
+            <a:schemeClr val="lt1"/>
+          </a:fontRef>
+        </p:style>
+        <p:txBody>
+          <a:bodyPr rtlCol="0" anchor="ctr"/>
+          <a:lstStyle/>
+          <a:p>
+            <a:pPr algn="ctr"/>
+            <a:endParaRPr lang="ko-KR" altLang="en-US">
+              <a:solidFill>
+                <a:schemeClr val="tx1"/>
+              </a:solidFill>
+            </a:endParaRPr>
+          </a:p>
+        </p:txBody>
+      </p:sp>
+      <p:sp>
+        <p:nvSpPr>
+          <p:cNvPr id="79" name="사다리꼴 78">
+            <a:extLst>
+              <a:ext uri="{FF2B5EF4-FFF2-40B4-BE49-F238E27FC236}">
+                <a16:creationId xmlns:a16="http://schemas.microsoft.com/office/drawing/2014/main" id="{47A38090-BB8A-D18A-27ED-48C92792F386}"/>
+              </a:ext>
+            </a:extLst>
+          </p:cNvPr>
+          <p:cNvSpPr/>
+          <p:nvPr/>
+        </p:nvSpPr>
+        <p:spPr>
+          <a:xfrm rot="10800000">
+            <a:off x="4363660" y="6073422"/>
+            <a:ext cx="385616" cy="325684"/>
+          </a:xfrm>
+          <a:prstGeom prst="trapezoid">
+            <a:avLst>
+              <a:gd name="adj" fmla="val 35236"/>
+            </a:avLst>
+          </a:prstGeom>
+          <a:noFill/>
+          <a:ln>
+            <a:solidFill>
+              <a:schemeClr val="tx1"/>
+            </a:solidFill>
+          </a:ln>
+        </p:spPr>
+        <p:style>
+          <a:lnRef idx="2">
+            <a:schemeClr val="accent1">
+              <a:shade val="15000"/>
+            </a:schemeClr>
+          </a:lnRef>
+          <a:fillRef idx="1">
+            <a:schemeClr val="accent1"/>
+          </a:fillRef>
+          <a:effectRef idx="0">
+            <a:schemeClr val="accent1"/>
+          </a:effectRef>
+          <a:fontRef idx="minor">
+            <a:schemeClr val="lt1"/>
+          </a:fontRef>
+        </p:style>
+        <p:txBody>
+          <a:bodyPr rtlCol="0" anchor="ctr"/>
+          <a:lstStyle/>
+          <a:p>
+            <a:pPr algn="ctr"/>
+            <a:endParaRPr lang="ko-KR" altLang="en-US">
+              <a:solidFill>
+                <a:schemeClr val="tx1"/>
+              </a:solidFill>
+            </a:endParaRPr>
+          </a:p>
+        </p:txBody>
+      </p:sp>
+      <p:sp>
+        <p:nvSpPr>
+          <p:cNvPr id="81" name="사다리꼴 80">
+            <a:extLst>
+              <a:ext uri="{FF2B5EF4-FFF2-40B4-BE49-F238E27FC236}">
+                <a16:creationId xmlns:a16="http://schemas.microsoft.com/office/drawing/2014/main" id="{B343723D-00CC-0C08-6403-C611B16CD5CA}"/>
+              </a:ext>
+            </a:extLst>
+          </p:cNvPr>
+          <p:cNvSpPr/>
+          <p:nvPr/>
+        </p:nvSpPr>
+        <p:spPr>
+          <a:xfrm>
+            <a:off x="4749276" y="5747738"/>
+            <a:ext cx="385616" cy="325684"/>
+          </a:xfrm>
+          <a:prstGeom prst="trapezoid">
+            <a:avLst>
+              <a:gd name="adj" fmla="val 35236"/>
+            </a:avLst>
+          </a:prstGeom>
+          <a:noFill/>
+          <a:ln>
+            <a:solidFill>
+              <a:schemeClr val="tx1"/>
+            </a:solidFill>
+          </a:ln>
+        </p:spPr>
+        <p:style>
+          <a:lnRef idx="2">
+            <a:schemeClr val="accent1">
+              <a:shade val="15000"/>
+            </a:schemeClr>
+          </a:lnRef>
+          <a:fillRef idx="1">
+            <a:schemeClr val="accent1"/>
+          </a:fillRef>
+          <a:effectRef idx="0">
+            <a:schemeClr val="accent1"/>
+          </a:effectRef>
+          <a:fontRef idx="minor">
+            <a:schemeClr val="lt1"/>
+          </a:fontRef>
+        </p:style>
+        <p:txBody>
+          <a:bodyPr rtlCol="0" anchor="ctr"/>
+          <a:lstStyle/>
+          <a:p>
+            <a:pPr algn="ctr"/>
+            <a:endParaRPr lang="ko-KR" altLang="en-US">
+              <a:solidFill>
+                <a:schemeClr val="tx1"/>
+              </a:solidFill>
+            </a:endParaRPr>
+          </a:p>
+        </p:txBody>
+      </p:sp>
+      <p:sp>
+        <p:nvSpPr>
+          <p:cNvPr id="82" name="사다리꼴 81">
+            <a:extLst>
+              <a:ext uri="{FF2B5EF4-FFF2-40B4-BE49-F238E27FC236}">
+                <a16:creationId xmlns:a16="http://schemas.microsoft.com/office/drawing/2014/main" id="{FB34AA7A-E82E-4DFD-89AD-53093ACEAF32}"/>
+              </a:ext>
+            </a:extLst>
+          </p:cNvPr>
+          <p:cNvSpPr/>
+          <p:nvPr/>
+        </p:nvSpPr>
+        <p:spPr>
+          <a:xfrm rot="10800000">
+            <a:off x="4749276" y="6073422"/>
+            <a:ext cx="385616" cy="325684"/>
+          </a:xfrm>
+          <a:prstGeom prst="trapezoid">
+            <a:avLst>
+              <a:gd name="adj" fmla="val 35236"/>
+            </a:avLst>
+          </a:prstGeom>
+          <a:noFill/>
+          <a:ln>
+            <a:solidFill>
+              <a:schemeClr val="tx1"/>
+            </a:solidFill>
+          </a:ln>
+        </p:spPr>
+        <p:style>
+          <a:lnRef idx="2">
+            <a:schemeClr val="accent1">
+              <a:shade val="15000"/>
+            </a:schemeClr>
+          </a:lnRef>
+          <a:fillRef idx="1">
+            <a:schemeClr val="accent1"/>
+          </a:fillRef>
+          <a:effectRef idx="0">
+            <a:schemeClr val="accent1"/>
+          </a:effectRef>
+          <a:fontRef idx="minor">
+            <a:schemeClr val="lt1"/>
+          </a:fontRef>
+        </p:style>
+        <p:txBody>
+          <a:bodyPr rtlCol="0" anchor="ctr"/>
+          <a:lstStyle/>
+          <a:p>
+            <a:pPr algn="ctr"/>
+            <a:endParaRPr lang="ko-KR" altLang="en-US">
+              <a:solidFill>
+                <a:schemeClr val="tx1"/>
+              </a:solidFill>
+            </a:endParaRPr>
+          </a:p>
+        </p:txBody>
+      </p:sp>
+      <p:sp>
+        <p:nvSpPr>
+          <p:cNvPr id="84" name="사다리꼴 83">
+            <a:extLst>
+              <a:ext uri="{FF2B5EF4-FFF2-40B4-BE49-F238E27FC236}">
+                <a16:creationId xmlns:a16="http://schemas.microsoft.com/office/drawing/2014/main" id="{1CF79140-14E3-56AB-F6C4-227B39485530}"/>
+              </a:ext>
+            </a:extLst>
+          </p:cNvPr>
+          <p:cNvSpPr/>
+          <p:nvPr/>
+        </p:nvSpPr>
+        <p:spPr>
+          <a:xfrm>
+            <a:off x="5144650" y="5747738"/>
+            <a:ext cx="385616" cy="325684"/>
+          </a:xfrm>
+          <a:prstGeom prst="trapezoid">
+            <a:avLst>
+              <a:gd name="adj" fmla="val 35236"/>
+            </a:avLst>
+          </a:prstGeom>
+          <a:noFill/>
+          <a:ln>
+            <a:solidFill>
+              <a:schemeClr val="tx1"/>
+            </a:solidFill>
+          </a:ln>
+        </p:spPr>
+        <p:style>
+          <a:lnRef idx="2">
+            <a:schemeClr val="accent1">
+              <a:shade val="15000"/>
+            </a:schemeClr>
+          </a:lnRef>
+          <a:fillRef idx="1">
+            <a:schemeClr val="accent1"/>
+          </a:fillRef>
+          <a:effectRef idx="0">
+            <a:schemeClr val="accent1"/>
+          </a:effectRef>
+          <a:fontRef idx="minor">
+            <a:schemeClr val="lt1"/>
+          </a:fontRef>
+        </p:style>
+        <p:txBody>
+          <a:bodyPr rtlCol="0" anchor="ctr"/>
+          <a:lstStyle/>
+          <a:p>
+            <a:pPr algn="ctr"/>
+            <a:endParaRPr lang="ko-KR" altLang="en-US">
+              <a:solidFill>
+                <a:schemeClr val="tx1"/>
+              </a:solidFill>
+            </a:endParaRPr>
+          </a:p>
+        </p:txBody>
+      </p:sp>
+      <p:sp>
+        <p:nvSpPr>
+          <p:cNvPr id="85" name="사다리꼴 84">
+            <a:extLst>
+              <a:ext uri="{FF2B5EF4-FFF2-40B4-BE49-F238E27FC236}">
+                <a16:creationId xmlns:a16="http://schemas.microsoft.com/office/drawing/2014/main" id="{2F06450F-8053-0C2D-D7CC-516F8454AAD7}"/>
+              </a:ext>
+            </a:extLst>
+          </p:cNvPr>
+          <p:cNvSpPr/>
+          <p:nvPr/>
+        </p:nvSpPr>
+        <p:spPr>
+          <a:xfrm rot="10800000">
+            <a:off x="5144650" y="6073422"/>
+            <a:ext cx="385616" cy="325684"/>
+          </a:xfrm>
+          <a:prstGeom prst="trapezoid">
+            <a:avLst>
+              <a:gd name="adj" fmla="val 35236"/>
+            </a:avLst>
+          </a:prstGeom>
+          <a:noFill/>
+          <a:ln>
+            <a:solidFill>
+              <a:schemeClr val="tx1"/>
+            </a:solidFill>
+          </a:ln>
+        </p:spPr>
+        <p:style>
+          <a:lnRef idx="2">
+            <a:schemeClr val="accent1">
+              <a:shade val="15000"/>
+            </a:schemeClr>
+          </a:lnRef>
+          <a:fillRef idx="1">
+            <a:schemeClr val="accent1"/>
+          </a:fillRef>
+          <a:effectRef idx="0">
+            <a:schemeClr val="accent1"/>
+          </a:effectRef>
+          <a:fontRef idx="minor">
+            <a:schemeClr val="lt1"/>
+          </a:fontRef>
+        </p:style>
+        <p:txBody>
+          <a:bodyPr rtlCol="0" anchor="ctr"/>
+          <a:lstStyle/>
+          <a:p>
+            <a:pPr algn="ctr"/>
+            <a:endParaRPr lang="ko-KR" altLang="en-US">
+              <a:solidFill>
+                <a:schemeClr val="tx1"/>
+              </a:solidFill>
+            </a:endParaRPr>
+          </a:p>
+        </p:txBody>
+      </p:sp>
+      <p:sp>
+        <p:nvSpPr>
+          <p:cNvPr id="87" name="사다리꼴 86">
+            <a:extLst>
+              <a:ext uri="{FF2B5EF4-FFF2-40B4-BE49-F238E27FC236}">
+                <a16:creationId xmlns:a16="http://schemas.microsoft.com/office/drawing/2014/main" id="{22843169-DFB5-BCEE-3E2C-0CEC85993D43}"/>
+              </a:ext>
+            </a:extLst>
+          </p:cNvPr>
+          <p:cNvSpPr/>
+          <p:nvPr/>
+        </p:nvSpPr>
+        <p:spPr>
+          <a:xfrm>
+            <a:off x="5530267" y="5747738"/>
+            <a:ext cx="290494" cy="325684"/>
+          </a:xfrm>
+          <a:prstGeom prst="trapezoid">
+            <a:avLst>
+              <a:gd name="adj" fmla="val 35236"/>
+            </a:avLst>
+          </a:prstGeom>
+          <a:noFill/>
+          <a:ln>
+            <a:solidFill>
+              <a:schemeClr val="tx1"/>
+            </a:solidFill>
+          </a:ln>
+        </p:spPr>
+        <p:style>
+          <a:lnRef idx="2">
+            <a:schemeClr val="accent1">
+              <a:shade val="15000"/>
+            </a:schemeClr>
+          </a:lnRef>
+          <a:fillRef idx="1">
+            <a:schemeClr val="accent1"/>
+          </a:fillRef>
+          <a:effectRef idx="0">
+            <a:schemeClr val="accent1"/>
+          </a:effectRef>
+          <a:fontRef idx="minor">
+            <a:schemeClr val="lt1"/>
+          </a:fontRef>
+        </p:style>
+        <p:txBody>
+          <a:bodyPr rtlCol="0" anchor="ctr"/>
+          <a:lstStyle/>
+          <a:p>
+            <a:pPr algn="ctr"/>
+            <a:endParaRPr lang="ko-KR" altLang="en-US">
+              <a:solidFill>
+                <a:schemeClr val="tx1"/>
+              </a:solidFill>
+            </a:endParaRPr>
+          </a:p>
+        </p:txBody>
+      </p:sp>
+      <p:sp>
+        <p:nvSpPr>
+          <p:cNvPr id="88" name="사다리꼴 87">
+            <a:extLst>
+              <a:ext uri="{FF2B5EF4-FFF2-40B4-BE49-F238E27FC236}">
+                <a16:creationId xmlns:a16="http://schemas.microsoft.com/office/drawing/2014/main" id="{B0FA5916-F191-1910-67F0-1B5EC1121D0F}"/>
+              </a:ext>
+            </a:extLst>
+          </p:cNvPr>
+          <p:cNvSpPr/>
+          <p:nvPr/>
+        </p:nvSpPr>
+        <p:spPr>
+          <a:xfrm rot="10800000">
+            <a:off x="5530267" y="6073422"/>
+            <a:ext cx="290494" cy="325684"/>
+          </a:xfrm>
+          <a:prstGeom prst="trapezoid">
+            <a:avLst>
+              <a:gd name="adj" fmla="val 35236"/>
+            </a:avLst>
+          </a:prstGeom>
+          <a:noFill/>
+          <a:ln>
+            <a:solidFill>
+              <a:schemeClr val="tx1"/>
+            </a:solidFill>
+          </a:ln>
+        </p:spPr>
+        <p:style>
+          <a:lnRef idx="2">
+            <a:schemeClr val="accent1">
+              <a:shade val="15000"/>
+            </a:schemeClr>
+          </a:lnRef>
+          <a:fillRef idx="1">
+            <a:schemeClr val="accent1"/>
+          </a:fillRef>
+          <a:effectRef idx="0">
+            <a:schemeClr val="accent1"/>
+          </a:effectRef>
+          <a:fontRef idx="minor">
+            <a:schemeClr val="lt1"/>
+          </a:fontRef>
+        </p:style>
+        <p:txBody>
+          <a:bodyPr rtlCol="0" anchor="ctr"/>
+          <a:lstStyle/>
+          <a:p>
+            <a:pPr algn="ctr"/>
+            <a:endParaRPr lang="ko-KR" altLang="en-US">
+              <a:solidFill>
+                <a:schemeClr val="tx1"/>
+              </a:solidFill>
+            </a:endParaRPr>
+          </a:p>
+        </p:txBody>
+      </p:sp>
+      <p:sp>
+        <p:nvSpPr>
+          <p:cNvPr id="90" name="사다리꼴 89">
+            <a:extLst>
+              <a:ext uri="{FF2B5EF4-FFF2-40B4-BE49-F238E27FC236}">
+                <a16:creationId xmlns:a16="http://schemas.microsoft.com/office/drawing/2014/main" id="{777972DC-7253-F4E7-511F-97F9D9323C2F}"/>
+              </a:ext>
+            </a:extLst>
+          </p:cNvPr>
+          <p:cNvSpPr/>
+          <p:nvPr/>
+        </p:nvSpPr>
+        <p:spPr>
+          <a:xfrm>
+            <a:off x="8509002" y="5747738"/>
+            <a:ext cx="385616" cy="325684"/>
+          </a:xfrm>
+          <a:prstGeom prst="trapezoid">
+            <a:avLst>
+              <a:gd name="adj" fmla="val 35236"/>
+            </a:avLst>
+          </a:prstGeom>
+          <a:noFill/>
+          <a:ln>
+            <a:solidFill>
+              <a:schemeClr val="tx1"/>
+            </a:solidFill>
+          </a:ln>
+        </p:spPr>
+        <p:style>
+          <a:lnRef idx="2">
+            <a:schemeClr val="accent1">
+              <a:shade val="15000"/>
+            </a:schemeClr>
+          </a:lnRef>
+          <a:fillRef idx="1">
+            <a:schemeClr val="accent1"/>
+          </a:fillRef>
+          <a:effectRef idx="0">
+            <a:schemeClr val="accent1"/>
+          </a:effectRef>
+          <a:fontRef idx="minor">
+            <a:schemeClr val="lt1"/>
+          </a:fontRef>
+        </p:style>
+        <p:txBody>
+          <a:bodyPr rtlCol="0" anchor="ctr"/>
+          <a:lstStyle/>
+          <a:p>
+            <a:pPr algn="ctr"/>
+            <a:endParaRPr lang="ko-KR" altLang="en-US">
+              <a:solidFill>
+                <a:schemeClr val="tx1"/>
+              </a:solidFill>
+            </a:endParaRPr>
+          </a:p>
+        </p:txBody>
+      </p:sp>
+      <p:sp>
+        <p:nvSpPr>
+          <p:cNvPr id="91" name="사다리꼴 90">
+            <a:extLst>
+              <a:ext uri="{FF2B5EF4-FFF2-40B4-BE49-F238E27FC236}">
+                <a16:creationId xmlns:a16="http://schemas.microsoft.com/office/drawing/2014/main" id="{BF2F27EE-C10A-C0F3-7C85-A71F99C52E1B}"/>
+              </a:ext>
+            </a:extLst>
+          </p:cNvPr>
+          <p:cNvSpPr/>
+          <p:nvPr/>
+        </p:nvSpPr>
+        <p:spPr>
+          <a:xfrm rot="10800000">
+            <a:off x="8509002" y="6073422"/>
+            <a:ext cx="385616" cy="325684"/>
+          </a:xfrm>
+          <a:prstGeom prst="trapezoid">
+            <a:avLst>
+              <a:gd name="adj" fmla="val 35236"/>
+            </a:avLst>
+          </a:prstGeom>
+          <a:noFill/>
+          <a:ln>
+            <a:solidFill>
+              <a:schemeClr val="tx1"/>
+            </a:solidFill>
+          </a:ln>
+        </p:spPr>
+        <p:style>
+          <a:lnRef idx="2">
+            <a:schemeClr val="accent1">
+              <a:shade val="15000"/>
+            </a:schemeClr>
+          </a:lnRef>
+          <a:fillRef idx="1">
+            <a:schemeClr val="accent1"/>
+          </a:fillRef>
+          <a:effectRef idx="0">
+            <a:schemeClr val="accent1"/>
+          </a:effectRef>
+          <a:fontRef idx="minor">
+            <a:schemeClr val="lt1"/>
+          </a:fontRef>
+        </p:style>
+        <p:txBody>
+          <a:bodyPr rtlCol="0" anchor="ctr"/>
+          <a:lstStyle/>
+          <a:p>
+            <a:pPr algn="ctr"/>
+            <a:endParaRPr lang="ko-KR" altLang="en-US">
+              <a:solidFill>
+                <a:schemeClr val="tx1"/>
+              </a:solidFill>
+            </a:endParaRPr>
+          </a:p>
+        </p:txBody>
+      </p:sp>
+      <p:sp>
+        <p:nvSpPr>
+          <p:cNvPr id="93" name="사다리꼴 92">
+            <a:extLst>
+              <a:ext uri="{FF2B5EF4-FFF2-40B4-BE49-F238E27FC236}">
+                <a16:creationId xmlns:a16="http://schemas.microsoft.com/office/drawing/2014/main" id="{2338A241-6E77-7D82-9570-CEF96E67D9A9}"/>
+              </a:ext>
+            </a:extLst>
+          </p:cNvPr>
+          <p:cNvSpPr/>
+          <p:nvPr/>
+        </p:nvSpPr>
+        <p:spPr>
+          <a:xfrm>
+            <a:off x="8904376" y="5747738"/>
+            <a:ext cx="385616" cy="325684"/>
+          </a:xfrm>
+          <a:prstGeom prst="trapezoid">
+            <a:avLst>
+              <a:gd name="adj" fmla="val 35236"/>
+            </a:avLst>
+          </a:prstGeom>
+          <a:noFill/>
+          <a:ln>
+            <a:solidFill>
+              <a:schemeClr val="tx1"/>
+            </a:solidFill>
+          </a:ln>
+        </p:spPr>
+        <p:style>
+          <a:lnRef idx="2">
+            <a:schemeClr val="accent1">
+              <a:shade val="15000"/>
+            </a:schemeClr>
+          </a:lnRef>
+          <a:fillRef idx="1">
+            <a:schemeClr val="accent1"/>
+          </a:fillRef>
+          <a:effectRef idx="0">
+            <a:schemeClr val="accent1"/>
+          </a:effectRef>
+          <a:fontRef idx="minor">
+            <a:schemeClr val="lt1"/>
+          </a:fontRef>
+        </p:style>
+        <p:txBody>
+          <a:bodyPr rtlCol="0" anchor="ctr"/>
+          <a:lstStyle/>
+          <a:p>
+            <a:pPr algn="ctr"/>
+            <a:endParaRPr lang="ko-KR" altLang="en-US">
+              <a:solidFill>
+                <a:schemeClr val="tx1"/>
+              </a:solidFill>
+            </a:endParaRPr>
+          </a:p>
+        </p:txBody>
+      </p:sp>
+      <p:sp>
+        <p:nvSpPr>
+          <p:cNvPr id="94" name="사다리꼴 93">
+            <a:extLst>
+              <a:ext uri="{FF2B5EF4-FFF2-40B4-BE49-F238E27FC236}">
+                <a16:creationId xmlns:a16="http://schemas.microsoft.com/office/drawing/2014/main" id="{20237CE1-5F0E-403E-C248-AE800C0A2FE4}"/>
+              </a:ext>
+            </a:extLst>
+          </p:cNvPr>
+          <p:cNvSpPr/>
+          <p:nvPr/>
+        </p:nvSpPr>
+        <p:spPr>
+          <a:xfrm rot="10800000">
+            <a:off x="8904376" y="6073422"/>
+            <a:ext cx="385616" cy="325684"/>
+          </a:xfrm>
+          <a:prstGeom prst="trapezoid">
+            <a:avLst>
+              <a:gd name="adj" fmla="val 35236"/>
+            </a:avLst>
+          </a:prstGeom>
+          <a:noFill/>
+          <a:ln>
+            <a:solidFill>
+              <a:schemeClr val="tx1"/>
+            </a:solidFill>
+          </a:ln>
+        </p:spPr>
+        <p:style>
+          <a:lnRef idx="2">
+            <a:schemeClr val="accent1">
+              <a:shade val="15000"/>
+            </a:schemeClr>
+          </a:lnRef>
+          <a:fillRef idx="1">
+            <a:schemeClr val="accent1"/>
+          </a:fillRef>
+          <a:effectRef idx="0">
+            <a:schemeClr val="accent1"/>
+          </a:effectRef>
+          <a:fontRef idx="minor">
+            <a:schemeClr val="lt1"/>
+          </a:fontRef>
+        </p:style>
+        <p:txBody>
+          <a:bodyPr rtlCol="0" anchor="ctr"/>
+          <a:lstStyle/>
+          <a:p>
+            <a:pPr algn="ctr"/>
+            <a:endParaRPr lang="ko-KR" altLang="en-US">
+              <a:solidFill>
+                <a:schemeClr val="tx1"/>
+              </a:solidFill>
+            </a:endParaRPr>
+          </a:p>
+        </p:txBody>
+      </p:sp>
+      <p:sp>
+        <p:nvSpPr>
+          <p:cNvPr id="96" name="사다리꼴 95">
+            <a:extLst>
+              <a:ext uri="{FF2B5EF4-FFF2-40B4-BE49-F238E27FC236}">
+                <a16:creationId xmlns:a16="http://schemas.microsoft.com/office/drawing/2014/main" id="{B9FF7439-5AE6-18CC-E497-00BDF8022B13}"/>
+              </a:ext>
+            </a:extLst>
+          </p:cNvPr>
+          <p:cNvSpPr/>
+          <p:nvPr/>
+        </p:nvSpPr>
+        <p:spPr>
+          <a:xfrm>
+            <a:off x="9289993" y="5747738"/>
+            <a:ext cx="385616" cy="325684"/>
+          </a:xfrm>
+          <a:prstGeom prst="trapezoid">
+            <a:avLst>
+              <a:gd name="adj" fmla="val 35236"/>
+            </a:avLst>
+          </a:prstGeom>
+          <a:noFill/>
+          <a:ln>
+            <a:solidFill>
+              <a:schemeClr val="tx1"/>
+            </a:solidFill>
+          </a:ln>
+        </p:spPr>
+        <p:style>
+          <a:lnRef idx="2">
+            <a:schemeClr val="accent1">
+              <a:shade val="15000"/>
+            </a:schemeClr>
+          </a:lnRef>
+          <a:fillRef idx="1">
+            <a:schemeClr val="accent1"/>
+          </a:fillRef>
+          <a:effectRef idx="0">
+            <a:schemeClr val="accent1"/>
+          </a:effectRef>
+          <a:fontRef idx="minor">
+            <a:schemeClr val="lt1"/>
+          </a:fontRef>
+        </p:style>
+        <p:txBody>
+          <a:bodyPr rtlCol="0" anchor="ctr"/>
+          <a:lstStyle/>
+          <a:p>
+            <a:pPr algn="ctr"/>
+            <a:endParaRPr lang="ko-KR" altLang="en-US">
+              <a:solidFill>
+                <a:schemeClr val="tx1"/>
+              </a:solidFill>
+            </a:endParaRPr>
+          </a:p>
+        </p:txBody>
+      </p:sp>
+      <p:sp>
+        <p:nvSpPr>
+          <p:cNvPr id="97" name="사다리꼴 96">
+            <a:extLst>
+              <a:ext uri="{FF2B5EF4-FFF2-40B4-BE49-F238E27FC236}">
+                <a16:creationId xmlns:a16="http://schemas.microsoft.com/office/drawing/2014/main" id="{9302A4B6-7153-F30C-327C-D8EEFAC3E3D6}"/>
+              </a:ext>
+            </a:extLst>
+          </p:cNvPr>
+          <p:cNvSpPr/>
+          <p:nvPr/>
+        </p:nvSpPr>
+        <p:spPr>
+          <a:xfrm rot="10800000">
+            <a:off x="9289993" y="6073422"/>
+            <a:ext cx="385616" cy="325684"/>
+          </a:xfrm>
+          <a:prstGeom prst="trapezoid">
+            <a:avLst>
+              <a:gd name="adj" fmla="val 35236"/>
+            </a:avLst>
+          </a:prstGeom>
+          <a:noFill/>
+          <a:ln>
+            <a:solidFill>
+              <a:schemeClr val="tx1"/>
+            </a:solidFill>
+          </a:ln>
+        </p:spPr>
+        <p:style>
+          <a:lnRef idx="2">
+            <a:schemeClr val="accent1">
+              <a:shade val="15000"/>
+            </a:schemeClr>
+          </a:lnRef>
+          <a:fillRef idx="1">
+            <a:schemeClr val="accent1"/>
+          </a:fillRef>
+          <a:effectRef idx="0">
+            <a:schemeClr val="accent1"/>
+          </a:effectRef>
+          <a:fontRef idx="minor">
+            <a:schemeClr val="lt1"/>
+          </a:fontRef>
+        </p:style>
+        <p:txBody>
+          <a:bodyPr rtlCol="0" anchor="ctr"/>
+          <a:lstStyle/>
+          <a:p>
+            <a:pPr algn="ctr"/>
+            <a:endParaRPr lang="ko-KR" altLang="en-US">
+              <a:solidFill>
+                <a:schemeClr val="tx1"/>
+              </a:solidFill>
+            </a:endParaRPr>
+          </a:p>
+        </p:txBody>
+      </p:sp>
+      <p:sp>
+        <p:nvSpPr>
+          <p:cNvPr id="99" name="사다리꼴 98">
+            <a:extLst>
+              <a:ext uri="{FF2B5EF4-FFF2-40B4-BE49-F238E27FC236}">
+                <a16:creationId xmlns:a16="http://schemas.microsoft.com/office/drawing/2014/main" id="{1D6DCB32-E64F-C5F7-D76A-78483A76EFF3}"/>
+              </a:ext>
+            </a:extLst>
+          </p:cNvPr>
+          <p:cNvSpPr/>
+          <p:nvPr/>
+        </p:nvSpPr>
+        <p:spPr>
+          <a:xfrm>
+            <a:off x="9675609" y="5747738"/>
+            <a:ext cx="385616" cy="325684"/>
+          </a:xfrm>
+          <a:prstGeom prst="trapezoid">
+            <a:avLst>
+              <a:gd name="adj" fmla="val 35236"/>
+            </a:avLst>
+          </a:prstGeom>
+          <a:noFill/>
+          <a:ln>
+            <a:solidFill>
+              <a:schemeClr val="tx1"/>
+            </a:solidFill>
+          </a:ln>
+        </p:spPr>
+        <p:style>
+          <a:lnRef idx="2">
+            <a:schemeClr val="accent1">
+              <a:shade val="15000"/>
+            </a:schemeClr>
+          </a:lnRef>
+          <a:fillRef idx="1">
+            <a:schemeClr val="accent1"/>
+          </a:fillRef>
+          <a:effectRef idx="0">
+            <a:schemeClr val="accent1"/>
+          </a:effectRef>
+          <a:fontRef idx="minor">
+            <a:schemeClr val="lt1"/>
+          </a:fontRef>
+        </p:style>
+        <p:txBody>
+          <a:bodyPr rtlCol="0" anchor="ctr"/>
+          <a:lstStyle/>
+          <a:p>
+            <a:pPr algn="ctr"/>
+            <a:endParaRPr lang="ko-KR" altLang="en-US">
+              <a:solidFill>
+                <a:schemeClr val="tx1"/>
+              </a:solidFill>
+            </a:endParaRPr>
+          </a:p>
+        </p:txBody>
+      </p:sp>
+      <p:sp>
+        <p:nvSpPr>
+          <p:cNvPr id="100" name="사다리꼴 99">
+            <a:extLst>
+              <a:ext uri="{FF2B5EF4-FFF2-40B4-BE49-F238E27FC236}">
+                <a16:creationId xmlns:a16="http://schemas.microsoft.com/office/drawing/2014/main" id="{254868BE-816B-1657-FDEC-1D63EFF3242C}"/>
+              </a:ext>
+            </a:extLst>
+          </p:cNvPr>
+          <p:cNvSpPr/>
+          <p:nvPr/>
+        </p:nvSpPr>
+        <p:spPr>
+          <a:xfrm rot="10800000">
+            <a:off x="9675609" y="6073422"/>
+            <a:ext cx="385616" cy="325684"/>
+          </a:xfrm>
+          <a:prstGeom prst="trapezoid">
+            <a:avLst>
+              <a:gd name="adj" fmla="val 35236"/>
+            </a:avLst>
+          </a:prstGeom>
+          <a:noFill/>
+          <a:ln>
+            <a:solidFill>
+              <a:schemeClr val="tx1"/>
+            </a:solidFill>
+          </a:ln>
+        </p:spPr>
+        <p:style>
+          <a:lnRef idx="2">
+            <a:schemeClr val="accent1">
+              <a:shade val="15000"/>
+            </a:schemeClr>
+          </a:lnRef>
+          <a:fillRef idx="1">
+            <a:schemeClr val="accent1"/>
+          </a:fillRef>
+          <a:effectRef idx="0">
+            <a:schemeClr val="accent1"/>
+          </a:effectRef>
+          <a:fontRef idx="minor">
+            <a:schemeClr val="lt1"/>
+          </a:fontRef>
+        </p:style>
+        <p:txBody>
+          <a:bodyPr rtlCol="0" anchor="ctr"/>
+          <a:lstStyle/>
+          <a:p>
+            <a:pPr algn="ctr"/>
+            <a:endParaRPr lang="ko-KR" altLang="en-US">
+              <a:solidFill>
+                <a:schemeClr val="tx1"/>
+              </a:solidFill>
+            </a:endParaRPr>
+          </a:p>
+        </p:txBody>
+      </p:sp>
+      <p:sp>
+        <p:nvSpPr>
+          <p:cNvPr id="102" name="사다리꼴 101">
+            <a:extLst>
+              <a:ext uri="{FF2B5EF4-FFF2-40B4-BE49-F238E27FC236}">
+                <a16:creationId xmlns:a16="http://schemas.microsoft.com/office/drawing/2014/main" id="{3C9A7A5A-48D5-8A34-9CEA-45954715C9F0}"/>
+              </a:ext>
+            </a:extLst>
+          </p:cNvPr>
+          <p:cNvSpPr/>
+          <p:nvPr/>
+        </p:nvSpPr>
+        <p:spPr>
+          <a:xfrm>
+            <a:off x="10070983" y="5747738"/>
+            <a:ext cx="385616" cy="325684"/>
+          </a:xfrm>
+          <a:prstGeom prst="trapezoid">
+            <a:avLst>
+              <a:gd name="adj" fmla="val 35236"/>
+            </a:avLst>
+          </a:prstGeom>
+          <a:noFill/>
+          <a:ln>
+            <a:solidFill>
+              <a:schemeClr val="tx1"/>
+            </a:solidFill>
+          </a:ln>
+        </p:spPr>
+        <p:style>
+          <a:lnRef idx="2">
+            <a:schemeClr val="accent1">
+              <a:shade val="15000"/>
+            </a:schemeClr>
+          </a:lnRef>
+          <a:fillRef idx="1">
+            <a:schemeClr val="accent1"/>
+          </a:fillRef>
+          <a:effectRef idx="0">
+            <a:schemeClr val="accent1"/>
+          </a:effectRef>
+          <a:fontRef idx="minor">
+            <a:schemeClr val="lt1"/>
+          </a:fontRef>
+        </p:style>
+        <p:txBody>
+          <a:bodyPr rtlCol="0" anchor="ctr"/>
+          <a:lstStyle/>
+          <a:p>
+            <a:pPr algn="ctr"/>
+            <a:endParaRPr lang="ko-KR" altLang="en-US">
+              <a:solidFill>
+                <a:schemeClr val="tx1"/>
+              </a:solidFill>
+            </a:endParaRPr>
+          </a:p>
+        </p:txBody>
+      </p:sp>
+      <p:sp>
+        <p:nvSpPr>
+          <p:cNvPr id="103" name="사다리꼴 102">
+            <a:extLst>
+              <a:ext uri="{FF2B5EF4-FFF2-40B4-BE49-F238E27FC236}">
+                <a16:creationId xmlns:a16="http://schemas.microsoft.com/office/drawing/2014/main" id="{91B58BE7-1A05-1092-A5A8-BFF0C893C885}"/>
+              </a:ext>
+            </a:extLst>
+          </p:cNvPr>
+          <p:cNvSpPr/>
+          <p:nvPr/>
+        </p:nvSpPr>
+        <p:spPr>
+          <a:xfrm rot="10800000">
+            <a:off x="10070983" y="6073422"/>
+            <a:ext cx="385616" cy="325684"/>
+          </a:xfrm>
+          <a:prstGeom prst="trapezoid">
+            <a:avLst>
+              <a:gd name="adj" fmla="val 35236"/>
+            </a:avLst>
+          </a:prstGeom>
+          <a:noFill/>
+          <a:ln>
+            <a:solidFill>
+              <a:schemeClr val="tx1"/>
+            </a:solidFill>
+          </a:ln>
+        </p:spPr>
+        <p:style>
+          <a:lnRef idx="2">
+            <a:schemeClr val="accent1">
+              <a:shade val="15000"/>
+            </a:schemeClr>
+          </a:lnRef>
+          <a:fillRef idx="1">
+            <a:schemeClr val="accent1"/>
+          </a:fillRef>
+          <a:effectRef idx="0">
+            <a:schemeClr val="accent1"/>
+          </a:effectRef>
+          <a:fontRef idx="minor">
+            <a:schemeClr val="lt1"/>
+          </a:fontRef>
+        </p:style>
+        <p:txBody>
+          <a:bodyPr rtlCol="0" anchor="ctr"/>
+          <a:lstStyle/>
+          <a:p>
+            <a:pPr algn="ctr"/>
+            <a:endParaRPr lang="ko-KR" altLang="en-US">
+              <a:solidFill>
+                <a:schemeClr val="tx1"/>
+              </a:solidFill>
+            </a:endParaRPr>
+          </a:p>
+        </p:txBody>
+      </p:sp>
+      <p:sp>
+        <p:nvSpPr>
+          <p:cNvPr id="105" name="사다리꼴 104">
+            <a:extLst>
+              <a:ext uri="{FF2B5EF4-FFF2-40B4-BE49-F238E27FC236}">
+                <a16:creationId xmlns:a16="http://schemas.microsoft.com/office/drawing/2014/main" id="{170EE9D4-E626-DBCC-ED4A-D8101903D5D4}"/>
+              </a:ext>
+            </a:extLst>
+          </p:cNvPr>
+          <p:cNvSpPr/>
+          <p:nvPr/>
+        </p:nvSpPr>
+        <p:spPr>
+          <a:xfrm>
+            <a:off x="10447932" y="5747738"/>
+            <a:ext cx="290623" cy="325684"/>
+          </a:xfrm>
+          <a:prstGeom prst="trapezoid">
+            <a:avLst>
+              <a:gd name="adj" fmla="val 35236"/>
+            </a:avLst>
+          </a:prstGeom>
+          <a:noFill/>
+          <a:ln>
+            <a:solidFill>
+              <a:schemeClr val="tx1"/>
+            </a:solidFill>
+          </a:ln>
+        </p:spPr>
+        <p:style>
+          <a:lnRef idx="2">
+            <a:schemeClr val="accent1">
+              <a:shade val="15000"/>
+            </a:schemeClr>
+          </a:lnRef>
+          <a:fillRef idx="1">
+            <a:schemeClr val="accent1"/>
+          </a:fillRef>
+          <a:effectRef idx="0">
+            <a:schemeClr val="accent1"/>
+          </a:effectRef>
+          <a:fontRef idx="minor">
+            <a:schemeClr val="lt1"/>
+          </a:fontRef>
+        </p:style>
+        <p:txBody>
+          <a:bodyPr rtlCol="0" anchor="ctr"/>
+          <a:lstStyle/>
+          <a:p>
+            <a:pPr algn="ctr"/>
+            <a:endParaRPr lang="ko-KR" altLang="en-US">
+              <a:solidFill>
+                <a:schemeClr val="tx1"/>
+              </a:solidFill>
+            </a:endParaRPr>
+          </a:p>
+        </p:txBody>
+      </p:sp>
+      <p:sp>
+        <p:nvSpPr>
+          <p:cNvPr id="106" name="사다리꼴 105">
+            <a:extLst>
+              <a:ext uri="{FF2B5EF4-FFF2-40B4-BE49-F238E27FC236}">
+                <a16:creationId xmlns:a16="http://schemas.microsoft.com/office/drawing/2014/main" id="{910FD7E9-672A-0A44-42C6-7221F8376A2F}"/>
+              </a:ext>
+            </a:extLst>
+          </p:cNvPr>
+          <p:cNvSpPr/>
+          <p:nvPr/>
+        </p:nvSpPr>
+        <p:spPr>
+          <a:xfrm rot="10800000">
+            <a:off x="10447932" y="6073422"/>
+            <a:ext cx="290623" cy="325684"/>
+          </a:xfrm>
+          <a:prstGeom prst="trapezoid">
+            <a:avLst>
+              <a:gd name="adj" fmla="val 35236"/>
+            </a:avLst>
+          </a:prstGeom>
+          <a:noFill/>
+          <a:ln>
+            <a:solidFill>
+              <a:schemeClr val="tx1"/>
+            </a:solidFill>
+          </a:ln>
+        </p:spPr>
+        <p:style>
+          <a:lnRef idx="2">
+            <a:schemeClr val="accent1">
+              <a:shade val="15000"/>
+            </a:schemeClr>
+          </a:lnRef>
+          <a:fillRef idx="1">
+            <a:schemeClr val="accent1"/>
+          </a:fillRef>
+          <a:effectRef idx="0">
+            <a:schemeClr val="accent1"/>
+          </a:effectRef>
+          <a:fontRef idx="minor">
+            <a:schemeClr val="lt1"/>
+          </a:fontRef>
+        </p:style>
+        <p:txBody>
+          <a:bodyPr rtlCol="0" anchor="ctr"/>
+          <a:lstStyle/>
+          <a:p>
+            <a:pPr algn="ctr"/>
+            <a:endParaRPr lang="ko-KR" altLang="en-US">
+              <a:solidFill>
+                <a:schemeClr val="tx1"/>
+              </a:solidFill>
+            </a:endParaRPr>
+          </a:p>
+        </p:txBody>
+      </p:sp>
+      <p:sp>
+        <p:nvSpPr>
+          <p:cNvPr id="108" name="사다리꼴 107">
+            <a:extLst>
+              <a:ext uri="{FF2B5EF4-FFF2-40B4-BE49-F238E27FC236}">
+                <a16:creationId xmlns:a16="http://schemas.microsoft.com/office/drawing/2014/main" id="{FCD352E8-14A7-AE92-CF92-7DBD1C9773D9}"/>
+              </a:ext>
+            </a:extLst>
+          </p:cNvPr>
+          <p:cNvSpPr/>
+          <p:nvPr/>
+        </p:nvSpPr>
+        <p:spPr>
+          <a:xfrm>
+            <a:off x="902970" y="4586278"/>
+            <a:ext cx="385616" cy="325684"/>
+          </a:xfrm>
+          <a:prstGeom prst="trapezoid">
+            <a:avLst>
+              <a:gd name="adj" fmla="val 35236"/>
+            </a:avLst>
+          </a:prstGeom>
+          <a:noFill/>
+          <a:ln>
+            <a:solidFill>
+              <a:schemeClr val="tx1"/>
+            </a:solidFill>
+          </a:ln>
+        </p:spPr>
+        <p:style>
+          <a:lnRef idx="2">
+            <a:schemeClr val="accent1">
+              <a:shade val="15000"/>
+            </a:schemeClr>
+          </a:lnRef>
+          <a:fillRef idx="1">
+            <a:schemeClr val="accent1"/>
+          </a:fillRef>
+          <a:effectRef idx="0">
+            <a:schemeClr val="accent1"/>
+          </a:effectRef>
+          <a:fontRef idx="minor">
+            <a:schemeClr val="lt1"/>
+          </a:fontRef>
+        </p:style>
+        <p:txBody>
+          <a:bodyPr rtlCol="0" anchor="ctr"/>
+          <a:lstStyle/>
+          <a:p>
+            <a:pPr algn="ctr"/>
+            <a:endParaRPr lang="ko-KR" altLang="en-US">
+              <a:solidFill>
+                <a:schemeClr val="tx1"/>
+              </a:solidFill>
+            </a:endParaRPr>
+          </a:p>
+        </p:txBody>
+      </p:sp>
+      <p:sp>
+        <p:nvSpPr>
+          <p:cNvPr id="112" name="사다리꼴 111">
+            <a:extLst>
+              <a:ext uri="{FF2B5EF4-FFF2-40B4-BE49-F238E27FC236}">
+                <a16:creationId xmlns:a16="http://schemas.microsoft.com/office/drawing/2014/main" id="{97FBB765-21AC-36F6-F744-E463F5BEF4EF}"/>
+              </a:ext>
+            </a:extLst>
+          </p:cNvPr>
+          <p:cNvSpPr/>
+          <p:nvPr/>
+        </p:nvSpPr>
+        <p:spPr>
+          <a:xfrm rot="10800000">
+            <a:off x="1281412" y="4912168"/>
+            <a:ext cx="385616" cy="325684"/>
+          </a:xfrm>
+          <a:prstGeom prst="trapezoid">
+            <a:avLst>
+              <a:gd name="adj" fmla="val 35236"/>
+            </a:avLst>
+          </a:prstGeom>
+          <a:noFill/>
+          <a:ln>
+            <a:solidFill>
+              <a:schemeClr val="tx1"/>
+            </a:solidFill>
+          </a:ln>
+        </p:spPr>
+        <p:style>
+          <a:lnRef idx="2">
+            <a:schemeClr val="accent1">
+              <a:shade val="15000"/>
+            </a:schemeClr>
+          </a:lnRef>
+          <a:fillRef idx="1">
+            <a:schemeClr val="accent1"/>
+          </a:fillRef>
+          <a:effectRef idx="0">
+            <a:schemeClr val="accent1"/>
+          </a:effectRef>
+          <a:fontRef idx="minor">
+            <a:schemeClr val="lt1"/>
+          </a:fontRef>
+        </p:style>
+        <p:txBody>
+          <a:bodyPr rtlCol="0" anchor="ctr"/>
+          <a:lstStyle/>
+          <a:p>
+            <a:pPr algn="ctr"/>
+            <a:endParaRPr lang="ko-KR" altLang="en-US">
+              <a:solidFill>
+                <a:schemeClr val="tx1"/>
+              </a:solidFill>
+            </a:endParaRPr>
+          </a:p>
+        </p:txBody>
+      </p:sp>
+      <p:sp>
+        <p:nvSpPr>
+          <p:cNvPr id="114" name="사다리꼴 113">
+            <a:extLst>
+              <a:ext uri="{FF2B5EF4-FFF2-40B4-BE49-F238E27FC236}">
+                <a16:creationId xmlns:a16="http://schemas.microsoft.com/office/drawing/2014/main" id="{667734F3-3CBD-D21D-431C-03DD8AD5E52D}"/>
+              </a:ext>
+            </a:extLst>
+          </p:cNvPr>
+          <p:cNvSpPr/>
+          <p:nvPr/>
+        </p:nvSpPr>
+        <p:spPr>
+          <a:xfrm>
+            <a:off x="1667029" y="4586278"/>
+            <a:ext cx="723880" cy="325684"/>
+          </a:xfrm>
+          <a:prstGeom prst="trapezoid">
+            <a:avLst>
+              <a:gd name="adj" fmla="val 35236"/>
+            </a:avLst>
+          </a:prstGeom>
+          <a:noFill/>
+          <a:ln>
+            <a:solidFill>
+              <a:schemeClr val="tx1"/>
+            </a:solidFill>
+          </a:ln>
+        </p:spPr>
+        <p:style>
+          <a:lnRef idx="2">
+            <a:schemeClr val="accent1">
+              <a:shade val="15000"/>
+            </a:schemeClr>
+          </a:lnRef>
+          <a:fillRef idx="1">
+            <a:schemeClr val="accent1"/>
+          </a:fillRef>
+          <a:effectRef idx="0">
+            <a:schemeClr val="accent1"/>
+          </a:effectRef>
+          <a:fontRef idx="minor">
+            <a:schemeClr val="lt1"/>
+          </a:fontRef>
+        </p:style>
+        <p:txBody>
+          <a:bodyPr rtlCol="0" anchor="ctr"/>
+          <a:lstStyle/>
+          <a:p>
+            <a:pPr algn="ctr"/>
+            <a:endParaRPr lang="ko-KR" altLang="en-US">
+              <a:solidFill>
+                <a:schemeClr val="tx1"/>
+              </a:solidFill>
+            </a:endParaRPr>
+          </a:p>
+        </p:txBody>
+      </p:sp>
+      <p:sp>
+        <p:nvSpPr>
+          <p:cNvPr id="120" name="사다리꼴 119">
+            <a:extLst>
+              <a:ext uri="{FF2B5EF4-FFF2-40B4-BE49-F238E27FC236}">
+                <a16:creationId xmlns:a16="http://schemas.microsoft.com/office/drawing/2014/main" id="{2B777F78-ECC3-8C67-2B05-3EEBA874EE6C}"/>
+              </a:ext>
+            </a:extLst>
+          </p:cNvPr>
+          <p:cNvSpPr/>
+          <p:nvPr/>
+        </p:nvSpPr>
+        <p:spPr>
+          <a:xfrm>
+            <a:off x="3582669" y="4586644"/>
+            <a:ext cx="385616" cy="325684"/>
+          </a:xfrm>
+          <a:prstGeom prst="trapezoid">
+            <a:avLst>
+              <a:gd name="adj" fmla="val 35236"/>
+            </a:avLst>
+          </a:prstGeom>
+          <a:noFill/>
+          <a:ln>
+            <a:solidFill>
+              <a:schemeClr val="tx1"/>
+            </a:solidFill>
+          </a:ln>
+        </p:spPr>
+        <p:style>
+          <a:lnRef idx="2">
+            <a:schemeClr val="accent1">
+              <a:shade val="15000"/>
+            </a:schemeClr>
+          </a:lnRef>
+          <a:fillRef idx="1">
+            <a:schemeClr val="accent1"/>
+          </a:fillRef>
+          <a:effectRef idx="0">
+            <a:schemeClr val="accent1"/>
+          </a:effectRef>
+          <a:fontRef idx="minor">
+            <a:schemeClr val="lt1"/>
+          </a:fontRef>
+        </p:style>
+        <p:txBody>
+          <a:bodyPr rtlCol="0" anchor="ctr"/>
+          <a:lstStyle/>
+          <a:p>
+            <a:pPr algn="ctr"/>
+            <a:endParaRPr lang="ko-KR" altLang="en-US">
+              <a:solidFill>
+                <a:schemeClr val="tx1"/>
+              </a:solidFill>
+            </a:endParaRPr>
+          </a:p>
+        </p:txBody>
+      </p:sp>
+      <p:sp>
+        <p:nvSpPr>
+          <p:cNvPr id="124" name="사다리꼴 123">
+            <a:extLst>
+              <a:ext uri="{FF2B5EF4-FFF2-40B4-BE49-F238E27FC236}">
+                <a16:creationId xmlns:a16="http://schemas.microsoft.com/office/drawing/2014/main" id="{36F2DAF5-40DE-7ADE-8B89-8579B0117E17}"/>
+              </a:ext>
+            </a:extLst>
+          </p:cNvPr>
+          <p:cNvSpPr/>
+          <p:nvPr/>
+        </p:nvSpPr>
+        <p:spPr>
+          <a:xfrm rot="10800000">
+            <a:off x="3965344" y="4911962"/>
+            <a:ext cx="385616" cy="325684"/>
+          </a:xfrm>
+          <a:prstGeom prst="trapezoid">
+            <a:avLst>
+              <a:gd name="adj" fmla="val 35236"/>
+            </a:avLst>
+          </a:prstGeom>
+          <a:noFill/>
+          <a:ln>
+            <a:solidFill>
+              <a:schemeClr val="tx1"/>
+            </a:solidFill>
+          </a:ln>
+        </p:spPr>
+        <p:style>
+          <a:lnRef idx="2">
+            <a:schemeClr val="accent1">
+              <a:shade val="15000"/>
+            </a:schemeClr>
+          </a:lnRef>
+          <a:fillRef idx="1">
+            <a:schemeClr val="accent1"/>
+          </a:fillRef>
+          <a:effectRef idx="0">
+            <a:schemeClr val="accent1"/>
+          </a:effectRef>
+          <a:fontRef idx="minor">
+            <a:schemeClr val="lt1"/>
+          </a:fontRef>
+        </p:style>
+        <p:txBody>
+          <a:bodyPr rtlCol="0" anchor="ctr"/>
+          <a:lstStyle/>
+          <a:p>
+            <a:pPr algn="ctr"/>
+            <a:endParaRPr lang="ko-KR" altLang="en-US">
+              <a:solidFill>
+                <a:schemeClr val="tx1"/>
+              </a:solidFill>
+            </a:endParaRPr>
+          </a:p>
+        </p:txBody>
+      </p:sp>
+      <p:sp>
+        <p:nvSpPr>
+          <p:cNvPr id="126" name="사다리꼴 125">
+            <a:extLst>
+              <a:ext uri="{FF2B5EF4-FFF2-40B4-BE49-F238E27FC236}">
+                <a16:creationId xmlns:a16="http://schemas.microsoft.com/office/drawing/2014/main" id="{066DA4F7-A55D-B80A-F32D-48ACB1343B7E}"/>
+              </a:ext>
+            </a:extLst>
+          </p:cNvPr>
+          <p:cNvSpPr/>
+          <p:nvPr/>
+        </p:nvSpPr>
+        <p:spPr>
+          <a:xfrm>
+            <a:off x="4350960" y="4586644"/>
+            <a:ext cx="772321" cy="325684"/>
+          </a:xfrm>
+          <a:prstGeom prst="trapezoid">
+            <a:avLst>
+              <a:gd name="adj" fmla="val 35236"/>
+            </a:avLst>
+          </a:prstGeom>
+          <a:noFill/>
+          <a:ln>
+            <a:solidFill>
+              <a:schemeClr val="tx1"/>
+            </a:solidFill>
+          </a:ln>
+        </p:spPr>
+        <p:style>
+          <a:lnRef idx="2">
+            <a:schemeClr val="accent1">
+              <a:shade val="15000"/>
+            </a:schemeClr>
+          </a:lnRef>
+          <a:fillRef idx="1">
+            <a:schemeClr val="accent1"/>
+          </a:fillRef>
+          <a:effectRef idx="0">
+            <a:schemeClr val="accent1"/>
+          </a:effectRef>
+          <a:fontRef idx="minor">
+            <a:schemeClr val="lt1"/>
+          </a:fontRef>
+        </p:style>
+        <p:txBody>
+          <a:bodyPr rtlCol="0" anchor="ctr"/>
+          <a:lstStyle/>
+          <a:p>
+            <a:pPr algn="ctr"/>
+            <a:endParaRPr lang="ko-KR" altLang="en-US">
+              <a:solidFill>
+                <a:schemeClr val="tx1"/>
+              </a:solidFill>
+            </a:endParaRPr>
+          </a:p>
+        </p:txBody>
+      </p:sp>
+      <p:sp>
+        <p:nvSpPr>
+          <p:cNvPr id="133" name="사다리꼴 132">
+            <a:extLst>
+              <a:ext uri="{FF2B5EF4-FFF2-40B4-BE49-F238E27FC236}">
+                <a16:creationId xmlns:a16="http://schemas.microsoft.com/office/drawing/2014/main" id="{F48B6757-9925-DD67-249D-758B89D80355}"/>
+              </a:ext>
+            </a:extLst>
+          </p:cNvPr>
+          <p:cNvSpPr/>
+          <p:nvPr/>
+        </p:nvSpPr>
+        <p:spPr>
+          <a:xfrm rot="10800000">
+            <a:off x="5123484" y="4911962"/>
+            <a:ext cx="385616" cy="325684"/>
+          </a:xfrm>
+          <a:prstGeom prst="trapezoid">
+            <a:avLst>
+              <a:gd name="adj" fmla="val 35236"/>
+            </a:avLst>
+          </a:prstGeom>
+          <a:noFill/>
+          <a:ln>
+            <a:solidFill>
+              <a:schemeClr val="tx1"/>
+            </a:solidFill>
+          </a:ln>
+        </p:spPr>
+        <p:style>
+          <a:lnRef idx="2">
+            <a:schemeClr val="accent1">
+              <a:shade val="15000"/>
+            </a:schemeClr>
+          </a:lnRef>
+          <a:fillRef idx="1">
+            <a:schemeClr val="accent1"/>
+          </a:fillRef>
+          <a:effectRef idx="0">
+            <a:schemeClr val="accent1"/>
+          </a:effectRef>
+          <a:fontRef idx="minor">
+            <a:schemeClr val="lt1"/>
+          </a:fontRef>
+        </p:style>
+        <p:txBody>
+          <a:bodyPr rtlCol="0" anchor="ctr"/>
+          <a:lstStyle/>
+          <a:p>
+            <a:pPr algn="ctr"/>
+            <a:endParaRPr lang="ko-KR" altLang="en-US">
+              <a:solidFill>
+                <a:schemeClr val="tx1"/>
+              </a:solidFill>
+            </a:endParaRPr>
+          </a:p>
+        </p:txBody>
+      </p:sp>
+      <p:sp>
+        <p:nvSpPr>
+          <p:cNvPr id="135" name="사다리꼴 134">
+            <a:extLst>
+              <a:ext uri="{FF2B5EF4-FFF2-40B4-BE49-F238E27FC236}">
+                <a16:creationId xmlns:a16="http://schemas.microsoft.com/office/drawing/2014/main" id="{8829E322-F900-81EA-DA4D-17EEEAF18299}"/>
+              </a:ext>
+            </a:extLst>
+          </p:cNvPr>
+          <p:cNvSpPr/>
+          <p:nvPr/>
+        </p:nvSpPr>
+        <p:spPr>
+          <a:xfrm>
+            <a:off x="5509101" y="4586644"/>
+            <a:ext cx="290494" cy="325684"/>
+          </a:xfrm>
+          <a:prstGeom prst="trapezoid">
+            <a:avLst>
+              <a:gd name="adj" fmla="val 35236"/>
+            </a:avLst>
+          </a:prstGeom>
+          <a:noFill/>
+          <a:ln>
+            <a:solidFill>
+              <a:schemeClr val="tx1"/>
+            </a:solidFill>
+          </a:ln>
+        </p:spPr>
+        <p:style>
+          <a:lnRef idx="2">
+            <a:schemeClr val="accent1">
+              <a:shade val="15000"/>
+            </a:schemeClr>
+          </a:lnRef>
+          <a:fillRef idx="1">
+            <a:schemeClr val="accent1"/>
+          </a:fillRef>
+          <a:effectRef idx="0">
+            <a:schemeClr val="accent1"/>
+          </a:effectRef>
+          <a:fontRef idx="minor">
+            <a:schemeClr val="lt1"/>
+          </a:fontRef>
+        </p:style>
+        <p:txBody>
+          <a:bodyPr rtlCol="0" anchor="ctr"/>
+          <a:lstStyle/>
+          <a:p>
+            <a:pPr algn="ctr"/>
+            <a:endParaRPr lang="ko-KR" altLang="en-US">
+              <a:solidFill>
+                <a:schemeClr val="tx1"/>
+              </a:solidFill>
+            </a:endParaRPr>
+          </a:p>
+        </p:txBody>
+      </p:sp>
+      <p:sp>
+        <p:nvSpPr>
+          <p:cNvPr id="138" name="사다리꼴 137">
+            <a:extLst>
+              <a:ext uri="{FF2B5EF4-FFF2-40B4-BE49-F238E27FC236}">
+                <a16:creationId xmlns:a16="http://schemas.microsoft.com/office/drawing/2014/main" id="{FEB3AD10-A9D8-44F2-CBE1-4DB5BAF66D1A}"/>
+              </a:ext>
+            </a:extLst>
+          </p:cNvPr>
+          <p:cNvSpPr/>
+          <p:nvPr/>
+        </p:nvSpPr>
+        <p:spPr>
+          <a:xfrm>
+            <a:off x="8499245" y="4586444"/>
+            <a:ext cx="385616" cy="325684"/>
+          </a:xfrm>
+          <a:prstGeom prst="trapezoid">
+            <a:avLst>
+              <a:gd name="adj" fmla="val 35236"/>
+            </a:avLst>
+          </a:prstGeom>
+          <a:noFill/>
+          <a:ln>
+            <a:solidFill>
+              <a:schemeClr val="tx1"/>
+            </a:solidFill>
+          </a:ln>
+        </p:spPr>
+        <p:style>
+          <a:lnRef idx="2">
+            <a:schemeClr val="accent1">
+              <a:shade val="15000"/>
+            </a:schemeClr>
+          </a:lnRef>
+          <a:fillRef idx="1">
+            <a:schemeClr val="accent1"/>
+          </a:fillRef>
+          <a:effectRef idx="0">
+            <a:schemeClr val="accent1"/>
+          </a:effectRef>
+          <a:fontRef idx="minor">
+            <a:schemeClr val="lt1"/>
+          </a:fontRef>
+        </p:style>
+        <p:txBody>
+          <a:bodyPr rtlCol="0" anchor="ctr"/>
+          <a:lstStyle/>
+          <a:p>
+            <a:pPr algn="ctr"/>
+            <a:endParaRPr lang="ko-KR" altLang="en-US">
+              <a:solidFill>
+                <a:schemeClr val="tx1"/>
+              </a:solidFill>
+            </a:endParaRPr>
+          </a:p>
+        </p:txBody>
+      </p:sp>
+      <p:sp>
+        <p:nvSpPr>
+          <p:cNvPr id="142" name="사다리꼴 141">
+            <a:extLst>
+              <a:ext uri="{FF2B5EF4-FFF2-40B4-BE49-F238E27FC236}">
+                <a16:creationId xmlns:a16="http://schemas.microsoft.com/office/drawing/2014/main" id="{1B8509C5-50E8-0A93-1E0F-4727AB8D907D}"/>
+              </a:ext>
+            </a:extLst>
+          </p:cNvPr>
+          <p:cNvSpPr/>
+          <p:nvPr/>
+        </p:nvSpPr>
+        <p:spPr>
+          <a:xfrm rot="10800000">
+            <a:off x="8891677" y="4916311"/>
+            <a:ext cx="385616" cy="325684"/>
+          </a:xfrm>
+          <a:prstGeom prst="trapezoid">
+            <a:avLst>
+              <a:gd name="adj" fmla="val 35236"/>
+            </a:avLst>
+          </a:prstGeom>
+          <a:noFill/>
+          <a:ln>
+            <a:solidFill>
+              <a:schemeClr val="tx1"/>
+            </a:solidFill>
+          </a:ln>
+        </p:spPr>
+        <p:style>
+          <a:lnRef idx="2">
+            <a:schemeClr val="accent1">
+              <a:shade val="15000"/>
+            </a:schemeClr>
+          </a:lnRef>
+          <a:fillRef idx="1">
+            <a:schemeClr val="accent1"/>
+          </a:fillRef>
+          <a:effectRef idx="0">
+            <a:schemeClr val="accent1"/>
+          </a:effectRef>
+          <a:fontRef idx="minor">
+            <a:schemeClr val="lt1"/>
+          </a:fontRef>
+        </p:style>
+        <p:txBody>
+          <a:bodyPr rtlCol="0" anchor="ctr"/>
+          <a:lstStyle/>
+          <a:p>
+            <a:pPr algn="ctr"/>
+            <a:endParaRPr lang="ko-KR" altLang="en-US">
+              <a:solidFill>
+                <a:schemeClr val="tx1"/>
+              </a:solidFill>
+            </a:endParaRPr>
+          </a:p>
+        </p:txBody>
+      </p:sp>
+      <p:sp>
+        <p:nvSpPr>
+          <p:cNvPr id="144" name="사다리꼴 143">
+            <a:extLst>
+              <a:ext uri="{FF2B5EF4-FFF2-40B4-BE49-F238E27FC236}">
+                <a16:creationId xmlns:a16="http://schemas.microsoft.com/office/drawing/2014/main" id="{537484E1-0D8E-0712-62A5-4CF65217A7B1}"/>
+              </a:ext>
+            </a:extLst>
+          </p:cNvPr>
+          <p:cNvSpPr/>
+          <p:nvPr/>
+        </p:nvSpPr>
+        <p:spPr>
+          <a:xfrm>
+            <a:off x="9276648" y="4586644"/>
+            <a:ext cx="772321" cy="325684"/>
+          </a:xfrm>
+          <a:prstGeom prst="trapezoid">
+            <a:avLst>
+              <a:gd name="adj" fmla="val 35236"/>
+            </a:avLst>
+          </a:prstGeom>
+          <a:noFill/>
+          <a:ln>
+            <a:solidFill>
+              <a:schemeClr val="tx1"/>
+            </a:solidFill>
+          </a:ln>
+        </p:spPr>
+        <p:style>
+          <a:lnRef idx="2">
+            <a:schemeClr val="accent1">
+              <a:shade val="15000"/>
+            </a:schemeClr>
+          </a:lnRef>
+          <a:fillRef idx="1">
+            <a:schemeClr val="accent1"/>
+          </a:fillRef>
+          <a:effectRef idx="0">
+            <a:schemeClr val="accent1"/>
+          </a:effectRef>
+          <a:fontRef idx="minor">
+            <a:schemeClr val="lt1"/>
+          </a:fontRef>
+        </p:style>
+        <p:txBody>
+          <a:bodyPr rtlCol="0" anchor="ctr"/>
+          <a:lstStyle/>
+          <a:p>
+            <a:pPr algn="ctr"/>
+            <a:endParaRPr lang="ko-KR" altLang="en-US">
+              <a:solidFill>
+                <a:schemeClr val="tx1"/>
+              </a:solidFill>
+            </a:endParaRPr>
+          </a:p>
+        </p:txBody>
+      </p:sp>
+      <p:sp>
+        <p:nvSpPr>
+          <p:cNvPr id="151" name="사다리꼴 150">
+            <a:extLst>
+              <a:ext uri="{FF2B5EF4-FFF2-40B4-BE49-F238E27FC236}">
+                <a16:creationId xmlns:a16="http://schemas.microsoft.com/office/drawing/2014/main" id="{A2DC6E04-5328-818A-A259-81D1C6152078}"/>
+              </a:ext>
+            </a:extLst>
+          </p:cNvPr>
+          <p:cNvSpPr/>
+          <p:nvPr/>
+        </p:nvSpPr>
+        <p:spPr>
+          <a:xfrm rot="10800000">
+            <a:off x="10049818" y="4916311"/>
+            <a:ext cx="385616" cy="325684"/>
+          </a:xfrm>
+          <a:prstGeom prst="trapezoid">
+            <a:avLst>
+              <a:gd name="adj" fmla="val 35236"/>
+            </a:avLst>
+          </a:prstGeom>
+          <a:noFill/>
+          <a:ln>
+            <a:solidFill>
+              <a:schemeClr val="tx1"/>
+            </a:solidFill>
+          </a:ln>
+        </p:spPr>
+        <p:style>
+          <a:lnRef idx="2">
+            <a:schemeClr val="accent1">
+              <a:shade val="15000"/>
+            </a:schemeClr>
+          </a:lnRef>
+          <a:fillRef idx="1">
+            <a:schemeClr val="accent1"/>
+          </a:fillRef>
+          <a:effectRef idx="0">
+            <a:schemeClr val="accent1"/>
+          </a:effectRef>
+          <a:fontRef idx="minor">
+            <a:schemeClr val="lt1"/>
+          </a:fontRef>
+        </p:style>
+        <p:txBody>
+          <a:bodyPr rtlCol="0" anchor="ctr"/>
+          <a:lstStyle/>
+          <a:p>
+            <a:pPr algn="ctr"/>
+            <a:endParaRPr lang="ko-KR" altLang="en-US">
+              <a:solidFill>
+                <a:schemeClr val="tx1"/>
+              </a:solidFill>
+            </a:endParaRPr>
+          </a:p>
+        </p:txBody>
+      </p:sp>
+      <p:sp>
+        <p:nvSpPr>
+          <p:cNvPr id="153" name="사다리꼴 152">
+            <a:extLst>
+              <a:ext uri="{FF2B5EF4-FFF2-40B4-BE49-F238E27FC236}">
+                <a16:creationId xmlns:a16="http://schemas.microsoft.com/office/drawing/2014/main" id="{E3F15061-3228-1DF1-04DB-A40EF7FD35F5}"/>
+              </a:ext>
+            </a:extLst>
+          </p:cNvPr>
+          <p:cNvSpPr/>
+          <p:nvPr/>
+        </p:nvSpPr>
+        <p:spPr>
+          <a:xfrm>
+            <a:off x="10435233" y="4587125"/>
+            <a:ext cx="290623" cy="325684"/>
+          </a:xfrm>
+          <a:prstGeom prst="trapezoid">
+            <a:avLst>
+              <a:gd name="adj" fmla="val 35236"/>
+            </a:avLst>
+          </a:prstGeom>
+          <a:noFill/>
+          <a:ln>
+            <a:solidFill>
+              <a:schemeClr val="tx1"/>
+            </a:solidFill>
+          </a:ln>
+        </p:spPr>
+        <p:style>
+          <a:lnRef idx="2">
+            <a:schemeClr val="accent1">
+              <a:shade val="15000"/>
+            </a:schemeClr>
+          </a:lnRef>
+          <a:fillRef idx="1">
+            <a:schemeClr val="accent1"/>
+          </a:fillRef>
+          <a:effectRef idx="0">
+            <a:schemeClr val="accent1"/>
+          </a:effectRef>
+          <a:fontRef idx="minor">
+            <a:schemeClr val="lt1"/>
+          </a:fontRef>
+        </p:style>
+        <p:txBody>
+          <a:bodyPr rtlCol="0" anchor="ctr"/>
+          <a:lstStyle/>
+          <a:p>
+            <a:pPr algn="ctr"/>
+            <a:endParaRPr lang="ko-KR" altLang="en-US">
+              <a:solidFill>
+                <a:schemeClr val="tx1"/>
+              </a:solidFill>
+            </a:endParaRPr>
+          </a:p>
+        </p:txBody>
+      </p:sp>
+      <p:sp>
+        <p:nvSpPr>
+          <p:cNvPr id="155" name="TextBox 154">
+            <a:extLst>
+              <a:ext uri="{FF2B5EF4-FFF2-40B4-BE49-F238E27FC236}">
+                <a16:creationId xmlns:a16="http://schemas.microsoft.com/office/drawing/2014/main" id="{F8471660-400B-C578-F0D0-92058804F08F}"/>
+              </a:ext>
+            </a:extLst>
+          </p:cNvPr>
+          <p:cNvSpPr txBox="1"/>
+          <p:nvPr/>
+        </p:nvSpPr>
+        <p:spPr>
+          <a:xfrm>
+            <a:off x="946801" y="5358249"/>
+            <a:ext cx="301686" cy="369332"/>
+          </a:xfrm>
+          <a:prstGeom prst="rect">
+            <a:avLst/>
+          </a:prstGeom>
+          <a:noFill/>
+        </p:spPr>
+        <p:txBody>
+          <a:bodyPr wrap="square" rtlCol="0">
+            <a:spAutoFit/>
+          </a:bodyPr>
+          <a:lstStyle/>
+          <a:p>
+            <a:r>
+              <a:rPr lang="en-US" altLang="ko-KR"/>
+              <a:t>0</a:t>
+            </a:r>
+            <a:endParaRPr lang="ko-KR" altLang="en-US"/>
+          </a:p>
+        </p:txBody>
+      </p:sp>
+      <p:sp>
+        <p:nvSpPr>
+          <p:cNvPr id="156" name="TextBox 155">
+            <a:extLst>
+              <a:ext uri="{FF2B5EF4-FFF2-40B4-BE49-F238E27FC236}">
+                <a16:creationId xmlns:a16="http://schemas.microsoft.com/office/drawing/2014/main" id="{CD2EDFFC-4E68-2B4A-769C-AF00E0AD07D0}"/>
+              </a:ext>
+            </a:extLst>
+          </p:cNvPr>
+          <p:cNvSpPr txBox="1"/>
+          <p:nvPr/>
+        </p:nvSpPr>
+        <p:spPr>
+          <a:xfrm>
+            <a:off x="1328001" y="5358249"/>
+            <a:ext cx="301686" cy="369332"/>
+          </a:xfrm>
+          <a:prstGeom prst="rect">
+            <a:avLst/>
+          </a:prstGeom>
+          <a:noFill/>
+        </p:spPr>
+        <p:txBody>
+          <a:bodyPr wrap="square" rtlCol="0">
+            <a:spAutoFit/>
+          </a:bodyPr>
+          <a:lstStyle/>
+          <a:p>
+            <a:r>
+              <a:rPr lang="en-US" altLang="ko-KR"/>
+              <a:t>1</a:t>
+            </a:r>
+            <a:endParaRPr lang="ko-KR" altLang="en-US"/>
+          </a:p>
+        </p:txBody>
+      </p:sp>
+      <p:sp>
+        <p:nvSpPr>
+          <p:cNvPr id="157" name="TextBox 156">
+            <a:extLst>
+              <a:ext uri="{FF2B5EF4-FFF2-40B4-BE49-F238E27FC236}">
+                <a16:creationId xmlns:a16="http://schemas.microsoft.com/office/drawing/2014/main" id="{AF197414-3441-833D-B87F-73297A63F66F}"/>
+              </a:ext>
+            </a:extLst>
+          </p:cNvPr>
+          <p:cNvSpPr txBox="1"/>
+          <p:nvPr/>
+        </p:nvSpPr>
+        <p:spPr>
+          <a:xfrm>
+            <a:off x="1748692" y="5358249"/>
+            <a:ext cx="301686" cy="369332"/>
+          </a:xfrm>
+          <a:prstGeom prst="rect">
+            <a:avLst/>
+          </a:prstGeom>
+          <a:noFill/>
+        </p:spPr>
+        <p:txBody>
+          <a:bodyPr wrap="square" rtlCol="0">
+            <a:spAutoFit/>
+          </a:bodyPr>
+          <a:lstStyle/>
+          <a:p>
+            <a:r>
+              <a:rPr lang="en-US" altLang="ko-KR"/>
+              <a:t>2</a:t>
+            </a:r>
+            <a:endParaRPr lang="ko-KR" altLang="en-US"/>
+          </a:p>
+        </p:txBody>
+      </p:sp>
+      <p:sp>
+        <p:nvSpPr>
+          <p:cNvPr id="158" name="TextBox 157">
+            <a:extLst>
+              <a:ext uri="{FF2B5EF4-FFF2-40B4-BE49-F238E27FC236}">
+                <a16:creationId xmlns:a16="http://schemas.microsoft.com/office/drawing/2014/main" id="{647BA072-AB6C-DE3D-1062-1697552E5619}"/>
+              </a:ext>
+            </a:extLst>
+          </p:cNvPr>
+          <p:cNvSpPr txBox="1"/>
+          <p:nvPr/>
+        </p:nvSpPr>
+        <p:spPr>
+          <a:xfrm>
+            <a:off x="2098033" y="5358249"/>
+            <a:ext cx="301686" cy="369332"/>
+          </a:xfrm>
+          <a:prstGeom prst="rect">
+            <a:avLst/>
+          </a:prstGeom>
+          <a:noFill/>
+        </p:spPr>
+        <p:txBody>
+          <a:bodyPr wrap="square" rtlCol="0">
+            <a:spAutoFit/>
+          </a:bodyPr>
+          <a:lstStyle/>
+          <a:p>
+            <a:r>
+              <a:rPr lang="en-US" altLang="ko-KR"/>
+              <a:t>3</a:t>
+            </a:r>
+            <a:endParaRPr lang="ko-KR" altLang="en-US"/>
+          </a:p>
+        </p:txBody>
+      </p:sp>
+      <p:sp>
+        <p:nvSpPr>
+          <p:cNvPr id="159" name="TextBox 158">
+            <a:extLst>
+              <a:ext uri="{FF2B5EF4-FFF2-40B4-BE49-F238E27FC236}">
+                <a16:creationId xmlns:a16="http://schemas.microsoft.com/office/drawing/2014/main" id="{0C9A7956-1789-761C-7C21-6C127AC1F8D8}"/>
+              </a:ext>
+            </a:extLst>
+          </p:cNvPr>
+          <p:cNvSpPr txBox="1"/>
+          <p:nvPr/>
+        </p:nvSpPr>
+        <p:spPr>
+          <a:xfrm>
+            <a:off x="3620132" y="5358249"/>
+            <a:ext cx="301686" cy="369332"/>
+          </a:xfrm>
+          <a:prstGeom prst="rect">
+            <a:avLst/>
+          </a:prstGeom>
+          <a:noFill/>
+        </p:spPr>
+        <p:txBody>
+          <a:bodyPr wrap="square" rtlCol="0">
+            <a:spAutoFit/>
+          </a:bodyPr>
+          <a:lstStyle/>
+          <a:p>
+            <a:r>
+              <a:rPr lang="en-US" altLang="ko-KR"/>
+              <a:t>0</a:t>
+            </a:r>
+            <a:endParaRPr lang="ko-KR" altLang="en-US"/>
+          </a:p>
+        </p:txBody>
+      </p:sp>
+      <p:sp>
+        <p:nvSpPr>
+          <p:cNvPr id="160" name="TextBox 159">
+            <a:extLst>
+              <a:ext uri="{FF2B5EF4-FFF2-40B4-BE49-F238E27FC236}">
+                <a16:creationId xmlns:a16="http://schemas.microsoft.com/office/drawing/2014/main" id="{D90C663D-27FD-0902-7364-77511A294EA5}"/>
+              </a:ext>
+            </a:extLst>
+          </p:cNvPr>
+          <p:cNvSpPr txBox="1"/>
+          <p:nvPr/>
+        </p:nvSpPr>
+        <p:spPr>
+          <a:xfrm>
+            <a:off x="4001332" y="5358249"/>
+            <a:ext cx="301686" cy="369332"/>
+          </a:xfrm>
+          <a:prstGeom prst="rect">
+            <a:avLst/>
+          </a:prstGeom>
+          <a:noFill/>
+        </p:spPr>
+        <p:txBody>
+          <a:bodyPr wrap="square" rtlCol="0">
+            <a:spAutoFit/>
+          </a:bodyPr>
+          <a:lstStyle/>
+          <a:p>
+            <a:r>
+              <a:rPr lang="en-US" altLang="ko-KR"/>
+              <a:t>1</a:t>
+            </a:r>
+            <a:endParaRPr lang="ko-KR" altLang="en-US"/>
+          </a:p>
+        </p:txBody>
+      </p:sp>
+      <p:sp>
+        <p:nvSpPr>
+          <p:cNvPr id="161" name="TextBox 160">
+            <a:extLst>
+              <a:ext uri="{FF2B5EF4-FFF2-40B4-BE49-F238E27FC236}">
+                <a16:creationId xmlns:a16="http://schemas.microsoft.com/office/drawing/2014/main" id="{AA753683-95A2-F48C-5970-AEBFE22D7F03}"/>
+              </a:ext>
+            </a:extLst>
+          </p:cNvPr>
+          <p:cNvSpPr txBox="1"/>
+          <p:nvPr/>
+        </p:nvSpPr>
+        <p:spPr>
+          <a:xfrm>
+            <a:off x="4422023" y="5358249"/>
+            <a:ext cx="301686" cy="369332"/>
+          </a:xfrm>
+          <a:prstGeom prst="rect">
+            <a:avLst/>
+          </a:prstGeom>
+          <a:noFill/>
+        </p:spPr>
+        <p:txBody>
+          <a:bodyPr wrap="square" rtlCol="0">
+            <a:spAutoFit/>
+          </a:bodyPr>
+          <a:lstStyle/>
+          <a:p>
+            <a:r>
+              <a:rPr lang="en-US" altLang="ko-KR"/>
+              <a:t>2</a:t>
+            </a:r>
+            <a:endParaRPr lang="ko-KR" altLang="en-US"/>
+          </a:p>
+        </p:txBody>
+      </p:sp>
+      <p:sp>
+        <p:nvSpPr>
+          <p:cNvPr id="162" name="TextBox 161">
+            <a:extLst>
+              <a:ext uri="{FF2B5EF4-FFF2-40B4-BE49-F238E27FC236}">
+                <a16:creationId xmlns:a16="http://schemas.microsoft.com/office/drawing/2014/main" id="{8559F8B1-BEC4-515C-04E6-87FB475AA56F}"/>
+              </a:ext>
+            </a:extLst>
+          </p:cNvPr>
+          <p:cNvSpPr txBox="1"/>
+          <p:nvPr/>
+        </p:nvSpPr>
+        <p:spPr>
+          <a:xfrm>
+            <a:off x="4806970" y="5358249"/>
+            <a:ext cx="301686" cy="369332"/>
+          </a:xfrm>
+          <a:prstGeom prst="rect">
+            <a:avLst/>
+          </a:prstGeom>
+          <a:noFill/>
+        </p:spPr>
+        <p:txBody>
+          <a:bodyPr wrap="square" rtlCol="0">
+            <a:spAutoFit/>
+          </a:bodyPr>
+          <a:lstStyle/>
+          <a:p>
+            <a:r>
+              <a:rPr lang="en-US" altLang="ko-KR"/>
+              <a:t>3</a:t>
+            </a:r>
+            <a:endParaRPr lang="ko-KR" altLang="en-US"/>
+          </a:p>
+        </p:txBody>
+      </p:sp>
+      <p:sp>
+        <p:nvSpPr>
+          <p:cNvPr id="163" name="TextBox 162">
+            <a:extLst>
+              <a:ext uri="{FF2B5EF4-FFF2-40B4-BE49-F238E27FC236}">
+                <a16:creationId xmlns:a16="http://schemas.microsoft.com/office/drawing/2014/main" id="{CB9A30FF-0291-3348-CBC4-61C788BB149C}"/>
+              </a:ext>
+            </a:extLst>
+          </p:cNvPr>
+          <p:cNvSpPr txBox="1"/>
+          <p:nvPr/>
+        </p:nvSpPr>
+        <p:spPr>
+          <a:xfrm>
+            <a:off x="5176060" y="5358249"/>
+            <a:ext cx="301686" cy="369332"/>
+          </a:xfrm>
+          <a:prstGeom prst="rect">
+            <a:avLst/>
+          </a:prstGeom>
+          <a:noFill/>
+        </p:spPr>
+        <p:txBody>
+          <a:bodyPr wrap="square" rtlCol="0">
+            <a:spAutoFit/>
+          </a:bodyPr>
+          <a:lstStyle/>
+          <a:p>
+            <a:r>
+              <a:rPr lang="en-US" altLang="ko-KR"/>
+              <a:t>4</a:t>
+            </a:r>
+            <a:endParaRPr lang="ko-KR" altLang="en-US"/>
+          </a:p>
+        </p:txBody>
+      </p:sp>
+      <p:sp>
+        <p:nvSpPr>
+          <p:cNvPr id="164" name="TextBox 163">
+            <a:extLst>
+              <a:ext uri="{FF2B5EF4-FFF2-40B4-BE49-F238E27FC236}">
+                <a16:creationId xmlns:a16="http://schemas.microsoft.com/office/drawing/2014/main" id="{30C68BB2-E57F-CC70-6C8A-A4FCD2668332}"/>
+              </a:ext>
+            </a:extLst>
+          </p:cNvPr>
+          <p:cNvSpPr txBox="1"/>
+          <p:nvPr/>
+        </p:nvSpPr>
+        <p:spPr>
+          <a:xfrm>
+            <a:off x="5561007" y="5358249"/>
+            <a:ext cx="301686" cy="369332"/>
+          </a:xfrm>
+          <a:prstGeom prst="rect">
+            <a:avLst/>
+          </a:prstGeom>
+          <a:noFill/>
+        </p:spPr>
+        <p:txBody>
+          <a:bodyPr wrap="square" rtlCol="0">
+            <a:spAutoFit/>
+          </a:bodyPr>
+          <a:lstStyle/>
+          <a:p>
+            <a:r>
+              <a:rPr lang="en-US" altLang="ko-KR"/>
+              <a:t>5</a:t>
+            </a:r>
+            <a:endParaRPr lang="ko-KR" altLang="en-US"/>
+          </a:p>
+        </p:txBody>
+      </p:sp>
+      <p:sp>
+        <p:nvSpPr>
+          <p:cNvPr id="165" name="TextBox 164">
+            <a:extLst>
+              <a:ext uri="{FF2B5EF4-FFF2-40B4-BE49-F238E27FC236}">
+                <a16:creationId xmlns:a16="http://schemas.microsoft.com/office/drawing/2014/main" id="{E5098F9C-02FB-0F6B-1CA6-261A34737588}"/>
+              </a:ext>
+            </a:extLst>
+          </p:cNvPr>
+          <p:cNvSpPr txBox="1"/>
+          <p:nvPr/>
+        </p:nvSpPr>
+        <p:spPr>
+          <a:xfrm>
+            <a:off x="8515724" y="5358249"/>
+            <a:ext cx="301686" cy="369332"/>
+          </a:xfrm>
+          <a:prstGeom prst="rect">
+            <a:avLst/>
+          </a:prstGeom>
+          <a:noFill/>
+        </p:spPr>
+        <p:txBody>
+          <a:bodyPr wrap="square" rtlCol="0">
+            <a:spAutoFit/>
+          </a:bodyPr>
+          <a:lstStyle/>
+          <a:p>
+            <a:r>
+              <a:rPr lang="en-US" altLang="ko-KR"/>
+              <a:t>0</a:t>
+            </a:r>
+            <a:endParaRPr lang="ko-KR" altLang="en-US"/>
+          </a:p>
+        </p:txBody>
+      </p:sp>
+      <p:sp>
+        <p:nvSpPr>
+          <p:cNvPr id="166" name="TextBox 165">
+            <a:extLst>
+              <a:ext uri="{FF2B5EF4-FFF2-40B4-BE49-F238E27FC236}">
+                <a16:creationId xmlns:a16="http://schemas.microsoft.com/office/drawing/2014/main" id="{99184957-963C-1B39-1FE7-385FE4C53754}"/>
+              </a:ext>
+            </a:extLst>
+          </p:cNvPr>
+          <p:cNvSpPr txBox="1"/>
+          <p:nvPr/>
+        </p:nvSpPr>
+        <p:spPr>
+          <a:xfrm>
+            <a:off x="8896924" y="5358249"/>
+            <a:ext cx="301686" cy="369332"/>
+          </a:xfrm>
+          <a:prstGeom prst="rect">
+            <a:avLst/>
+          </a:prstGeom>
+          <a:noFill/>
+        </p:spPr>
+        <p:txBody>
+          <a:bodyPr wrap="square" rtlCol="0">
+            <a:spAutoFit/>
+          </a:bodyPr>
+          <a:lstStyle/>
+          <a:p>
+            <a:r>
+              <a:rPr lang="en-US" altLang="ko-KR"/>
+              <a:t>1</a:t>
+            </a:r>
+            <a:endParaRPr lang="ko-KR" altLang="en-US"/>
+          </a:p>
+        </p:txBody>
+      </p:sp>
+      <p:sp>
+        <p:nvSpPr>
+          <p:cNvPr id="167" name="TextBox 166">
+            <a:extLst>
+              <a:ext uri="{FF2B5EF4-FFF2-40B4-BE49-F238E27FC236}">
+                <a16:creationId xmlns:a16="http://schemas.microsoft.com/office/drawing/2014/main" id="{AA649B3B-6EE5-EA8F-997D-BBC8863C207D}"/>
+              </a:ext>
+            </a:extLst>
+          </p:cNvPr>
+          <p:cNvSpPr txBox="1"/>
+          <p:nvPr/>
+        </p:nvSpPr>
+        <p:spPr>
+          <a:xfrm>
+            <a:off x="9317615" y="5358249"/>
+            <a:ext cx="301686" cy="369332"/>
+          </a:xfrm>
+          <a:prstGeom prst="rect">
+            <a:avLst/>
+          </a:prstGeom>
+          <a:noFill/>
+        </p:spPr>
+        <p:txBody>
+          <a:bodyPr wrap="square" rtlCol="0">
+            <a:spAutoFit/>
+          </a:bodyPr>
+          <a:lstStyle/>
+          <a:p>
+            <a:r>
+              <a:rPr lang="en-US" altLang="ko-KR"/>
+              <a:t>2</a:t>
+            </a:r>
+            <a:endParaRPr lang="ko-KR" altLang="en-US"/>
+          </a:p>
+        </p:txBody>
+      </p:sp>
+      <p:sp>
+        <p:nvSpPr>
+          <p:cNvPr id="168" name="TextBox 167">
+            <a:extLst>
+              <a:ext uri="{FF2B5EF4-FFF2-40B4-BE49-F238E27FC236}">
+                <a16:creationId xmlns:a16="http://schemas.microsoft.com/office/drawing/2014/main" id="{6F50C6F2-EDF7-90CA-810F-F8ABD3D96878}"/>
+              </a:ext>
+            </a:extLst>
+          </p:cNvPr>
+          <p:cNvSpPr txBox="1"/>
+          <p:nvPr/>
+        </p:nvSpPr>
+        <p:spPr>
+          <a:xfrm>
+            <a:off x="9702562" y="5358249"/>
+            <a:ext cx="301686" cy="369332"/>
+          </a:xfrm>
+          <a:prstGeom prst="rect">
+            <a:avLst/>
+          </a:prstGeom>
+          <a:noFill/>
+        </p:spPr>
+        <p:txBody>
+          <a:bodyPr wrap="square" rtlCol="0">
+            <a:spAutoFit/>
+          </a:bodyPr>
+          <a:lstStyle/>
+          <a:p>
+            <a:r>
+              <a:rPr lang="en-US" altLang="ko-KR"/>
+              <a:t>3</a:t>
+            </a:r>
+            <a:endParaRPr lang="ko-KR" altLang="en-US"/>
+          </a:p>
+        </p:txBody>
+      </p:sp>
+      <p:sp>
+        <p:nvSpPr>
+          <p:cNvPr id="169" name="TextBox 168">
+            <a:extLst>
+              <a:ext uri="{FF2B5EF4-FFF2-40B4-BE49-F238E27FC236}">
+                <a16:creationId xmlns:a16="http://schemas.microsoft.com/office/drawing/2014/main" id="{AFD31454-1017-5186-0493-442E677E2842}"/>
+              </a:ext>
+            </a:extLst>
+          </p:cNvPr>
+          <p:cNvSpPr txBox="1"/>
+          <p:nvPr/>
+        </p:nvSpPr>
+        <p:spPr>
+          <a:xfrm>
+            <a:off x="10071652" y="5358249"/>
+            <a:ext cx="301686" cy="369332"/>
+          </a:xfrm>
+          <a:prstGeom prst="rect">
+            <a:avLst/>
+          </a:prstGeom>
+          <a:noFill/>
+        </p:spPr>
+        <p:txBody>
+          <a:bodyPr wrap="square" rtlCol="0">
+            <a:spAutoFit/>
+          </a:bodyPr>
+          <a:lstStyle/>
+          <a:p>
+            <a:r>
+              <a:rPr lang="en-US" altLang="ko-KR"/>
+              <a:t>4</a:t>
+            </a:r>
+            <a:endParaRPr lang="ko-KR" altLang="en-US"/>
+          </a:p>
+        </p:txBody>
+      </p:sp>
+      <p:sp>
+        <p:nvSpPr>
+          <p:cNvPr id="170" name="TextBox 169">
+            <a:extLst>
+              <a:ext uri="{FF2B5EF4-FFF2-40B4-BE49-F238E27FC236}">
+                <a16:creationId xmlns:a16="http://schemas.microsoft.com/office/drawing/2014/main" id="{71EB2D34-4F20-7E18-E403-3429FC179BD4}"/>
+              </a:ext>
+            </a:extLst>
+          </p:cNvPr>
+          <p:cNvSpPr txBox="1"/>
+          <p:nvPr/>
+        </p:nvSpPr>
+        <p:spPr>
+          <a:xfrm>
+            <a:off x="10456599" y="5358249"/>
+            <a:ext cx="301686" cy="369332"/>
+          </a:xfrm>
+          <a:prstGeom prst="rect">
+            <a:avLst/>
+          </a:prstGeom>
+          <a:noFill/>
+        </p:spPr>
+        <p:txBody>
+          <a:bodyPr wrap="square" rtlCol="0">
+            <a:spAutoFit/>
+          </a:bodyPr>
+          <a:lstStyle/>
+          <a:p>
+            <a:r>
+              <a:rPr lang="en-US" altLang="ko-KR"/>
+              <a:t>5</a:t>
+            </a:r>
+            <a:endParaRPr lang="ko-KR" altLang="en-US"/>
+          </a:p>
+        </p:txBody>
+      </p:sp>
+      <p:sp>
+        <p:nvSpPr>
+          <p:cNvPr id="171" name="사다리꼴 170">
+            <a:extLst>
+              <a:ext uri="{FF2B5EF4-FFF2-40B4-BE49-F238E27FC236}">
+                <a16:creationId xmlns:a16="http://schemas.microsoft.com/office/drawing/2014/main" id="{0C863652-B01C-F031-14EE-64BADAD57CDD}"/>
+              </a:ext>
+            </a:extLst>
+          </p:cNvPr>
+          <p:cNvSpPr/>
+          <p:nvPr/>
+        </p:nvSpPr>
+        <p:spPr>
+          <a:xfrm>
+            <a:off x="2387767" y="3254427"/>
+            <a:ext cx="385616" cy="325684"/>
+          </a:xfrm>
+          <a:prstGeom prst="trapezoid">
+            <a:avLst>
+              <a:gd name="adj" fmla="val 35236"/>
+            </a:avLst>
+          </a:prstGeom>
+          <a:noFill/>
+          <a:ln>
+            <a:solidFill>
+              <a:schemeClr val="tx1"/>
+            </a:solidFill>
+          </a:ln>
+        </p:spPr>
+        <p:style>
+          <a:lnRef idx="2">
+            <a:schemeClr val="accent1">
+              <a:shade val="15000"/>
+            </a:schemeClr>
+          </a:lnRef>
+          <a:fillRef idx="1">
+            <a:schemeClr val="accent1"/>
+          </a:fillRef>
+          <a:effectRef idx="0">
+            <a:schemeClr val="accent1"/>
+          </a:effectRef>
+          <a:fontRef idx="minor">
+            <a:schemeClr val="lt1"/>
+          </a:fontRef>
+        </p:style>
+        <p:txBody>
+          <a:bodyPr rtlCol="0" anchor="ctr"/>
+          <a:lstStyle/>
+          <a:p>
+            <a:pPr algn="ctr"/>
+            <a:endParaRPr lang="ko-KR" altLang="en-US">
+              <a:solidFill>
+                <a:schemeClr val="tx1"/>
+              </a:solidFill>
+            </a:endParaRPr>
+          </a:p>
+        </p:txBody>
+      </p:sp>
+      <p:sp>
+        <p:nvSpPr>
+          <p:cNvPr id="172" name="사다리꼴 171">
+            <a:extLst>
+              <a:ext uri="{FF2B5EF4-FFF2-40B4-BE49-F238E27FC236}">
+                <a16:creationId xmlns:a16="http://schemas.microsoft.com/office/drawing/2014/main" id="{0CEB0B02-9FDC-F708-055D-0505AF9B8A68}"/>
+              </a:ext>
+            </a:extLst>
+          </p:cNvPr>
+          <p:cNvSpPr/>
+          <p:nvPr/>
+        </p:nvSpPr>
+        <p:spPr>
+          <a:xfrm rot="10800000">
+            <a:off x="716383" y="3580112"/>
+            <a:ext cx="1665739" cy="325684"/>
+          </a:xfrm>
+          <a:prstGeom prst="trapezoid">
+            <a:avLst>
+              <a:gd name="adj" fmla="val 35236"/>
+            </a:avLst>
+          </a:prstGeom>
+          <a:noFill/>
+          <a:ln>
+            <a:solidFill>
+              <a:schemeClr val="tx1"/>
+            </a:solidFill>
+          </a:ln>
+        </p:spPr>
+        <p:style>
+          <a:lnRef idx="2">
+            <a:schemeClr val="accent1">
+              <a:shade val="15000"/>
+            </a:schemeClr>
+          </a:lnRef>
+          <a:fillRef idx="1">
+            <a:schemeClr val="accent1"/>
+          </a:fillRef>
+          <a:effectRef idx="0">
+            <a:schemeClr val="accent1"/>
+          </a:effectRef>
+          <a:fontRef idx="minor">
+            <a:schemeClr val="lt1"/>
+          </a:fontRef>
+        </p:style>
+        <p:txBody>
+          <a:bodyPr rtlCol="0" anchor="ctr"/>
+          <a:lstStyle/>
+          <a:p>
+            <a:pPr algn="ctr"/>
+            <a:endParaRPr lang="ko-KR" altLang="en-US">
+              <a:solidFill>
+                <a:schemeClr val="tx1"/>
+              </a:solidFill>
+            </a:endParaRPr>
+          </a:p>
+        </p:txBody>
+      </p:sp>
+      <p:sp>
+        <p:nvSpPr>
+          <p:cNvPr id="173" name="사다리꼴 172">
+            <a:extLst>
+              <a:ext uri="{FF2B5EF4-FFF2-40B4-BE49-F238E27FC236}">
+                <a16:creationId xmlns:a16="http://schemas.microsoft.com/office/drawing/2014/main" id="{39B949FD-1FDB-226A-C9EE-941404890876}"/>
+              </a:ext>
+            </a:extLst>
+          </p:cNvPr>
+          <p:cNvSpPr/>
+          <p:nvPr/>
+        </p:nvSpPr>
+        <p:spPr>
+          <a:xfrm>
+            <a:off x="902970" y="2014344"/>
+            <a:ext cx="385616" cy="325684"/>
+          </a:xfrm>
+          <a:prstGeom prst="trapezoid">
+            <a:avLst>
+              <a:gd name="adj" fmla="val 35236"/>
+            </a:avLst>
+          </a:prstGeom>
+          <a:noFill/>
+          <a:ln>
+            <a:solidFill>
+              <a:schemeClr val="tx1"/>
+            </a:solidFill>
+          </a:ln>
+        </p:spPr>
+        <p:style>
+          <a:lnRef idx="2">
+            <a:schemeClr val="accent1">
+              <a:shade val="15000"/>
+            </a:schemeClr>
+          </a:lnRef>
+          <a:fillRef idx="1">
+            <a:schemeClr val="accent1"/>
+          </a:fillRef>
+          <a:effectRef idx="0">
+            <a:schemeClr val="accent1"/>
+          </a:effectRef>
+          <a:fontRef idx="minor">
+            <a:schemeClr val="lt1"/>
+          </a:fontRef>
+        </p:style>
+        <p:txBody>
+          <a:bodyPr rtlCol="0" anchor="ctr"/>
+          <a:lstStyle/>
+          <a:p>
+            <a:pPr algn="ctr"/>
+            <a:endParaRPr lang="ko-KR" altLang="en-US">
+              <a:solidFill>
+                <a:schemeClr val="tx1"/>
+              </a:solidFill>
+            </a:endParaRPr>
+          </a:p>
+        </p:txBody>
+      </p:sp>
+      <p:sp>
+        <p:nvSpPr>
+          <p:cNvPr id="174" name="사다리꼴 173">
+            <a:extLst>
+              <a:ext uri="{FF2B5EF4-FFF2-40B4-BE49-F238E27FC236}">
+                <a16:creationId xmlns:a16="http://schemas.microsoft.com/office/drawing/2014/main" id="{C35A9160-3B10-0477-53F3-2D050C64B635}"/>
+              </a:ext>
+            </a:extLst>
+          </p:cNvPr>
+          <p:cNvSpPr/>
+          <p:nvPr/>
+        </p:nvSpPr>
+        <p:spPr>
+          <a:xfrm rot="10800000">
+            <a:off x="1288583" y="2342956"/>
+            <a:ext cx="2284328" cy="325684"/>
+          </a:xfrm>
+          <a:prstGeom prst="trapezoid">
+            <a:avLst>
+              <a:gd name="adj" fmla="val 35236"/>
+            </a:avLst>
+          </a:prstGeom>
+          <a:noFill/>
+          <a:ln>
+            <a:solidFill>
+              <a:schemeClr val="tx1"/>
+            </a:solidFill>
+          </a:ln>
+        </p:spPr>
+        <p:style>
+          <a:lnRef idx="2">
+            <a:schemeClr val="accent1">
+              <a:shade val="15000"/>
+            </a:schemeClr>
+          </a:lnRef>
+          <a:fillRef idx="1">
+            <a:schemeClr val="accent1"/>
+          </a:fillRef>
+          <a:effectRef idx="0">
+            <a:schemeClr val="accent1"/>
+          </a:effectRef>
+          <a:fontRef idx="minor">
+            <a:schemeClr val="lt1"/>
+          </a:fontRef>
+        </p:style>
+        <p:txBody>
+          <a:bodyPr rtlCol="0" anchor="ctr"/>
+          <a:lstStyle/>
+          <a:p>
+            <a:pPr algn="ctr"/>
+            <a:endParaRPr lang="ko-KR" altLang="en-US">
+              <a:solidFill>
+                <a:schemeClr val="tx1"/>
+              </a:solidFill>
+            </a:endParaRPr>
+          </a:p>
+        </p:txBody>
+      </p:sp>
+      <p:sp>
+        <p:nvSpPr>
+          <p:cNvPr id="176" name="사다리꼴 175">
+            <a:extLst>
+              <a:ext uri="{FF2B5EF4-FFF2-40B4-BE49-F238E27FC236}">
+                <a16:creationId xmlns:a16="http://schemas.microsoft.com/office/drawing/2014/main" id="{B95B91C3-4AE1-80FF-F0B8-23DA7FE937BB}"/>
+              </a:ext>
+            </a:extLst>
+          </p:cNvPr>
+          <p:cNvSpPr/>
+          <p:nvPr/>
+        </p:nvSpPr>
+        <p:spPr>
+          <a:xfrm>
+            <a:off x="3572912" y="2016249"/>
+            <a:ext cx="385616" cy="325684"/>
+          </a:xfrm>
+          <a:prstGeom prst="trapezoid">
+            <a:avLst>
+              <a:gd name="adj" fmla="val 35236"/>
+            </a:avLst>
+          </a:prstGeom>
+          <a:noFill/>
+          <a:ln>
+            <a:solidFill>
+              <a:schemeClr val="tx1"/>
+            </a:solidFill>
+          </a:ln>
+        </p:spPr>
+        <p:style>
+          <a:lnRef idx="2">
+            <a:schemeClr val="accent1">
+              <a:shade val="15000"/>
+            </a:schemeClr>
+          </a:lnRef>
+          <a:fillRef idx="1">
+            <a:schemeClr val="accent1"/>
+          </a:fillRef>
+          <a:effectRef idx="0">
+            <a:schemeClr val="accent1"/>
+          </a:effectRef>
+          <a:fontRef idx="minor">
+            <a:schemeClr val="lt1"/>
+          </a:fontRef>
+        </p:style>
+        <p:txBody>
+          <a:bodyPr rtlCol="0" anchor="ctr"/>
+          <a:lstStyle/>
+          <a:p>
+            <a:pPr algn="ctr"/>
+            <a:endParaRPr lang="ko-KR" altLang="en-US">
+              <a:solidFill>
+                <a:schemeClr val="tx1"/>
+              </a:solidFill>
+            </a:endParaRPr>
+          </a:p>
+        </p:txBody>
+      </p:sp>
+      <p:sp>
+        <p:nvSpPr>
+          <p:cNvPr id="177" name="사다리꼴 176">
+            <a:extLst>
+              <a:ext uri="{FF2B5EF4-FFF2-40B4-BE49-F238E27FC236}">
+                <a16:creationId xmlns:a16="http://schemas.microsoft.com/office/drawing/2014/main" id="{68457DBB-F873-F2DE-AB98-CF0D5F942E6F}"/>
+              </a:ext>
+            </a:extLst>
+          </p:cNvPr>
+          <p:cNvSpPr/>
+          <p:nvPr/>
+        </p:nvSpPr>
+        <p:spPr>
+          <a:xfrm rot="10800000">
+            <a:off x="3958755" y="2342956"/>
+            <a:ext cx="4543664" cy="325684"/>
+          </a:xfrm>
+          <a:prstGeom prst="trapezoid">
+            <a:avLst>
+              <a:gd name="adj" fmla="val 35236"/>
+            </a:avLst>
+          </a:prstGeom>
+          <a:noFill/>
+          <a:ln>
+            <a:solidFill>
+              <a:schemeClr val="tx1"/>
+            </a:solidFill>
+          </a:ln>
+        </p:spPr>
+        <p:style>
+          <a:lnRef idx="2">
+            <a:schemeClr val="accent1">
+              <a:shade val="15000"/>
+            </a:schemeClr>
+          </a:lnRef>
+          <a:fillRef idx="1">
+            <a:schemeClr val="accent1"/>
+          </a:fillRef>
+          <a:effectRef idx="0">
+            <a:schemeClr val="accent1"/>
+          </a:effectRef>
+          <a:fontRef idx="minor">
+            <a:schemeClr val="lt1"/>
+          </a:fontRef>
+        </p:style>
+        <p:txBody>
+          <a:bodyPr rtlCol="0" anchor="ctr"/>
+          <a:lstStyle/>
+          <a:p>
+            <a:pPr algn="ctr"/>
+            <a:endParaRPr lang="ko-KR" altLang="en-US">
+              <a:solidFill>
+                <a:schemeClr val="tx1"/>
+              </a:solidFill>
+            </a:endParaRPr>
+          </a:p>
+        </p:txBody>
+      </p:sp>
+      <p:sp>
+        <p:nvSpPr>
+          <p:cNvPr id="178" name="사다리꼴 177">
+            <a:extLst>
+              <a:ext uri="{FF2B5EF4-FFF2-40B4-BE49-F238E27FC236}">
+                <a16:creationId xmlns:a16="http://schemas.microsoft.com/office/drawing/2014/main" id="{98CDE2BA-817E-AF8E-6254-6AE8DC2F0A52}"/>
+              </a:ext>
+            </a:extLst>
+          </p:cNvPr>
+          <p:cNvSpPr/>
+          <p:nvPr/>
+        </p:nvSpPr>
+        <p:spPr>
+          <a:xfrm>
+            <a:off x="8499245" y="2019424"/>
+            <a:ext cx="385616" cy="325684"/>
+          </a:xfrm>
+          <a:prstGeom prst="trapezoid">
+            <a:avLst>
+              <a:gd name="adj" fmla="val 35236"/>
+            </a:avLst>
+          </a:prstGeom>
+          <a:noFill/>
+          <a:ln>
+            <a:solidFill>
+              <a:schemeClr val="tx1"/>
+            </a:solidFill>
+          </a:ln>
+        </p:spPr>
+        <p:style>
+          <a:lnRef idx="2">
+            <a:schemeClr val="accent1">
+              <a:shade val="15000"/>
+            </a:schemeClr>
+          </a:lnRef>
+          <a:fillRef idx="1">
+            <a:schemeClr val="accent1"/>
+          </a:fillRef>
+          <a:effectRef idx="0">
+            <a:schemeClr val="accent1"/>
+          </a:effectRef>
+          <a:fontRef idx="minor">
+            <a:schemeClr val="lt1"/>
+          </a:fontRef>
+        </p:style>
+        <p:txBody>
+          <a:bodyPr rtlCol="0" anchor="ctr"/>
+          <a:lstStyle/>
+          <a:p>
+            <a:pPr algn="ctr"/>
+            <a:endParaRPr lang="ko-KR" altLang="en-US">
+              <a:solidFill>
+                <a:schemeClr val="tx1"/>
+              </a:solidFill>
+            </a:endParaRPr>
+          </a:p>
+        </p:txBody>
+      </p:sp>
+      <p:sp>
+        <p:nvSpPr>
+          <p:cNvPr id="179" name="사다리꼴 178">
+            <a:extLst>
+              <a:ext uri="{FF2B5EF4-FFF2-40B4-BE49-F238E27FC236}">
+                <a16:creationId xmlns:a16="http://schemas.microsoft.com/office/drawing/2014/main" id="{1325E7BC-1C6D-8C9A-D216-B6D0FE93B161}"/>
+              </a:ext>
+            </a:extLst>
+          </p:cNvPr>
+          <p:cNvSpPr/>
+          <p:nvPr/>
+        </p:nvSpPr>
+        <p:spPr>
+          <a:xfrm rot="10800000">
+            <a:off x="8884861" y="2346131"/>
+            <a:ext cx="2281382" cy="325684"/>
+          </a:xfrm>
+          <a:prstGeom prst="trapezoid">
+            <a:avLst>
+              <a:gd name="adj" fmla="val 35236"/>
+            </a:avLst>
+          </a:prstGeom>
+          <a:noFill/>
+          <a:ln>
+            <a:solidFill>
+              <a:schemeClr val="tx1"/>
+            </a:solidFill>
+          </a:ln>
+        </p:spPr>
+        <p:style>
+          <a:lnRef idx="2">
+            <a:schemeClr val="accent1">
+              <a:shade val="15000"/>
+            </a:schemeClr>
+          </a:lnRef>
+          <a:fillRef idx="1">
+            <a:schemeClr val="accent1"/>
+          </a:fillRef>
+          <a:effectRef idx="0">
+            <a:schemeClr val="accent1"/>
+          </a:effectRef>
+          <a:fontRef idx="minor">
+            <a:schemeClr val="lt1"/>
+          </a:fontRef>
+        </p:style>
+        <p:txBody>
+          <a:bodyPr rtlCol="0" anchor="ctr"/>
+          <a:lstStyle/>
+          <a:p>
+            <a:pPr algn="ctr"/>
+            <a:endParaRPr lang="ko-KR" altLang="en-US">
+              <a:solidFill>
+                <a:schemeClr val="tx1"/>
+              </a:solidFill>
+            </a:endParaRPr>
+          </a:p>
+        </p:txBody>
+      </p:sp>
+      <p:sp>
+        <p:nvSpPr>
+          <p:cNvPr id="180" name="사다리꼴 179">
+            <a:extLst>
+              <a:ext uri="{FF2B5EF4-FFF2-40B4-BE49-F238E27FC236}">
+                <a16:creationId xmlns:a16="http://schemas.microsoft.com/office/drawing/2014/main" id="{C5B8B730-B826-D295-F139-AAE345E754E0}"/>
+              </a:ext>
+            </a:extLst>
+          </p:cNvPr>
+          <p:cNvSpPr/>
+          <p:nvPr/>
+        </p:nvSpPr>
+        <p:spPr>
+          <a:xfrm>
+            <a:off x="5817822" y="3254427"/>
+            <a:ext cx="385616" cy="325684"/>
+          </a:xfrm>
+          <a:prstGeom prst="trapezoid">
+            <a:avLst>
+              <a:gd name="adj" fmla="val 35236"/>
+            </a:avLst>
+          </a:prstGeom>
+          <a:noFill/>
+          <a:ln>
+            <a:solidFill>
+              <a:schemeClr val="tx1"/>
+            </a:solidFill>
+          </a:ln>
+        </p:spPr>
+        <p:style>
+          <a:lnRef idx="2">
+            <a:schemeClr val="accent1">
+              <a:shade val="15000"/>
+            </a:schemeClr>
+          </a:lnRef>
+          <a:fillRef idx="1">
+            <a:schemeClr val="accent1"/>
+          </a:fillRef>
+          <a:effectRef idx="0">
+            <a:schemeClr val="accent1"/>
+          </a:effectRef>
+          <a:fontRef idx="minor">
+            <a:schemeClr val="lt1"/>
+          </a:fontRef>
+        </p:style>
+        <p:txBody>
+          <a:bodyPr rtlCol="0" anchor="ctr"/>
+          <a:lstStyle/>
+          <a:p>
+            <a:pPr algn="ctr"/>
+            <a:endParaRPr lang="ko-KR" altLang="en-US">
+              <a:solidFill>
+                <a:schemeClr val="tx1"/>
+              </a:solidFill>
+            </a:endParaRPr>
+          </a:p>
+        </p:txBody>
+      </p:sp>
+      <p:sp>
+        <p:nvSpPr>
+          <p:cNvPr id="181" name="사다리꼴 180">
+            <a:extLst>
+              <a:ext uri="{FF2B5EF4-FFF2-40B4-BE49-F238E27FC236}">
+                <a16:creationId xmlns:a16="http://schemas.microsoft.com/office/drawing/2014/main" id="{46BC3246-3DC5-F421-0168-F1FCE05F9146}"/>
+              </a:ext>
+            </a:extLst>
+          </p:cNvPr>
+          <p:cNvSpPr/>
+          <p:nvPr/>
+        </p:nvSpPr>
+        <p:spPr>
+          <a:xfrm rot="10800000">
+            <a:off x="2773383" y="3584222"/>
+            <a:ext cx="3038794" cy="325684"/>
+          </a:xfrm>
+          <a:prstGeom prst="trapezoid">
+            <a:avLst>
+              <a:gd name="adj" fmla="val 35236"/>
+            </a:avLst>
+          </a:prstGeom>
+          <a:noFill/>
+          <a:ln>
+            <a:solidFill>
+              <a:schemeClr val="tx1"/>
+            </a:solidFill>
+          </a:ln>
+        </p:spPr>
+        <p:style>
+          <a:lnRef idx="2">
+            <a:schemeClr val="accent1">
+              <a:shade val="15000"/>
+            </a:schemeClr>
+          </a:lnRef>
+          <a:fillRef idx="1">
+            <a:schemeClr val="accent1"/>
+          </a:fillRef>
+          <a:effectRef idx="0">
+            <a:schemeClr val="accent1"/>
+          </a:effectRef>
+          <a:fontRef idx="minor">
+            <a:schemeClr val="lt1"/>
+          </a:fontRef>
+        </p:style>
+        <p:txBody>
+          <a:bodyPr rtlCol="0" anchor="ctr"/>
+          <a:lstStyle/>
+          <a:p>
+            <a:pPr algn="ctr"/>
+            <a:endParaRPr lang="ko-KR" altLang="en-US">
+              <a:solidFill>
+                <a:schemeClr val="tx1"/>
+              </a:solidFill>
+            </a:endParaRPr>
+          </a:p>
+        </p:txBody>
+      </p:sp>
+      <p:sp>
+        <p:nvSpPr>
+          <p:cNvPr id="182" name="사다리꼴 181">
+            <a:extLst>
+              <a:ext uri="{FF2B5EF4-FFF2-40B4-BE49-F238E27FC236}">
+                <a16:creationId xmlns:a16="http://schemas.microsoft.com/office/drawing/2014/main" id="{CE4970A2-2745-217D-AE28-E94483AABA76}"/>
+              </a:ext>
+            </a:extLst>
+          </p:cNvPr>
+          <p:cNvSpPr/>
+          <p:nvPr/>
+        </p:nvSpPr>
+        <p:spPr>
+          <a:xfrm>
+            <a:off x="10738555" y="3254427"/>
+            <a:ext cx="385616" cy="325684"/>
+          </a:xfrm>
+          <a:prstGeom prst="trapezoid">
+            <a:avLst>
+              <a:gd name="adj" fmla="val 35236"/>
+            </a:avLst>
+          </a:prstGeom>
+          <a:noFill/>
+          <a:ln>
+            <a:solidFill>
+              <a:schemeClr val="tx1"/>
+            </a:solidFill>
+          </a:ln>
+        </p:spPr>
+        <p:style>
+          <a:lnRef idx="2">
+            <a:schemeClr val="accent1">
+              <a:shade val="15000"/>
+            </a:schemeClr>
+          </a:lnRef>
+          <a:fillRef idx="1">
+            <a:schemeClr val="accent1"/>
+          </a:fillRef>
+          <a:effectRef idx="0">
+            <a:schemeClr val="accent1"/>
+          </a:effectRef>
+          <a:fontRef idx="minor">
+            <a:schemeClr val="lt1"/>
+          </a:fontRef>
+        </p:style>
+        <p:txBody>
+          <a:bodyPr rtlCol="0" anchor="ctr"/>
+          <a:lstStyle/>
+          <a:p>
+            <a:pPr algn="ctr"/>
+            <a:endParaRPr lang="ko-KR" altLang="en-US">
+              <a:solidFill>
+                <a:schemeClr val="tx1"/>
+              </a:solidFill>
+            </a:endParaRPr>
+          </a:p>
+        </p:txBody>
+      </p:sp>
+      <p:sp>
+        <p:nvSpPr>
+          <p:cNvPr id="183" name="사다리꼴 182">
+            <a:extLst>
+              <a:ext uri="{FF2B5EF4-FFF2-40B4-BE49-F238E27FC236}">
+                <a16:creationId xmlns:a16="http://schemas.microsoft.com/office/drawing/2014/main" id="{03EFFCB6-15FD-4DC8-6988-D1155D04A830}"/>
+              </a:ext>
+            </a:extLst>
+          </p:cNvPr>
+          <p:cNvSpPr/>
+          <p:nvPr/>
+        </p:nvSpPr>
+        <p:spPr>
+          <a:xfrm rot="10800000">
+            <a:off x="6205026" y="3585755"/>
+            <a:ext cx="4529472" cy="325684"/>
+          </a:xfrm>
+          <a:prstGeom prst="trapezoid">
+            <a:avLst>
+              <a:gd name="adj" fmla="val 35236"/>
+            </a:avLst>
+          </a:prstGeom>
+          <a:noFill/>
+          <a:ln>
+            <a:solidFill>
+              <a:schemeClr val="tx1"/>
+            </a:solidFill>
+          </a:ln>
+        </p:spPr>
+        <p:style>
+          <a:lnRef idx="2">
+            <a:schemeClr val="accent1">
+              <a:shade val="15000"/>
+            </a:schemeClr>
+          </a:lnRef>
+          <a:fillRef idx="1">
+            <a:schemeClr val="accent1"/>
+          </a:fillRef>
+          <a:effectRef idx="0">
+            <a:schemeClr val="accent1"/>
+          </a:effectRef>
+          <a:fontRef idx="minor">
+            <a:schemeClr val="lt1"/>
+          </a:fontRef>
+        </p:style>
+        <p:txBody>
+          <a:bodyPr rtlCol="0" anchor="ctr"/>
+          <a:lstStyle/>
+          <a:p>
+            <a:pPr algn="ctr"/>
+            <a:endParaRPr lang="ko-KR" altLang="en-US">
+              <a:solidFill>
+                <a:schemeClr val="tx1"/>
+              </a:solidFill>
+            </a:endParaRPr>
+          </a:p>
+        </p:txBody>
+      </p:sp>
+    </p:spTree>
+    <p:extLst>
+      <p:ext uri="{BB962C8B-B14F-4D97-AF65-F5344CB8AC3E}">
+        <p14:creationId xmlns:p14="http://schemas.microsoft.com/office/powerpoint/2010/main" val="215406108"/>
+      </p:ext>
+    </p:extLst>
+  </p:cSld>
+  <p:clrMapOvr>
+    <a:masterClrMapping/>
+  </p:clrMapOvr>
+</p:sld>
+</file>
+
 <file path=ppt/slides/slide2.xml><?xml version="1.0" encoding="utf-8"?>
 <p:sld xmlns:a="http://schemas.openxmlformats.org/drawingml/2006/main" xmlns:r="http://schemas.openxmlformats.org/officeDocument/2006/relationships" xmlns:p="http://schemas.openxmlformats.org/presentationml/2006/main">
   <p:cSld>
